--- a/Astronauts_sig.pptx
+++ b/Astronauts_sig.pptx
@@ -4,10 +4,18 @@
   <p:sldMasterIdLst>
     <p:sldMasterId id="2147483677" r:id="rId1"/>
   </p:sldMasterIdLst>
+  <p:notesMasterIdLst>
+    <p:notesMasterId r:id="rId10"/>
+  </p:notesMasterIdLst>
   <p:sldIdLst>
     <p:sldId id="256" r:id="rId2"/>
-    <p:sldId id="257" r:id="rId3"/>
-    <p:sldId id="258" r:id="rId4"/>
+    <p:sldId id="259" r:id="rId3"/>
+    <p:sldId id="261" r:id="rId4"/>
+    <p:sldId id="262" r:id="rId5"/>
+    <p:sldId id="260" r:id="rId6"/>
+    <p:sldId id="263" r:id="rId7"/>
+    <p:sldId id="264" r:id="rId8"/>
+    <p:sldId id="265" r:id="rId9"/>
   </p:sldIdLst>
   <p:sldSz cx="12192000" cy="6858000"/>
   <p:notesSz cx="6858000" cy="9144000"/>
@@ -106,7 +114,614 @@
       </a:defRPr>
     </a:lvl9pPr>
   </p:defaultTextStyle>
+  <p:extLst>
+    <p:ext uri="{EFAFB233-063F-42B5-8137-9DF3F51BA10A}">
+      <p15:sldGuideLst xmlns:p15="http://schemas.microsoft.com/office/powerpoint/2012/main"/>
+    </p:ext>
+  </p:extLst>
 </p:presentation>
+</file>
+
+<file path=ppt/notesMasters/notesMaster1.xml><?xml version="1.0" encoding="utf-8"?>
+<p:notesMaster xmlns:a="http://schemas.openxmlformats.org/drawingml/2006/main" xmlns:r="http://schemas.openxmlformats.org/officeDocument/2006/relationships" xmlns:p="http://schemas.openxmlformats.org/presentationml/2006/main">
+  <p:cSld>
+    <p:bg>
+      <p:bgRef idx="1001">
+        <a:schemeClr val="bg1"/>
+      </p:bgRef>
+    </p:bg>
+    <p:spTree>
+      <p:nvGrpSpPr>
+        <p:cNvPr id="1" name=""/>
+        <p:cNvGrpSpPr/>
+        <p:nvPr/>
+      </p:nvGrpSpPr>
+      <p:grpSpPr>
+        <a:xfrm>
+          <a:off x="0" y="0"/>
+          <a:ext cx="0" cy="0"/>
+          <a:chOff x="0" y="0"/>
+          <a:chExt cx="0" cy="0"/>
+        </a:xfrm>
+      </p:grpSpPr>
+      <p:sp>
+        <p:nvSpPr>
+          <p:cNvPr id="2" name="Header Placeholder 1"/>
+          <p:cNvSpPr>
+            <a:spLocks noGrp="1"/>
+          </p:cNvSpPr>
+          <p:nvPr>
+            <p:ph type="hdr" sz="quarter"/>
+          </p:nvPr>
+        </p:nvSpPr>
+        <p:spPr>
+          <a:xfrm>
+            <a:off x="0" y="0"/>
+            <a:ext cx="2971800" cy="458788"/>
+          </a:xfrm>
+          <a:prstGeom prst="rect">
+            <a:avLst/>
+          </a:prstGeom>
+        </p:spPr>
+        <p:txBody>
+          <a:bodyPr vert="horz" lIns="91440" tIns="45720" rIns="91440" bIns="45720" rtlCol="0"/>
+          <a:lstStyle>
+            <a:lvl1pPr algn="l">
+              <a:defRPr sz="1200"/>
+            </a:lvl1pPr>
+          </a:lstStyle>
+          <a:p>
+            <a:endParaRPr lang="en-AU"/>
+          </a:p>
+        </p:txBody>
+      </p:sp>
+      <p:sp>
+        <p:nvSpPr>
+          <p:cNvPr id="3" name="Date Placeholder 2"/>
+          <p:cNvSpPr>
+            <a:spLocks noGrp="1"/>
+          </p:cNvSpPr>
+          <p:nvPr>
+            <p:ph type="dt" idx="1"/>
+          </p:nvPr>
+        </p:nvSpPr>
+        <p:spPr>
+          <a:xfrm>
+            <a:off x="3884613" y="0"/>
+            <a:ext cx="2971800" cy="458788"/>
+          </a:xfrm>
+          <a:prstGeom prst="rect">
+            <a:avLst/>
+          </a:prstGeom>
+        </p:spPr>
+        <p:txBody>
+          <a:bodyPr vert="horz" lIns="91440" tIns="45720" rIns="91440" bIns="45720" rtlCol="0"/>
+          <a:lstStyle>
+            <a:lvl1pPr algn="r">
+              <a:defRPr sz="1200"/>
+            </a:lvl1pPr>
+          </a:lstStyle>
+          <a:p>
+            <a:fld id="{BAAB54B2-A3FF-DC48-B3B1-A5FA4DF29CFB}" type="datetimeFigureOut">
+              <a:rPr lang="en-AU" smtClean="0"/>
+              <a:t>18/7/21</a:t>
+            </a:fld>
+            <a:endParaRPr lang="en-AU"/>
+          </a:p>
+        </p:txBody>
+      </p:sp>
+      <p:sp>
+        <p:nvSpPr>
+          <p:cNvPr id="4" name="Slide Image Placeholder 3"/>
+          <p:cNvSpPr>
+            <a:spLocks noGrp="1" noRot="1" noChangeAspect="1"/>
+          </p:cNvSpPr>
+          <p:nvPr>
+            <p:ph type="sldImg" idx="2"/>
+          </p:nvPr>
+        </p:nvSpPr>
+        <p:spPr>
+          <a:xfrm>
+            <a:off x="685800" y="1143000"/>
+            <a:ext cx="5486400" cy="3086100"/>
+          </a:xfrm>
+          <a:prstGeom prst="rect">
+            <a:avLst/>
+          </a:prstGeom>
+          <a:noFill/>
+          <a:ln w="12700">
+            <a:solidFill>
+              <a:prstClr val="black"/>
+            </a:solidFill>
+          </a:ln>
+        </p:spPr>
+        <p:txBody>
+          <a:bodyPr vert="horz" lIns="91440" tIns="45720" rIns="91440" bIns="45720" rtlCol="0" anchor="ctr"/>
+          <a:lstStyle/>
+          <a:p>
+            <a:endParaRPr lang="en-AU"/>
+          </a:p>
+        </p:txBody>
+      </p:sp>
+      <p:sp>
+        <p:nvSpPr>
+          <p:cNvPr id="5" name="Notes Placeholder 4"/>
+          <p:cNvSpPr>
+            <a:spLocks noGrp="1"/>
+          </p:cNvSpPr>
+          <p:nvPr>
+            <p:ph type="body" sz="quarter" idx="3"/>
+          </p:nvPr>
+        </p:nvSpPr>
+        <p:spPr>
+          <a:xfrm>
+            <a:off x="685800" y="4400550"/>
+            <a:ext cx="5486400" cy="3600450"/>
+          </a:xfrm>
+          <a:prstGeom prst="rect">
+            <a:avLst/>
+          </a:prstGeom>
+        </p:spPr>
+        <p:txBody>
+          <a:bodyPr vert="horz" lIns="91440" tIns="45720" rIns="91440" bIns="45720" rtlCol="0"/>
+          <a:lstStyle/>
+          <a:p>
+            <a:pPr lvl="0"/>
+            <a:r>
+              <a:rPr lang="en-GB"/>
+              <a:t>Click to edit Master text styles</a:t>
+            </a:r>
+          </a:p>
+          <a:p>
+            <a:pPr lvl="1"/>
+            <a:r>
+              <a:rPr lang="en-GB"/>
+              <a:t>Second level</a:t>
+            </a:r>
+          </a:p>
+          <a:p>
+            <a:pPr lvl="2"/>
+            <a:r>
+              <a:rPr lang="en-GB"/>
+              <a:t>Third level</a:t>
+            </a:r>
+          </a:p>
+          <a:p>
+            <a:pPr lvl="3"/>
+            <a:r>
+              <a:rPr lang="en-GB"/>
+              <a:t>Fourth level</a:t>
+            </a:r>
+          </a:p>
+          <a:p>
+            <a:pPr lvl="4"/>
+            <a:r>
+              <a:rPr lang="en-GB"/>
+              <a:t>Fifth level</a:t>
+            </a:r>
+            <a:endParaRPr lang="en-AU"/>
+          </a:p>
+        </p:txBody>
+      </p:sp>
+      <p:sp>
+        <p:nvSpPr>
+          <p:cNvPr id="6" name="Footer Placeholder 5"/>
+          <p:cNvSpPr>
+            <a:spLocks noGrp="1"/>
+          </p:cNvSpPr>
+          <p:nvPr>
+            <p:ph type="ftr" sz="quarter" idx="4"/>
+          </p:nvPr>
+        </p:nvSpPr>
+        <p:spPr>
+          <a:xfrm>
+            <a:off x="0" y="8685213"/>
+            <a:ext cx="2971800" cy="458787"/>
+          </a:xfrm>
+          <a:prstGeom prst="rect">
+            <a:avLst/>
+          </a:prstGeom>
+        </p:spPr>
+        <p:txBody>
+          <a:bodyPr vert="horz" lIns="91440" tIns="45720" rIns="91440" bIns="45720" rtlCol="0" anchor="b"/>
+          <a:lstStyle>
+            <a:lvl1pPr algn="l">
+              <a:defRPr sz="1200"/>
+            </a:lvl1pPr>
+          </a:lstStyle>
+          <a:p>
+            <a:endParaRPr lang="en-AU"/>
+          </a:p>
+        </p:txBody>
+      </p:sp>
+      <p:sp>
+        <p:nvSpPr>
+          <p:cNvPr id="7" name="Slide Number Placeholder 6"/>
+          <p:cNvSpPr>
+            <a:spLocks noGrp="1"/>
+          </p:cNvSpPr>
+          <p:nvPr>
+            <p:ph type="sldNum" sz="quarter" idx="5"/>
+          </p:nvPr>
+        </p:nvSpPr>
+        <p:spPr>
+          <a:xfrm>
+            <a:off x="3884613" y="8685213"/>
+            <a:ext cx="2971800" cy="458787"/>
+          </a:xfrm>
+          <a:prstGeom prst="rect">
+            <a:avLst/>
+          </a:prstGeom>
+        </p:spPr>
+        <p:txBody>
+          <a:bodyPr vert="horz" lIns="91440" tIns="45720" rIns="91440" bIns="45720" rtlCol="0" anchor="b"/>
+          <a:lstStyle>
+            <a:lvl1pPr algn="r">
+              <a:defRPr sz="1200"/>
+            </a:lvl1pPr>
+          </a:lstStyle>
+          <a:p>
+            <a:fld id="{E1239F5A-3C28-4141-A6D5-2BDFAFBB3129}" type="slidenum">
+              <a:rPr lang="en-AU" smtClean="0"/>
+              <a:t>‹#›</a:t>
+            </a:fld>
+            <a:endParaRPr lang="en-AU"/>
+          </a:p>
+        </p:txBody>
+      </p:sp>
+    </p:spTree>
+    <p:extLst>
+      <p:ext uri="{BB962C8B-B14F-4D97-AF65-F5344CB8AC3E}">
+        <p14:creationId xmlns:p14="http://schemas.microsoft.com/office/powerpoint/2010/main" val="3728666652"/>
+      </p:ext>
+    </p:extLst>
+  </p:cSld>
+  <p:clrMap bg1="lt1" tx1="dk1" bg2="lt2" tx2="dk2" accent1="accent1" accent2="accent2" accent3="accent3" accent4="accent4" accent5="accent5" accent6="accent6" hlink="hlink" folHlink="folHlink"/>
+  <p:notesStyle>
+    <a:lvl1pPr marL="0" algn="l" defTabSz="914400" rtl="0" eaLnBrk="1" latinLnBrk="0" hangingPunct="1">
+      <a:defRPr sz="1200" kern="1200">
+        <a:solidFill>
+          <a:schemeClr val="tx1"/>
+        </a:solidFill>
+        <a:latin typeface="+mn-lt"/>
+        <a:ea typeface="+mn-ea"/>
+        <a:cs typeface="+mn-cs"/>
+      </a:defRPr>
+    </a:lvl1pPr>
+    <a:lvl2pPr marL="457200" algn="l" defTabSz="914400" rtl="0" eaLnBrk="1" latinLnBrk="0" hangingPunct="1">
+      <a:defRPr sz="1200" kern="1200">
+        <a:solidFill>
+          <a:schemeClr val="tx1"/>
+        </a:solidFill>
+        <a:latin typeface="+mn-lt"/>
+        <a:ea typeface="+mn-ea"/>
+        <a:cs typeface="+mn-cs"/>
+      </a:defRPr>
+    </a:lvl2pPr>
+    <a:lvl3pPr marL="914400" algn="l" defTabSz="914400" rtl="0" eaLnBrk="1" latinLnBrk="0" hangingPunct="1">
+      <a:defRPr sz="1200" kern="1200">
+        <a:solidFill>
+          <a:schemeClr val="tx1"/>
+        </a:solidFill>
+        <a:latin typeface="+mn-lt"/>
+        <a:ea typeface="+mn-ea"/>
+        <a:cs typeface="+mn-cs"/>
+      </a:defRPr>
+    </a:lvl3pPr>
+    <a:lvl4pPr marL="1371600" algn="l" defTabSz="914400" rtl="0" eaLnBrk="1" latinLnBrk="0" hangingPunct="1">
+      <a:defRPr sz="1200" kern="1200">
+        <a:solidFill>
+          <a:schemeClr val="tx1"/>
+        </a:solidFill>
+        <a:latin typeface="+mn-lt"/>
+        <a:ea typeface="+mn-ea"/>
+        <a:cs typeface="+mn-cs"/>
+      </a:defRPr>
+    </a:lvl4pPr>
+    <a:lvl5pPr marL="1828800" algn="l" defTabSz="914400" rtl="0" eaLnBrk="1" latinLnBrk="0" hangingPunct="1">
+      <a:defRPr sz="1200" kern="1200">
+        <a:solidFill>
+          <a:schemeClr val="tx1"/>
+        </a:solidFill>
+        <a:latin typeface="+mn-lt"/>
+        <a:ea typeface="+mn-ea"/>
+        <a:cs typeface="+mn-cs"/>
+      </a:defRPr>
+    </a:lvl5pPr>
+    <a:lvl6pPr marL="2286000" algn="l" defTabSz="914400" rtl="0" eaLnBrk="1" latinLnBrk="0" hangingPunct="1">
+      <a:defRPr sz="1200" kern="1200">
+        <a:solidFill>
+          <a:schemeClr val="tx1"/>
+        </a:solidFill>
+        <a:latin typeface="+mn-lt"/>
+        <a:ea typeface="+mn-ea"/>
+        <a:cs typeface="+mn-cs"/>
+      </a:defRPr>
+    </a:lvl6pPr>
+    <a:lvl7pPr marL="2743200" algn="l" defTabSz="914400" rtl="0" eaLnBrk="1" latinLnBrk="0" hangingPunct="1">
+      <a:defRPr sz="1200" kern="1200">
+        <a:solidFill>
+          <a:schemeClr val="tx1"/>
+        </a:solidFill>
+        <a:latin typeface="+mn-lt"/>
+        <a:ea typeface="+mn-ea"/>
+        <a:cs typeface="+mn-cs"/>
+      </a:defRPr>
+    </a:lvl7pPr>
+    <a:lvl8pPr marL="3200400" algn="l" defTabSz="914400" rtl="0" eaLnBrk="1" latinLnBrk="0" hangingPunct="1">
+      <a:defRPr sz="1200" kern="1200">
+        <a:solidFill>
+          <a:schemeClr val="tx1"/>
+        </a:solidFill>
+        <a:latin typeface="+mn-lt"/>
+        <a:ea typeface="+mn-ea"/>
+        <a:cs typeface="+mn-cs"/>
+      </a:defRPr>
+    </a:lvl8pPr>
+    <a:lvl9pPr marL="3657600" algn="l" defTabSz="914400" rtl="0" eaLnBrk="1" latinLnBrk="0" hangingPunct="1">
+      <a:defRPr sz="1200" kern="1200">
+        <a:solidFill>
+          <a:schemeClr val="tx1"/>
+        </a:solidFill>
+        <a:latin typeface="+mn-lt"/>
+        <a:ea typeface="+mn-ea"/>
+        <a:cs typeface="+mn-cs"/>
+      </a:defRPr>
+    </a:lvl9pPr>
+  </p:notesStyle>
+</p:notesMaster>
+</file>
+
+<file path=ppt/notesSlides/notesSlide1.xml><?xml version="1.0" encoding="utf-8"?>
+<p:notes xmlns:a="http://schemas.openxmlformats.org/drawingml/2006/main" xmlns:r="http://schemas.openxmlformats.org/officeDocument/2006/relationships" xmlns:p="http://schemas.openxmlformats.org/presentationml/2006/main">
+  <p:cSld>
+    <p:spTree>
+      <p:nvGrpSpPr>
+        <p:cNvPr id="1" name=""/>
+        <p:cNvGrpSpPr/>
+        <p:nvPr/>
+      </p:nvGrpSpPr>
+      <p:grpSpPr>
+        <a:xfrm>
+          <a:off x="0" y="0"/>
+          <a:ext cx="0" cy="0"/>
+          <a:chOff x="0" y="0"/>
+          <a:chExt cx="0" cy="0"/>
+        </a:xfrm>
+      </p:grpSpPr>
+      <p:sp>
+        <p:nvSpPr>
+          <p:cNvPr id="2" name="Slide Image Placeholder 1"/>
+          <p:cNvSpPr>
+            <a:spLocks noGrp="1" noRot="1" noChangeAspect="1"/>
+          </p:cNvSpPr>
+          <p:nvPr>
+            <p:ph type="sldImg"/>
+          </p:nvPr>
+        </p:nvSpPr>
+        <p:spPr/>
+      </p:sp>
+      <p:sp>
+        <p:nvSpPr>
+          <p:cNvPr id="3" name="Notes Placeholder 2"/>
+          <p:cNvSpPr>
+            <a:spLocks noGrp="1"/>
+          </p:cNvSpPr>
+          <p:nvPr>
+            <p:ph type="body" idx="1"/>
+          </p:nvPr>
+        </p:nvSpPr>
+        <p:spPr/>
+        <p:txBody>
+          <a:bodyPr/>
+          <a:lstStyle/>
+          <a:p>
+            <a:endParaRPr lang="en-AU" dirty="0"/>
+          </a:p>
+        </p:txBody>
+      </p:sp>
+      <p:sp>
+        <p:nvSpPr>
+          <p:cNvPr id="4" name="Slide Number Placeholder 3"/>
+          <p:cNvSpPr>
+            <a:spLocks noGrp="1"/>
+          </p:cNvSpPr>
+          <p:nvPr>
+            <p:ph type="sldNum" sz="quarter" idx="5"/>
+          </p:nvPr>
+        </p:nvSpPr>
+        <p:spPr/>
+        <p:txBody>
+          <a:bodyPr/>
+          <a:lstStyle/>
+          <a:p>
+            <a:fld id="{E1239F5A-3C28-4141-A6D5-2BDFAFBB3129}" type="slidenum">
+              <a:rPr lang="en-AU" smtClean="0"/>
+              <a:t>1</a:t>
+            </a:fld>
+            <a:endParaRPr lang="en-AU"/>
+          </a:p>
+        </p:txBody>
+      </p:sp>
+    </p:spTree>
+    <p:extLst>
+      <p:ext uri="{BB962C8B-B14F-4D97-AF65-F5344CB8AC3E}">
+        <p14:creationId xmlns:p14="http://schemas.microsoft.com/office/powerpoint/2010/main" val="16669848"/>
+      </p:ext>
+    </p:extLst>
+  </p:cSld>
+  <p:clrMapOvr>
+    <a:masterClrMapping/>
+  </p:clrMapOvr>
+</p:notes>
+</file>
+
+<file path=ppt/notesSlides/notesSlide2.xml><?xml version="1.0" encoding="utf-8"?>
+<p:notes xmlns:a="http://schemas.openxmlformats.org/drawingml/2006/main" xmlns:r="http://schemas.openxmlformats.org/officeDocument/2006/relationships" xmlns:p="http://schemas.openxmlformats.org/presentationml/2006/main">
+  <p:cSld>
+    <p:spTree>
+      <p:nvGrpSpPr>
+        <p:cNvPr id="1" name=""/>
+        <p:cNvGrpSpPr/>
+        <p:nvPr/>
+      </p:nvGrpSpPr>
+      <p:grpSpPr>
+        <a:xfrm>
+          <a:off x="0" y="0"/>
+          <a:ext cx="0" cy="0"/>
+          <a:chOff x="0" y="0"/>
+          <a:chExt cx="0" cy="0"/>
+        </a:xfrm>
+      </p:grpSpPr>
+      <p:sp>
+        <p:nvSpPr>
+          <p:cNvPr id="2" name="Slide Image Placeholder 1"/>
+          <p:cNvSpPr>
+            <a:spLocks noGrp="1" noRot="1" noChangeAspect="1"/>
+          </p:cNvSpPr>
+          <p:nvPr>
+            <p:ph type="sldImg"/>
+          </p:nvPr>
+        </p:nvSpPr>
+        <p:spPr/>
+      </p:sp>
+      <p:sp>
+        <p:nvSpPr>
+          <p:cNvPr id="3" name="Notes Placeholder 2"/>
+          <p:cNvSpPr>
+            <a:spLocks noGrp="1"/>
+          </p:cNvSpPr>
+          <p:nvPr>
+            <p:ph type="body" idx="1"/>
+          </p:nvPr>
+        </p:nvSpPr>
+        <p:spPr/>
+        <p:txBody>
+          <a:bodyPr/>
+          <a:lstStyle/>
+          <a:p>
+            <a:endParaRPr lang="en-AU" dirty="0"/>
+          </a:p>
+        </p:txBody>
+      </p:sp>
+      <p:sp>
+        <p:nvSpPr>
+          <p:cNvPr id="4" name="Slide Number Placeholder 3"/>
+          <p:cNvSpPr>
+            <a:spLocks noGrp="1"/>
+          </p:cNvSpPr>
+          <p:nvPr>
+            <p:ph type="sldNum" sz="quarter" idx="5"/>
+          </p:nvPr>
+        </p:nvSpPr>
+        <p:spPr/>
+        <p:txBody>
+          <a:bodyPr/>
+          <a:lstStyle/>
+          <a:p>
+            <a:fld id="{E1239F5A-3C28-4141-A6D5-2BDFAFBB3129}" type="slidenum">
+              <a:rPr lang="en-AU" smtClean="0"/>
+              <a:t>3</a:t>
+            </a:fld>
+            <a:endParaRPr lang="en-AU"/>
+          </a:p>
+        </p:txBody>
+      </p:sp>
+    </p:spTree>
+    <p:extLst>
+      <p:ext uri="{BB962C8B-B14F-4D97-AF65-F5344CB8AC3E}">
+        <p14:creationId xmlns:p14="http://schemas.microsoft.com/office/powerpoint/2010/main" val="201148029"/>
+      </p:ext>
+    </p:extLst>
+  </p:cSld>
+  <p:clrMapOvr>
+    <a:masterClrMapping/>
+  </p:clrMapOvr>
+</p:notes>
+</file>
+
+<file path=ppt/notesSlides/notesSlide3.xml><?xml version="1.0" encoding="utf-8"?>
+<p:notes xmlns:a="http://schemas.openxmlformats.org/drawingml/2006/main" xmlns:r="http://schemas.openxmlformats.org/officeDocument/2006/relationships" xmlns:p="http://schemas.openxmlformats.org/presentationml/2006/main">
+  <p:cSld>
+    <p:spTree>
+      <p:nvGrpSpPr>
+        <p:cNvPr id="1" name=""/>
+        <p:cNvGrpSpPr/>
+        <p:nvPr/>
+      </p:nvGrpSpPr>
+      <p:grpSpPr>
+        <a:xfrm>
+          <a:off x="0" y="0"/>
+          <a:ext cx="0" cy="0"/>
+          <a:chOff x="0" y="0"/>
+          <a:chExt cx="0" cy="0"/>
+        </a:xfrm>
+      </p:grpSpPr>
+      <p:sp>
+        <p:nvSpPr>
+          <p:cNvPr id="2" name="Slide Image Placeholder 1"/>
+          <p:cNvSpPr>
+            <a:spLocks noGrp="1" noRot="1" noChangeAspect="1"/>
+          </p:cNvSpPr>
+          <p:nvPr>
+            <p:ph type="sldImg"/>
+          </p:nvPr>
+        </p:nvSpPr>
+        <p:spPr/>
+      </p:sp>
+      <p:sp>
+        <p:nvSpPr>
+          <p:cNvPr id="3" name="Notes Placeholder 2"/>
+          <p:cNvSpPr>
+            <a:spLocks noGrp="1"/>
+          </p:cNvSpPr>
+          <p:nvPr>
+            <p:ph type="body" idx="1"/>
+          </p:nvPr>
+        </p:nvSpPr>
+        <p:spPr/>
+        <p:txBody>
+          <a:bodyPr/>
+          <a:lstStyle/>
+          <a:p>
+            <a:endParaRPr lang="en-AU" dirty="0"/>
+          </a:p>
+        </p:txBody>
+      </p:sp>
+      <p:sp>
+        <p:nvSpPr>
+          <p:cNvPr id="4" name="Slide Number Placeholder 3"/>
+          <p:cNvSpPr>
+            <a:spLocks noGrp="1"/>
+          </p:cNvSpPr>
+          <p:nvPr>
+            <p:ph type="sldNum" sz="quarter" idx="5"/>
+          </p:nvPr>
+        </p:nvSpPr>
+        <p:spPr/>
+        <p:txBody>
+          <a:bodyPr/>
+          <a:lstStyle/>
+          <a:p>
+            <a:fld id="{E1239F5A-3C28-4141-A6D5-2BDFAFBB3129}" type="slidenum">
+              <a:rPr lang="en-AU" smtClean="0"/>
+              <a:t>8</a:t>
+            </a:fld>
+            <a:endParaRPr lang="en-AU"/>
+          </a:p>
+        </p:txBody>
+      </p:sp>
+    </p:spTree>
+    <p:extLst>
+      <p:ext uri="{BB962C8B-B14F-4D97-AF65-F5344CB8AC3E}">
+        <p14:creationId xmlns:p14="http://schemas.microsoft.com/office/powerpoint/2010/main" val="2936574953"/>
+      </p:ext>
+    </p:extLst>
+  </p:cSld>
+  <p:clrMapOvr>
+    <a:masterClrMapping/>
+  </p:clrMapOvr>
+</p:notes>
 </file>
 
 <file path=ppt/slideLayouts/slideLayout1.xml><?xml version="1.0" encoding="utf-8"?>
@@ -854,7 +1469,7 @@
           <a:p>
             <a:fld id="{4F087987-FD11-614B-9E13-DEC68B3BF32D}" type="datetimeFigureOut">
               <a:rPr lang="en-AU" smtClean="0"/>
-              <a:t>13/7/21</a:t>
+              <a:t>18/7/21</a:t>
             </a:fld>
             <a:endParaRPr lang="en-AU"/>
           </a:p>
@@ -1105,7 +1720,7 @@
           <a:p>
             <a:fld id="{4F087987-FD11-614B-9E13-DEC68B3BF32D}" type="datetimeFigureOut">
               <a:rPr lang="en-AU" smtClean="0"/>
-              <a:t>13/7/21</a:t>
+              <a:t>18/7/21</a:t>
             </a:fld>
             <a:endParaRPr lang="en-AU"/>
           </a:p>
@@ -1419,7 +2034,7 @@
           <a:p>
             <a:fld id="{4F087987-FD11-614B-9E13-DEC68B3BF32D}" type="datetimeFigureOut">
               <a:rPr lang="en-AU" smtClean="0"/>
-              <a:t>13/7/21</a:t>
+              <a:t>18/7/21</a:t>
             </a:fld>
             <a:endParaRPr lang="en-AU"/>
           </a:p>
@@ -1752,7 +2367,7 @@
           <a:p>
             <a:fld id="{4F087987-FD11-614B-9E13-DEC68B3BF32D}" type="datetimeFigureOut">
               <a:rPr lang="en-AU" smtClean="0"/>
-              <a:t>13/7/21</a:t>
+              <a:t>18/7/21</a:t>
             </a:fld>
             <a:endParaRPr lang="en-AU"/>
           </a:p>
@@ -2066,7 +2681,7 @@
           <a:p>
             <a:fld id="{4F087987-FD11-614B-9E13-DEC68B3BF32D}" type="datetimeFigureOut">
               <a:rPr lang="en-AU" smtClean="0"/>
-              <a:t>13/7/21</a:t>
+              <a:t>18/7/21</a:t>
             </a:fld>
             <a:endParaRPr lang="en-AU"/>
           </a:p>
@@ -2459,7 +3074,7 @@
           <a:p>
             <a:fld id="{4F087987-FD11-614B-9E13-DEC68B3BF32D}" type="datetimeFigureOut">
               <a:rPr lang="en-AU" smtClean="0"/>
-              <a:t>13/7/21</a:t>
+              <a:t>18/7/21</a:t>
             </a:fld>
             <a:endParaRPr lang="en-AU"/>
           </a:p>
@@ -2629,7 +3244,7 @@
           <a:p>
             <a:fld id="{4F087987-FD11-614B-9E13-DEC68B3BF32D}" type="datetimeFigureOut">
               <a:rPr lang="en-AU" smtClean="0"/>
-              <a:t>13/7/21</a:t>
+              <a:t>18/7/21</a:t>
             </a:fld>
             <a:endParaRPr lang="en-AU"/>
           </a:p>
@@ -2809,7 +3424,7 @@
           <a:p>
             <a:fld id="{4F087987-FD11-614B-9E13-DEC68B3BF32D}" type="datetimeFigureOut">
               <a:rPr lang="en-AU" smtClean="0"/>
-              <a:t>13/7/21</a:t>
+              <a:t>18/7/21</a:t>
             </a:fld>
             <a:endParaRPr lang="en-AU"/>
           </a:p>
@@ -2979,7 +3594,7 @@
           <a:p>
             <a:fld id="{4F087987-FD11-614B-9E13-DEC68B3BF32D}" type="datetimeFigureOut">
               <a:rPr lang="en-AU" smtClean="0"/>
-              <a:t>13/7/21</a:t>
+              <a:t>18/7/21</a:t>
             </a:fld>
             <a:endParaRPr lang="en-AU"/>
           </a:p>
@@ -3226,7 +3841,7 @@
           <a:p>
             <a:fld id="{4F087987-FD11-614B-9E13-DEC68B3BF32D}" type="datetimeFigureOut">
               <a:rPr lang="en-AU" smtClean="0"/>
-              <a:t>13/7/21</a:t>
+              <a:t>18/7/21</a:t>
             </a:fld>
             <a:endParaRPr lang="en-AU"/>
           </a:p>
@@ -3458,7 +4073,7 @@
           <a:p>
             <a:fld id="{4F087987-FD11-614B-9E13-DEC68B3BF32D}" type="datetimeFigureOut">
               <a:rPr lang="en-AU" smtClean="0"/>
-              <a:t>13/7/21</a:t>
+              <a:t>18/7/21</a:t>
             </a:fld>
             <a:endParaRPr lang="en-AU"/>
           </a:p>
@@ -3832,7 +4447,7 @@
           <a:p>
             <a:fld id="{4F087987-FD11-614B-9E13-DEC68B3BF32D}" type="datetimeFigureOut">
               <a:rPr lang="en-AU" smtClean="0"/>
-              <a:t>13/7/21</a:t>
+              <a:t>18/7/21</a:t>
             </a:fld>
             <a:endParaRPr lang="en-AU"/>
           </a:p>
@@ -3955,7 +4570,7 @@
           <a:p>
             <a:fld id="{4F087987-FD11-614B-9E13-DEC68B3BF32D}" type="datetimeFigureOut">
               <a:rPr lang="en-AU" smtClean="0"/>
-              <a:t>13/7/21</a:t>
+              <a:t>18/7/21</a:t>
             </a:fld>
             <a:endParaRPr lang="en-AU"/>
           </a:p>
@@ -4050,7 +4665,7 @@
           <a:p>
             <a:fld id="{4F087987-FD11-614B-9E13-DEC68B3BF32D}" type="datetimeFigureOut">
               <a:rPr lang="en-AU" smtClean="0"/>
-              <a:t>13/7/21</a:t>
+              <a:t>18/7/21</a:t>
             </a:fld>
             <a:endParaRPr lang="en-AU"/>
           </a:p>
@@ -4305,7 +4920,7 @@
           <a:p>
             <a:fld id="{4F087987-FD11-614B-9E13-DEC68B3BF32D}" type="datetimeFigureOut">
               <a:rPr lang="en-AU" smtClean="0"/>
-              <a:t>13/7/21</a:t>
+              <a:t>18/7/21</a:t>
             </a:fld>
             <a:endParaRPr lang="en-AU"/>
           </a:p>
@@ -4610,7 +5225,7 @@
           <a:p>
             <a:fld id="{4F087987-FD11-614B-9E13-DEC68B3BF32D}" type="datetimeFigureOut">
               <a:rPr lang="en-AU" smtClean="0"/>
-              <a:t>13/7/21</a:t>
+              <a:t>18/7/21</a:t>
             </a:fld>
             <a:endParaRPr lang="en-AU"/>
           </a:p>
@@ -5312,7 +5927,7 @@
           <a:p>
             <a:fld id="{4F087987-FD11-614B-9E13-DEC68B3BF32D}" type="datetimeFigureOut">
               <a:rPr lang="en-AU" smtClean="0"/>
-              <a:t>13/7/21</a:t>
+              <a:t>18/7/21</a:t>
             </a:fld>
             <a:endParaRPr lang="en-AU"/>
           </a:p>
@@ -5844,109 +6459,6 @@
           <a:chExt cx="0" cy="0"/>
         </a:xfrm>
       </p:grpSpPr>
-      <p:pic>
-        <p:nvPicPr>
-          <p:cNvPr id="1026" name="Picture 2" descr="Rocket free icon">
-            <a:extLst>
-              <a:ext uri="{FF2B5EF4-FFF2-40B4-BE49-F238E27FC236}">
-                <a16:creationId xmlns:a16="http://schemas.microsoft.com/office/drawing/2014/main" id="{1F6D66B5-9074-8548-8AA2-89DEA3BB82FC}"/>
-              </a:ext>
-            </a:extLst>
-          </p:cNvPr>
-          <p:cNvPicPr>
-            <a:picLocks noChangeAspect="1" noChangeArrowheads="1"/>
-          </p:cNvPicPr>
-          <p:nvPr/>
-        </p:nvPicPr>
-        <p:blipFill rotWithShape="1">
-          <a:blip r:embed="rId2">
-            <a:extLst>
-              <a:ext uri="{28A0092B-C50C-407E-A947-70E740481C1C}">
-                <a14:useLocalDpi xmlns:a14="http://schemas.microsoft.com/office/drawing/2010/main" val="0"/>
-              </a:ext>
-            </a:extLst>
-          </a:blip>
-          <a:srcRect l="3278" t="14540" r="-2" b="1728"/>
-          <a:stretch/>
-        </p:blipFill>
-        <p:spPr bwMode="auto">
-          <a:xfrm>
-            <a:off x="4269854" y="-1"/>
-            <a:ext cx="7922146" cy="6858001"/>
-          </a:xfrm>
-          <a:custGeom>
-            <a:avLst/>
-            <a:gdLst/>
-            <a:ahLst/>
-            <a:cxnLst/>
-            <a:rect l="l" t="t" r="r" b="b"/>
-            <a:pathLst>
-              <a:path w="7922146" h="6858001">
-                <a:moveTo>
-                  <a:pt x="379987" y="0"/>
-                </a:moveTo>
-                <a:lnTo>
-                  <a:pt x="5304971" y="0"/>
-                </a:lnTo>
-                <a:lnTo>
-                  <a:pt x="7065281" y="0"/>
-                </a:lnTo>
-                <a:lnTo>
-                  <a:pt x="7397540" y="0"/>
-                </a:lnTo>
-                <a:lnTo>
-                  <a:pt x="7397540" y="1"/>
-                </a:lnTo>
-                <a:lnTo>
-                  <a:pt x="7922146" y="1"/>
-                </a:lnTo>
-                <a:lnTo>
-                  <a:pt x="7922146" y="6858001"/>
-                </a:lnTo>
-                <a:lnTo>
-                  <a:pt x="7065281" y="6858001"/>
-                </a:lnTo>
-                <a:lnTo>
-                  <a:pt x="7065281" y="6858000"/>
-                </a:lnTo>
-                <a:lnTo>
-                  <a:pt x="5932989" y="6858000"/>
-                </a:lnTo>
-                <a:lnTo>
-                  <a:pt x="5932989" y="6858001"/>
-                </a:lnTo>
-                <a:lnTo>
-                  <a:pt x="27809" y="6858001"/>
-                </a:lnTo>
-                <a:lnTo>
-                  <a:pt x="1803228" y="4521201"/>
-                </a:lnTo>
-                <a:close/>
-                <a:moveTo>
-                  <a:pt x="0" y="0"/>
-                </a:moveTo>
-                <a:lnTo>
-                  <a:pt x="379987" y="0"/>
-                </a:lnTo>
-                <a:lnTo>
-                  <a:pt x="0" y="407"/>
-                </a:lnTo>
-                <a:close/>
-              </a:path>
-            </a:pathLst>
-          </a:custGeom>
-          <a:noFill/>
-          <a:extLst>
-            <a:ext uri="{909E8E84-426E-40DD-AFC4-6F175D3DCCD1}">
-              <a14:hiddenFill xmlns:a14="http://schemas.microsoft.com/office/drawing/2010/main">
-                <a:solidFill>
-                  <a:srgbClr val="FFFFFF"/>
-                </a:solidFill>
-              </a14:hiddenFill>
-            </a:ext>
-          </a:extLst>
-        </p:spPr>
-      </p:pic>
       <p:sp>
         <p:nvSpPr>
           <p:cNvPr id="2" name="Title 1">
@@ -6012,7 +6524,21 @@
           <a:p>
             <a:r>
               <a:rPr lang="en-AU" sz="1600" dirty="0"/>
-              <a:t>Astronauts</a:t>
+              <a:t>The Astronauts</a:t>
+            </a:r>
+          </a:p>
+          <a:p>
+            <a:r>
+              <a:rPr lang="en-AU" sz="1100" b="1" dirty="0"/>
+              <a:t>Shane | David | </a:t>
+            </a:r>
+            <a:r>
+              <a:rPr lang="en-AU" sz="1100" b="1" dirty="0" err="1"/>
+              <a:t>Thejan</a:t>
+            </a:r>
+            <a:r>
+              <a:rPr lang="en-AU" sz="1100" b="1" dirty="0"/>
+              <a:t> | Annie</a:t>
             </a:r>
           </a:p>
         </p:txBody>
@@ -6644,6 +7170,53 @@
           </a:fontRef>
         </p:style>
       </p:sp>
+      <p:pic>
+        <p:nvPicPr>
+          <p:cNvPr id="4" name="Picture 2" descr="Rocket free icon">
+            <a:extLst>
+              <a:ext uri="{FF2B5EF4-FFF2-40B4-BE49-F238E27FC236}">
+                <a16:creationId xmlns:a16="http://schemas.microsoft.com/office/drawing/2014/main" id="{29C6795F-AD29-7746-B833-2DDC9F5D6E96}"/>
+              </a:ext>
+            </a:extLst>
+          </p:cNvPr>
+          <p:cNvPicPr>
+            <a:picLocks noChangeAspect="1" noChangeArrowheads="1"/>
+          </p:cNvPicPr>
+          <p:nvPr/>
+        </p:nvPicPr>
+        <p:blipFill>
+          <a:blip r:embed="rId3">
+            <a:extLst>
+              <a:ext uri="{28A0092B-C50C-407E-A947-70E740481C1C}">
+                <a14:useLocalDpi xmlns:a14="http://schemas.microsoft.com/office/drawing/2010/main" val="0"/>
+              </a:ext>
+            </a:extLst>
+          </a:blip>
+          <a:srcRect/>
+          <a:stretch>
+            <a:fillRect/>
+          </a:stretch>
+        </p:blipFill>
+        <p:spPr bwMode="auto">
+          <a:xfrm>
+            <a:off x="-2137154" y="6858000"/>
+            <a:ext cx="7328650" cy="7328650"/>
+          </a:xfrm>
+          <a:prstGeom prst="rect">
+            <a:avLst/>
+          </a:prstGeom>
+          <a:noFill/>
+          <a:extLst>
+            <a:ext uri="{909E8E84-426E-40DD-AFC4-6F175D3DCCD1}">
+              <a14:hiddenFill xmlns:a14="http://schemas.microsoft.com/office/drawing/2010/main">
+                <a:solidFill>
+                  <a:srgbClr val="FFFFFF"/>
+                </a:solidFill>
+              </a14:hiddenFill>
+            </a:ext>
+          </a:extLst>
+        </p:spPr>
+      </p:pic>
     </p:spTree>
     <p:extLst>
       <p:ext uri="{BB962C8B-B14F-4D97-AF65-F5344CB8AC3E}">
@@ -6666,9 +7239,6 @@
                     <p:cTn id="3" fill="hold">
                       <p:stCondLst>
                         <p:cond delay="indefinite"/>
-                        <p:cond evt="onBegin" delay="0">
-                          <p:tn val="2"/>
-                        </p:cond>
                       </p:stCondLst>
                       <p:childTnLst>
                         <p:par>
@@ -6678,86 +7248,23 @@
                             </p:stCondLst>
                             <p:childTnLst>
                               <p:par>
-                                <p:cTn id="5" presetID="10" presetClass="entr" presetSubtype="0" fill="hold" grpId="0" nodeType="withEffect">
+                                <p:cTn id="5" presetID="0" presetClass="path" presetSubtype="0" accel="50000" decel="50000" fill="hold" nodeType="clickEffect">
                                   <p:stCondLst>
-                                    <p:cond delay="2000"/>
+                                    <p:cond delay="0"/>
                                   </p:stCondLst>
-                                  <p:iterate type="lt">
-                                    <p:tmPct val="10000"/>
-                                  </p:iterate>
                                   <p:childTnLst>
-                                    <p:set>
+                                    <p:animMotion origin="layout" path="M 0.13008 -0.30972 L 0.525 -0.99745 " pathEditMode="relative" ptsTypes="AA">
                                       <p:cBhvr>
-                                        <p:cTn id="6" dur="1" fill="hold">
-                                          <p:stCondLst>
-                                            <p:cond delay="0"/>
-                                          </p:stCondLst>
-                                        </p:cTn>
+                                        <p:cTn id="6" dur="2000" fill="hold"/>
                                         <p:tgtEl>
-                                          <p:spTgt spid="3">
-                                            <p:txEl>
-                                              <p:pRg st="0" end="0"/>
-                                            </p:txEl>
-                                          </p:spTgt>
+                                          <p:spTgt spid="4"/>
                                         </p:tgtEl>
                                         <p:attrNameLst>
-                                          <p:attrName>style.visibility</p:attrName>
+                                          <p:attrName>ppt_x</p:attrName>
+                                          <p:attrName>ppt_y</p:attrName>
                                         </p:attrNameLst>
                                       </p:cBhvr>
-                                      <p:to>
-                                        <p:strVal val="visible"/>
-                                      </p:to>
-                                    </p:set>
-                                    <p:animEffect transition="in" filter="fade">
-                                      <p:cBhvr>
-                                        <p:cTn id="7" dur="400"/>
-                                        <p:tgtEl>
-                                          <p:spTgt spid="3">
-                                            <p:txEl>
-                                              <p:pRg st="0" end="0"/>
-                                            </p:txEl>
-                                          </p:spTgt>
-                                        </p:tgtEl>
-                                      </p:cBhvr>
-                                    </p:animEffect>
-                                  </p:childTnLst>
-                                </p:cTn>
-                              </p:par>
-                              <p:par>
-                                <p:cTn id="8" presetID="10" presetClass="entr" presetSubtype="0" fill="hold" grpId="0" nodeType="withEffect">
-                                  <p:stCondLst>
-                                    <p:cond delay="1000"/>
-                                  </p:stCondLst>
-                                  <p:iterate type="lt">
-                                    <p:tmPct val="10000"/>
-                                  </p:iterate>
-                                  <p:childTnLst>
-                                    <p:set>
-                                      <p:cBhvr>
-                                        <p:cTn id="9" dur="1" fill="hold">
-                                          <p:stCondLst>
-                                            <p:cond delay="0"/>
-                                          </p:stCondLst>
-                                        </p:cTn>
-                                        <p:tgtEl>
-                                          <p:spTgt spid="2"/>
-                                        </p:tgtEl>
-                                        <p:attrNameLst>
-                                          <p:attrName>style.visibility</p:attrName>
-                                        </p:attrNameLst>
-                                      </p:cBhvr>
-                                      <p:to>
-                                        <p:strVal val="visible"/>
-                                      </p:to>
-                                    </p:set>
-                                    <p:animEffect transition="in" filter="fade">
-                                      <p:cBhvr>
-                                        <p:cTn id="10" dur="400"/>
-                                        <p:tgtEl>
-                                          <p:spTgt spid="2"/>
-                                        </p:tgtEl>
-                                      </p:cBhvr>
-                                    </p:animEffect>
+                                    </p:animMotion>
                                   </p:childTnLst>
                                 </p:cTn>
                               </p:par>
@@ -6788,15 +7295,1050 @@
         </p:cTn>
       </p:par>
     </p:tnLst>
-    <p:bldLst>
-      <p:bldP spid="2" grpId="0"/>
-      <p:bldP spid="3" grpId="0" build="p"/>
-    </p:bldLst>
   </p:timing>
 </p:sld>
 </file>
 
 <file path=ppt/slides/slide2.xml><?xml version="1.0" encoding="utf-8"?>
+<p:sld xmlns:a="http://schemas.openxmlformats.org/drawingml/2006/main" xmlns:r="http://schemas.openxmlformats.org/officeDocument/2006/relationships" xmlns:p="http://schemas.openxmlformats.org/presentationml/2006/main">
+  <p:cSld>
+    <p:spTree>
+      <p:nvGrpSpPr>
+        <p:cNvPr id="1" name=""/>
+        <p:cNvGrpSpPr/>
+        <p:nvPr/>
+      </p:nvGrpSpPr>
+      <p:grpSpPr>
+        <a:xfrm>
+          <a:off x="0" y="0"/>
+          <a:ext cx="0" cy="0"/>
+          <a:chOff x="0" y="0"/>
+          <a:chExt cx="0" cy="0"/>
+        </a:xfrm>
+      </p:grpSpPr>
+      <p:sp>
+        <p:nvSpPr>
+          <p:cNvPr id="2" name="Title 1">
+            <a:extLst>
+              <a:ext uri="{FF2B5EF4-FFF2-40B4-BE49-F238E27FC236}">
+                <a16:creationId xmlns:a16="http://schemas.microsoft.com/office/drawing/2014/main" id="{241BAF48-B954-3544-ABF4-F24499CD36DE}"/>
+              </a:ext>
+            </a:extLst>
+          </p:cNvPr>
+          <p:cNvSpPr>
+            <a:spLocks noGrp="1"/>
+          </p:cNvSpPr>
+          <p:nvPr>
+            <p:ph type="title"/>
+          </p:nvPr>
+        </p:nvSpPr>
+        <p:spPr/>
+        <p:txBody>
+          <a:bodyPr/>
+          <a:lstStyle/>
+          <a:p>
+            <a:r>
+              <a:rPr lang="en-AU" dirty="0"/>
+              <a:t>Data Analysis</a:t>
+            </a:r>
+          </a:p>
+        </p:txBody>
+      </p:sp>
+      <p:sp>
+        <p:nvSpPr>
+          <p:cNvPr id="3" name="Content Placeholder 2">
+            <a:extLst>
+              <a:ext uri="{FF2B5EF4-FFF2-40B4-BE49-F238E27FC236}">
+                <a16:creationId xmlns:a16="http://schemas.microsoft.com/office/drawing/2014/main" id="{F02A0AEA-52AC-4146-AC1A-E5784D454EDF}"/>
+              </a:ext>
+            </a:extLst>
+          </p:cNvPr>
+          <p:cNvSpPr>
+            <a:spLocks noGrp="1"/>
+          </p:cNvSpPr>
+          <p:nvPr>
+            <p:ph idx="1"/>
+          </p:nvPr>
+        </p:nvSpPr>
+        <p:spPr>
+          <a:xfrm>
+            <a:off x="4157076" y="4149682"/>
+            <a:ext cx="2243419" cy="777919"/>
+          </a:xfrm>
+        </p:spPr>
+        <p:txBody>
+          <a:bodyPr>
+            <a:normAutofit/>
+          </a:bodyPr>
+          <a:lstStyle/>
+          <a:p>
+            <a:pPr marL="0" indent="0" algn="ctr">
+              <a:buNone/>
+            </a:pPr>
+            <a:r>
+              <a:rPr lang="en-AU" dirty="0"/>
+              <a:t>High Volatility in the Last 50 Stocks</a:t>
+            </a:r>
+          </a:p>
+        </p:txBody>
+      </p:sp>
+      <p:sp>
+        <p:nvSpPr>
+          <p:cNvPr id="4" name="Content Placeholder 2">
+            <a:extLst>
+              <a:ext uri="{FF2B5EF4-FFF2-40B4-BE49-F238E27FC236}">
+                <a16:creationId xmlns:a16="http://schemas.microsoft.com/office/drawing/2014/main" id="{7DB814E5-2441-AA4B-A13E-942D47B880A2}"/>
+              </a:ext>
+            </a:extLst>
+          </p:cNvPr>
+          <p:cNvSpPr txBox="1">
+            <a:spLocks/>
+          </p:cNvSpPr>
+          <p:nvPr/>
+        </p:nvSpPr>
+        <p:spPr>
+          <a:xfrm>
+            <a:off x="7182259" y="4147483"/>
+            <a:ext cx="2416574" cy="1142755"/>
+          </a:xfrm>
+          <a:prstGeom prst="rect">
+            <a:avLst/>
+          </a:prstGeom>
+        </p:spPr>
+        <p:txBody>
+          <a:bodyPr vert="horz" lIns="91440" tIns="45720" rIns="91440" bIns="45720" rtlCol="0">
+            <a:normAutofit/>
+          </a:bodyPr>
+          <a:lstStyle>
+            <a:lvl1pPr marL="342900" indent="-342900" algn="l" defTabSz="457200" rtl="0" eaLnBrk="1" latinLnBrk="0" hangingPunct="1">
+              <a:spcBef>
+                <a:spcPts val="1000"/>
+              </a:spcBef>
+              <a:spcAft>
+                <a:spcPts val="0"/>
+              </a:spcAft>
+              <a:buClr>
+                <a:schemeClr val="accent1"/>
+              </a:buClr>
+              <a:buSzPct val="80000"/>
+              <a:buFont typeface="Wingdings 3" charset="2"/>
+              <a:buChar char=""/>
+              <a:defRPr sz="1800" kern="1200">
+                <a:solidFill>
+                  <a:schemeClr val="tx1">
+                    <a:lumMod val="75000"/>
+                    <a:lumOff val="25000"/>
+                  </a:schemeClr>
+                </a:solidFill>
+                <a:latin typeface="+mn-lt"/>
+                <a:ea typeface="+mn-ea"/>
+                <a:cs typeface="+mn-cs"/>
+              </a:defRPr>
+            </a:lvl1pPr>
+            <a:lvl2pPr marL="742950" indent="-285750" algn="l" defTabSz="457200" rtl="0" eaLnBrk="1" latinLnBrk="0" hangingPunct="1">
+              <a:spcBef>
+                <a:spcPts val="1000"/>
+              </a:spcBef>
+              <a:spcAft>
+                <a:spcPts val="0"/>
+              </a:spcAft>
+              <a:buClr>
+                <a:schemeClr val="accent1"/>
+              </a:buClr>
+              <a:buSzPct val="80000"/>
+              <a:buFont typeface="Wingdings 3" charset="2"/>
+              <a:buChar char=""/>
+              <a:defRPr sz="1600" kern="1200">
+                <a:solidFill>
+                  <a:schemeClr val="tx1">
+                    <a:lumMod val="75000"/>
+                    <a:lumOff val="25000"/>
+                  </a:schemeClr>
+                </a:solidFill>
+                <a:latin typeface="+mn-lt"/>
+                <a:ea typeface="+mn-ea"/>
+                <a:cs typeface="+mn-cs"/>
+              </a:defRPr>
+            </a:lvl2pPr>
+            <a:lvl3pPr marL="1143000" indent="-228600" algn="l" defTabSz="457200" rtl="0" eaLnBrk="1" latinLnBrk="0" hangingPunct="1">
+              <a:spcBef>
+                <a:spcPts val="1000"/>
+              </a:spcBef>
+              <a:spcAft>
+                <a:spcPts val="0"/>
+              </a:spcAft>
+              <a:buClr>
+                <a:schemeClr val="accent1"/>
+              </a:buClr>
+              <a:buSzPct val="80000"/>
+              <a:buFont typeface="Wingdings 3" charset="2"/>
+              <a:buChar char=""/>
+              <a:defRPr sz="1400" kern="1200">
+                <a:solidFill>
+                  <a:schemeClr val="tx1">
+                    <a:lumMod val="75000"/>
+                    <a:lumOff val="25000"/>
+                  </a:schemeClr>
+                </a:solidFill>
+                <a:latin typeface="+mn-lt"/>
+                <a:ea typeface="+mn-ea"/>
+                <a:cs typeface="+mn-cs"/>
+              </a:defRPr>
+            </a:lvl3pPr>
+            <a:lvl4pPr marL="1600200" indent="-228600" algn="l" defTabSz="457200" rtl="0" eaLnBrk="1" latinLnBrk="0" hangingPunct="1">
+              <a:spcBef>
+                <a:spcPts val="1000"/>
+              </a:spcBef>
+              <a:spcAft>
+                <a:spcPts val="0"/>
+              </a:spcAft>
+              <a:buClr>
+                <a:schemeClr val="accent1"/>
+              </a:buClr>
+              <a:buSzPct val="80000"/>
+              <a:buFont typeface="Wingdings 3" charset="2"/>
+              <a:buChar char=""/>
+              <a:defRPr sz="1200" kern="1200">
+                <a:solidFill>
+                  <a:schemeClr val="tx1">
+                    <a:lumMod val="75000"/>
+                    <a:lumOff val="25000"/>
+                  </a:schemeClr>
+                </a:solidFill>
+                <a:latin typeface="+mn-lt"/>
+                <a:ea typeface="+mn-ea"/>
+                <a:cs typeface="+mn-cs"/>
+              </a:defRPr>
+            </a:lvl4pPr>
+            <a:lvl5pPr marL="2057400" indent="-228600" algn="l" defTabSz="457200" rtl="0" eaLnBrk="1" latinLnBrk="0" hangingPunct="1">
+              <a:spcBef>
+                <a:spcPts val="1000"/>
+              </a:spcBef>
+              <a:spcAft>
+                <a:spcPts val="0"/>
+              </a:spcAft>
+              <a:buClr>
+                <a:schemeClr val="accent1"/>
+              </a:buClr>
+              <a:buSzPct val="80000"/>
+              <a:buFont typeface="Wingdings 3" charset="2"/>
+              <a:buChar char=""/>
+              <a:defRPr sz="1200" kern="1200">
+                <a:solidFill>
+                  <a:schemeClr val="tx1">
+                    <a:lumMod val="75000"/>
+                    <a:lumOff val="25000"/>
+                  </a:schemeClr>
+                </a:solidFill>
+                <a:latin typeface="+mn-lt"/>
+                <a:ea typeface="+mn-ea"/>
+                <a:cs typeface="+mn-cs"/>
+              </a:defRPr>
+            </a:lvl5pPr>
+            <a:lvl6pPr marL="2514600" indent="-228600" algn="l" defTabSz="457200" rtl="0" eaLnBrk="1" latinLnBrk="0" hangingPunct="1">
+              <a:spcBef>
+                <a:spcPts val="1000"/>
+              </a:spcBef>
+              <a:spcAft>
+                <a:spcPts val="0"/>
+              </a:spcAft>
+              <a:buClr>
+                <a:schemeClr val="accent1"/>
+              </a:buClr>
+              <a:buSzPct val="80000"/>
+              <a:buFont typeface="Wingdings 3" charset="2"/>
+              <a:buChar char=""/>
+              <a:defRPr sz="1200" kern="1200">
+                <a:solidFill>
+                  <a:schemeClr val="tx1">
+                    <a:lumMod val="75000"/>
+                    <a:lumOff val="25000"/>
+                  </a:schemeClr>
+                </a:solidFill>
+                <a:latin typeface="+mn-lt"/>
+                <a:ea typeface="+mn-ea"/>
+                <a:cs typeface="+mn-cs"/>
+              </a:defRPr>
+            </a:lvl6pPr>
+            <a:lvl7pPr marL="2971800" indent="-228600" algn="l" defTabSz="457200" rtl="0" eaLnBrk="1" latinLnBrk="0" hangingPunct="1">
+              <a:spcBef>
+                <a:spcPts val="1000"/>
+              </a:spcBef>
+              <a:spcAft>
+                <a:spcPts val="0"/>
+              </a:spcAft>
+              <a:buClr>
+                <a:schemeClr val="accent1"/>
+              </a:buClr>
+              <a:buSzPct val="80000"/>
+              <a:buFont typeface="Wingdings 3" charset="2"/>
+              <a:buChar char=""/>
+              <a:defRPr sz="1200" kern="1200">
+                <a:solidFill>
+                  <a:schemeClr val="tx1">
+                    <a:lumMod val="75000"/>
+                    <a:lumOff val="25000"/>
+                  </a:schemeClr>
+                </a:solidFill>
+                <a:latin typeface="+mn-lt"/>
+                <a:ea typeface="+mn-ea"/>
+                <a:cs typeface="+mn-cs"/>
+              </a:defRPr>
+            </a:lvl7pPr>
+            <a:lvl8pPr marL="3429000" indent="-228600" algn="l" defTabSz="457200" rtl="0" eaLnBrk="1" latinLnBrk="0" hangingPunct="1">
+              <a:spcBef>
+                <a:spcPts val="1000"/>
+              </a:spcBef>
+              <a:spcAft>
+                <a:spcPts val="0"/>
+              </a:spcAft>
+              <a:buClr>
+                <a:schemeClr val="accent1"/>
+              </a:buClr>
+              <a:buSzPct val="80000"/>
+              <a:buFont typeface="Wingdings 3" charset="2"/>
+              <a:buChar char=""/>
+              <a:defRPr sz="1200" kern="1200">
+                <a:solidFill>
+                  <a:schemeClr val="tx1">
+                    <a:lumMod val="75000"/>
+                    <a:lumOff val="25000"/>
+                  </a:schemeClr>
+                </a:solidFill>
+                <a:latin typeface="+mn-lt"/>
+                <a:ea typeface="+mn-ea"/>
+                <a:cs typeface="+mn-cs"/>
+              </a:defRPr>
+            </a:lvl8pPr>
+            <a:lvl9pPr marL="3886200" indent="-228600" algn="l" defTabSz="457200" rtl="0" eaLnBrk="1" latinLnBrk="0" hangingPunct="1">
+              <a:spcBef>
+                <a:spcPts val="1000"/>
+              </a:spcBef>
+              <a:spcAft>
+                <a:spcPts val="0"/>
+              </a:spcAft>
+              <a:buClr>
+                <a:schemeClr val="accent1"/>
+              </a:buClr>
+              <a:buSzPct val="80000"/>
+              <a:buFont typeface="Wingdings 3" charset="2"/>
+              <a:buChar char=""/>
+              <a:defRPr sz="1200" kern="1200">
+                <a:solidFill>
+                  <a:schemeClr val="tx1">
+                    <a:lumMod val="75000"/>
+                    <a:lumOff val="25000"/>
+                  </a:schemeClr>
+                </a:solidFill>
+                <a:latin typeface="+mn-lt"/>
+                <a:ea typeface="+mn-ea"/>
+                <a:cs typeface="+mn-cs"/>
+              </a:defRPr>
+            </a:lvl9pPr>
+          </a:lstStyle>
+          <a:p>
+            <a:pPr marL="0" indent="0" algn="ctr">
+              <a:buFont typeface="Wingdings 3" charset="2"/>
+              <a:buNone/>
+            </a:pPr>
+            <a:r>
+              <a:rPr lang="en-AU" dirty="0"/>
+              <a:t>Repetitive Triangular Pattern in High Volatility Stocks</a:t>
+            </a:r>
+          </a:p>
+        </p:txBody>
+      </p:sp>
+      <p:sp>
+        <p:nvSpPr>
+          <p:cNvPr id="7" name="Content Placeholder 2">
+            <a:extLst>
+              <a:ext uri="{FF2B5EF4-FFF2-40B4-BE49-F238E27FC236}">
+                <a16:creationId xmlns:a16="http://schemas.microsoft.com/office/drawing/2014/main" id="{0D780FFF-804D-5A4E-9DA0-D263DAB71996}"/>
+              </a:ext>
+            </a:extLst>
+          </p:cNvPr>
+          <p:cNvSpPr txBox="1">
+            <a:spLocks/>
+          </p:cNvSpPr>
+          <p:nvPr/>
+        </p:nvSpPr>
+        <p:spPr>
+          <a:xfrm>
+            <a:off x="958738" y="4147484"/>
+            <a:ext cx="2416574" cy="1142755"/>
+          </a:xfrm>
+          <a:prstGeom prst="rect">
+            <a:avLst/>
+          </a:prstGeom>
+        </p:spPr>
+        <p:txBody>
+          <a:bodyPr vert="horz" lIns="91440" tIns="45720" rIns="91440" bIns="45720" rtlCol="0">
+            <a:normAutofit lnSpcReduction="10000"/>
+          </a:bodyPr>
+          <a:lstStyle>
+            <a:lvl1pPr marL="342900" indent="-342900" algn="l" defTabSz="457200" rtl="0" eaLnBrk="1" latinLnBrk="0" hangingPunct="1">
+              <a:spcBef>
+                <a:spcPts val="1000"/>
+              </a:spcBef>
+              <a:spcAft>
+                <a:spcPts val="0"/>
+              </a:spcAft>
+              <a:buClr>
+                <a:schemeClr val="accent1"/>
+              </a:buClr>
+              <a:buSzPct val="80000"/>
+              <a:buFont typeface="Wingdings 3" charset="2"/>
+              <a:buChar char=""/>
+              <a:defRPr sz="1800" kern="1200">
+                <a:solidFill>
+                  <a:schemeClr val="tx1">
+                    <a:lumMod val="75000"/>
+                    <a:lumOff val="25000"/>
+                  </a:schemeClr>
+                </a:solidFill>
+                <a:latin typeface="+mn-lt"/>
+                <a:ea typeface="+mn-ea"/>
+                <a:cs typeface="+mn-cs"/>
+              </a:defRPr>
+            </a:lvl1pPr>
+            <a:lvl2pPr marL="742950" indent="-285750" algn="l" defTabSz="457200" rtl="0" eaLnBrk="1" latinLnBrk="0" hangingPunct="1">
+              <a:spcBef>
+                <a:spcPts val="1000"/>
+              </a:spcBef>
+              <a:spcAft>
+                <a:spcPts val="0"/>
+              </a:spcAft>
+              <a:buClr>
+                <a:schemeClr val="accent1"/>
+              </a:buClr>
+              <a:buSzPct val="80000"/>
+              <a:buFont typeface="Wingdings 3" charset="2"/>
+              <a:buChar char=""/>
+              <a:defRPr sz="1600" kern="1200">
+                <a:solidFill>
+                  <a:schemeClr val="tx1">
+                    <a:lumMod val="75000"/>
+                    <a:lumOff val="25000"/>
+                  </a:schemeClr>
+                </a:solidFill>
+                <a:latin typeface="+mn-lt"/>
+                <a:ea typeface="+mn-ea"/>
+                <a:cs typeface="+mn-cs"/>
+              </a:defRPr>
+            </a:lvl2pPr>
+            <a:lvl3pPr marL="1143000" indent="-228600" algn="l" defTabSz="457200" rtl="0" eaLnBrk="1" latinLnBrk="0" hangingPunct="1">
+              <a:spcBef>
+                <a:spcPts val="1000"/>
+              </a:spcBef>
+              <a:spcAft>
+                <a:spcPts val="0"/>
+              </a:spcAft>
+              <a:buClr>
+                <a:schemeClr val="accent1"/>
+              </a:buClr>
+              <a:buSzPct val="80000"/>
+              <a:buFont typeface="Wingdings 3" charset="2"/>
+              <a:buChar char=""/>
+              <a:defRPr sz="1400" kern="1200">
+                <a:solidFill>
+                  <a:schemeClr val="tx1">
+                    <a:lumMod val="75000"/>
+                    <a:lumOff val="25000"/>
+                  </a:schemeClr>
+                </a:solidFill>
+                <a:latin typeface="+mn-lt"/>
+                <a:ea typeface="+mn-ea"/>
+                <a:cs typeface="+mn-cs"/>
+              </a:defRPr>
+            </a:lvl3pPr>
+            <a:lvl4pPr marL="1600200" indent="-228600" algn="l" defTabSz="457200" rtl="0" eaLnBrk="1" latinLnBrk="0" hangingPunct="1">
+              <a:spcBef>
+                <a:spcPts val="1000"/>
+              </a:spcBef>
+              <a:spcAft>
+                <a:spcPts val="0"/>
+              </a:spcAft>
+              <a:buClr>
+                <a:schemeClr val="accent1"/>
+              </a:buClr>
+              <a:buSzPct val="80000"/>
+              <a:buFont typeface="Wingdings 3" charset="2"/>
+              <a:buChar char=""/>
+              <a:defRPr sz="1200" kern="1200">
+                <a:solidFill>
+                  <a:schemeClr val="tx1">
+                    <a:lumMod val="75000"/>
+                    <a:lumOff val="25000"/>
+                  </a:schemeClr>
+                </a:solidFill>
+                <a:latin typeface="+mn-lt"/>
+                <a:ea typeface="+mn-ea"/>
+                <a:cs typeface="+mn-cs"/>
+              </a:defRPr>
+            </a:lvl4pPr>
+            <a:lvl5pPr marL="2057400" indent="-228600" algn="l" defTabSz="457200" rtl="0" eaLnBrk="1" latinLnBrk="0" hangingPunct="1">
+              <a:spcBef>
+                <a:spcPts val="1000"/>
+              </a:spcBef>
+              <a:spcAft>
+                <a:spcPts val="0"/>
+              </a:spcAft>
+              <a:buClr>
+                <a:schemeClr val="accent1"/>
+              </a:buClr>
+              <a:buSzPct val="80000"/>
+              <a:buFont typeface="Wingdings 3" charset="2"/>
+              <a:buChar char=""/>
+              <a:defRPr sz="1200" kern="1200">
+                <a:solidFill>
+                  <a:schemeClr val="tx1">
+                    <a:lumMod val="75000"/>
+                    <a:lumOff val="25000"/>
+                  </a:schemeClr>
+                </a:solidFill>
+                <a:latin typeface="+mn-lt"/>
+                <a:ea typeface="+mn-ea"/>
+                <a:cs typeface="+mn-cs"/>
+              </a:defRPr>
+            </a:lvl5pPr>
+            <a:lvl6pPr marL="2514600" indent="-228600" algn="l" defTabSz="457200" rtl="0" eaLnBrk="1" latinLnBrk="0" hangingPunct="1">
+              <a:spcBef>
+                <a:spcPts val="1000"/>
+              </a:spcBef>
+              <a:spcAft>
+                <a:spcPts val="0"/>
+              </a:spcAft>
+              <a:buClr>
+                <a:schemeClr val="accent1"/>
+              </a:buClr>
+              <a:buSzPct val="80000"/>
+              <a:buFont typeface="Wingdings 3" charset="2"/>
+              <a:buChar char=""/>
+              <a:defRPr sz="1200" kern="1200">
+                <a:solidFill>
+                  <a:schemeClr val="tx1">
+                    <a:lumMod val="75000"/>
+                    <a:lumOff val="25000"/>
+                  </a:schemeClr>
+                </a:solidFill>
+                <a:latin typeface="+mn-lt"/>
+                <a:ea typeface="+mn-ea"/>
+                <a:cs typeface="+mn-cs"/>
+              </a:defRPr>
+            </a:lvl6pPr>
+            <a:lvl7pPr marL="2971800" indent="-228600" algn="l" defTabSz="457200" rtl="0" eaLnBrk="1" latinLnBrk="0" hangingPunct="1">
+              <a:spcBef>
+                <a:spcPts val="1000"/>
+              </a:spcBef>
+              <a:spcAft>
+                <a:spcPts val="0"/>
+              </a:spcAft>
+              <a:buClr>
+                <a:schemeClr val="accent1"/>
+              </a:buClr>
+              <a:buSzPct val="80000"/>
+              <a:buFont typeface="Wingdings 3" charset="2"/>
+              <a:buChar char=""/>
+              <a:defRPr sz="1200" kern="1200">
+                <a:solidFill>
+                  <a:schemeClr val="tx1">
+                    <a:lumMod val="75000"/>
+                    <a:lumOff val="25000"/>
+                  </a:schemeClr>
+                </a:solidFill>
+                <a:latin typeface="+mn-lt"/>
+                <a:ea typeface="+mn-ea"/>
+                <a:cs typeface="+mn-cs"/>
+              </a:defRPr>
+            </a:lvl7pPr>
+            <a:lvl8pPr marL="3429000" indent="-228600" algn="l" defTabSz="457200" rtl="0" eaLnBrk="1" latinLnBrk="0" hangingPunct="1">
+              <a:spcBef>
+                <a:spcPts val="1000"/>
+              </a:spcBef>
+              <a:spcAft>
+                <a:spcPts val="0"/>
+              </a:spcAft>
+              <a:buClr>
+                <a:schemeClr val="accent1"/>
+              </a:buClr>
+              <a:buSzPct val="80000"/>
+              <a:buFont typeface="Wingdings 3" charset="2"/>
+              <a:buChar char=""/>
+              <a:defRPr sz="1200" kern="1200">
+                <a:solidFill>
+                  <a:schemeClr val="tx1">
+                    <a:lumMod val="75000"/>
+                    <a:lumOff val="25000"/>
+                  </a:schemeClr>
+                </a:solidFill>
+                <a:latin typeface="+mn-lt"/>
+                <a:ea typeface="+mn-ea"/>
+                <a:cs typeface="+mn-cs"/>
+              </a:defRPr>
+            </a:lvl8pPr>
+            <a:lvl9pPr marL="3886200" indent="-228600" algn="l" defTabSz="457200" rtl="0" eaLnBrk="1" latinLnBrk="0" hangingPunct="1">
+              <a:spcBef>
+                <a:spcPts val="1000"/>
+              </a:spcBef>
+              <a:spcAft>
+                <a:spcPts val="0"/>
+              </a:spcAft>
+              <a:buClr>
+                <a:schemeClr val="accent1"/>
+              </a:buClr>
+              <a:buSzPct val="80000"/>
+              <a:buFont typeface="Wingdings 3" charset="2"/>
+              <a:buChar char=""/>
+              <a:defRPr sz="1200" kern="1200">
+                <a:solidFill>
+                  <a:schemeClr val="tx1">
+                    <a:lumMod val="75000"/>
+                    <a:lumOff val="25000"/>
+                  </a:schemeClr>
+                </a:solidFill>
+                <a:latin typeface="+mn-lt"/>
+                <a:ea typeface="+mn-ea"/>
+                <a:cs typeface="+mn-cs"/>
+              </a:defRPr>
+            </a:lvl9pPr>
+          </a:lstStyle>
+          <a:p>
+            <a:pPr marL="0" indent="0" algn="ctr">
+              <a:buFont typeface="Wingdings 3" charset="2"/>
+              <a:buNone/>
+            </a:pPr>
+            <a:r>
+              <a:rPr lang="en-AU" dirty="0"/>
+              <a:t>Significant Division in Behaviour Between the First and Last 50 stocks</a:t>
+            </a:r>
+          </a:p>
+        </p:txBody>
+      </p:sp>
+      <p:pic>
+        <p:nvPicPr>
+          <p:cNvPr id="2054" name="Picture 6" descr="Separate free icon">
+            <a:extLst>
+              <a:ext uri="{FF2B5EF4-FFF2-40B4-BE49-F238E27FC236}">
+                <a16:creationId xmlns:a16="http://schemas.microsoft.com/office/drawing/2014/main" id="{D644AADE-B15D-1145-8C26-AE235B497EF3}"/>
+              </a:ext>
+            </a:extLst>
+          </p:cNvPr>
+          <p:cNvPicPr>
+            <a:picLocks noChangeAspect="1" noChangeArrowheads="1"/>
+          </p:cNvPicPr>
+          <p:nvPr/>
+        </p:nvPicPr>
+        <p:blipFill>
+          <a:blip r:embed="rId2">
+            <a:extLst>
+              <a:ext uri="{28A0092B-C50C-407E-A947-70E740481C1C}">
+                <a14:useLocalDpi xmlns:a14="http://schemas.microsoft.com/office/drawing/2010/main" val="0"/>
+              </a:ext>
+            </a:extLst>
+          </a:blip>
+          <a:srcRect/>
+          <a:stretch>
+            <a:fillRect/>
+          </a:stretch>
+        </p:blipFill>
+        <p:spPr bwMode="auto">
+          <a:xfrm flipH="1">
+            <a:off x="1618952" y="2447995"/>
+            <a:ext cx="1096415" cy="1096415"/>
+          </a:xfrm>
+          <a:prstGeom prst="rect">
+            <a:avLst/>
+          </a:prstGeom>
+          <a:noFill/>
+          <a:extLst>
+            <a:ext uri="{909E8E84-426E-40DD-AFC4-6F175D3DCCD1}">
+              <a14:hiddenFill xmlns:a14="http://schemas.microsoft.com/office/drawing/2010/main">
+                <a:solidFill>
+                  <a:srgbClr val="FFFFFF"/>
+                </a:solidFill>
+              </a14:hiddenFill>
+            </a:ext>
+          </a:extLst>
+        </p:spPr>
+      </p:pic>
+      <p:pic>
+        <p:nvPicPr>
+          <p:cNvPr id="2056" name="Picture 8" descr="Trend free icon">
+            <a:extLst>
+              <a:ext uri="{FF2B5EF4-FFF2-40B4-BE49-F238E27FC236}">
+                <a16:creationId xmlns:a16="http://schemas.microsoft.com/office/drawing/2014/main" id="{7412C3FB-A16E-434C-B3CB-669722350B4E}"/>
+              </a:ext>
+            </a:extLst>
+          </p:cNvPr>
+          <p:cNvPicPr>
+            <a:picLocks noChangeAspect="1" noChangeArrowheads="1"/>
+          </p:cNvPicPr>
+          <p:nvPr/>
+        </p:nvPicPr>
+        <p:blipFill>
+          <a:blip r:embed="rId3">
+            <a:extLst>
+              <a:ext uri="{28A0092B-C50C-407E-A947-70E740481C1C}">
+                <a14:useLocalDpi xmlns:a14="http://schemas.microsoft.com/office/drawing/2010/main" val="0"/>
+              </a:ext>
+            </a:extLst>
+          </a:blip>
+          <a:srcRect/>
+          <a:stretch>
+            <a:fillRect/>
+          </a:stretch>
+        </p:blipFill>
+        <p:spPr bwMode="auto">
+          <a:xfrm>
+            <a:off x="7842203" y="2429376"/>
+            <a:ext cx="1127217" cy="1127217"/>
+          </a:xfrm>
+          <a:prstGeom prst="rect">
+            <a:avLst/>
+          </a:prstGeom>
+          <a:noFill/>
+          <a:extLst>
+            <a:ext uri="{909E8E84-426E-40DD-AFC4-6F175D3DCCD1}">
+              <a14:hiddenFill xmlns:a14="http://schemas.microsoft.com/office/drawing/2010/main">
+                <a:solidFill>
+                  <a:srgbClr val="FFFFFF"/>
+                </a:solidFill>
+              </a14:hiddenFill>
+            </a:ext>
+          </a:extLst>
+        </p:spPr>
+      </p:pic>
+      <p:pic>
+        <p:nvPicPr>
+          <p:cNvPr id="2060" name="Picture 12" descr="Risk">
+            <a:extLst>
+              <a:ext uri="{FF2B5EF4-FFF2-40B4-BE49-F238E27FC236}">
+                <a16:creationId xmlns:a16="http://schemas.microsoft.com/office/drawing/2014/main" id="{A9C34B8E-F53D-AD43-96C9-A566DB02A13B}"/>
+              </a:ext>
+            </a:extLst>
+          </p:cNvPr>
+          <p:cNvPicPr>
+            <a:picLocks noChangeAspect="1" noChangeArrowheads="1"/>
+          </p:cNvPicPr>
+          <p:nvPr/>
+        </p:nvPicPr>
+        <p:blipFill>
+          <a:blip r:embed="rId4">
+            <a:extLst>
+              <a:ext uri="{28A0092B-C50C-407E-A947-70E740481C1C}">
+                <a14:useLocalDpi xmlns:a14="http://schemas.microsoft.com/office/drawing/2010/main" val="0"/>
+              </a:ext>
+            </a:extLst>
+          </a:blip>
+          <a:srcRect/>
+          <a:stretch>
+            <a:fillRect/>
+          </a:stretch>
+        </p:blipFill>
+        <p:spPr bwMode="auto">
+          <a:xfrm>
+            <a:off x="4552439" y="2259638"/>
+            <a:ext cx="1472539" cy="1472539"/>
+          </a:xfrm>
+          <a:prstGeom prst="rect">
+            <a:avLst/>
+          </a:prstGeom>
+          <a:noFill/>
+          <a:extLst>
+            <a:ext uri="{909E8E84-426E-40DD-AFC4-6F175D3DCCD1}">
+              <a14:hiddenFill xmlns:a14="http://schemas.microsoft.com/office/drawing/2010/main">
+                <a:solidFill>
+                  <a:srgbClr val="FFFFFF"/>
+                </a:solidFill>
+              </a14:hiddenFill>
+            </a:ext>
+          </a:extLst>
+        </p:spPr>
+      </p:pic>
+      <p:sp>
+        <p:nvSpPr>
+          <p:cNvPr id="13" name="Content Placeholder 2">
+            <a:extLst>
+              <a:ext uri="{FF2B5EF4-FFF2-40B4-BE49-F238E27FC236}">
+                <a16:creationId xmlns:a16="http://schemas.microsoft.com/office/drawing/2014/main" id="{0E7D97F1-5E79-4B4D-A5D8-632AA63C3DEC}"/>
+              </a:ext>
+            </a:extLst>
+          </p:cNvPr>
+          <p:cNvSpPr txBox="1">
+            <a:spLocks/>
+          </p:cNvSpPr>
+          <p:nvPr/>
+        </p:nvSpPr>
+        <p:spPr>
+          <a:xfrm>
+            <a:off x="3679426" y="5587146"/>
+            <a:ext cx="2416574" cy="1142755"/>
+          </a:xfrm>
+          <a:prstGeom prst="rect">
+            <a:avLst/>
+          </a:prstGeom>
+        </p:spPr>
+        <p:txBody>
+          <a:bodyPr vert="horz" lIns="91440" tIns="45720" rIns="91440" bIns="45720" rtlCol="0">
+            <a:normAutofit/>
+          </a:bodyPr>
+          <a:lstStyle>
+            <a:lvl1pPr marL="342900" indent="-342900" algn="l" defTabSz="457200" rtl="0" eaLnBrk="1" latinLnBrk="0" hangingPunct="1">
+              <a:spcBef>
+                <a:spcPts val="1000"/>
+              </a:spcBef>
+              <a:spcAft>
+                <a:spcPts val="0"/>
+              </a:spcAft>
+              <a:buClr>
+                <a:schemeClr val="accent1"/>
+              </a:buClr>
+              <a:buSzPct val="80000"/>
+              <a:buFont typeface="Wingdings 3" charset="2"/>
+              <a:buChar char=""/>
+              <a:defRPr sz="1800" kern="1200">
+                <a:solidFill>
+                  <a:schemeClr val="tx1">
+                    <a:lumMod val="75000"/>
+                    <a:lumOff val="25000"/>
+                  </a:schemeClr>
+                </a:solidFill>
+                <a:latin typeface="+mn-lt"/>
+                <a:ea typeface="+mn-ea"/>
+                <a:cs typeface="+mn-cs"/>
+              </a:defRPr>
+            </a:lvl1pPr>
+            <a:lvl2pPr marL="742950" indent="-285750" algn="l" defTabSz="457200" rtl="0" eaLnBrk="1" latinLnBrk="0" hangingPunct="1">
+              <a:spcBef>
+                <a:spcPts val="1000"/>
+              </a:spcBef>
+              <a:spcAft>
+                <a:spcPts val="0"/>
+              </a:spcAft>
+              <a:buClr>
+                <a:schemeClr val="accent1"/>
+              </a:buClr>
+              <a:buSzPct val="80000"/>
+              <a:buFont typeface="Wingdings 3" charset="2"/>
+              <a:buChar char=""/>
+              <a:defRPr sz="1600" kern="1200">
+                <a:solidFill>
+                  <a:schemeClr val="tx1">
+                    <a:lumMod val="75000"/>
+                    <a:lumOff val="25000"/>
+                  </a:schemeClr>
+                </a:solidFill>
+                <a:latin typeface="+mn-lt"/>
+                <a:ea typeface="+mn-ea"/>
+                <a:cs typeface="+mn-cs"/>
+              </a:defRPr>
+            </a:lvl2pPr>
+            <a:lvl3pPr marL="1143000" indent="-228600" algn="l" defTabSz="457200" rtl="0" eaLnBrk="1" latinLnBrk="0" hangingPunct="1">
+              <a:spcBef>
+                <a:spcPts val="1000"/>
+              </a:spcBef>
+              <a:spcAft>
+                <a:spcPts val="0"/>
+              </a:spcAft>
+              <a:buClr>
+                <a:schemeClr val="accent1"/>
+              </a:buClr>
+              <a:buSzPct val="80000"/>
+              <a:buFont typeface="Wingdings 3" charset="2"/>
+              <a:buChar char=""/>
+              <a:defRPr sz="1400" kern="1200">
+                <a:solidFill>
+                  <a:schemeClr val="tx1">
+                    <a:lumMod val="75000"/>
+                    <a:lumOff val="25000"/>
+                  </a:schemeClr>
+                </a:solidFill>
+                <a:latin typeface="+mn-lt"/>
+                <a:ea typeface="+mn-ea"/>
+                <a:cs typeface="+mn-cs"/>
+              </a:defRPr>
+            </a:lvl3pPr>
+            <a:lvl4pPr marL="1600200" indent="-228600" algn="l" defTabSz="457200" rtl="0" eaLnBrk="1" latinLnBrk="0" hangingPunct="1">
+              <a:spcBef>
+                <a:spcPts val="1000"/>
+              </a:spcBef>
+              <a:spcAft>
+                <a:spcPts val="0"/>
+              </a:spcAft>
+              <a:buClr>
+                <a:schemeClr val="accent1"/>
+              </a:buClr>
+              <a:buSzPct val="80000"/>
+              <a:buFont typeface="Wingdings 3" charset="2"/>
+              <a:buChar char=""/>
+              <a:defRPr sz="1200" kern="1200">
+                <a:solidFill>
+                  <a:schemeClr val="tx1">
+                    <a:lumMod val="75000"/>
+                    <a:lumOff val="25000"/>
+                  </a:schemeClr>
+                </a:solidFill>
+                <a:latin typeface="+mn-lt"/>
+                <a:ea typeface="+mn-ea"/>
+                <a:cs typeface="+mn-cs"/>
+              </a:defRPr>
+            </a:lvl4pPr>
+            <a:lvl5pPr marL="2057400" indent="-228600" algn="l" defTabSz="457200" rtl="0" eaLnBrk="1" latinLnBrk="0" hangingPunct="1">
+              <a:spcBef>
+                <a:spcPts val="1000"/>
+              </a:spcBef>
+              <a:spcAft>
+                <a:spcPts val="0"/>
+              </a:spcAft>
+              <a:buClr>
+                <a:schemeClr val="accent1"/>
+              </a:buClr>
+              <a:buSzPct val="80000"/>
+              <a:buFont typeface="Wingdings 3" charset="2"/>
+              <a:buChar char=""/>
+              <a:defRPr sz="1200" kern="1200">
+                <a:solidFill>
+                  <a:schemeClr val="tx1">
+                    <a:lumMod val="75000"/>
+                    <a:lumOff val="25000"/>
+                  </a:schemeClr>
+                </a:solidFill>
+                <a:latin typeface="+mn-lt"/>
+                <a:ea typeface="+mn-ea"/>
+                <a:cs typeface="+mn-cs"/>
+              </a:defRPr>
+            </a:lvl5pPr>
+            <a:lvl6pPr marL="2514600" indent="-228600" algn="l" defTabSz="457200" rtl="0" eaLnBrk="1" latinLnBrk="0" hangingPunct="1">
+              <a:spcBef>
+                <a:spcPts val="1000"/>
+              </a:spcBef>
+              <a:spcAft>
+                <a:spcPts val="0"/>
+              </a:spcAft>
+              <a:buClr>
+                <a:schemeClr val="accent1"/>
+              </a:buClr>
+              <a:buSzPct val="80000"/>
+              <a:buFont typeface="Wingdings 3" charset="2"/>
+              <a:buChar char=""/>
+              <a:defRPr sz="1200" kern="1200">
+                <a:solidFill>
+                  <a:schemeClr val="tx1">
+                    <a:lumMod val="75000"/>
+                    <a:lumOff val="25000"/>
+                  </a:schemeClr>
+                </a:solidFill>
+                <a:latin typeface="+mn-lt"/>
+                <a:ea typeface="+mn-ea"/>
+                <a:cs typeface="+mn-cs"/>
+              </a:defRPr>
+            </a:lvl6pPr>
+            <a:lvl7pPr marL="2971800" indent="-228600" algn="l" defTabSz="457200" rtl="0" eaLnBrk="1" latinLnBrk="0" hangingPunct="1">
+              <a:spcBef>
+                <a:spcPts val="1000"/>
+              </a:spcBef>
+              <a:spcAft>
+                <a:spcPts val="0"/>
+              </a:spcAft>
+              <a:buClr>
+                <a:schemeClr val="accent1"/>
+              </a:buClr>
+              <a:buSzPct val="80000"/>
+              <a:buFont typeface="Wingdings 3" charset="2"/>
+              <a:buChar char=""/>
+              <a:defRPr sz="1200" kern="1200">
+                <a:solidFill>
+                  <a:schemeClr val="tx1">
+                    <a:lumMod val="75000"/>
+                    <a:lumOff val="25000"/>
+                  </a:schemeClr>
+                </a:solidFill>
+                <a:latin typeface="+mn-lt"/>
+                <a:ea typeface="+mn-ea"/>
+                <a:cs typeface="+mn-cs"/>
+              </a:defRPr>
+            </a:lvl7pPr>
+            <a:lvl8pPr marL="3429000" indent="-228600" algn="l" defTabSz="457200" rtl="0" eaLnBrk="1" latinLnBrk="0" hangingPunct="1">
+              <a:spcBef>
+                <a:spcPts val="1000"/>
+              </a:spcBef>
+              <a:spcAft>
+                <a:spcPts val="0"/>
+              </a:spcAft>
+              <a:buClr>
+                <a:schemeClr val="accent1"/>
+              </a:buClr>
+              <a:buSzPct val="80000"/>
+              <a:buFont typeface="Wingdings 3" charset="2"/>
+              <a:buChar char=""/>
+              <a:defRPr sz="1200" kern="1200">
+                <a:solidFill>
+                  <a:schemeClr val="tx1">
+                    <a:lumMod val="75000"/>
+                    <a:lumOff val="25000"/>
+                  </a:schemeClr>
+                </a:solidFill>
+                <a:latin typeface="+mn-lt"/>
+                <a:ea typeface="+mn-ea"/>
+                <a:cs typeface="+mn-cs"/>
+              </a:defRPr>
+            </a:lvl8pPr>
+            <a:lvl9pPr marL="3886200" indent="-228600" algn="l" defTabSz="457200" rtl="0" eaLnBrk="1" latinLnBrk="0" hangingPunct="1">
+              <a:spcBef>
+                <a:spcPts val="1000"/>
+              </a:spcBef>
+              <a:spcAft>
+                <a:spcPts val="0"/>
+              </a:spcAft>
+              <a:buClr>
+                <a:schemeClr val="accent1"/>
+              </a:buClr>
+              <a:buSzPct val="80000"/>
+              <a:buFont typeface="Wingdings 3" charset="2"/>
+              <a:buChar char=""/>
+              <a:defRPr sz="1200" kern="1200">
+                <a:solidFill>
+                  <a:schemeClr val="tx1">
+                    <a:lumMod val="75000"/>
+                    <a:lumOff val="25000"/>
+                  </a:schemeClr>
+                </a:solidFill>
+                <a:latin typeface="+mn-lt"/>
+                <a:ea typeface="+mn-ea"/>
+                <a:cs typeface="+mn-cs"/>
+              </a:defRPr>
+            </a:lvl9pPr>
+          </a:lstStyle>
+          <a:p>
+            <a:pPr marL="0" indent="0" algn="ctr">
+              <a:buFont typeface="Wingdings 3" charset="2"/>
+              <a:buNone/>
+            </a:pPr>
+            <a:r>
+              <a:rPr lang="en-AU" dirty="0">
+                <a:solidFill>
+                  <a:srgbClr val="FF0000"/>
+                </a:solidFill>
+              </a:rPr>
+              <a:t>Add the histograms????</a:t>
+            </a:r>
+          </a:p>
+        </p:txBody>
+      </p:sp>
+    </p:spTree>
+    <p:extLst>
+      <p:ext uri="{BB962C8B-B14F-4D97-AF65-F5344CB8AC3E}">
+        <p14:creationId xmlns:p14="http://schemas.microsoft.com/office/powerpoint/2010/main" val="615452585"/>
+      </p:ext>
+    </p:extLst>
+  </p:cSld>
+  <p:clrMapOvr>
+    <a:masterClrMapping/>
+  </p:clrMapOvr>
+</p:sld>
+</file>
+
+<file path=ppt/slides/slide3.xml><?xml version="1.0" encoding="utf-8"?>
 <p:sld xmlns:a="http://schemas.openxmlformats.org/drawingml/2006/main" xmlns:r="http://schemas.openxmlformats.org/officeDocument/2006/relationships" xmlns:p="http://schemas.openxmlformats.org/presentationml/2006/main">
   <p:cSld>
     <p:bg>
@@ -6823,10 +8365,10 @@
       </p:grpSpPr>
       <p:sp useBgFill="1">
         <p:nvSpPr>
-          <p:cNvPr id="71" name="Rectangle 70">
+          <p:cNvPr id="47" name="Rectangle 46">
             <a:extLst>
               <a:ext uri="{FF2B5EF4-FFF2-40B4-BE49-F238E27FC236}">
-                <a16:creationId xmlns:a16="http://schemas.microsoft.com/office/drawing/2014/main" id="{A65AC7D1-EAA9-48F5-B509-60A7F50BF703}"/>
+                <a16:creationId xmlns:a16="http://schemas.microsoft.com/office/drawing/2014/main" id="{E80B86A7-A1EC-475B-9166-88902B033A38}"/>
               </a:ext>
               <a:ext uri="{C183D7F6-B498-43B3-948B-1728B52AA6E4}">
                 <adec:decorative xmlns:adec="http://schemas.microsoft.com/office/drawing/2017/decorative" val="1"/>
@@ -6877,16 +8419,51 @@
           <a:lstStyle/>
           <a:p>
             <a:pPr algn="ctr"/>
-            <a:endParaRPr lang="en-US" dirty="0"/>
-          </a:p>
-        </p:txBody>
-      </p:sp>
-      <p:sp useBgFill="1">
-        <p:nvSpPr>
-          <p:cNvPr id="73" name="Rectangle 72">
+            <a:endParaRPr lang="en-US"/>
+          </a:p>
+        </p:txBody>
+      </p:sp>
+      <p:sp>
+        <p:nvSpPr>
+          <p:cNvPr id="2" name="Title 1">
             <a:extLst>
               <a:ext uri="{FF2B5EF4-FFF2-40B4-BE49-F238E27FC236}">
-                <a16:creationId xmlns:a16="http://schemas.microsoft.com/office/drawing/2014/main" id="{D6320AF9-619A-4175-865B-5663E1AEF4C5}"/>
+                <a16:creationId xmlns:a16="http://schemas.microsoft.com/office/drawing/2014/main" id="{241BAF48-B954-3544-ABF4-F24499CD36DE}"/>
+              </a:ext>
+            </a:extLst>
+          </p:cNvPr>
+          <p:cNvSpPr>
+            <a:spLocks noGrp="1"/>
+          </p:cNvSpPr>
+          <p:nvPr>
+            <p:ph type="title"/>
+          </p:nvPr>
+        </p:nvSpPr>
+        <p:spPr>
+          <a:xfrm>
+            <a:off x="1333502" y="609600"/>
+            <a:ext cx="8596668" cy="1320800"/>
+          </a:xfrm>
+        </p:spPr>
+        <p:txBody>
+          <a:bodyPr vert="horz" lIns="91440" tIns="45720" rIns="91440" bIns="45720" rtlCol="0">
+            <a:normAutofit/>
+          </a:bodyPr>
+          <a:lstStyle/>
+          <a:p>
+            <a:r>
+              <a:rPr lang="en-US"/>
+              <a:t>Strategy Overview</a:t>
+            </a:r>
+          </a:p>
+        </p:txBody>
+      </p:sp>
+      <p:sp>
+        <p:nvSpPr>
+          <p:cNvPr id="49" name="Isosceles Triangle 48">
+            <a:extLst>
+              <a:ext uri="{FF2B5EF4-FFF2-40B4-BE49-F238E27FC236}">
+                <a16:creationId xmlns:a16="http://schemas.microsoft.com/office/drawing/2014/main" id="{C2C29CB1-9F74-4879-A6AF-AEA67B6F1F4D}"/>
               </a:ext>
               <a:ext uri="{C183D7F6-B498-43B3-948B-1728B52AA6E4}">
                 <adec:decorative xmlns:adec="http://schemas.microsoft.com/office/drawing/2017/decorative" val="1"/>
@@ -6905,210 +8482,18 @@
           </p:nvPr>
         </p:nvSpPr>
         <p:spPr>
-          <a:xfrm>
+          <a:xfrm rot="10800000">
             <a:off x="0" y="0"/>
-            <a:ext cx="12192000" cy="6858000"/>
+            <a:ext cx="842596" cy="5666154"/>
           </a:xfrm>
-          <a:prstGeom prst="rect">
-            <a:avLst/>
+          <a:prstGeom prst="triangle">
+            <a:avLst>
+              <a:gd name="adj" fmla="val 100000"/>
+            </a:avLst>
           </a:prstGeom>
-          <a:ln>
-            <a:noFill/>
-          </a:ln>
-        </p:spPr>
-        <p:style>
-          <a:lnRef idx="2">
-            <a:schemeClr val="accent1">
-              <a:shade val="50000"/>
-            </a:schemeClr>
-          </a:lnRef>
-          <a:fillRef idx="1">
-            <a:schemeClr val="accent1"/>
-          </a:fillRef>
-          <a:effectRef idx="0">
-            <a:schemeClr val="accent1"/>
-          </a:effectRef>
-          <a:fontRef idx="minor">
-            <a:schemeClr val="lt1"/>
-          </a:fontRef>
-        </p:style>
-        <p:txBody>
-          <a:bodyPr rtlCol="0" anchor="ctr"/>
-          <a:lstStyle/>
-          <a:p>
-            <a:pPr algn="ctr"/>
-            <a:endParaRPr lang="en-US"/>
-          </a:p>
-        </p:txBody>
-      </p:sp>
-      <p:cxnSp>
-        <p:nvCxnSpPr>
-          <p:cNvPr id="75" name="Straight Connector 74">
-            <a:extLst>
-              <a:ext uri="{FF2B5EF4-FFF2-40B4-BE49-F238E27FC236}">
-                <a16:creationId xmlns:a16="http://schemas.microsoft.com/office/drawing/2014/main" id="{063B6EC6-D752-4EE7-908B-F8F19E8C7FEA}"/>
-              </a:ext>
-              <a:ext uri="{C183D7F6-B498-43B3-948B-1728B52AA6E4}">
-                <adec:decorative xmlns:adec="http://schemas.microsoft.com/office/drawing/2017/decorative" val="1"/>
-              </a:ext>
-            </a:extLst>
-          </p:cNvPr>
-          <p:cNvCxnSpPr>
-            <a:cxnSpLocks noGrp="1" noRot="1" noChangeAspect="1" noMove="1" noResize="1" noEditPoints="1" noAdjustHandles="1" noChangeArrowheads="1" noChangeShapeType="1"/>
-          </p:cNvCxnSpPr>
-          <p:nvPr>
-            <p:extLst>
-              <p:ext uri="{386F3935-93C4-4BCD-93E2-E3B085C9AB24}">
-                <p16:designElem xmlns:p16="http://schemas.microsoft.com/office/powerpoint/2015/main" val="1"/>
-              </p:ext>
-            </p:extLst>
-          </p:nvPr>
-        </p:nvCxnSpPr>
-        <p:spPr>
-          <a:xfrm>
-            <a:off x="5111313" y="0"/>
-            <a:ext cx="1219200" cy="6858000"/>
-          </a:xfrm>
-          <a:prstGeom prst="line">
-            <a:avLst/>
-          </a:prstGeom>
-          <a:ln w="9525">
-            <a:solidFill>
-              <a:schemeClr val="accent1">
-                <a:lumMod val="75000"/>
-              </a:schemeClr>
-            </a:solidFill>
-          </a:ln>
-        </p:spPr>
-        <p:style>
-          <a:lnRef idx="2">
-            <a:schemeClr val="accent1"/>
-          </a:lnRef>
-          <a:fillRef idx="0">
-            <a:schemeClr val="accent1"/>
-          </a:fillRef>
-          <a:effectRef idx="1">
-            <a:schemeClr val="accent1"/>
-          </a:effectRef>
-          <a:fontRef idx="minor">
-            <a:schemeClr val="tx1"/>
-          </a:fontRef>
-        </p:style>
-      </p:cxnSp>
-      <p:cxnSp>
-        <p:nvCxnSpPr>
-          <p:cNvPr id="77" name="Straight Connector 76">
-            <a:extLst>
-              <a:ext uri="{FF2B5EF4-FFF2-40B4-BE49-F238E27FC236}">
-                <a16:creationId xmlns:a16="http://schemas.microsoft.com/office/drawing/2014/main" id="{EFECD4E8-AD3E-4228-82A2-9461958EA94D}"/>
-              </a:ext>
-              <a:ext uri="{C183D7F6-B498-43B3-948B-1728B52AA6E4}">
-                <adec:decorative xmlns:adec="http://schemas.microsoft.com/office/drawing/2017/decorative" val="1"/>
-              </a:ext>
-            </a:extLst>
-          </p:cNvPr>
-          <p:cNvCxnSpPr>
-            <a:cxnSpLocks noGrp="1" noRot="1" noChangeAspect="1" noMove="1" noResize="1" noEditPoints="1" noAdjustHandles="1" noChangeArrowheads="1" noChangeShapeType="1"/>
-          </p:cNvCxnSpPr>
-          <p:nvPr>
-            <p:extLst>
-              <p:ext uri="{386F3935-93C4-4BCD-93E2-E3B085C9AB24}">
-                <p16:designElem xmlns:p16="http://schemas.microsoft.com/office/powerpoint/2015/main" val="1"/>
-              </p:ext>
-            </p:extLst>
-          </p:nvPr>
-        </p:nvCxnSpPr>
-        <p:spPr>
-          <a:xfrm flipH="1">
-            <a:off x="3290979" y="3681413"/>
-            <a:ext cx="4763558" cy="3176587"/>
-          </a:xfrm>
-          <a:prstGeom prst="line">
-            <a:avLst/>
-          </a:prstGeom>
-          <a:ln w="9525">
-            <a:solidFill>
-              <a:schemeClr val="tx1">
-                <a:lumMod val="50000"/>
-                <a:lumOff val="50000"/>
-                <a:alpha val="80000"/>
-              </a:schemeClr>
-            </a:solidFill>
-          </a:ln>
-        </p:spPr>
-        <p:style>
-          <a:lnRef idx="2">
-            <a:schemeClr val="accent1"/>
-          </a:lnRef>
-          <a:fillRef idx="0">
-            <a:schemeClr val="accent1"/>
-          </a:fillRef>
-          <a:effectRef idx="1">
-            <a:schemeClr val="accent1"/>
-          </a:effectRef>
-          <a:fontRef idx="minor">
-            <a:schemeClr val="tx1"/>
-          </a:fontRef>
-        </p:style>
-      </p:cxnSp>
-      <p:sp>
-        <p:nvSpPr>
-          <p:cNvPr id="79" name="Rectangle 23">
-            <a:extLst>
-              <a:ext uri="{FF2B5EF4-FFF2-40B4-BE49-F238E27FC236}">
-                <a16:creationId xmlns:a16="http://schemas.microsoft.com/office/drawing/2014/main" id="{7E018740-5C2B-4A41-AC1A-7E68D1EC1954}"/>
-              </a:ext>
-              <a:ext uri="{C183D7F6-B498-43B3-948B-1728B52AA6E4}">
-                <adec:decorative xmlns:adec="http://schemas.microsoft.com/office/drawing/2017/decorative" val="1"/>
-              </a:ext>
-            </a:extLst>
-          </p:cNvPr>
-          <p:cNvSpPr>
-            <a:spLocks noGrp="1" noRot="1" noChangeAspect="1" noMove="1" noResize="1" noEditPoints="1" noAdjustHandles="1" noChangeArrowheads="1" noChangeShapeType="1" noTextEdit="1"/>
-          </p:cNvSpPr>
-          <p:nvPr>
-            <p:extLst>
-              <p:ext uri="{386F3935-93C4-4BCD-93E2-E3B085C9AB24}">
-                <p16:designElem xmlns:p16="http://schemas.microsoft.com/office/powerpoint/2015/main" val="1"/>
-              </p:ext>
-            </p:extLst>
-          </p:nvPr>
-        </p:nvSpPr>
-        <p:spPr>
-          <a:xfrm>
-            <a:off x="4482568" y="-8467"/>
-            <a:ext cx="3007349" cy="6866467"/>
-          </a:xfrm>
-          <a:custGeom>
-            <a:avLst/>
-            <a:gdLst/>
-            <a:ahLst/>
-            <a:cxnLst/>
-            <a:rect l="l" t="t" r="r" b="b"/>
-            <a:pathLst>
-              <a:path w="3007349" h="6866467">
-                <a:moveTo>
-                  <a:pt x="2045532" y="0"/>
-                </a:moveTo>
-                <a:lnTo>
-                  <a:pt x="3007349" y="0"/>
-                </a:lnTo>
-                <a:lnTo>
-                  <a:pt x="3007349" y="6866467"/>
-                </a:lnTo>
-                <a:lnTo>
-                  <a:pt x="0" y="6866467"/>
-                </a:lnTo>
-                <a:lnTo>
-                  <a:pt x="2045532" y="0"/>
-                </a:lnTo>
-                <a:close/>
-              </a:path>
-            </a:pathLst>
-          </a:custGeom>
           <a:solidFill>
             <a:schemeClr val="accent1">
-              <a:alpha val="30000"/>
+              <a:alpha val="85000"/>
             </a:schemeClr>
           </a:solidFill>
           <a:ln>
@@ -7133,10 +8518,10 @@
       </p:sp>
       <p:sp>
         <p:nvSpPr>
-          <p:cNvPr id="81" name="Rectangle 25">
+          <p:cNvPr id="51" name="Isosceles Triangle 50">
             <a:extLst>
               <a:ext uri="{FF2B5EF4-FFF2-40B4-BE49-F238E27FC236}">
-                <a16:creationId xmlns:a16="http://schemas.microsoft.com/office/drawing/2014/main" id="{166F75A4-C475-4941-8EE2-B80A06A2C1BB}"/>
+                <a16:creationId xmlns:a16="http://schemas.microsoft.com/office/drawing/2014/main" id="{7E2C7115-5336-410C-AD71-0F0952A2E5A7}"/>
               </a:ext>
               <a:ext uri="{C183D7F6-B498-43B3-948B-1728B52AA6E4}">
                 <adec:decorative xmlns:adec="http://schemas.microsoft.com/office/drawing/2017/decorative" val="1"/>
@@ -7155,40 +8540,18 @@
           </p:nvPr>
         </p:nvSpPr>
         <p:spPr>
-          <a:xfrm>
-            <a:off x="4904534" y="-8467"/>
-            <a:ext cx="2588558" cy="6866467"/>
+          <a:xfrm flipH="1">
+            <a:off x="11743267" y="4013200"/>
+            <a:ext cx="448733" cy="2844800"/>
           </a:xfrm>
-          <a:custGeom>
-            <a:avLst/>
-            <a:gdLst/>
-            <a:ahLst/>
-            <a:cxnLst/>
-            <a:rect l="l" t="t" r="r" b="b"/>
-            <a:pathLst>
-              <a:path w="2573311" h="6866467">
-                <a:moveTo>
-                  <a:pt x="0" y="0"/>
-                </a:moveTo>
-                <a:lnTo>
-                  <a:pt x="2573311" y="0"/>
-                </a:lnTo>
-                <a:lnTo>
-                  <a:pt x="2573311" y="6866467"/>
-                </a:lnTo>
-                <a:lnTo>
-                  <a:pt x="1202336" y="6866467"/>
-                </a:lnTo>
-                <a:lnTo>
-                  <a:pt x="0" y="0"/>
-                </a:lnTo>
-                <a:close/>
-              </a:path>
-            </a:pathLst>
-          </a:custGeom>
+          <a:prstGeom prst="triangle">
+            <a:avLst>
+              <a:gd name="adj" fmla="val 0"/>
+            </a:avLst>
+          </a:prstGeom>
           <a:solidFill>
             <a:schemeClr val="accent1">
-              <a:alpha val="20000"/>
+              <a:alpha val="85000"/>
             </a:schemeClr>
           </a:solidFill>
           <a:ln>
@@ -7213,564 +8576,10 @@
       </p:sp>
       <p:sp>
         <p:nvSpPr>
-          <p:cNvPr id="83" name="Isosceles Triangle 82">
+          <p:cNvPr id="45" name="Content Placeholder 2">
             <a:extLst>
               <a:ext uri="{FF2B5EF4-FFF2-40B4-BE49-F238E27FC236}">
-                <a16:creationId xmlns:a16="http://schemas.microsoft.com/office/drawing/2014/main" id="{A032553A-72E8-4B0D-8405-FF9771C9AF05}"/>
-              </a:ext>
-              <a:ext uri="{C183D7F6-B498-43B3-948B-1728B52AA6E4}">
-                <adec:decorative xmlns:adec="http://schemas.microsoft.com/office/drawing/2017/decorative" val="1"/>
-              </a:ext>
-            </a:extLst>
-          </p:cNvPr>
-          <p:cNvSpPr>
-            <a:spLocks noGrp="1" noRot="1" noChangeAspect="1" noMove="1" noResize="1" noEditPoints="1" noAdjustHandles="1" noChangeArrowheads="1" noChangeShapeType="1" noTextEdit="1"/>
-          </p:cNvSpPr>
-          <p:nvPr>
-            <p:extLst>
-              <p:ext uri="{386F3935-93C4-4BCD-93E2-E3B085C9AB24}">
-                <p16:designElem xmlns:p16="http://schemas.microsoft.com/office/powerpoint/2015/main" val="1"/>
-              </p:ext>
-            </p:extLst>
-          </p:nvPr>
-        </p:nvSpPr>
-        <p:spPr>
-          <a:xfrm>
-            <a:off x="4233425" y="3048000"/>
-            <a:ext cx="3259667" cy="3810000"/>
-          </a:xfrm>
-          <a:prstGeom prst="triangle">
-            <a:avLst>
-              <a:gd name="adj" fmla="val 100000"/>
-            </a:avLst>
-          </a:prstGeom>
-          <a:solidFill>
-            <a:schemeClr val="accent2">
-              <a:alpha val="72000"/>
-            </a:schemeClr>
-          </a:solidFill>
-          <a:ln>
-            <a:noFill/>
-          </a:ln>
-          <a:effectLst/>
-        </p:spPr>
-        <p:style>
-          <a:lnRef idx="1">
-            <a:schemeClr val="accent1"/>
-          </a:lnRef>
-          <a:fillRef idx="3">
-            <a:schemeClr val="accent1"/>
-          </a:fillRef>
-          <a:effectRef idx="2">
-            <a:schemeClr val="accent1"/>
-          </a:effectRef>
-          <a:fontRef idx="minor">
-            <a:schemeClr val="lt1"/>
-          </a:fontRef>
-        </p:style>
-      </p:sp>
-      <p:sp>
-        <p:nvSpPr>
-          <p:cNvPr id="85" name="Rectangle 27">
-            <a:extLst>
-              <a:ext uri="{FF2B5EF4-FFF2-40B4-BE49-F238E27FC236}">
-                <a16:creationId xmlns:a16="http://schemas.microsoft.com/office/drawing/2014/main" id="{765800AC-C3B9-498E-87BC-29FAE4C76B21}"/>
-              </a:ext>
-              <a:ext uri="{C183D7F6-B498-43B3-948B-1728B52AA6E4}">
-                <adec:decorative xmlns:adec="http://schemas.microsoft.com/office/drawing/2017/decorative" val="1"/>
-              </a:ext>
-            </a:extLst>
-          </p:cNvPr>
-          <p:cNvSpPr>
-            <a:spLocks noGrp="1" noRot="1" noChangeAspect="1" noMove="1" noResize="1" noEditPoints="1" noAdjustHandles="1" noChangeArrowheads="1" noChangeShapeType="1" noTextEdit="1"/>
-          </p:cNvSpPr>
-          <p:nvPr>
-            <p:extLst>
-              <p:ext uri="{386F3935-93C4-4BCD-93E2-E3B085C9AB24}">
-                <p16:designElem xmlns:p16="http://schemas.microsoft.com/office/powerpoint/2015/main" val="1"/>
-              </p:ext>
-            </p:extLst>
-          </p:nvPr>
-        </p:nvSpPr>
-        <p:spPr>
-          <a:xfrm>
-            <a:off x="4635592" y="-8467"/>
-            <a:ext cx="2854326" cy="6866467"/>
-          </a:xfrm>
-          <a:custGeom>
-            <a:avLst/>
-            <a:gdLst/>
-            <a:ahLst/>
-            <a:cxnLst/>
-            <a:rect l="l" t="t" r="r" b="b"/>
-            <a:pathLst>
-              <a:path w="2858013" h="6866467">
-                <a:moveTo>
-                  <a:pt x="0" y="0"/>
-                </a:moveTo>
-                <a:lnTo>
-                  <a:pt x="2858013" y="0"/>
-                </a:lnTo>
-                <a:lnTo>
-                  <a:pt x="2858013" y="6866467"/>
-                </a:lnTo>
-                <a:lnTo>
-                  <a:pt x="2473942" y="6866467"/>
-                </a:lnTo>
-                <a:lnTo>
-                  <a:pt x="0" y="0"/>
-                </a:lnTo>
-                <a:close/>
-              </a:path>
-            </a:pathLst>
-          </a:custGeom>
-          <a:solidFill>
-            <a:schemeClr val="accent2">
-              <a:lumMod val="75000"/>
-              <a:alpha val="70000"/>
-            </a:schemeClr>
-          </a:solidFill>
-          <a:ln>
-            <a:noFill/>
-          </a:ln>
-          <a:effectLst/>
-        </p:spPr>
-        <p:style>
-          <a:lnRef idx="1">
-            <a:schemeClr val="accent1"/>
-          </a:lnRef>
-          <a:fillRef idx="3">
-            <a:schemeClr val="accent1"/>
-          </a:fillRef>
-          <a:effectRef idx="2">
-            <a:schemeClr val="accent1"/>
-          </a:effectRef>
-          <a:fontRef idx="minor">
-            <a:schemeClr val="lt1"/>
-          </a:fontRef>
-        </p:style>
-      </p:sp>
-      <p:sp>
-        <p:nvSpPr>
-          <p:cNvPr id="87" name="Isosceles Triangle 86">
-            <a:extLst>
-              <a:ext uri="{FF2B5EF4-FFF2-40B4-BE49-F238E27FC236}">
-                <a16:creationId xmlns:a16="http://schemas.microsoft.com/office/drawing/2014/main" id="{1F9D6ACB-2FF4-49F9-978A-E0D5327FC635}"/>
-              </a:ext>
-              <a:ext uri="{C183D7F6-B498-43B3-948B-1728B52AA6E4}">
-                <adec:decorative xmlns:adec="http://schemas.microsoft.com/office/drawing/2017/decorative" val="1"/>
-              </a:ext>
-            </a:extLst>
-          </p:cNvPr>
-          <p:cNvSpPr>
-            <a:spLocks noGrp="1" noRot="1" noChangeAspect="1" noMove="1" noResize="1" noEditPoints="1" noAdjustHandles="1" noChangeArrowheads="1" noChangeShapeType="1" noTextEdit="1"/>
-          </p:cNvSpPr>
-          <p:nvPr>
-            <p:extLst>
-              <p:ext uri="{386F3935-93C4-4BCD-93E2-E3B085C9AB24}">
-                <p16:designElem xmlns:p16="http://schemas.microsoft.com/office/powerpoint/2015/main" val="1"/>
-              </p:ext>
-            </p:extLst>
-          </p:nvPr>
-        </p:nvSpPr>
-        <p:spPr>
-          <a:xfrm>
-            <a:off x="5672758" y="3589867"/>
-            <a:ext cx="1817159" cy="3268133"/>
-          </a:xfrm>
-          <a:prstGeom prst="triangle">
-            <a:avLst>
-              <a:gd name="adj" fmla="val 100000"/>
-            </a:avLst>
-          </a:prstGeom>
-          <a:solidFill>
-            <a:schemeClr val="accent1">
-              <a:alpha val="80000"/>
-            </a:schemeClr>
-          </a:solidFill>
-          <a:ln>
-            <a:noFill/>
-          </a:ln>
-          <a:effectLst/>
-        </p:spPr>
-        <p:style>
-          <a:lnRef idx="1">
-            <a:schemeClr val="accent1"/>
-          </a:lnRef>
-          <a:fillRef idx="3">
-            <a:schemeClr val="accent1"/>
-          </a:fillRef>
-          <a:effectRef idx="2">
-            <a:schemeClr val="accent1"/>
-          </a:effectRef>
-          <a:fontRef idx="minor">
-            <a:schemeClr val="lt1"/>
-          </a:fontRef>
-        </p:style>
-      </p:sp>
-      <p:sp>
-        <p:nvSpPr>
-          <p:cNvPr id="89" name="Freeform: Shape 88">
-            <a:extLst>
-              <a:ext uri="{FF2B5EF4-FFF2-40B4-BE49-F238E27FC236}">
-                <a16:creationId xmlns:a16="http://schemas.microsoft.com/office/drawing/2014/main" id="{A5EC319D-0FEA-4B95-A3EA-01E35672C95B}"/>
-              </a:ext>
-              <a:ext uri="{C183D7F6-B498-43B3-948B-1728B52AA6E4}">
-                <adec:decorative xmlns:adec="http://schemas.microsoft.com/office/drawing/2017/decorative" val="1"/>
-              </a:ext>
-            </a:extLst>
-          </p:cNvPr>
-          <p:cNvSpPr>
-            <a:spLocks noGrp="1" noRot="1" noChangeAspect="1" noMove="1" noResize="1" noEditPoints="1" noAdjustHandles="1" noChangeArrowheads="1" noChangeShapeType="1" noTextEdit="1"/>
-          </p:cNvSpPr>
-          <p:nvPr>
-            <p:extLst>
-              <p:ext uri="{386F3935-93C4-4BCD-93E2-E3B085C9AB24}">
-                <p16:designElem xmlns:p16="http://schemas.microsoft.com/office/powerpoint/2015/main" val="1"/>
-              </p:ext>
-            </p:extLst>
-          </p:nvPr>
-        </p:nvSpPr>
-        <p:spPr>
-          <a:xfrm>
-            <a:off x="6197631" y="-8467"/>
-            <a:ext cx="5994369" cy="6866467"/>
-          </a:xfrm>
-          <a:custGeom>
-            <a:avLst/>
-            <a:gdLst>
-              <a:gd name="connsiteX0" fmla="*/ 0 w 5994369"/>
-              <a:gd name="connsiteY0" fmla="*/ 0 h 6866467"/>
-              <a:gd name="connsiteX1" fmla="*/ 1249825 w 5994369"/>
-              <a:gd name="connsiteY1" fmla="*/ 0 h 6866467"/>
-              <a:gd name="connsiteX2" fmla="*/ 1249825 w 5994369"/>
-              <a:gd name="connsiteY2" fmla="*/ 8467 h 6866467"/>
-              <a:gd name="connsiteX3" fmla="*/ 5994369 w 5994369"/>
-              <a:gd name="connsiteY3" fmla="*/ 8467 h 6866467"/>
-              <a:gd name="connsiteX4" fmla="*/ 5994369 w 5994369"/>
-              <a:gd name="connsiteY4" fmla="*/ 6866467 h 6866467"/>
-              <a:gd name="connsiteX5" fmla="*/ 1249825 w 5994369"/>
-              <a:gd name="connsiteY5" fmla="*/ 6866467 h 6866467"/>
-              <a:gd name="connsiteX6" fmla="*/ 1109382 w 5994369"/>
-              <a:gd name="connsiteY6" fmla="*/ 6866467 h 6866467"/>
-            </a:gdLst>
-            <a:ahLst/>
-            <a:cxnLst>
-              <a:cxn ang="0">
-                <a:pos x="connsiteX0" y="connsiteY0"/>
-              </a:cxn>
-              <a:cxn ang="0">
-                <a:pos x="connsiteX1" y="connsiteY1"/>
-              </a:cxn>
-              <a:cxn ang="0">
-                <a:pos x="connsiteX2" y="connsiteY2"/>
-              </a:cxn>
-              <a:cxn ang="0">
-                <a:pos x="connsiteX3" y="connsiteY3"/>
-              </a:cxn>
-              <a:cxn ang="0">
-                <a:pos x="connsiteX4" y="connsiteY4"/>
-              </a:cxn>
-              <a:cxn ang="0">
-                <a:pos x="connsiteX5" y="connsiteY5"/>
-              </a:cxn>
-              <a:cxn ang="0">
-                <a:pos x="connsiteX6" y="connsiteY6"/>
-              </a:cxn>
-            </a:cxnLst>
-            <a:rect l="l" t="t" r="r" b="b"/>
-            <a:pathLst>
-              <a:path w="5994369" h="6866467">
-                <a:moveTo>
-                  <a:pt x="0" y="0"/>
-                </a:moveTo>
-                <a:lnTo>
-                  <a:pt x="1249825" y="0"/>
-                </a:lnTo>
-                <a:lnTo>
-                  <a:pt x="1249825" y="8467"/>
-                </a:lnTo>
-                <a:lnTo>
-                  <a:pt x="5994369" y="8467"/>
-                </a:lnTo>
-                <a:lnTo>
-                  <a:pt x="5994369" y="6866467"/>
-                </a:lnTo>
-                <a:lnTo>
-                  <a:pt x="1249825" y="6866467"/>
-                </a:lnTo>
-                <a:lnTo>
-                  <a:pt x="1109382" y="6866467"/>
-                </a:lnTo>
-                <a:close/>
-              </a:path>
-            </a:pathLst>
-          </a:custGeom>
-          <a:solidFill>
-            <a:schemeClr val="accent1"/>
-          </a:solidFill>
-          <a:ln>
-            <a:noFill/>
-          </a:ln>
-        </p:spPr>
-        <p:style>
-          <a:lnRef idx="2">
-            <a:schemeClr val="accent1">
-              <a:shade val="50000"/>
-            </a:schemeClr>
-          </a:lnRef>
-          <a:fillRef idx="1">
-            <a:schemeClr val="accent1"/>
-          </a:fillRef>
-          <a:effectRef idx="0">
-            <a:schemeClr val="accent1"/>
-          </a:effectRef>
-          <a:fontRef idx="minor">
-            <a:schemeClr val="lt1"/>
-          </a:fontRef>
-        </p:style>
-        <p:txBody>
-          <a:bodyPr wrap="square" rtlCol="0" anchor="ctr">
-            <a:noAutofit/>
-          </a:bodyPr>
-          <a:lstStyle/>
-          <a:p>
-            <a:pPr algn="ctr"/>
-            <a:endParaRPr lang="en-US"/>
-          </a:p>
-        </p:txBody>
-      </p:sp>
-      <p:sp>
-        <p:nvSpPr>
-          <p:cNvPr id="2" name="Title 1">
-            <a:extLst>
-              <a:ext uri="{FF2B5EF4-FFF2-40B4-BE49-F238E27FC236}">
-                <a16:creationId xmlns:a16="http://schemas.microsoft.com/office/drawing/2014/main" id="{318A6540-5AA5-F447-8BEE-4B1678FE5360}"/>
-              </a:ext>
-            </a:extLst>
-          </p:cNvPr>
-          <p:cNvSpPr>
-            <a:spLocks noGrp="1"/>
-          </p:cNvSpPr>
-          <p:nvPr>
-            <p:ph type="title"/>
-          </p:nvPr>
-        </p:nvSpPr>
-        <p:spPr>
-          <a:xfrm>
-            <a:off x="7181723" y="609600"/>
-            <a:ext cx="4512989" cy="2227730"/>
-          </a:xfrm>
-        </p:spPr>
-        <p:txBody>
-          <a:bodyPr anchor="ctr">
-            <a:normAutofit/>
-          </a:bodyPr>
-          <a:lstStyle/>
-          <a:p>
-            <a:r>
-              <a:rPr lang="en-AU">
-                <a:solidFill>
-                  <a:srgbClr val="FFFFFF"/>
-                </a:solidFill>
-              </a:rPr>
-              <a:t>Strategy Formation</a:t>
-            </a:r>
-          </a:p>
-        </p:txBody>
-      </p:sp>
-      <p:pic>
-        <p:nvPicPr>
-          <p:cNvPr id="2050" name="Picture 2" descr="Increasing free icon">
-            <a:extLst>
-              <a:ext uri="{FF2B5EF4-FFF2-40B4-BE49-F238E27FC236}">
-                <a16:creationId xmlns:a16="http://schemas.microsoft.com/office/drawing/2014/main" id="{C86AA43E-6522-AA44-9E00-256E9069921B}"/>
-              </a:ext>
-            </a:extLst>
-          </p:cNvPr>
-          <p:cNvPicPr>
-            <a:picLocks noChangeAspect="1" noChangeArrowheads="1"/>
-          </p:cNvPicPr>
-          <p:nvPr/>
-        </p:nvPicPr>
-        <p:blipFill>
-          <a:blip r:embed="rId2">
-            <a:extLst>
-              <a:ext uri="{28A0092B-C50C-407E-A947-70E740481C1C}">
-                <a14:useLocalDpi xmlns:a14="http://schemas.microsoft.com/office/drawing/2010/main" val="0"/>
-              </a:ext>
-            </a:extLst>
-          </a:blip>
-          <a:stretch>
-            <a:fillRect/>
-          </a:stretch>
-        </p:blipFill>
-        <p:spPr bwMode="auto">
-          <a:xfrm>
-            <a:off x="1304471" y="1618215"/>
-            <a:ext cx="2616652" cy="2616652"/>
-          </a:xfrm>
-          <a:prstGeom prst="rect">
-            <a:avLst/>
-          </a:prstGeom>
-          <a:noFill/>
-          <a:extLst>
-            <a:ext uri="{909E8E84-426E-40DD-AFC4-6F175D3DCCD1}">
-              <a14:hiddenFill xmlns:a14="http://schemas.microsoft.com/office/drawing/2010/main">
-                <a:solidFill>
-                  <a:srgbClr val="FFFFFF"/>
-                </a:solidFill>
-              </a14:hiddenFill>
-            </a:ext>
-          </a:extLst>
-        </p:spPr>
-      </p:pic>
-      <p:sp>
-        <p:nvSpPr>
-          <p:cNvPr id="3" name="Content Placeholder 2">
-            <a:extLst>
-              <a:ext uri="{FF2B5EF4-FFF2-40B4-BE49-F238E27FC236}">
-                <a16:creationId xmlns:a16="http://schemas.microsoft.com/office/drawing/2014/main" id="{6172DD23-E5A0-5B4B-A9EC-744B151FE47A}"/>
-              </a:ext>
-            </a:extLst>
-          </p:cNvPr>
-          <p:cNvSpPr>
-            <a:spLocks noGrp="1"/>
-          </p:cNvSpPr>
-          <p:nvPr>
-            <p:ph idx="1"/>
-          </p:nvPr>
-        </p:nvSpPr>
-        <p:spPr>
-          <a:xfrm>
-            <a:off x="7276965" y="2361702"/>
-            <a:ext cx="4141338" cy="3317938"/>
-          </a:xfrm>
-        </p:spPr>
-        <p:txBody>
-          <a:bodyPr anchor="t">
-            <a:normAutofit/>
-          </a:bodyPr>
-          <a:lstStyle/>
-          <a:p>
-            <a:pPr>
-              <a:buFont typeface="Wingdings" pitchFamily="2" charset="2"/>
-              <a:buChar char="v"/>
-            </a:pPr>
-            <a:r>
-              <a:rPr lang="en-AU" dirty="0">
-                <a:solidFill>
-                  <a:schemeClr val="bg1"/>
-                </a:solidFill>
-              </a:rPr>
-              <a:t>Key Findings:</a:t>
-            </a:r>
-          </a:p>
-          <a:p>
-            <a:pPr lvl="1">
-              <a:buFont typeface="Wingdings" pitchFamily="2" charset="2"/>
-              <a:buChar char="v"/>
-            </a:pPr>
-            <a:r>
-              <a:rPr lang="en-AU" dirty="0">
-                <a:solidFill>
-                  <a:schemeClr val="bg1"/>
-                </a:solidFill>
-              </a:rPr>
-              <a:t>High Volatility</a:t>
-            </a:r>
-          </a:p>
-          <a:p>
-            <a:pPr lvl="1">
-              <a:buFont typeface="Wingdings" pitchFamily="2" charset="2"/>
-              <a:buChar char="v"/>
-            </a:pPr>
-            <a:r>
-              <a:rPr lang="en-AU" dirty="0">
-                <a:solidFill>
-                  <a:schemeClr val="bg1"/>
-                </a:solidFill>
-              </a:rPr>
-              <a:t>Repetitive Triangular Pattern in Stock Prices</a:t>
-            </a:r>
-          </a:p>
-          <a:p>
-            <a:pPr lvl="1">
-              <a:buFont typeface="Wingdings" pitchFamily="2" charset="2"/>
-              <a:buChar char="v"/>
-            </a:pPr>
-            <a:r>
-              <a:rPr lang="en-AU" dirty="0">
-                <a:solidFill>
-                  <a:schemeClr val="bg1"/>
-                </a:solidFill>
-              </a:rPr>
-              <a:t>Positive Correlation amongst Stock </a:t>
-            </a:r>
-            <a:r>
-              <a:rPr lang="en-AU" dirty="0">
-                <a:solidFill>
-                  <a:srgbClr val="FFFFFF"/>
-                </a:solidFill>
-              </a:rPr>
-              <a:t>50 -99</a:t>
-            </a:r>
-          </a:p>
-        </p:txBody>
-      </p:sp>
-      <p:pic>
-        <p:nvPicPr>
-          <p:cNvPr id="2054" name="Picture 6" descr="Loupe">
-            <a:extLst>
-              <a:ext uri="{FF2B5EF4-FFF2-40B4-BE49-F238E27FC236}">
-                <a16:creationId xmlns:a16="http://schemas.microsoft.com/office/drawing/2014/main" id="{69460D46-6871-6F47-9B49-815BCA60E095}"/>
-              </a:ext>
-            </a:extLst>
-          </p:cNvPr>
-          <p:cNvPicPr>
-            <a:picLocks noChangeAspect="1" noChangeArrowheads="1"/>
-          </p:cNvPicPr>
-          <p:nvPr/>
-        </p:nvPicPr>
-        <p:blipFill>
-          <a:blip r:embed="rId3">
-            <a:extLst>
-              <a:ext uri="{28A0092B-C50C-407E-A947-70E740481C1C}">
-                <a14:useLocalDpi xmlns:a14="http://schemas.microsoft.com/office/drawing/2010/main" val="0"/>
-              </a:ext>
-            </a:extLst>
-          </a:blip>
-          <a:srcRect/>
-          <a:stretch>
-            <a:fillRect/>
-          </a:stretch>
-        </p:blipFill>
-        <p:spPr bwMode="auto">
-          <a:xfrm>
-            <a:off x="696546" y="3055112"/>
-            <a:ext cx="1897888" cy="1897888"/>
-          </a:xfrm>
-          <a:prstGeom prst="rect">
-            <a:avLst/>
-          </a:prstGeom>
-          <a:noFill/>
-          <a:extLst>
-            <a:ext uri="{909E8E84-426E-40DD-AFC4-6F175D3DCCD1}">
-              <a14:hiddenFill xmlns:a14="http://schemas.microsoft.com/office/drawing/2010/main">
-                <a:solidFill>
-                  <a:srgbClr val="FFFFFF"/>
-                </a:solidFill>
-              </a14:hiddenFill>
-            </a:ext>
-          </a:extLst>
-        </p:spPr>
-      </p:pic>
-      <p:sp>
-        <p:nvSpPr>
-          <p:cNvPr id="17" name="Subtitle 2">
-            <a:extLst>
-              <a:ext uri="{FF2B5EF4-FFF2-40B4-BE49-F238E27FC236}">
-                <a16:creationId xmlns:a16="http://schemas.microsoft.com/office/drawing/2014/main" id="{C63D3A0F-F943-9B49-84E0-6BBE4EE19DC4}"/>
+                <a16:creationId xmlns:a16="http://schemas.microsoft.com/office/drawing/2014/main" id="{045594D1-6957-FE4D-A7BF-6EE6C2F14402}"/>
               </a:ext>
             </a:extLst>
           </p:cNvPr>
@@ -7781,8 +8590,8 @@
         </p:nvSpPr>
         <p:spPr>
           <a:xfrm>
-            <a:off x="1424781" y="4808598"/>
-            <a:ext cx="2117855" cy="1096901"/>
+            <a:off x="2027266" y="1783705"/>
+            <a:ext cx="2843777" cy="1252907"/>
           </a:xfrm>
           <a:prstGeom prst="rect">
             <a:avLst/>
@@ -8020,118 +8829,23 @@
             </a:lvl9pPr>
           </a:lstStyle>
           <a:p>
-            <a:pPr marL="0" indent="0" algn="ctr">
-              <a:buNone/>
-            </a:pPr>
-            <a:r>
-              <a:rPr lang="en-AU" sz="1600" dirty="0"/>
-              <a:t>Stock Analysis Through Visualisation</a:t>
-            </a:r>
-          </a:p>
-        </p:txBody>
-      </p:sp>
-    </p:spTree>
-    <p:extLst>
-      <p:ext uri="{BB962C8B-B14F-4D97-AF65-F5344CB8AC3E}">
-        <p14:creationId xmlns:p14="http://schemas.microsoft.com/office/powerpoint/2010/main" val="3873240177"/>
-      </p:ext>
-    </p:extLst>
-  </p:cSld>
-  <p:clrMapOvr>
-    <a:masterClrMapping/>
-  </p:clrMapOvr>
-</p:sld>
-</file>
-
-<file path=ppt/slides/slide3.xml><?xml version="1.0" encoding="utf-8"?>
-<p:sld xmlns:a="http://schemas.openxmlformats.org/drawingml/2006/main" xmlns:r="http://schemas.openxmlformats.org/officeDocument/2006/relationships" xmlns:p="http://schemas.openxmlformats.org/presentationml/2006/main">
-  <p:cSld>
-    <p:spTree>
-      <p:nvGrpSpPr>
-        <p:cNvPr id="1" name=""/>
-        <p:cNvGrpSpPr/>
-        <p:nvPr/>
-      </p:nvGrpSpPr>
-      <p:grpSpPr>
-        <a:xfrm>
-          <a:off x="0" y="0"/>
-          <a:ext cx="0" cy="0"/>
-          <a:chOff x="0" y="0"/>
-          <a:chExt cx="0" cy="0"/>
-        </a:xfrm>
-      </p:grpSpPr>
-      <p:sp>
-        <p:nvSpPr>
-          <p:cNvPr id="2" name="Title 1">
-            <a:extLst>
-              <a:ext uri="{FF2B5EF4-FFF2-40B4-BE49-F238E27FC236}">
-                <a16:creationId xmlns:a16="http://schemas.microsoft.com/office/drawing/2014/main" id="{D72F62FA-3480-1749-B402-80A3FCE6E09C}"/>
-              </a:ext>
-            </a:extLst>
-          </p:cNvPr>
-          <p:cNvSpPr>
-            <a:spLocks noGrp="1"/>
-          </p:cNvSpPr>
-          <p:nvPr>
-            <p:ph type="title"/>
-          </p:nvPr>
-        </p:nvSpPr>
-        <p:spPr/>
-        <p:txBody>
-          <a:bodyPr/>
-          <a:lstStyle/>
-          <a:p>
-            <a:r>
-              <a:rPr lang="en-AU" dirty="0"/>
-              <a:t>Strategy</a:t>
-            </a:r>
-          </a:p>
-        </p:txBody>
-      </p:sp>
-      <p:sp>
-        <p:nvSpPr>
-          <p:cNvPr id="3" name="Content Placeholder 2">
-            <a:extLst>
-              <a:ext uri="{FF2B5EF4-FFF2-40B4-BE49-F238E27FC236}">
-                <a16:creationId xmlns:a16="http://schemas.microsoft.com/office/drawing/2014/main" id="{6AD283B5-5957-1642-BCA8-4E82D75B842D}"/>
-              </a:ext>
-            </a:extLst>
-          </p:cNvPr>
-          <p:cNvSpPr>
-            <a:spLocks noGrp="1"/>
-          </p:cNvSpPr>
-          <p:nvPr>
-            <p:ph idx="1"/>
-          </p:nvPr>
-        </p:nvSpPr>
-        <p:spPr>
-          <a:xfrm>
-            <a:off x="596454" y="1839416"/>
-            <a:ext cx="2321544" cy="1164501"/>
-          </a:xfrm>
-        </p:spPr>
-        <p:txBody>
-          <a:bodyPr>
-            <a:normAutofit lnSpcReduction="10000"/>
-          </a:bodyPr>
-          <a:lstStyle/>
-          <a:p>
             <a:pPr marL="0" indent="0">
+              <a:buFont typeface="Wingdings 3" charset="2"/>
               <a:buNone/>
             </a:pPr>
             <a:r>
               <a:rPr lang="en-AU" dirty="0"/>
-              <a:t>Predict theoretical prices using multiple weighted moving averages as a signal</a:t>
+              <a:t>Calculate theoretical prices using different signals as inputs</a:t>
             </a:r>
           </a:p>
         </p:txBody>
       </p:sp>
       <p:sp>
         <p:nvSpPr>
-          <p:cNvPr id="4" name="Content Placeholder 2">
+          <p:cNvPr id="46" name="Content Placeholder 2">
             <a:extLst>
               <a:ext uri="{FF2B5EF4-FFF2-40B4-BE49-F238E27FC236}">
-                <a16:creationId xmlns:a16="http://schemas.microsoft.com/office/drawing/2014/main" id="{622C3911-BF1B-D54A-A0EF-6E11FC9B0243}"/>
+                <a16:creationId xmlns:a16="http://schemas.microsoft.com/office/drawing/2014/main" id="{A5B4DEAF-0D97-E548-AD58-2C356186B006}"/>
               </a:ext>
             </a:extLst>
           </p:cNvPr>
@@ -8142,273 +8856,8 @@
         </p:nvSpPr>
         <p:spPr>
           <a:xfrm>
-            <a:off x="3905445" y="1839414"/>
-            <a:ext cx="2321544" cy="1164501"/>
-          </a:xfrm>
-          <a:prstGeom prst="rect">
-            <a:avLst/>
-          </a:prstGeom>
-        </p:spPr>
-        <p:txBody>
-          <a:bodyPr vert="horz" lIns="91440" tIns="45720" rIns="91440" bIns="45720" rtlCol="0">
-            <a:normAutofit lnSpcReduction="10000"/>
-          </a:bodyPr>
-          <a:lstStyle>
-            <a:lvl1pPr marL="342900" indent="-342900" algn="l" defTabSz="457200" rtl="0" eaLnBrk="1" latinLnBrk="0" hangingPunct="1">
-              <a:spcBef>
-                <a:spcPts val="1000"/>
-              </a:spcBef>
-              <a:spcAft>
-                <a:spcPts val="0"/>
-              </a:spcAft>
-              <a:buClr>
-                <a:schemeClr val="accent1"/>
-              </a:buClr>
-              <a:buSzPct val="80000"/>
-              <a:buFont typeface="Wingdings 3" charset="2"/>
-              <a:buChar char=""/>
-              <a:defRPr sz="1800" kern="1200">
-                <a:solidFill>
-                  <a:schemeClr val="tx1">
-                    <a:lumMod val="75000"/>
-                    <a:lumOff val="25000"/>
-                  </a:schemeClr>
-                </a:solidFill>
-                <a:latin typeface="+mn-lt"/>
-                <a:ea typeface="+mn-ea"/>
-                <a:cs typeface="+mn-cs"/>
-              </a:defRPr>
-            </a:lvl1pPr>
-            <a:lvl2pPr marL="742950" indent="-285750" algn="l" defTabSz="457200" rtl="0" eaLnBrk="1" latinLnBrk="0" hangingPunct="1">
-              <a:spcBef>
-                <a:spcPts val="1000"/>
-              </a:spcBef>
-              <a:spcAft>
-                <a:spcPts val="0"/>
-              </a:spcAft>
-              <a:buClr>
-                <a:schemeClr val="accent1"/>
-              </a:buClr>
-              <a:buSzPct val="80000"/>
-              <a:buFont typeface="Wingdings 3" charset="2"/>
-              <a:buChar char=""/>
-              <a:defRPr sz="1600" kern="1200">
-                <a:solidFill>
-                  <a:schemeClr val="tx1">
-                    <a:lumMod val="75000"/>
-                    <a:lumOff val="25000"/>
-                  </a:schemeClr>
-                </a:solidFill>
-                <a:latin typeface="+mn-lt"/>
-                <a:ea typeface="+mn-ea"/>
-                <a:cs typeface="+mn-cs"/>
-              </a:defRPr>
-            </a:lvl2pPr>
-            <a:lvl3pPr marL="1143000" indent="-228600" algn="l" defTabSz="457200" rtl="0" eaLnBrk="1" latinLnBrk="0" hangingPunct="1">
-              <a:spcBef>
-                <a:spcPts val="1000"/>
-              </a:spcBef>
-              <a:spcAft>
-                <a:spcPts val="0"/>
-              </a:spcAft>
-              <a:buClr>
-                <a:schemeClr val="accent1"/>
-              </a:buClr>
-              <a:buSzPct val="80000"/>
-              <a:buFont typeface="Wingdings 3" charset="2"/>
-              <a:buChar char=""/>
-              <a:defRPr sz="1400" kern="1200">
-                <a:solidFill>
-                  <a:schemeClr val="tx1">
-                    <a:lumMod val="75000"/>
-                    <a:lumOff val="25000"/>
-                  </a:schemeClr>
-                </a:solidFill>
-                <a:latin typeface="+mn-lt"/>
-                <a:ea typeface="+mn-ea"/>
-                <a:cs typeface="+mn-cs"/>
-              </a:defRPr>
-            </a:lvl3pPr>
-            <a:lvl4pPr marL="1600200" indent="-228600" algn="l" defTabSz="457200" rtl="0" eaLnBrk="1" latinLnBrk="0" hangingPunct="1">
-              <a:spcBef>
-                <a:spcPts val="1000"/>
-              </a:spcBef>
-              <a:spcAft>
-                <a:spcPts val="0"/>
-              </a:spcAft>
-              <a:buClr>
-                <a:schemeClr val="accent1"/>
-              </a:buClr>
-              <a:buSzPct val="80000"/>
-              <a:buFont typeface="Wingdings 3" charset="2"/>
-              <a:buChar char=""/>
-              <a:defRPr sz="1200" kern="1200">
-                <a:solidFill>
-                  <a:schemeClr val="tx1">
-                    <a:lumMod val="75000"/>
-                    <a:lumOff val="25000"/>
-                  </a:schemeClr>
-                </a:solidFill>
-                <a:latin typeface="+mn-lt"/>
-                <a:ea typeface="+mn-ea"/>
-                <a:cs typeface="+mn-cs"/>
-              </a:defRPr>
-            </a:lvl4pPr>
-            <a:lvl5pPr marL="2057400" indent="-228600" algn="l" defTabSz="457200" rtl="0" eaLnBrk="1" latinLnBrk="0" hangingPunct="1">
-              <a:spcBef>
-                <a:spcPts val="1000"/>
-              </a:spcBef>
-              <a:spcAft>
-                <a:spcPts val="0"/>
-              </a:spcAft>
-              <a:buClr>
-                <a:schemeClr val="accent1"/>
-              </a:buClr>
-              <a:buSzPct val="80000"/>
-              <a:buFont typeface="Wingdings 3" charset="2"/>
-              <a:buChar char=""/>
-              <a:defRPr sz="1200" kern="1200">
-                <a:solidFill>
-                  <a:schemeClr val="tx1">
-                    <a:lumMod val="75000"/>
-                    <a:lumOff val="25000"/>
-                  </a:schemeClr>
-                </a:solidFill>
-                <a:latin typeface="+mn-lt"/>
-                <a:ea typeface="+mn-ea"/>
-                <a:cs typeface="+mn-cs"/>
-              </a:defRPr>
-            </a:lvl5pPr>
-            <a:lvl6pPr marL="2514600" indent="-228600" algn="l" defTabSz="457200" rtl="0" eaLnBrk="1" latinLnBrk="0" hangingPunct="1">
-              <a:spcBef>
-                <a:spcPts val="1000"/>
-              </a:spcBef>
-              <a:spcAft>
-                <a:spcPts val="0"/>
-              </a:spcAft>
-              <a:buClr>
-                <a:schemeClr val="accent1"/>
-              </a:buClr>
-              <a:buSzPct val="80000"/>
-              <a:buFont typeface="Wingdings 3" charset="2"/>
-              <a:buChar char=""/>
-              <a:defRPr sz="1200" kern="1200">
-                <a:solidFill>
-                  <a:schemeClr val="tx1">
-                    <a:lumMod val="75000"/>
-                    <a:lumOff val="25000"/>
-                  </a:schemeClr>
-                </a:solidFill>
-                <a:latin typeface="+mn-lt"/>
-                <a:ea typeface="+mn-ea"/>
-                <a:cs typeface="+mn-cs"/>
-              </a:defRPr>
-            </a:lvl6pPr>
-            <a:lvl7pPr marL="2971800" indent="-228600" algn="l" defTabSz="457200" rtl="0" eaLnBrk="1" latinLnBrk="0" hangingPunct="1">
-              <a:spcBef>
-                <a:spcPts val="1000"/>
-              </a:spcBef>
-              <a:spcAft>
-                <a:spcPts val="0"/>
-              </a:spcAft>
-              <a:buClr>
-                <a:schemeClr val="accent1"/>
-              </a:buClr>
-              <a:buSzPct val="80000"/>
-              <a:buFont typeface="Wingdings 3" charset="2"/>
-              <a:buChar char=""/>
-              <a:defRPr sz="1200" kern="1200">
-                <a:solidFill>
-                  <a:schemeClr val="tx1">
-                    <a:lumMod val="75000"/>
-                    <a:lumOff val="25000"/>
-                  </a:schemeClr>
-                </a:solidFill>
-                <a:latin typeface="+mn-lt"/>
-                <a:ea typeface="+mn-ea"/>
-                <a:cs typeface="+mn-cs"/>
-              </a:defRPr>
-            </a:lvl7pPr>
-            <a:lvl8pPr marL="3429000" indent="-228600" algn="l" defTabSz="457200" rtl="0" eaLnBrk="1" latinLnBrk="0" hangingPunct="1">
-              <a:spcBef>
-                <a:spcPts val="1000"/>
-              </a:spcBef>
-              <a:spcAft>
-                <a:spcPts val="0"/>
-              </a:spcAft>
-              <a:buClr>
-                <a:schemeClr val="accent1"/>
-              </a:buClr>
-              <a:buSzPct val="80000"/>
-              <a:buFont typeface="Wingdings 3" charset="2"/>
-              <a:buChar char=""/>
-              <a:defRPr sz="1200" kern="1200">
-                <a:solidFill>
-                  <a:schemeClr val="tx1">
-                    <a:lumMod val="75000"/>
-                    <a:lumOff val="25000"/>
-                  </a:schemeClr>
-                </a:solidFill>
-                <a:latin typeface="+mn-lt"/>
-                <a:ea typeface="+mn-ea"/>
-                <a:cs typeface="+mn-cs"/>
-              </a:defRPr>
-            </a:lvl8pPr>
-            <a:lvl9pPr marL="3886200" indent="-228600" algn="l" defTabSz="457200" rtl="0" eaLnBrk="1" latinLnBrk="0" hangingPunct="1">
-              <a:spcBef>
-                <a:spcPts val="1000"/>
-              </a:spcBef>
-              <a:spcAft>
-                <a:spcPts val="0"/>
-              </a:spcAft>
-              <a:buClr>
-                <a:schemeClr val="accent1"/>
-              </a:buClr>
-              <a:buSzPct val="80000"/>
-              <a:buFont typeface="Wingdings 3" charset="2"/>
-              <a:buChar char=""/>
-              <a:defRPr sz="1200" kern="1200">
-                <a:solidFill>
-                  <a:schemeClr val="tx1">
-                    <a:lumMod val="75000"/>
-                    <a:lumOff val="25000"/>
-                  </a:schemeClr>
-                </a:solidFill>
-                <a:latin typeface="+mn-lt"/>
-                <a:ea typeface="+mn-ea"/>
-                <a:cs typeface="+mn-cs"/>
-              </a:defRPr>
-            </a:lvl9pPr>
-          </a:lstStyle>
-          <a:p>
-            <a:pPr marL="0" indent="0">
-              <a:buNone/>
-            </a:pPr>
-            <a:r>
-              <a:rPr lang="en-AU" dirty="0"/>
-              <a:t>Compute edge as the difference between theoretical and real prices</a:t>
-            </a:r>
-          </a:p>
-        </p:txBody>
-      </p:sp>
-      <p:sp>
-        <p:nvSpPr>
-          <p:cNvPr id="5" name="Content Placeholder 2">
-            <a:extLst>
-              <a:ext uri="{FF2B5EF4-FFF2-40B4-BE49-F238E27FC236}">
-                <a16:creationId xmlns:a16="http://schemas.microsoft.com/office/drawing/2014/main" id="{810D6BCF-0C4C-034F-8910-0D237A1182D6}"/>
-              </a:ext>
-            </a:extLst>
-          </p:cNvPr>
-          <p:cNvSpPr txBox="1">
-            <a:spLocks/>
-          </p:cNvSpPr>
-          <p:nvPr/>
-        </p:nvSpPr>
-        <p:spPr>
-          <a:xfrm>
-            <a:off x="7029285" y="1839414"/>
-            <a:ext cx="2711719" cy="1320800"/>
+            <a:off x="4300730" y="3239138"/>
+            <a:ext cx="2979828" cy="1164501"/>
           </a:xfrm>
           <a:prstGeom prst="rect">
             <a:avLst/>
@@ -8651,294 +9100,17 @@
             </a:pPr>
             <a:r>
               <a:rPr lang="en-AU" dirty="0"/>
-              <a:t>Determine stock position based on the calculated edge and edge threshold</a:t>
+              <a:t>Compute edge as the difference between theoretical and real prices</a:t>
             </a:r>
           </a:p>
         </p:txBody>
       </p:sp>
       <p:sp>
         <p:nvSpPr>
-          <p:cNvPr id="7" name="Chevron 6">
+          <p:cNvPr id="48" name="Content Placeholder 2">
             <a:extLst>
               <a:ext uri="{FF2B5EF4-FFF2-40B4-BE49-F238E27FC236}">
-                <a16:creationId xmlns:a16="http://schemas.microsoft.com/office/drawing/2014/main" id="{3FA88682-DF4D-B340-8283-42D3420FEF88}"/>
-              </a:ext>
-            </a:extLst>
-          </p:cNvPr>
-          <p:cNvSpPr/>
-          <p:nvPr/>
-        </p:nvSpPr>
-        <p:spPr>
-          <a:xfrm>
-            <a:off x="3149988" y="1971663"/>
-            <a:ext cx="398773" cy="900005"/>
-          </a:xfrm>
-          <a:prstGeom prst="chevron">
-            <a:avLst/>
-          </a:prstGeom>
-          <a:ln>
-            <a:noFill/>
-          </a:ln>
-        </p:spPr>
-        <p:style>
-          <a:lnRef idx="2">
-            <a:schemeClr val="accent1">
-              <a:shade val="50000"/>
-            </a:schemeClr>
-          </a:lnRef>
-          <a:fillRef idx="1">
-            <a:schemeClr val="accent1"/>
-          </a:fillRef>
-          <a:effectRef idx="0">
-            <a:schemeClr val="accent1"/>
-          </a:effectRef>
-          <a:fontRef idx="minor">
-            <a:schemeClr val="lt1"/>
-          </a:fontRef>
-        </p:style>
-        <p:txBody>
-          <a:bodyPr rtlCol="0" anchor="ctr"/>
-          <a:lstStyle/>
-          <a:p>
-            <a:pPr algn="ctr"/>
-            <a:endParaRPr lang="en-AU">
-              <a:solidFill>
-                <a:schemeClr val="tx1"/>
-              </a:solidFill>
-            </a:endParaRPr>
-          </a:p>
-        </p:txBody>
-      </p:sp>
-      <p:sp>
-        <p:nvSpPr>
-          <p:cNvPr id="8" name="Chevron 7">
-            <a:extLst>
-              <a:ext uri="{FF2B5EF4-FFF2-40B4-BE49-F238E27FC236}">
-                <a16:creationId xmlns:a16="http://schemas.microsoft.com/office/drawing/2014/main" id="{982622B1-1B85-0244-8644-4CA06F2FA8A7}"/>
-              </a:ext>
-            </a:extLst>
-          </p:cNvPr>
-          <p:cNvSpPr/>
-          <p:nvPr/>
-        </p:nvSpPr>
-        <p:spPr>
-          <a:xfrm>
-            <a:off x="6201277" y="1966326"/>
-            <a:ext cx="398773" cy="900005"/>
-          </a:xfrm>
-          <a:prstGeom prst="chevron">
-            <a:avLst/>
-          </a:prstGeom>
-          <a:ln>
-            <a:noFill/>
-          </a:ln>
-        </p:spPr>
-        <p:style>
-          <a:lnRef idx="2">
-            <a:schemeClr val="accent1">
-              <a:shade val="50000"/>
-            </a:schemeClr>
-          </a:lnRef>
-          <a:fillRef idx="1">
-            <a:schemeClr val="accent1"/>
-          </a:fillRef>
-          <a:effectRef idx="0">
-            <a:schemeClr val="accent1"/>
-          </a:effectRef>
-          <a:fontRef idx="minor">
-            <a:schemeClr val="lt1"/>
-          </a:fontRef>
-        </p:style>
-        <p:txBody>
-          <a:bodyPr rtlCol="0" anchor="ctr"/>
-          <a:lstStyle/>
-          <a:p>
-            <a:pPr algn="ctr"/>
-            <a:endParaRPr lang="en-AU">
-              <a:solidFill>
-                <a:schemeClr val="tx1"/>
-              </a:solidFill>
-            </a:endParaRPr>
-          </a:p>
-        </p:txBody>
-      </p:sp>
-      <p:graphicFrame>
-        <p:nvGraphicFramePr>
-          <p:cNvPr id="9" name="Table 9">
-            <a:extLst>
-              <a:ext uri="{FF2B5EF4-FFF2-40B4-BE49-F238E27FC236}">
-                <a16:creationId xmlns:a16="http://schemas.microsoft.com/office/drawing/2014/main" id="{79CBEE6E-8892-3D43-95DA-CE72246FE3CF}"/>
-              </a:ext>
-            </a:extLst>
-          </p:cNvPr>
-          <p:cNvGraphicFramePr>
-            <a:graphicFrameLocks noGrp="1"/>
-          </p:cNvGraphicFramePr>
-          <p:nvPr>
-            <p:extLst>
-              <p:ext uri="{D42A27DB-BD31-4B8C-83A1-F6EECF244321}">
-                <p14:modId xmlns:p14="http://schemas.microsoft.com/office/powerpoint/2010/main" val="2130973893"/>
-              </p:ext>
-            </p:extLst>
-          </p:nvPr>
-        </p:nvGraphicFramePr>
-        <p:xfrm>
-          <a:off x="1753049" y="3756405"/>
-          <a:ext cx="6607704" cy="1449502"/>
-        </p:xfrm>
-        <a:graphic>
-          <a:graphicData uri="http://schemas.openxmlformats.org/drawingml/2006/table">
-            <a:tbl>
-              <a:tblPr firstRow="1" bandRow="1">
-                <a:tableStyleId>{5C22544A-7EE6-4342-B048-85BDC9FD1C3A}</a:tableStyleId>
-              </a:tblPr>
-              <a:tblGrid>
-                <a:gridCol w="2202568">
-                  <a:extLst>
-                    <a:ext uri="{9D8B030D-6E8A-4147-A177-3AD203B41FA5}">
-                      <a16:colId xmlns:a16="http://schemas.microsoft.com/office/drawing/2014/main" val="2394254458"/>
-                    </a:ext>
-                  </a:extLst>
-                </a:gridCol>
-                <a:gridCol w="2202568">
-                  <a:extLst>
-                    <a:ext uri="{9D8B030D-6E8A-4147-A177-3AD203B41FA5}">
-                      <a16:colId xmlns:a16="http://schemas.microsoft.com/office/drawing/2014/main" val="3452889525"/>
-                    </a:ext>
-                  </a:extLst>
-                </a:gridCol>
-                <a:gridCol w="2202568">
-                  <a:extLst>
-                    <a:ext uri="{9D8B030D-6E8A-4147-A177-3AD203B41FA5}">
-                      <a16:colId xmlns:a16="http://schemas.microsoft.com/office/drawing/2014/main" val="732788108"/>
-                    </a:ext>
-                  </a:extLst>
-                </a:gridCol>
-              </a:tblGrid>
-              <a:tr h="412088">
-                <a:tc>
-                  <a:txBody>
-                    <a:bodyPr/>
-                    <a:lstStyle/>
-                    <a:p>
-                      <a:pPr algn="ctr"/>
-                      <a:r>
-                        <a:rPr lang="en-AU" dirty="0"/>
-                        <a:t>Daily Profit and Loss</a:t>
-                      </a:r>
-                    </a:p>
-                  </a:txBody>
-                  <a:tcPr anchor="ctr"/>
-                </a:tc>
-                <a:tc>
-                  <a:txBody>
-                    <a:bodyPr/>
-                    <a:lstStyle/>
-                    <a:p>
-                      <a:pPr algn="ctr"/>
-                      <a:r>
-                        <a:rPr lang="en-AU" dirty="0"/>
-                        <a:t>Daily Return %</a:t>
-                      </a:r>
-                    </a:p>
-                  </a:txBody>
-                  <a:tcPr anchor="ctr"/>
-                </a:tc>
-                <a:tc>
-                  <a:txBody>
-                    <a:bodyPr/>
-                    <a:lstStyle/>
-                    <a:p>
-                      <a:pPr marL="0" marR="0" lvl="0" indent="0" algn="ctr" defTabSz="457200" rtl="0" eaLnBrk="1" fontAlgn="auto" latinLnBrk="0" hangingPunct="1">
-                        <a:lnSpc>
-                          <a:spcPct val="100000"/>
-                        </a:lnSpc>
-                        <a:spcBef>
-                          <a:spcPts val="0"/>
-                        </a:spcBef>
-                        <a:spcAft>
-                          <a:spcPts val="0"/>
-                        </a:spcAft>
-                        <a:buClrTx/>
-                        <a:buSzTx/>
-                        <a:buFontTx/>
-                        <a:buNone/>
-                        <a:tabLst/>
-                        <a:defRPr/>
-                      </a:pPr>
-                      <a:r>
-                        <a:rPr lang="en-AU" dirty="0"/>
-                        <a:t>Sharpe Ratio</a:t>
-                      </a:r>
-                    </a:p>
-                  </a:txBody>
-                  <a:tcPr anchor="ctr"/>
-                </a:tc>
-                <a:extLst>
-                  <a:ext uri="{0D108BD9-81ED-4DB2-BD59-A6C34878D82A}">
-                    <a16:rowId xmlns:a16="http://schemas.microsoft.com/office/drawing/2014/main" val="3641867589"/>
-                  </a:ext>
-                </a:extLst>
-              </a:tr>
-              <a:tr h="809422">
-                <a:tc>
-                  <a:txBody>
-                    <a:bodyPr/>
-                    <a:lstStyle/>
-                    <a:p>
-                      <a:pPr algn="ctr"/>
-                      <a:r>
-                        <a:rPr lang="en-AU" dirty="0"/>
-                        <a:t>$7695.00</a:t>
-                      </a:r>
-                    </a:p>
-                  </a:txBody>
-                  <a:tcPr anchor="ctr"/>
-                </a:tc>
-                <a:tc>
-                  <a:txBody>
-                    <a:bodyPr/>
-                    <a:lstStyle/>
-                    <a:p>
-                      <a:pPr algn="ctr"/>
-                      <a:r>
-                        <a:rPr lang="en-AU" dirty="0"/>
-                        <a:t>1.196%</a:t>
-                      </a:r>
-                    </a:p>
-                  </a:txBody>
-                  <a:tcPr anchor="ctr"/>
-                </a:tc>
-                <a:tc>
-                  <a:txBody>
-                    <a:bodyPr/>
-                    <a:lstStyle/>
-                    <a:p>
-                      <a:pPr algn="ctr"/>
-                      <a:r>
-                        <a:rPr lang="en-AU" dirty="0"/>
-                        <a:t>40.80</a:t>
-                      </a:r>
-                    </a:p>
-                  </a:txBody>
-                  <a:tcPr anchor="ctr"/>
-                </a:tc>
-                <a:extLst>
-                  <a:ext uri="{0D108BD9-81ED-4DB2-BD59-A6C34878D82A}">
-                    <a16:rowId xmlns:a16="http://schemas.microsoft.com/office/drawing/2014/main" val="2380372651"/>
-                  </a:ext>
-                </a:extLst>
-              </a:tr>
-            </a:tbl>
-          </a:graphicData>
-        </a:graphic>
-      </p:graphicFrame>
-      <p:sp>
-        <p:nvSpPr>
-          <p:cNvPr id="10" name="Subtitle 2">
-            <a:extLst>
-              <a:ext uri="{FF2B5EF4-FFF2-40B4-BE49-F238E27FC236}">
-                <a16:creationId xmlns:a16="http://schemas.microsoft.com/office/drawing/2014/main" id="{50043E3A-44BF-DD4C-823C-462DE90AC53F}"/>
+                <a16:creationId xmlns:a16="http://schemas.microsoft.com/office/drawing/2014/main" id="{9E902E9E-B600-CE4C-96C6-43FA8B846B83}"/>
               </a:ext>
             </a:extLst>
           </p:cNvPr>
@@ -8949,8 +9121,8 @@
         </p:nvSpPr>
         <p:spPr>
           <a:xfrm>
-            <a:off x="1700150" y="5205907"/>
-            <a:ext cx="5086058" cy="364189"/>
+            <a:off x="7360494" y="4775200"/>
+            <a:ext cx="3354854" cy="1320800"/>
           </a:xfrm>
           <a:prstGeom prst="rect">
             <a:avLst/>
@@ -9188,9 +9360,1080 @@
             </a:lvl9pPr>
           </a:lstStyle>
           <a:p>
+            <a:pPr marL="0" indent="0">
+              <a:buNone/>
+            </a:pPr>
             <a:r>
-              <a:rPr lang="en-AU" sz="1200" dirty="0"/>
-              <a:t>Results from the first 250 trading days</a:t>
+              <a:rPr lang="en-AU" dirty="0"/>
+              <a:t>Determine stock position based on the calculated edge and edge threshold daily</a:t>
+            </a:r>
+          </a:p>
+        </p:txBody>
+      </p:sp>
+      <p:sp>
+        <p:nvSpPr>
+          <p:cNvPr id="50" name="Content Placeholder 2">
+            <a:extLst>
+              <a:ext uri="{FF2B5EF4-FFF2-40B4-BE49-F238E27FC236}">
+                <a16:creationId xmlns:a16="http://schemas.microsoft.com/office/drawing/2014/main" id="{9AFFDDF8-2413-D740-BBEF-00C7F817DA36}"/>
+              </a:ext>
+            </a:extLst>
+          </p:cNvPr>
+          <p:cNvSpPr txBox="1">
+            <a:spLocks/>
+          </p:cNvSpPr>
+          <p:nvPr/>
+        </p:nvSpPr>
+        <p:spPr>
+          <a:xfrm>
+            <a:off x="1138626" y="1715050"/>
+            <a:ext cx="1540545" cy="834008"/>
+          </a:xfrm>
+          <a:prstGeom prst="rect">
+            <a:avLst/>
+          </a:prstGeom>
+        </p:spPr>
+        <p:txBody>
+          <a:bodyPr vert="horz" lIns="91440" tIns="45720" rIns="91440" bIns="45720" rtlCol="0">
+            <a:noAutofit/>
+          </a:bodyPr>
+          <a:lstStyle>
+            <a:lvl1pPr marL="342900" indent="-342900" algn="l" defTabSz="457200" rtl="0" eaLnBrk="1" latinLnBrk="0" hangingPunct="1">
+              <a:spcBef>
+                <a:spcPts val="1000"/>
+              </a:spcBef>
+              <a:spcAft>
+                <a:spcPts val="0"/>
+              </a:spcAft>
+              <a:buClr>
+                <a:schemeClr val="accent1"/>
+              </a:buClr>
+              <a:buSzPct val="80000"/>
+              <a:buFont typeface="Wingdings 3" charset="2"/>
+              <a:buChar char=""/>
+              <a:defRPr sz="1800" kern="1200">
+                <a:solidFill>
+                  <a:schemeClr val="tx1">
+                    <a:lumMod val="75000"/>
+                    <a:lumOff val="25000"/>
+                  </a:schemeClr>
+                </a:solidFill>
+                <a:latin typeface="+mn-lt"/>
+                <a:ea typeface="+mn-ea"/>
+                <a:cs typeface="+mn-cs"/>
+              </a:defRPr>
+            </a:lvl1pPr>
+            <a:lvl2pPr marL="742950" indent="-285750" algn="l" defTabSz="457200" rtl="0" eaLnBrk="1" latinLnBrk="0" hangingPunct="1">
+              <a:spcBef>
+                <a:spcPts val="1000"/>
+              </a:spcBef>
+              <a:spcAft>
+                <a:spcPts val="0"/>
+              </a:spcAft>
+              <a:buClr>
+                <a:schemeClr val="accent1"/>
+              </a:buClr>
+              <a:buSzPct val="80000"/>
+              <a:buFont typeface="Wingdings 3" charset="2"/>
+              <a:buChar char=""/>
+              <a:defRPr sz="1600" kern="1200">
+                <a:solidFill>
+                  <a:schemeClr val="tx1">
+                    <a:lumMod val="75000"/>
+                    <a:lumOff val="25000"/>
+                  </a:schemeClr>
+                </a:solidFill>
+                <a:latin typeface="+mn-lt"/>
+                <a:ea typeface="+mn-ea"/>
+                <a:cs typeface="+mn-cs"/>
+              </a:defRPr>
+            </a:lvl2pPr>
+            <a:lvl3pPr marL="1143000" indent="-228600" algn="l" defTabSz="457200" rtl="0" eaLnBrk="1" latinLnBrk="0" hangingPunct="1">
+              <a:spcBef>
+                <a:spcPts val="1000"/>
+              </a:spcBef>
+              <a:spcAft>
+                <a:spcPts val="0"/>
+              </a:spcAft>
+              <a:buClr>
+                <a:schemeClr val="accent1"/>
+              </a:buClr>
+              <a:buSzPct val="80000"/>
+              <a:buFont typeface="Wingdings 3" charset="2"/>
+              <a:buChar char=""/>
+              <a:defRPr sz="1400" kern="1200">
+                <a:solidFill>
+                  <a:schemeClr val="tx1">
+                    <a:lumMod val="75000"/>
+                    <a:lumOff val="25000"/>
+                  </a:schemeClr>
+                </a:solidFill>
+                <a:latin typeface="+mn-lt"/>
+                <a:ea typeface="+mn-ea"/>
+                <a:cs typeface="+mn-cs"/>
+              </a:defRPr>
+            </a:lvl3pPr>
+            <a:lvl4pPr marL="1600200" indent="-228600" algn="l" defTabSz="457200" rtl="0" eaLnBrk="1" latinLnBrk="0" hangingPunct="1">
+              <a:spcBef>
+                <a:spcPts val="1000"/>
+              </a:spcBef>
+              <a:spcAft>
+                <a:spcPts val="0"/>
+              </a:spcAft>
+              <a:buClr>
+                <a:schemeClr val="accent1"/>
+              </a:buClr>
+              <a:buSzPct val="80000"/>
+              <a:buFont typeface="Wingdings 3" charset="2"/>
+              <a:buChar char=""/>
+              <a:defRPr sz="1200" kern="1200">
+                <a:solidFill>
+                  <a:schemeClr val="tx1">
+                    <a:lumMod val="75000"/>
+                    <a:lumOff val="25000"/>
+                  </a:schemeClr>
+                </a:solidFill>
+                <a:latin typeface="+mn-lt"/>
+                <a:ea typeface="+mn-ea"/>
+                <a:cs typeface="+mn-cs"/>
+              </a:defRPr>
+            </a:lvl4pPr>
+            <a:lvl5pPr marL="2057400" indent="-228600" algn="l" defTabSz="457200" rtl="0" eaLnBrk="1" latinLnBrk="0" hangingPunct="1">
+              <a:spcBef>
+                <a:spcPts val="1000"/>
+              </a:spcBef>
+              <a:spcAft>
+                <a:spcPts val="0"/>
+              </a:spcAft>
+              <a:buClr>
+                <a:schemeClr val="accent1"/>
+              </a:buClr>
+              <a:buSzPct val="80000"/>
+              <a:buFont typeface="Wingdings 3" charset="2"/>
+              <a:buChar char=""/>
+              <a:defRPr sz="1200" kern="1200">
+                <a:solidFill>
+                  <a:schemeClr val="tx1">
+                    <a:lumMod val="75000"/>
+                    <a:lumOff val="25000"/>
+                  </a:schemeClr>
+                </a:solidFill>
+                <a:latin typeface="+mn-lt"/>
+                <a:ea typeface="+mn-ea"/>
+                <a:cs typeface="+mn-cs"/>
+              </a:defRPr>
+            </a:lvl5pPr>
+            <a:lvl6pPr marL="2514600" indent="-228600" algn="l" defTabSz="457200" rtl="0" eaLnBrk="1" latinLnBrk="0" hangingPunct="1">
+              <a:spcBef>
+                <a:spcPts val="1000"/>
+              </a:spcBef>
+              <a:spcAft>
+                <a:spcPts val="0"/>
+              </a:spcAft>
+              <a:buClr>
+                <a:schemeClr val="accent1"/>
+              </a:buClr>
+              <a:buSzPct val="80000"/>
+              <a:buFont typeface="Wingdings 3" charset="2"/>
+              <a:buChar char=""/>
+              <a:defRPr sz="1200" kern="1200">
+                <a:solidFill>
+                  <a:schemeClr val="tx1">
+                    <a:lumMod val="75000"/>
+                    <a:lumOff val="25000"/>
+                  </a:schemeClr>
+                </a:solidFill>
+                <a:latin typeface="+mn-lt"/>
+                <a:ea typeface="+mn-ea"/>
+                <a:cs typeface="+mn-cs"/>
+              </a:defRPr>
+            </a:lvl6pPr>
+            <a:lvl7pPr marL="2971800" indent="-228600" algn="l" defTabSz="457200" rtl="0" eaLnBrk="1" latinLnBrk="0" hangingPunct="1">
+              <a:spcBef>
+                <a:spcPts val="1000"/>
+              </a:spcBef>
+              <a:spcAft>
+                <a:spcPts val="0"/>
+              </a:spcAft>
+              <a:buClr>
+                <a:schemeClr val="accent1"/>
+              </a:buClr>
+              <a:buSzPct val="80000"/>
+              <a:buFont typeface="Wingdings 3" charset="2"/>
+              <a:buChar char=""/>
+              <a:defRPr sz="1200" kern="1200">
+                <a:solidFill>
+                  <a:schemeClr val="tx1">
+                    <a:lumMod val="75000"/>
+                    <a:lumOff val="25000"/>
+                  </a:schemeClr>
+                </a:solidFill>
+                <a:latin typeface="+mn-lt"/>
+                <a:ea typeface="+mn-ea"/>
+                <a:cs typeface="+mn-cs"/>
+              </a:defRPr>
+            </a:lvl7pPr>
+            <a:lvl8pPr marL="3429000" indent="-228600" algn="l" defTabSz="457200" rtl="0" eaLnBrk="1" latinLnBrk="0" hangingPunct="1">
+              <a:spcBef>
+                <a:spcPts val="1000"/>
+              </a:spcBef>
+              <a:spcAft>
+                <a:spcPts val="0"/>
+              </a:spcAft>
+              <a:buClr>
+                <a:schemeClr val="accent1"/>
+              </a:buClr>
+              <a:buSzPct val="80000"/>
+              <a:buFont typeface="Wingdings 3" charset="2"/>
+              <a:buChar char=""/>
+              <a:defRPr sz="1200" kern="1200">
+                <a:solidFill>
+                  <a:schemeClr val="tx1">
+                    <a:lumMod val="75000"/>
+                    <a:lumOff val="25000"/>
+                  </a:schemeClr>
+                </a:solidFill>
+                <a:latin typeface="+mn-lt"/>
+                <a:ea typeface="+mn-ea"/>
+                <a:cs typeface="+mn-cs"/>
+              </a:defRPr>
+            </a:lvl8pPr>
+            <a:lvl9pPr marL="3886200" indent="-228600" algn="l" defTabSz="457200" rtl="0" eaLnBrk="1" latinLnBrk="0" hangingPunct="1">
+              <a:spcBef>
+                <a:spcPts val="1000"/>
+              </a:spcBef>
+              <a:spcAft>
+                <a:spcPts val="0"/>
+              </a:spcAft>
+              <a:buClr>
+                <a:schemeClr val="accent1"/>
+              </a:buClr>
+              <a:buSzPct val="80000"/>
+              <a:buFont typeface="Wingdings 3" charset="2"/>
+              <a:buChar char=""/>
+              <a:defRPr sz="1200" kern="1200">
+                <a:solidFill>
+                  <a:schemeClr val="tx1">
+                    <a:lumMod val="75000"/>
+                    <a:lumOff val="25000"/>
+                  </a:schemeClr>
+                </a:solidFill>
+                <a:latin typeface="+mn-lt"/>
+                <a:ea typeface="+mn-ea"/>
+                <a:cs typeface="+mn-cs"/>
+              </a:defRPr>
+            </a:lvl9pPr>
+          </a:lstStyle>
+          <a:p>
+            <a:pPr marL="0" indent="0">
+              <a:buFont typeface="Wingdings 3" charset="2"/>
+              <a:buNone/>
+            </a:pPr>
+            <a:r>
+              <a:rPr lang="en-AU" sz="6600" dirty="0"/>
+              <a:t>1.</a:t>
+            </a:r>
+          </a:p>
+        </p:txBody>
+      </p:sp>
+      <p:sp>
+        <p:nvSpPr>
+          <p:cNvPr id="52" name="Content Placeholder 2">
+            <a:extLst>
+              <a:ext uri="{FF2B5EF4-FFF2-40B4-BE49-F238E27FC236}">
+                <a16:creationId xmlns:a16="http://schemas.microsoft.com/office/drawing/2014/main" id="{309EB933-8F07-DC40-AD61-5280834FDBE9}"/>
+              </a:ext>
+            </a:extLst>
+          </p:cNvPr>
+          <p:cNvSpPr txBox="1">
+            <a:spLocks/>
+          </p:cNvSpPr>
+          <p:nvPr/>
+        </p:nvSpPr>
+        <p:spPr>
+          <a:xfrm>
+            <a:off x="3455756" y="3171995"/>
+            <a:ext cx="1540545" cy="834008"/>
+          </a:xfrm>
+          <a:prstGeom prst="rect">
+            <a:avLst/>
+          </a:prstGeom>
+        </p:spPr>
+        <p:txBody>
+          <a:bodyPr vert="horz" lIns="91440" tIns="45720" rIns="91440" bIns="45720" rtlCol="0">
+            <a:noAutofit/>
+          </a:bodyPr>
+          <a:lstStyle>
+            <a:lvl1pPr marL="342900" indent="-342900" algn="l" defTabSz="457200" rtl="0" eaLnBrk="1" latinLnBrk="0" hangingPunct="1">
+              <a:spcBef>
+                <a:spcPts val="1000"/>
+              </a:spcBef>
+              <a:spcAft>
+                <a:spcPts val="0"/>
+              </a:spcAft>
+              <a:buClr>
+                <a:schemeClr val="accent1"/>
+              </a:buClr>
+              <a:buSzPct val="80000"/>
+              <a:buFont typeface="Wingdings 3" charset="2"/>
+              <a:buChar char=""/>
+              <a:defRPr sz="1800" kern="1200">
+                <a:solidFill>
+                  <a:schemeClr val="tx1">
+                    <a:lumMod val="75000"/>
+                    <a:lumOff val="25000"/>
+                  </a:schemeClr>
+                </a:solidFill>
+                <a:latin typeface="+mn-lt"/>
+                <a:ea typeface="+mn-ea"/>
+                <a:cs typeface="+mn-cs"/>
+              </a:defRPr>
+            </a:lvl1pPr>
+            <a:lvl2pPr marL="742950" indent="-285750" algn="l" defTabSz="457200" rtl="0" eaLnBrk="1" latinLnBrk="0" hangingPunct="1">
+              <a:spcBef>
+                <a:spcPts val="1000"/>
+              </a:spcBef>
+              <a:spcAft>
+                <a:spcPts val="0"/>
+              </a:spcAft>
+              <a:buClr>
+                <a:schemeClr val="accent1"/>
+              </a:buClr>
+              <a:buSzPct val="80000"/>
+              <a:buFont typeface="Wingdings 3" charset="2"/>
+              <a:buChar char=""/>
+              <a:defRPr sz="1600" kern="1200">
+                <a:solidFill>
+                  <a:schemeClr val="tx1">
+                    <a:lumMod val="75000"/>
+                    <a:lumOff val="25000"/>
+                  </a:schemeClr>
+                </a:solidFill>
+                <a:latin typeface="+mn-lt"/>
+                <a:ea typeface="+mn-ea"/>
+                <a:cs typeface="+mn-cs"/>
+              </a:defRPr>
+            </a:lvl2pPr>
+            <a:lvl3pPr marL="1143000" indent="-228600" algn="l" defTabSz="457200" rtl="0" eaLnBrk="1" latinLnBrk="0" hangingPunct="1">
+              <a:spcBef>
+                <a:spcPts val="1000"/>
+              </a:spcBef>
+              <a:spcAft>
+                <a:spcPts val="0"/>
+              </a:spcAft>
+              <a:buClr>
+                <a:schemeClr val="accent1"/>
+              </a:buClr>
+              <a:buSzPct val="80000"/>
+              <a:buFont typeface="Wingdings 3" charset="2"/>
+              <a:buChar char=""/>
+              <a:defRPr sz="1400" kern="1200">
+                <a:solidFill>
+                  <a:schemeClr val="tx1">
+                    <a:lumMod val="75000"/>
+                    <a:lumOff val="25000"/>
+                  </a:schemeClr>
+                </a:solidFill>
+                <a:latin typeface="+mn-lt"/>
+                <a:ea typeface="+mn-ea"/>
+                <a:cs typeface="+mn-cs"/>
+              </a:defRPr>
+            </a:lvl3pPr>
+            <a:lvl4pPr marL="1600200" indent="-228600" algn="l" defTabSz="457200" rtl="0" eaLnBrk="1" latinLnBrk="0" hangingPunct="1">
+              <a:spcBef>
+                <a:spcPts val="1000"/>
+              </a:spcBef>
+              <a:spcAft>
+                <a:spcPts val="0"/>
+              </a:spcAft>
+              <a:buClr>
+                <a:schemeClr val="accent1"/>
+              </a:buClr>
+              <a:buSzPct val="80000"/>
+              <a:buFont typeface="Wingdings 3" charset="2"/>
+              <a:buChar char=""/>
+              <a:defRPr sz="1200" kern="1200">
+                <a:solidFill>
+                  <a:schemeClr val="tx1">
+                    <a:lumMod val="75000"/>
+                    <a:lumOff val="25000"/>
+                  </a:schemeClr>
+                </a:solidFill>
+                <a:latin typeface="+mn-lt"/>
+                <a:ea typeface="+mn-ea"/>
+                <a:cs typeface="+mn-cs"/>
+              </a:defRPr>
+            </a:lvl4pPr>
+            <a:lvl5pPr marL="2057400" indent="-228600" algn="l" defTabSz="457200" rtl="0" eaLnBrk="1" latinLnBrk="0" hangingPunct="1">
+              <a:spcBef>
+                <a:spcPts val="1000"/>
+              </a:spcBef>
+              <a:spcAft>
+                <a:spcPts val="0"/>
+              </a:spcAft>
+              <a:buClr>
+                <a:schemeClr val="accent1"/>
+              </a:buClr>
+              <a:buSzPct val="80000"/>
+              <a:buFont typeface="Wingdings 3" charset="2"/>
+              <a:buChar char=""/>
+              <a:defRPr sz="1200" kern="1200">
+                <a:solidFill>
+                  <a:schemeClr val="tx1">
+                    <a:lumMod val="75000"/>
+                    <a:lumOff val="25000"/>
+                  </a:schemeClr>
+                </a:solidFill>
+                <a:latin typeface="+mn-lt"/>
+                <a:ea typeface="+mn-ea"/>
+                <a:cs typeface="+mn-cs"/>
+              </a:defRPr>
+            </a:lvl5pPr>
+            <a:lvl6pPr marL="2514600" indent="-228600" algn="l" defTabSz="457200" rtl="0" eaLnBrk="1" latinLnBrk="0" hangingPunct="1">
+              <a:spcBef>
+                <a:spcPts val="1000"/>
+              </a:spcBef>
+              <a:spcAft>
+                <a:spcPts val="0"/>
+              </a:spcAft>
+              <a:buClr>
+                <a:schemeClr val="accent1"/>
+              </a:buClr>
+              <a:buSzPct val="80000"/>
+              <a:buFont typeface="Wingdings 3" charset="2"/>
+              <a:buChar char=""/>
+              <a:defRPr sz="1200" kern="1200">
+                <a:solidFill>
+                  <a:schemeClr val="tx1">
+                    <a:lumMod val="75000"/>
+                    <a:lumOff val="25000"/>
+                  </a:schemeClr>
+                </a:solidFill>
+                <a:latin typeface="+mn-lt"/>
+                <a:ea typeface="+mn-ea"/>
+                <a:cs typeface="+mn-cs"/>
+              </a:defRPr>
+            </a:lvl6pPr>
+            <a:lvl7pPr marL="2971800" indent="-228600" algn="l" defTabSz="457200" rtl="0" eaLnBrk="1" latinLnBrk="0" hangingPunct="1">
+              <a:spcBef>
+                <a:spcPts val="1000"/>
+              </a:spcBef>
+              <a:spcAft>
+                <a:spcPts val="0"/>
+              </a:spcAft>
+              <a:buClr>
+                <a:schemeClr val="accent1"/>
+              </a:buClr>
+              <a:buSzPct val="80000"/>
+              <a:buFont typeface="Wingdings 3" charset="2"/>
+              <a:buChar char=""/>
+              <a:defRPr sz="1200" kern="1200">
+                <a:solidFill>
+                  <a:schemeClr val="tx1">
+                    <a:lumMod val="75000"/>
+                    <a:lumOff val="25000"/>
+                  </a:schemeClr>
+                </a:solidFill>
+                <a:latin typeface="+mn-lt"/>
+                <a:ea typeface="+mn-ea"/>
+                <a:cs typeface="+mn-cs"/>
+              </a:defRPr>
+            </a:lvl7pPr>
+            <a:lvl8pPr marL="3429000" indent="-228600" algn="l" defTabSz="457200" rtl="0" eaLnBrk="1" latinLnBrk="0" hangingPunct="1">
+              <a:spcBef>
+                <a:spcPts val="1000"/>
+              </a:spcBef>
+              <a:spcAft>
+                <a:spcPts val="0"/>
+              </a:spcAft>
+              <a:buClr>
+                <a:schemeClr val="accent1"/>
+              </a:buClr>
+              <a:buSzPct val="80000"/>
+              <a:buFont typeface="Wingdings 3" charset="2"/>
+              <a:buChar char=""/>
+              <a:defRPr sz="1200" kern="1200">
+                <a:solidFill>
+                  <a:schemeClr val="tx1">
+                    <a:lumMod val="75000"/>
+                    <a:lumOff val="25000"/>
+                  </a:schemeClr>
+                </a:solidFill>
+                <a:latin typeface="+mn-lt"/>
+                <a:ea typeface="+mn-ea"/>
+                <a:cs typeface="+mn-cs"/>
+              </a:defRPr>
+            </a:lvl8pPr>
+            <a:lvl9pPr marL="3886200" indent="-228600" algn="l" defTabSz="457200" rtl="0" eaLnBrk="1" latinLnBrk="0" hangingPunct="1">
+              <a:spcBef>
+                <a:spcPts val="1000"/>
+              </a:spcBef>
+              <a:spcAft>
+                <a:spcPts val="0"/>
+              </a:spcAft>
+              <a:buClr>
+                <a:schemeClr val="accent1"/>
+              </a:buClr>
+              <a:buSzPct val="80000"/>
+              <a:buFont typeface="Wingdings 3" charset="2"/>
+              <a:buChar char=""/>
+              <a:defRPr sz="1200" kern="1200">
+                <a:solidFill>
+                  <a:schemeClr val="tx1">
+                    <a:lumMod val="75000"/>
+                    <a:lumOff val="25000"/>
+                  </a:schemeClr>
+                </a:solidFill>
+                <a:latin typeface="+mn-lt"/>
+                <a:ea typeface="+mn-ea"/>
+                <a:cs typeface="+mn-cs"/>
+              </a:defRPr>
+            </a:lvl9pPr>
+          </a:lstStyle>
+          <a:p>
+            <a:pPr marL="0" indent="0">
+              <a:buFont typeface="Wingdings 3" charset="2"/>
+              <a:buNone/>
+            </a:pPr>
+            <a:r>
+              <a:rPr lang="en-AU" sz="6600" dirty="0"/>
+              <a:t>2.</a:t>
+            </a:r>
+          </a:p>
+        </p:txBody>
+      </p:sp>
+      <p:sp>
+        <p:nvSpPr>
+          <p:cNvPr id="53" name="Content Placeholder 2">
+            <a:extLst>
+              <a:ext uri="{FF2B5EF4-FFF2-40B4-BE49-F238E27FC236}">
+                <a16:creationId xmlns:a16="http://schemas.microsoft.com/office/drawing/2014/main" id="{3622BABF-94A6-1F4C-B1A6-B422EA56F424}"/>
+              </a:ext>
+            </a:extLst>
+          </p:cNvPr>
+          <p:cNvSpPr txBox="1">
+            <a:spLocks/>
+          </p:cNvSpPr>
+          <p:nvPr/>
+        </p:nvSpPr>
+        <p:spPr>
+          <a:xfrm>
+            <a:off x="6510286" y="4717182"/>
+            <a:ext cx="1540545" cy="834008"/>
+          </a:xfrm>
+          <a:prstGeom prst="rect">
+            <a:avLst/>
+          </a:prstGeom>
+        </p:spPr>
+        <p:txBody>
+          <a:bodyPr vert="horz" lIns="91440" tIns="45720" rIns="91440" bIns="45720" rtlCol="0">
+            <a:noAutofit/>
+          </a:bodyPr>
+          <a:lstStyle>
+            <a:lvl1pPr marL="342900" indent="-342900" algn="l" defTabSz="457200" rtl="0" eaLnBrk="1" latinLnBrk="0" hangingPunct="1">
+              <a:spcBef>
+                <a:spcPts val="1000"/>
+              </a:spcBef>
+              <a:spcAft>
+                <a:spcPts val="0"/>
+              </a:spcAft>
+              <a:buClr>
+                <a:schemeClr val="accent1"/>
+              </a:buClr>
+              <a:buSzPct val="80000"/>
+              <a:buFont typeface="Wingdings 3" charset="2"/>
+              <a:buChar char=""/>
+              <a:defRPr sz="1800" kern="1200">
+                <a:solidFill>
+                  <a:schemeClr val="tx1">
+                    <a:lumMod val="75000"/>
+                    <a:lumOff val="25000"/>
+                  </a:schemeClr>
+                </a:solidFill>
+                <a:latin typeface="+mn-lt"/>
+                <a:ea typeface="+mn-ea"/>
+                <a:cs typeface="+mn-cs"/>
+              </a:defRPr>
+            </a:lvl1pPr>
+            <a:lvl2pPr marL="742950" indent="-285750" algn="l" defTabSz="457200" rtl="0" eaLnBrk="1" latinLnBrk="0" hangingPunct="1">
+              <a:spcBef>
+                <a:spcPts val="1000"/>
+              </a:spcBef>
+              <a:spcAft>
+                <a:spcPts val="0"/>
+              </a:spcAft>
+              <a:buClr>
+                <a:schemeClr val="accent1"/>
+              </a:buClr>
+              <a:buSzPct val="80000"/>
+              <a:buFont typeface="Wingdings 3" charset="2"/>
+              <a:buChar char=""/>
+              <a:defRPr sz="1600" kern="1200">
+                <a:solidFill>
+                  <a:schemeClr val="tx1">
+                    <a:lumMod val="75000"/>
+                    <a:lumOff val="25000"/>
+                  </a:schemeClr>
+                </a:solidFill>
+                <a:latin typeface="+mn-lt"/>
+                <a:ea typeface="+mn-ea"/>
+                <a:cs typeface="+mn-cs"/>
+              </a:defRPr>
+            </a:lvl2pPr>
+            <a:lvl3pPr marL="1143000" indent="-228600" algn="l" defTabSz="457200" rtl="0" eaLnBrk="1" latinLnBrk="0" hangingPunct="1">
+              <a:spcBef>
+                <a:spcPts val="1000"/>
+              </a:spcBef>
+              <a:spcAft>
+                <a:spcPts val="0"/>
+              </a:spcAft>
+              <a:buClr>
+                <a:schemeClr val="accent1"/>
+              </a:buClr>
+              <a:buSzPct val="80000"/>
+              <a:buFont typeface="Wingdings 3" charset="2"/>
+              <a:buChar char=""/>
+              <a:defRPr sz="1400" kern="1200">
+                <a:solidFill>
+                  <a:schemeClr val="tx1">
+                    <a:lumMod val="75000"/>
+                    <a:lumOff val="25000"/>
+                  </a:schemeClr>
+                </a:solidFill>
+                <a:latin typeface="+mn-lt"/>
+                <a:ea typeface="+mn-ea"/>
+                <a:cs typeface="+mn-cs"/>
+              </a:defRPr>
+            </a:lvl3pPr>
+            <a:lvl4pPr marL="1600200" indent="-228600" algn="l" defTabSz="457200" rtl="0" eaLnBrk="1" latinLnBrk="0" hangingPunct="1">
+              <a:spcBef>
+                <a:spcPts val="1000"/>
+              </a:spcBef>
+              <a:spcAft>
+                <a:spcPts val="0"/>
+              </a:spcAft>
+              <a:buClr>
+                <a:schemeClr val="accent1"/>
+              </a:buClr>
+              <a:buSzPct val="80000"/>
+              <a:buFont typeface="Wingdings 3" charset="2"/>
+              <a:buChar char=""/>
+              <a:defRPr sz="1200" kern="1200">
+                <a:solidFill>
+                  <a:schemeClr val="tx1">
+                    <a:lumMod val="75000"/>
+                    <a:lumOff val="25000"/>
+                  </a:schemeClr>
+                </a:solidFill>
+                <a:latin typeface="+mn-lt"/>
+                <a:ea typeface="+mn-ea"/>
+                <a:cs typeface="+mn-cs"/>
+              </a:defRPr>
+            </a:lvl4pPr>
+            <a:lvl5pPr marL="2057400" indent="-228600" algn="l" defTabSz="457200" rtl="0" eaLnBrk="1" latinLnBrk="0" hangingPunct="1">
+              <a:spcBef>
+                <a:spcPts val="1000"/>
+              </a:spcBef>
+              <a:spcAft>
+                <a:spcPts val="0"/>
+              </a:spcAft>
+              <a:buClr>
+                <a:schemeClr val="accent1"/>
+              </a:buClr>
+              <a:buSzPct val="80000"/>
+              <a:buFont typeface="Wingdings 3" charset="2"/>
+              <a:buChar char=""/>
+              <a:defRPr sz="1200" kern="1200">
+                <a:solidFill>
+                  <a:schemeClr val="tx1">
+                    <a:lumMod val="75000"/>
+                    <a:lumOff val="25000"/>
+                  </a:schemeClr>
+                </a:solidFill>
+                <a:latin typeface="+mn-lt"/>
+                <a:ea typeface="+mn-ea"/>
+                <a:cs typeface="+mn-cs"/>
+              </a:defRPr>
+            </a:lvl5pPr>
+            <a:lvl6pPr marL="2514600" indent="-228600" algn="l" defTabSz="457200" rtl="0" eaLnBrk="1" latinLnBrk="0" hangingPunct="1">
+              <a:spcBef>
+                <a:spcPts val="1000"/>
+              </a:spcBef>
+              <a:spcAft>
+                <a:spcPts val="0"/>
+              </a:spcAft>
+              <a:buClr>
+                <a:schemeClr val="accent1"/>
+              </a:buClr>
+              <a:buSzPct val="80000"/>
+              <a:buFont typeface="Wingdings 3" charset="2"/>
+              <a:buChar char=""/>
+              <a:defRPr sz="1200" kern="1200">
+                <a:solidFill>
+                  <a:schemeClr val="tx1">
+                    <a:lumMod val="75000"/>
+                    <a:lumOff val="25000"/>
+                  </a:schemeClr>
+                </a:solidFill>
+                <a:latin typeface="+mn-lt"/>
+                <a:ea typeface="+mn-ea"/>
+                <a:cs typeface="+mn-cs"/>
+              </a:defRPr>
+            </a:lvl6pPr>
+            <a:lvl7pPr marL="2971800" indent="-228600" algn="l" defTabSz="457200" rtl="0" eaLnBrk="1" latinLnBrk="0" hangingPunct="1">
+              <a:spcBef>
+                <a:spcPts val="1000"/>
+              </a:spcBef>
+              <a:spcAft>
+                <a:spcPts val="0"/>
+              </a:spcAft>
+              <a:buClr>
+                <a:schemeClr val="accent1"/>
+              </a:buClr>
+              <a:buSzPct val="80000"/>
+              <a:buFont typeface="Wingdings 3" charset="2"/>
+              <a:buChar char=""/>
+              <a:defRPr sz="1200" kern="1200">
+                <a:solidFill>
+                  <a:schemeClr val="tx1">
+                    <a:lumMod val="75000"/>
+                    <a:lumOff val="25000"/>
+                  </a:schemeClr>
+                </a:solidFill>
+                <a:latin typeface="+mn-lt"/>
+                <a:ea typeface="+mn-ea"/>
+                <a:cs typeface="+mn-cs"/>
+              </a:defRPr>
+            </a:lvl7pPr>
+            <a:lvl8pPr marL="3429000" indent="-228600" algn="l" defTabSz="457200" rtl="0" eaLnBrk="1" latinLnBrk="0" hangingPunct="1">
+              <a:spcBef>
+                <a:spcPts val="1000"/>
+              </a:spcBef>
+              <a:spcAft>
+                <a:spcPts val="0"/>
+              </a:spcAft>
+              <a:buClr>
+                <a:schemeClr val="accent1"/>
+              </a:buClr>
+              <a:buSzPct val="80000"/>
+              <a:buFont typeface="Wingdings 3" charset="2"/>
+              <a:buChar char=""/>
+              <a:defRPr sz="1200" kern="1200">
+                <a:solidFill>
+                  <a:schemeClr val="tx1">
+                    <a:lumMod val="75000"/>
+                    <a:lumOff val="25000"/>
+                  </a:schemeClr>
+                </a:solidFill>
+                <a:latin typeface="+mn-lt"/>
+                <a:ea typeface="+mn-ea"/>
+                <a:cs typeface="+mn-cs"/>
+              </a:defRPr>
+            </a:lvl8pPr>
+            <a:lvl9pPr marL="3886200" indent="-228600" algn="l" defTabSz="457200" rtl="0" eaLnBrk="1" latinLnBrk="0" hangingPunct="1">
+              <a:spcBef>
+                <a:spcPts val="1000"/>
+              </a:spcBef>
+              <a:spcAft>
+                <a:spcPts val="0"/>
+              </a:spcAft>
+              <a:buClr>
+                <a:schemeClr val="accent1"/>
+              </a:buClr>
+              <a:buSzPct val="80000"/>
+              <a:buFont typeface="Wingdings 3" charset="2"/>
+              <a:buChar char=""/>
+              <a:defRPr sz="1200" kern="1200">
+                <a:solidFill>
+                  <a:schemeClr val="tx1">
+                    <a:lumMod val="75000"/>
+                    <a:lumOff val="25000"/>
+                  </a:schemeClr>
+                </a:solidFill>
+                <a:latin typeface="+mn-lt"/>
+                <a:ea typeface="+mn-ea"/>
+                <a:cs typeface="+mn-cs"/>
+              </a:defRPr>
+            </a:lvl9pPr>
+          </a:lstStyle>
+          <a:p>
+            <a:pPr marL="0" indent="0">
+              <a:buFont typeface="Wingdings 3" charset="2"/>
+              <a:buNone/>
+            </a:pPr>
+            <a:r>
+              <a:rPr lang="en-AU" sz="6600" dirty="0"/>
+              <a:t>3.</a:t>
+            </a:r>
+          </a:p>
+        </p:txBody>
+      </p:sp>
+      <p:sp>
+        <p:nvSpPr>
+          <p:cNvPr id="54" name="Content Placeholder 2">
+            <a:extLst>
+              <a:ext uri="{FF2B5EF4-FFF2-40B4-BE49-F238E27FC236}">
+                <a16:creationId xmlns:a16="http://schemas.microsoft.com/office/drawing/2014/main" id="{7B55DAD2-DE9A-3546-A298-7348498227B4}"/>
+              </a:ext>
+            </a:extLst>
+          </p:cNvPr>
+          <p:cNvSpPr txBox="1">
+            <a:spLocks/>
+          </p:cNvSpPr>
+          <p:nvPr/>
+        </p:nvSpPr>
+        <p:spPr>
+          <a:xfrm>
+            <a:off x="2468154" y="5387645"/>
+            <a:ext cx="2416574" cy="1142755"/>
+          </a:xfrm>
+          <a:prstGeom prst="rect">
+            <a:avLst/>
+          </a:prstGeom>
+        </p:spPr>
+        <p:txBody>
+          <a:bodyPr vert="horz" lIns="91440" tIns="45720" rIns="91440" bIns="45720" rtlCol="0">
+            <a:normAutofit/>
+          </a:bodyPr>
+          <a:lstStyle>
+            <a:lvl1pPr marL="342900" indent="-342900" algn="l" defTabSz="457200" rtl="0" eaLnBrk="1" latinLnBrk="0" hangingPunct="1">
+              <a:spcBef>
+                <a:spcPts val="1000"/>
+              </a:spcBef>
+              <a:spcAft>
+                <a:spcPts val="0"/>
+              </a:spcAft>
+              <a:buClr>
+                <a:schemeClr val="accent1"/>
+              </a:buClr>
+              <a:buSzPct val="80000"/>
+              <a:buFont typeface="Wingdings 3" charset="2"/>
+              <a:buChar char=""/>
+              <a:defRPr sz="1800" kern="1200">
+                <a:solidFill>
+                  <a:schemeClr val="tx1">
+                    <a:lumMod val="75000"/>
+                    <a:lumOff val="25000"/>
+                  </a:schemeClr>
+                </a:solidFill>
+                <a:latin typeface="+mn-lt"/>
+                <a:ea typeface="+mn-ea"/>
+                <a:cs typeface="+mn-cs"/>
+              </a:defRPr>
+            </a:lvl1pPr>
+            <a:lvl2pPr marL="742950" indent="-285750" algn="l" defTabSz="457200" rtl="0" eaLnBrk="1" latinLnBrk="0" hangingPunct="1">
+              <a:spcBef>
+                <a:spcPts val="1000"/>
+              </a:spcBef>
+              <a:spcAft>
+                <a:spcPts val="0"/>
+              </a:spcAft>
+              <a:buClr>
+                <a:schemeClr val="accent1"/>
+              </a:buClr>
+              <a:buSzPct val="80000"/>
+              <a:buFont typeface="Wingdings 3" charset="2"/>
+              <a:buChar char=""/>
+              <a:defRPr sz="1600" kern="1200">
+                <a:solidFill>
+                  <a:schemeClr val="tx1">
+                    <a:lumMod val="75000"/>
+                    <a:lumOff val="25000"/>
+                  </a:schemeClr>
+                </a:solidFill>
+                <a:latin typeface="+mn-lt"/>
+                <a:ea typeface="+mn-ea"/>
+                <a:cs typeface="+mn-cs"/>
+              </a:defRPr>
+            </a:lvl2pPr>
+            <a:lvl3pPr marL="1143000" indent="-228600" algn="l" defTabSz="457200" rtl="0" eaLnBrk="1" latinLnBrk="0" hangingPunct="1">
+              <a:spcBef>
+                <a:spcPts val="1000"/>
+              </a:spcBef>
+              <a:spcAft>
+                <a:spcPts val="0"/>
+              </a:spcAft>
+              <a:buClr>
+                <a:schemeClr val="accent1"/>
+              </a:buClr>
+              <a:buSzPct val="80000"/>
+              <a:buFont typeface="Wingdings 3" charset="2"/>
+              <a:buChar char=""/>
+              <a:defRPr sz="1400" kern="1200">
+                <a:solidFill>
+                  <a:schemeClr val="tx1">
+                    <a:lumMod val="75000"/>
+                    <a:lumOff val="25000"/>
+                  </a:schemeClr>
+                </a:solidFill>
+                <a:latin typeface="+mn-lt"/>
+                <a:ea typeface="+mn-ea"/>
+                <a:cs typeface="+mn-cs"/>
+              </a:defRPr>
+            </a:lvl3pPr>
+            <a:lvl4pPr marL="1600200" indent="-228600" algn="l" defTabSz="457200" rtl="0" eaLnBrk="1" latinLnBrk="0" hangingPunct="1">
+              <a:spcBef>
+                <a:spcPts val="1000"/>
+              </a:spcBef>
+              <a:spcAft>
+                <a:spcPts val="0"/>
+              </a:spcAft>
+              <a:buClr>
+                <a:schemeClr val="accent1"/>
+              </a:buClr>
+              <a:buSzPct val="80000"/>
+              <a:buFont typeface="Wingdings 3" charset="2"/>
+              <a:buChar char=""/>
+              <a:defRPr sz="1200" kern="1200">
+                <a:solidFill>
+                  <a:schemeClr val="tx1">
+                    <a:lumMod val="75000"/>
+                    <a:lumOff val="25000"/>
+                  </a:schemeClr>
+                </a:solidFill>
+                <a:latin typeface="+mn-lt"/>
+                <a:ea typeface="+mn-ea"/>
+                <a:cs typeface="+mn-cs"/>
+              </a:defRPr>
+            </a:lvl4pPr>
+            <a:lvl5pPr marL="2057400" indent="-228600" algn="l" defTabSz="457200" rtl="0" eaLnBrk="1" latinLnBrk="0" hangingPunct="1">
+              <a:spcBef>
+                <a:spcPts val="1000"/>
+              </a:spcBef>
+              <a:spcAft>
+                <a:spcPts val="0"/>
+              </a:spcAft>
+              <a:buClr>
+                <a:schemeClr val="accent1"/>
+              </a:buClr>
+              <a:buSzPct val="80000"/>
+              <a:buFont typeface="Wingdings 3" charset="2"/>
+              <a:buChar char=""/>
+              <a:defRPr sz="1200" kern="1200">
+                <a:solidFill>
+                  <a:schemeClr val="tx1">
+                    <a:lumMod val="75000"/>
+                    <a:lumOff val="25000"/>
+                  </a:schemeClr>
+                </a:solidFill>
+                <a:latin typeface="+mn-lt"/>
+                <a:ea typeface="+mn-ea"/>
+                <a:cs typeface="+mn-cs"/>
+              </a:defRPr>
+            </a:lvl5pPr>
+            <a:lvl6pPr marL="2514600" indent="-228600" algn="l" defTabSz="457200" rtl="0" eaLnBrk="1" latinLnBrk="0" hangingPunct="1">
+              <a:spcBef>
+                <a:spcPts val="1000"/>
+              </a:spcBef>
+              <a:spcAft>
+                <a:spcPts val="0"/>
+              </a:spcAft>
+              <a:buClr>
+                <a:schemeClr val="accent1"/>
+              </a:buClr>
+              <a:buSzPct val="80000"/>
+              <a:buFont typeface="Wingdings 3" charset="2"/>
+              <a:buChar char=""/>
+              <a:defRPr sz="1200" kern="1200">
+                <a:solidFill>
+                  <a:schemeClr val="tx1">
+                    <a:lumMod val="75000"/>
+                    <a:lumOff val="25000"/>
+                  </a:schemeClr>
+                </a:solidFill>
+                <a:latin typeface="+mn-lt"/>
+                <a:ea typeface="+mn-ea"/>
+                <a:cs typeface="+mn-cs"/>
+              </a:defRPr>
+            </a:lvl6pPr>
+            <a:lvl7pPr marL="2971800" indent="-228600" algn="l" defTabSz="457200" rtl="0" eaLnBrk="1" latinLnBrk="0" hangingPunct="1">
+              <a:spcBef>
+                <a:spcPts val="1000"/>
+              </a:spcBef>
+              <a:spcAft>
+                <a:spcPts val="0"/>
+              </a:spcAft>
+              <a:buClr>
+                <a:schemeClr val="accent1"/>
+              </a:buClr>
+              <a:buSzPct val="80000"/>
+              <a:buFont typeface="Wingdings 3" charset="2"/>
+              <a:buChar char=""/>
+              <a:defRPr sz="1200" kern="1200">
+                <a:solidFill>
+                  <a:schemeClr val="tx1">
+                    <a:lumMod val="75000"/>
+                    <a:lumOff val="25000"/>
+                  </a:schemeClr>
+                </a:solidFill>
+                <a:latin typeface="+mn-lt"/>
+                <a:ea typeface="+mn-ea"/>
+                <a:cs typeface="+mn-cs"/>
+              </a:defRPr>
+            </a:lvl7pPr>
+            <a:lvl8pPr marL="3429000" indent="-228600" algn="l" defTabSz="457200" rtl="0" eaLnBrk="1" latinLnBrk="0" hangingPunct="1">
+              <a:spcBef>
+                <a:spcPts val="1000"/>
+              </a:spcBef>
+              <a:spcAft>
+                <a:spcPts val="0"/>
+              </a:spcAft>
+              <a:buClr>
+                <a:schemeClr val="accent1"/>
+              </a:buClr>
+              <a:buSzPct val="80000"/>
+              <a:buFont typeface="Wingdings 3" charset="2"/>
+              <a:buChar char=""/>
+              <a:defRPr sz="1200" kern="1200">
+                <a:solidFill>
+                  <a:schemeClr val="tx1">
+                    <a:lumMod val="75000"/>
+                    <a:lumOff val="25000"/>
+                  </a:schemeClr>
+                </a:solidFill>
+                <a:latin typeface="+mn-lt"/>
+                <a:ea typeface="+mn-ea"/>
+                <a:cs typeface="+mn-cs"/>
+              </a:defRPr>
+            </a:lvl8pPr>
+            <a:lvl9pPr marL="3886200" indent="-228600" algn="l" defTabSz="457200" rtl="0" eaLnBrk="1" latinLnBrk="0" hangingPunct="1">
+              <a:spcBef>
+                <a:spcPts val="1000"/>
+              </a:spcBef>
+              <a:spcAft>
+                <a:spcPts val="0"/>
+              </a:spcAft>
+              <a:buClr>
+                <a:schemeClr val="accent1"/>
+              </a:buClr>
+              <a:buSzPct val="80000"/>
+              <a:buFont typeface="Wingdings 3" charset="2"/>
+              <a:buChar char=""/>
+              <a:defRPr sz="1200" kern="1200">
+                <a:solidFill>
+                  <a:schemeClr val="tx1">
+                    <a:lumMod val="75000"/>
+                    <a:lumOff val="25000"/>
+                  </a:schemeClr>
+                </a:solidFill>
+                <a:latin typeface="+mn-lt"/>
+                <a:ea typeface="+mn-ea"/>
+                <a:cs typeface="+mn-cs"/>
+              </a:defRPr>
+            </a:lvl9pPr>
+          </a:lstStyle>
+          <a:p>
+            <a:pPr marL="0" indent="0" algn="ctr">
+              <a:buFont typeface="Wingdings 3" charset="2"/>
+              <a:buNone/>
+            </a:pPr>
+            <a:r>
+              <a:rPr lang="en-AU" dirty="0">
+                <a:solidFill>
+                  <a:srgbClr val="FF0000"/>
+                </a:solidFill>
+              </a:rPr>
+              <a:t>Add diagrams and equations/..??/./?</a:t>
             </a:r>
           </a:p>
         </p:txBody>
@@ -9198,7 +10441,429 @@
     </p:spTree>
     <p:extLst>
       <p:ext uri="{BB962C8B-B14F-4D97-AF65-F5344CB8AC3E}">
-        <p14:creationId xmlns:p14="http://schemas.microsoft.com/office/powerpoint/2010/main" val="1701866351"/>
+        <p14:creationId xmlns:p14="http://schemas.microsoft.com/office/powerpoint/2010/main" val="2466731478"/>
+      </p:ext>
+    </p:extLst>
+  </p:cSld>
+  <p:clrMapOvr>
+    <a:masterClrMapping/>
+  </p:clrMapOvr>
+</p:sld>
+</file>
+
+<file path=ppt/slides/slide4.xml><?xml version="1.0" encoding="utf-8"?>
+<p:sld xmlns:a="http://schemas.openxmlformats.org/drawingml/2006/main" xmlns:r="http://schemas.openxmlformats.org/officeDocument/2006/relationships" xmlns:p="http://schemas.openxmlformats.org/presentationml/2006/main">
+  <p:cSld>
+    <p:spTree>
+      <p:nvGrpSpPr>
+        <p:cNvPr id="1" name=""/>
+        <p:cNvGrpSpPr/>
+        <p:nvPr/>
+      </p:nvGrpSpPr>
+      <p:grpSpPr>
+        <a:xfrm>
+          <a:off x="0" y="0"/>
+          <a:ext cx="0" cy="0"/>
+          <a:chOff x="0" y="0"/>
+          <a:chExt cx="0" cy="0"/>
+        </a:xfrm>
+      </p:grpSpPr>
+      <p:sp>
+        <p:nvSpPr>
+          <p:cNvPr id="2" name="Title 1">
+            <a:extLst>
+              <a:ext uri="{FF2B5EF4-FFF2-40B4-BE49-F238E27FC236}">
+                <a16:creationId xmlns:a16="http://schemas.microsoft.com/office/drawing/2014/main" id="{3617D379-069D-9546-A3BE-C41231C65E27}"/>
+              </a:ext>
+            </a:extLst>
+          </p:cNvPr>
+          <p:cNvSpPr>
+            <a:spLocks noGrp="1"/>
+          </p:cNvSpPr>
+          <p:nvPr>
+            <p:ph type="title"/>
+          </p:nvPr>
+        </p:nvSpPr>
+        <p:spPr/>
+        <p:txBody>
+          <a:bodyPr/>
+          <a:lstStyle/>
+          <a:p>
+            <a:r>
+              <a:rPr lang="en-AU" dirty="0"/>
+              <a:t>Moving Average</a:t>
+            </a:r>
+          </a:p>
+        </p:txBody>
+      </p:sp>
+      <p:sp>
+        <p:nvSpPr>
+          <p:cNvPr id="3" name="Content Placeholder 2">
+            <a:extLst>
+              <a:ext uri="{FF2B5EF4-FFF2-40B4-BE49-F238E27FC236}">
+                <a16:creationId xmlns:a16="http://schemas.microsoft.com/office/drawing/2014/main" id="{E65F183F-3FCB-B84E-8B28-A3728A0F0102}"/>
+              </a:ext>
+            </a:extLst>
+          </p:cNvPr>
+          <p:cNvSpPr>
+            <a:spLocks noGrp="1"/>
+          </p:cNvSpPr>
+          <p:nvPr>
+            <p:ph idx="1"/>
+          </p:nvPr>
+        </p:nvSpPr>
+        <p:spPr/>
+        <p:txBody>
+          <a:bodyPr/>
+          <a:lstStyle/>
+          <a:p>
+            <a:r>
+              <a:rPr lang="en-AU" dirty="0"/>
+              <a:t>Strategy applied for stocks with high volatility</a:t>
+            </a:r>
+          </a:p>
+        </p:txBody>
+      </p:sp>
+    </p:spTree>
+    <p:extLst>
+      <p:ext uri="{BB962C8B-B14F-4D97-AF65-F5344CB8AC3E}">
+        <p14:creationId xmlns:p14="http://schemas.microsoft.com/office/powerpoint/2010/main" val="3508907949"/>
+      </p:ext>
+    </p:extLst>
+  </p:cSld>
+  <p:clrMapOvr>
+    <a:masterClrMapping/>
+  </p:clrMapOvr>
+</p:sld>
+</file>
+
+<file path=ppt/slides/slide5.xml><?xml version="1.0" encoding="utf-8"?>
+<p:sld xmlns:a="http://schemas.openxmlformats.org/drawingml/2006/main" xmlns:r="http://schemas.openxmlformats.org/officeDocument/2006/relationships" xmlns:p="http://schemas.openxmlformats.org/presentationml/2006/main">
+  <p:cSld>
+    <p:spTree>
+      <p:nvGrpSpPr>
+        <p:cNvPr id="1" name=""/>
+        <p:cNvGrpSpPr/>
+        <p:nvPr/>
+      </p:nvGrpSpPr>
+      <p:grpSpPr>
+        <a:xfrm>
+          <a:off x="0" y="0"/>
+          <a:ext cx="0" cy="0"/>
+          <a:chOff x="0" y="0"/>
+          <a:chExt cx="0" cy="0"/>
+        </a:xfrm>
+      </p:grpSpPr>
+      <p:sp>
+        <p:nvSpPr>
+          <p:cNvPr id="2" name="Title 1">
+            <a:extLst>
+              <a:ext uri="{FF2B5EF4-FFF2-40B4-BE49-F238E27FC236}">
+                <a16:creationId xmlns:a16="http://schemas.microsoft.com/office/drawing/2014/main" id="{3617D379-069D-9546-A3BE-C41231C65E27}"/>
+              </a:ext>
+            </a:extLst>
+          </p:cNvPr>
+          <p:cNvSpPr>
+            <a:spLocks noGrp="1"/>
+          </p:cNvSpPr>
+          <p:nvPr>
+            <p:ph type="title"/>
+          </p:nvPr>
+        </p:nvSpPr>
+        <p:spPr/>
+        <p:txBody>
+          <a:bodyPr/>
+          <a:lstStyle/>
+          <a:p>
+            <a:r>
+              <a:rPr lang="en-AU" dirty="0"/>
+              <a:t>Momentum</a:t>
+            </a:r>
+          </a:p>
+        </p:txBody>
+      </p:sp>
+      <p:sp>
+        <p:nvSpPr>
+          <p:cNvPr id="3" name="Content Placeholder 2">
+            <a:extLst>
+              <a:ext uri="{FF2B5EF4-FFF2-40B4-BE49-F238E27FC236}">
+                <a16:creationId xmlns:a16="http://schemas.microsoft.com/office/drawing/2014/main" id="{E65F183F-3FCB-B84E-8B28-A3728A0F0102}"/>
+              </a:ext>
+            </a:extLst>
+          </p:cNvPr>
+          <p:cNvSpPr>
+            <a:spLocks noGrp="1"/>
+          </p:cNvSpPr>
+          <p:nvPr>
+            <p:ph idx="1"/>
+          </p:nvPr>
+        </p:nvSpPr>
+        <p:spPr/>
+        <p:txBody>
+          <a:bodyPr/>
+          <a:lstStyle/>
+          <a:p>
+            <a:endParaRPr lang="en-AU" dirty="0"/>
+          </a:p>
+        </p:txBody>
+      </p:sp>
+    </p:spTree>
+    <p:extLst>
+      <p:ext uri="{BB962C8B-B14F-4D97-AF65-F5344CB8AC3E}">
+        <p14:creationId xmlns:p14="http://schemas.microsoft.com/office/powerpoint/2010/main" val="1292148940"/>
+      </p:ext>
+    </p:extLst>
+  </p:cSld>
+  <p:clrMapOvr>
+    <a:masterClrMapping/>
+  </p:clrMapOvr>
+</p:sld>
+</file>
+
+<file path=ppt/slides/slide6.xml><?xml version="1.0" encoding="utf-8"?>
+<p:sld xmlns:a="http://schemas.openxmlformats.org/drawingml/2006/main" xmlns:r="http://schemas.openxmlformats.org/officeDocument/2006/relationships" xmlns:p="http://schemas.openxmlformats.org/presentationml/2006/main">
+  <p:cSld>
+    <p:spTree>
+      <p:nvGrpSpPr>
+        <p:cNvPr id="1" name=""/>
+        <p:cNvGrpSpPr/>
+        <p:nvPr/>
+      </p:nvGrpSpPr>
+      <p:grpSpPr>
+        <a:xfrm>
+          <a:off x="0" y="0"/>
+          <a:ext cx="0" cy="0"/>
+          <a:chOff x="0" y="0"/>
+          <a:chExt cx="0" cy="0"/>
+        </a:xfrm>
+      </p:grpSpPr>
+      <p:sp>
+        <p:nvSpPr>
+          <p:cNvPr id="2" name="Title 1">
+            <a:extLst>
+              <a:ext uri="{FF2B5EF4-FFF2-40B4-BE49-F238E27FC236}">
+                <a16:creationId xmlns:a16="http://schemas.microsoft.com/office/drawing/2014/main" id="{3617D379-069D-9546-A3BE-C41231C65E27}"/>
+              </a:ext>
+            </a:extLst>
+          </p:cNvPr>
+          <p:cNvSpPr>
+            <a:spLocks noGrp="1"/>
+          </p:cNvSpPr>
+          <p:nvPr>
+            <p:ph type="title"/>
+          </p:nvPr>
+        </p:nvSpPr>
+        <p:spPr/>
+        <p:txBody>
+          <a:bodyPr/>
+          <a:lstStyle/>
+          <a:p>
+            <a:r>
+              <a:rPr lang="en-AU" dirty="0"/>
+              <a:t>Optimisation</a:t>
+            </a:r>
+          </a:p>
+        </p:txBody>
+      </p:sp>
+      <p:sp>
+        <p:nvSpPr>
+          <p:cNvPr id="3" name="Content Placeholder 2">
+            <a:extLst>
+              <a:ext uri="{FF2B5EF4-FFF2-40B4-BE49-F238E27FC236}">
+                <a16:creationId xmlns:a16="http://schemas.microsoft.com/office/drawing/2014/main" id="{E65F183F-3FCB-B84E-8B28-A3728A0F0102}"/>
+              </a:ext>
+            </a:extLst>
+          </p:cNvPr>
+          <p:cNvSpPr>
+            <a:spLocks noGrp="1"/>
+          </p:cNvSpPr>
+          <p:nvPr>
+            <p:ph idx="1"/>
+          </p:nvPr>
+        </p:nvSpPr>
+        <p:spPr/>
+        <p:txBody>
+          <a:bodyPr/>
+          <a:lstStyle/>
+          <a:p>
+            <a:endParaRPr lang="en-AU"/>
+          </a:p>
+        </p:txBody>
+      </p:sp>
+    </p:spTree>
+    <p:extLst>
+      <p:ext uri="{BB962C8B-B14F-4D97-AF65-F5344CB8AC3E}">
+        <p14:creationId xmlns:p14="http://schemas.microsoft.com/office/powerpoint/2010/main" val="2727758678"/>
+      </p:ext>
+    </p:extLst>
+  </p:cSld>
+  <p:clrMapOvr>
+    <a:masterClrMapping/>
+  </p:clrMapOvr>
+</p:sld>
+</file>
+
+<file path=ppt/slides/slide7.xml><?xml version="1.0" encoding="utf-8"?>
+<p:sld xmlns:a="http://schemas.openxmlformats.org/drawingml/2006/main" xmlns:r="http://schemas.openxmlformats.org/officeDocument/2006/relationships" xmlns:p="http://schemas.openxmlformats.org/presentationml/2006/main">
+  <p:cSld>
+    <p:spTree>
+      <p:nvGrpSpPr>
+        <p:cNvPr id="1" name=""/>
+        <p:cNvGrpSpPr/>
+        <p:nvPr/>
+      </p:nvGrpSpPr>
+      <p:grpSpPr>
+        <a:xfrm>
+          <a:off x="0" y="0"/>
+          <a:ext cx="0" cy="0"/>
+          <a:chOff x="0" y="0"/>
+          <a:chExt cx="0" cy="0"/>
+        </a:xfrm>
+      </p:grpSpPr>
+      <p:sp>
+        <p:nvSpPr>
+          <p:cNvPr id="2" name="Title 1">
+            <a:extLst>
+              <a:ext uri="{FF2B5EF4-FFF2-40B4-BE49-F238E27FC236}">
+                <a16:creationId xmlns:a16="http://schemas.microsoft.com/office/drawing/2014/main" id="{3617D379-069D-9546-A3BE-C41231C65E27}"/>
+              </a:ext>
+            </a:extLst>
+          </p:cNvPr>
+          <p:cNvSpPr>
+            <a:spLocks noGrp="1"/>
+          </p:cNvSpPr>
+          <p:nvPr>
+            <p:ph type="title"/>
+          </p:nvPr>
+        </p:nvSpPr>
+        <p:spPr/>
+        <p:txBody>
+          <a:bodyPr/>
+          <a:lstStyle/>
+          <a:p>
+            <a:r>
+              <a:rPr lang="en-AU" dirty="0"/>
+              <a:t>Results and Potential Improvements</a:t>
+            </a:r>
+          </a:p>
+        </p:txBody>
+      </p:sp>
+      <p:sp>
+        <p:nvSpPr>
+          <p:cNvPr id="3" name="Content Placeholder 2">
+            <a:extLst>
+              <a:ext uri="{FF2B5EF4-FFF2-40B4-BE49-F238E27FC236}">
+                <a16:creationId xmlns:a16="http://schemas.microsoft.com/office/drawing/2014/main" id="{E65F183F-3FCB-B84E-8B28-A3728A0F0102}"/>
+              </a:ext>
+            </a:extLst>
+          </p:cNvPr>
+          <p:cNvSpPr>
+            <a:spLocks noGrp="1"/>
+          </p:cNvSpPr>
+          <p:nvPr>
+            <p:ph idx="1"/>
+          </p:nvPr>
+        </p:nvSpPr>
+        <p:spPr/>
+        <p:txBody>
+          <a:bodyPr/>
+          <a:lstStyle/>
+          <a:p>
+            <a:endParaRPr lang="en-AU"/>
+          </a:p>
+        </p:txBody>
+      </p:sp>
+    </p:spTree>
+    <p:extLst>
+      <p:ext uri="{BB962C8B-B14F-4D97-AF65-F5344CB8AC3E}">
+        <p14:creationId xmlns:p14="http://schemas.microsoft.com/office/powerpoint/2010/main" val="3907054753"/>
+      </p:ext>
+    </p:extLst>
+  </p:cSld>
+  <p:clrMapOvr>
+    <a:masterClrMapping/>
+  </p:clrMapOvr>
+</p:sld>
+</file>
+
+<file path=ppt/slides/slide8.xml><?xml version="1.0" encoding="utf-8"?>
+<p:sld xmlns:a="http://schemas.openxmlformats.org/drawingml/2006/main" xmlns:r="http://schemas.openxmlformats.org/officeDocument/2006/relationships" xmlns:p="http://schemas.openxmlformats.org/presentationml/2006/main">
+  <p:cSld>
+    <p:spTree>
+      <p:nvGrpSpPr>
+        <p:cNvPr id="1" name=""/>
+        <p:cNvGrpSpPr/>
+        <p:nvPr/>
+      </p:nvGrpSpPr>
+      <p:grpSpPr>
+        <a:xfrm>
+          <a:off x="0" y="0"/>
+          <a:ext cx="0" cy="0"/>
+          <a:chOff x="0" y="0"/>
+          <a:chExt cx="0" cy="0"/>
+        </a:xfrm>
+      </p:grpSpPr>
+      <p:sp>
+        <p:nvSpPr>
+          <p:cNvPr id="2" name="Title 1">
+            <a:extLst>
+              <a:ext uri="{FF2B5EF4-FFF2-40B4-BE49-F238E27FC236}">
+                <a16:creationId xmlns:a16="http://schemas.microsoft.com/office/drawing/2014/main" id="{7CAA7696-C54D-A64E-A6A3-36581E7FBBC8}"/>
+              </a:ext>
+            </a:extLst>
+          </p:cNvPr>
+          <p:cNvSpPr>
+            <a:spLocks noGrp="1"/>
+          </p:cNvSpPr>
+          <p:nvPr>
+            <p:ph type="title"/>
+          </p:nvPr>
+        </p:nvSpPr>
+        <p:spPr/>
+        <p:txBody>
+          <a:bodyPr/>
+          <a:lstStyle/>
+          <a:p>
+            <a:r>
+              <a:rPr lang="en-AU" dirty="0"/>
+              <a:t>Criteria </a:t>
+            </a:r>
+          </a:p>
+        </p:txBody>
+      </p:sp>
+      <p:pic>
+        <p:nvPicPr>
+          <p:cNvPr id="5" name="Content Placeholder 4" descr="Text, letter&#10;&#10;Description automatically generated">
+            <a:extLst>
+              <a:ext uri="{FF2B5EF4-FFF2-40B4-BE49-F238E27FC236}">
+                <a16:creationId xmlns:a16="http://schemas.microsoft.com/office/drawing/2014/main" id="{40C05237-42C1-D941-90AF-FF5C5E19EB09}"/>
+              </a:ext>
+            </a:extLst>
+          </p:cNvPr>
+          <p:cNvPicPr>
+            <a:picLocks noGrp="1" noChangeAspect="1"/>
+          </p:cNvPicPr>
+          <p:nvPr>
+            <p:ph idx="1"/>
+          </p:nvPr>
+        </p:nvPicPr>
+        <p:blipFill>
+          <a:blip r:embed="rId3"/>
+          <a:stretch>
+            <a:fillRect/>
+          </a:stretch>
+        </p:blipFill>
+        <p:spPr>
+          <a:xfrm>
+            <a:off x="677863" y="2368085"/>
+            <a:ext cx="8596312" cy="3466442"/>
+          </a:xfrm>
+        </p:spPr>
+      </p:pic>
+    </p:spTree>
+    <p:extLst>
+      <p:ext uri="{BB962C8B-B14F-4D97-AF65-F5344CB8AC3E}">
+        <p14:creationId xmlns:p14="http://schemas.microsoft.com/office/powerpoint/2010/main" val="3546353354"/>
       </p:ext>
     </p:extLst>
   </p:cSld>
@@ -9463,4 +11128,299 @@
     </a:ext>
   </a:extLst>
 </a:theme>
+</file>
+
+<file path=ppt/theme/theme2.xml><?xml version="1.0" encoding="utf-8"?>
+<a:theme xmlns:a="http://schemas.openxmlformats.org/drawingml/2006/main" name="Office Theme">
+  <a:themeElements>
+    <a:clrScheme name="Office">
+      <a:dk1>
+        <a:sysClr val="windowText" lastClr="000000"/>
+      </a:dk1>
+      <a:lt1>
+        <a:sysClr val="window" lastClr="FFFFFF"/>
+      </a:lt1>
+      <a:dk2>
+        <a:srgbClr val="44546A"/>
+      </a:dk2>
+      <a:lt2>
+        <a:srgbClr val="E7E6E6"/>
+      </a:lt2>
+      <a:accent1>
+        <a:srgbClr val="4472C4"/>
+      </a:accent1>
+      <a:accent2>
+        <a:srgbClr val="ED7D31"/>
+      </a:accent2>
+      <a:accent3>
+        <a:srgbClr val="A5A5A5"/>
+      </a:accent3>
+      <a:accent4>
+        <a:srgbClr val="FFC000"/>
+      </a:accent4>
+      <a:accent5>
+        <a:srgbClr val="5B9BD5"/>
+      </a:accent5>
+      <a:accent6>
+        <a:srgbClr val="70AD47"/>
+      </a:accent6>
+      <a:hlink>
+        <a:srgbClr val="0563C1"/>
+      </a:hlink>
+      <a:folHlink>
+        <a:srgbClr val="954F72"/>
+      </a:folHlink>
+    </a:clrScheme>
+    <a:fontScheme name="Office">
+      <a:majorFont>
+        <a:latin typeface="Calibri Light" panose="020F0302020204030204"/>
+        <a:ea typeface=""/>
+        <a:cs typeface=""/>
+        <a:font script="Jpan" typeface="游ゴシック Light"/>
+        <a:font script="Hang" typeface="맑은 고딕"/>
+        <a:font script="Hans" typeface="等线 Light"/>
+        <a:font script="Hant" typeface="新細明體"/>
+        <a:font script="Arab" typeface="Times New Roman"/>
+        <a:font script="Hebr" typeface="Times New Roman"/>
+        <a:font script="Thai" typeface="Angsana New"/>
+        <a:font script="Ethi" typeface="Nyala"/>
+        <a:font script="Beng" typeface="Vrinda"/>
+        <a:font script="Gujr" typeface="Shruti"/>
+        <a:font script="Khmr" typeface="MoolBoran"/>
+        <a:font script="Knda" typeface="Tunga"/>
+        <a:font script="Guru" typeface="Raavi"/>
+        <a:font script="Cans" typeface="Euphemia"/>
+        <a:font script="Cher" typeface="Plantagenet Cherokee"/>
+        <a:font script="Yiii" typeface="Microsoft Yi Baiti"/>
+        <a:font script="Tibt" typeface="Microsoft Himalaya"/>
+        <a:font script="Thaa" typeface="MV Boli"/>
+        <a:font script="Deva" typeface="Mangal"/>
+        <a:font script="Telu" typeface="Gautami"/>
+        <a:font script="Taml" typeface="Latha"/>
+        <a:font script="Syrc" typeface="Estrangelo Edessa"/>
+        <a:font script="Orya" typeface="Kalinga"/>
+        <a:font script="Mlym" typeface="Kartika"/>
+        <a:font script="Laoo" typeface="DokChampa"/>
+        <a:font script="Sinh" typeface="Iskoola Pota"/>
+        <a:font script="Mong" typeface="Mongolian Baiti"/>
+        <a:font script="Viet" typeface="Times New Roman"/>
+        <a:font script="Uigh" typeface="Microsoft Uighur"/>
+        <a:font script="Geor" typeface="Sylfaen"/>
+        <a:font script="Armn" typeface="Arial"/>
+        <a:font script="Bugi" typeface="Leelawadee UI"/>
+        <a:font script="Bopo" typeface="Microsoft JhengHei"/>
+        <a:font script="Java" typeface="Javanese Text"/>
+        <a:font script="Lisu" typeface="Segoe UI"/>
+        <a:font script="Mymr" typeface="Myanmar Text"/>
+        <a:font script="Nkoo" typeface="Ebrima"/>
+        <a:font script="Olck" typeface="Nirmala UI"/>
+        <a:font script="Osma" typeface="Ebrima"/>
+        <a:font script="Phag" typeface="Phagspa"/>
+        <a:font script="Syrn" typeface="Estrangelo Edessa"/>
+        <a:font script="Syrj" typeface="Estrangelo Edessa"/>
+        <a:font script="Syre" typeface="Estrangelo Edessa"/>
+        <a:font script="Sora" typeface="Nirmala UI"/>
+        <a:font script="Tale" typeface="Microsoft Tai Le"/>
+        <a:font script="Talu" typeface="Microsoft New Tai Lue"/>
+        <a:font script="Tfng" typeface="Ebrima"/>
+      </a:majorFont>
+      <a:minorFont>
+        <a:latin typeface="Calibri" panose="020F0502020204030204"/>
+        <a:ea typeface=""/>
+        <a:cs typeface=""/>
+        <a:font script="Jpan" typeface="游ゴシック"/>
+        <a:font script="Hang" typeface="맑은 고딕"/>
+        <a:font script="Hans" typeface="等线"/>
+        <a:font script="Hant" typeface="新細明體"/>
+        <a:font script="Arab" typeface="Arial"/>
+        <a:font script="Hebr" typeface="Arial"/>
+        <a:font script="Thai" typeface="Cordia New"/>
+        <a:font script="Ethi" typeface="Nyala"/>
+        <a:font script="Beng" typeface="Vrinda"/>
+        <a:font script="Gujr" typeface="Shruti"/>
+        <a:font script="Khmr" typeface="DaunPenh"/>
+        <a:font script="Knda" typeface="Tunga"/>
+        <a:font script="Guru" typeface="Raavi"/>
+        <a:font script="Cans" typeface="Euphemia"/>
+        <a:font script="Cher" typeface="Plantagenet Cherokee"/>
+        <a:font script="Yiii" typeface="Microsoft Yi Baiti"/>
+        <a:font script="Tibt" typeface="Microsoft Himalaya"/>
+        <a:font script="Thaa" typeface="MV Boli"/>
+        <a:font script="Deva" typeface="Mangal"/>
+        <a:font script="Telu" typeface="Gautami"/>
+        <a:font script="Taml" typeface="Latha"/>
+        <a:font script="Syrc" typeface="Estrangelo Edessa"/>
+        <a:font script="Orya" typeface="Kalinga"/>
+        <a:font script="Mlym" typeface="Kartika"/>
+        <a:font script="Laoo" typeface="DokChampa"/>
+        <a:font script="Sinh" typeface="Iskoola Pota"/>
+        <a:font script="Mong" typeface="Mongolian Baiti"/>
+        <a:font script="Viet" typeface="Arial"/>
+        <a:font script="Uigh" typeface="Microsoft Uighur"/>
+        <a:font script="Geor" typeface="Sylfaen"/>
+        <a:font script="Armn" typeface="Arial"/>
+        <a:font script="Bugi" typeface="Leelawadee UI"/>
+        <a:font script="Bopo" typeface="Microsoft JhengHei"/>
+        <a:font script="Java" typeface="Javanese Text"/>
+        <a:font script="Lisu" typeface="Segoe UI"/>
+        <a:font script="Mymr" typeface="Myanmar Text"/>
+        <a:font script="Nkoo" typeface="Ebrima"/>
+        <a:font script="Olck" typeface="Nirmala UI"/>
+        <a:font script="Osma" typeface="Ebrima"/>
+        <a:font script="Phag" typeface="Phagspa"/>
+        <a:font script="Syrn" typeface="Estrangelo Edessa"/>
+        <a:font script="Syrj" typeface="Estrangelo Edessa"/>
+        <a:font script="Syre" typeface="Estrangelo Edessa"/>
+        <a:font script="Sora" typeface="Nirmala UI"/>
+        <a:font script="Tale" typeface="Microsoft Tai Le"/>
+        <a:font script="Talu" typeface="Microsoft New Tai Lue"/>
+        <a:font script="Tfng" typeface="Ebrima"/>
+      </a:minorFont>
+    </a:fontScheme>
+    <a:fmtScheme name="Office">
+      <a:fillStyleLst>
+        <a:solidFill>
+          <a:schemeClr val="phClr"/>
+        </a:solidFill>
+        <a:gradFill rotWithShape="1">
+          <a:gsLst>
+            <a:gs pos="0">
+              <a:schemeClr val="phClr">
+                <a:lumMod val="110000"/>
+                <a:satMod val="105000"/>
+                <a:tint val="67000"/>
+              </a:schemeClr>
+            </a:gs>
+            <a:gs pos="50000">
+              <a:schemeClr val="phClr">
+                <a:lumMod val="105000"/>
+                <a:satMod val="103000"/>
+                <a:tint val="73000"/>
+              </a:schemeClr>
+            </a:gs>
+            <a:gs pos="100000">
+              <a:schemeClr val="phClr">
+                <a:lumMod val="105000"/>
+                <a:satMod val="109000"/>
+                <a:tint val="81000"/>
+              </a:schemeClr>
+            </a:gs>
+          </a:gsLst>
+          <a:lin ang="5400000" scaled="0"/>
+        </a:gradFill>
+        <a:gradFill rotWithShape="1">
+          <a:gsLst>
+            <a:gs pos="0">
+              <a:schemeClr val="phClr">
+                <a:satMod val="103000"/>
+                <a:lumMod val="102000"/>
+                <a:tint val="94000"/>
+              </a:schemeClr>
+            </a:gs>
+            <a:gs pos="50000">
+              <a:schemeClr val="phClr">
+                <a:satMod val="110000"/>
+                <a:lumMod val="100000"/>
+                <a:shade val="100000"/>
+              </a:schemeClr>
+            </a:gs>
+            <a:gs pos="100000">
+              <a:schemeClr val="phClr">
+                <a:lumMod val="99000"/>
+                <a:satMod val="120000"/>
+                <a:shade val="78000"/>
+              </a:schemeClr>
+            </a:gs>
+          </a:gsLst>
+          <a:lin ang="5400000" scaled="0"/>
+        </a:gradFill>
+      </a:fillStyleLst>
+      <a:lnStyleLst>
+        <a:ln w="6350" cap="flat" cmpd="sng" algn="ctr">
+          <a:solidFill>
+            <a:schemeClr val="phClr"/>
+          </a:solidFill>
+          <a:prstDash val="solid"/>
+          <a:miter lim="800000"/>
+        </a:ln>
+        <a:ln w="12700" cap="flat" cmpd="sng" algn="ctr">
+          <a:solidFill>
+            <a:schemeClr val="phClr"/>
+          </a:solidFill>
+          <a:prstDash val="solid"/>
+          <a:miter lim="800000"/>
+        </a:ln>
+        <a:ln w="19050" cap="flat" cmpd="sng" algn="ctr">
+          <a:solidFill>
+            <a:schemeClr val="phClr"/>
+          </a:solidFill>
+          <a:prstDash val="solid"/>
+          <a:miter lim="800000"/>
+        </a:ln>
+      </a:lnStyleLst>
+      <a:effectStyleLst>
+        <a:effectStyle>
+          <a:effectLst/>
+        </a:effectStyle>
+        <a:effectStyle>
+          <a:effectLst/>
+        </a:effectStyle>
+        <a:effectStyle>
+          <a:effectLst>
+            <a:outerShdw blurRad="57150" dist="19050" dir="5400000" algn="ctr" rotWithShape="0">
+              <a:srgbClr val="000000">
+                <a:alpha val="63000"/>
+              </a:srgbClr>
+            </a:outerShdw>
+          </a:effectLst>
+        </a:effectStyle>
+      </a:effectStyleLst>
+      <a:bgFillStyleLst>
+        <a:solidFill>
+          <a:schemeClr val="phClr"/>
+        </a:solidFill>
+        <a:solidFill>
+          <a:schemeClr val="phClr">
+            <a:tint val="95000"/>
+            <a:satMod val="170000"/>
+          </a:schemeClr>
+        </a:solidFill>
+        <a:gradFill rotWithShape="1">
+          <a:gsLst>
+            <a:gs pos="0">
+              <a:schemeClr val="phClr">
+                <a:tint val="93000"/>
+                <a:satMod val="150000"/>
+                <a:shade val="98000"/>
+                <a:lumMod val="102000"/>
+              </a:schemeClr>
+            </a:gs>
+            <a:gs pos="50000">
+              <a:schemeClr val="phClr">
+                <a:tint val="98000"/>
+                <a:satMod val="130000"/>
+                <a:shade val="90000"/>
+                <a:lumMod val="103000"/>
+              </a:schemeClr>
+            </a:gs>
+            <a:gs pos="100000">
+              <a:schemeClr val="phClr">
+                <a:shade val="63000"/>
+                <a:satMod val="120000"/>
+              </a:schemeClr>
+            </a:gs>
+          </a:gsLst>
+          <a:lin ang="5400000" scaled="0"/>
+        </a:gradFill>
+      </a:bgFillStyleLst>
+    </a:fmtScheme>
+  </a:themeElements>
+  <a:objectDefaults/>
+  <a:extraClrSchemeLst/>
+  <a:extLst>
+    <a:ext uri="{05A4C25C-085E-4340-85A3-A5531E510DB2}">
+      <thm15:themeFamily xmlns:thm15="http://schemas.microsoft.com/office/thememl/2012/main" name="Office Theme" id="{62F939B6-93AF-4DB8-9C6B-D6C7DFDC589F}" vid="{4A3C46E8-61CC-4603-A589-7422A47A8E4A}"/>
+    </a:ext>
+  </a:extLst>
+</a:theme>
 </file>
--- a/Astronauts_sig.pptx
+++ b/Astronauts_sig.pptx
@@ -5,17 +5,20 @@
     <p:sldMasterId id="2147483677" r:id="rId1"/>
   </p:sldMasterIdLst>
   <p:notesMasterIdLst>
-    <p:notesMasterId r:id="rId10"/>
+    <p:notesMasterId r:id="rId13"/>
   </p:notesMasterIdLst>
   <p:sldIdLst>
     <p:sldId id="256" r:id="rId2"/>
     <p:sldId id="259" r:id="rId3"/>
-    <p:sldId id="261" r:id="rId4"/>
-    <p:sldId id="262" r:id="rId5"/>
-    <p:sldId id="260" r:id="rId6"/>
-    <p:sldId id="263" r:id="rId7"/>
-    <p:sldId id="264" r:id="rId8"/>
-    <p:sldId id="265" r:id="rId9"/>
+    <p:sldId id="266" r:id="rId4"/>
+    <p:sldId id="267" r:id="rId5"/>
+    <p:sldId id="268" r:id="rId6"/>
+    <p:sldId id="261" r:id="rId7"/>
+    <p:sldId id="262" r:id="rId8"/>
+    <p:sldId id="260" r:id="rId9"/>
+    <p:sldId id="263" r:id="rId10"/>
+    <p:sldId id="264" r:id="rId11"/>
+    <p:sldId id="265" r:id="rId12"/>
   </p:sldIdLst>
   <p:sldSz cx="12192000" cy="6858000"/>
   <p:notesSz cx="6858000" cy="9144000"/>
@@ -204,7 +207,7 @@
           <a:p>
             <a:fld id="{BAAB54B2-A3FF-DC48-B3B1-A5FA4DF29CFB}" type="datetimeFigureOut">
               <a:rPr lang="en-AU" smtClean="0"/>
-              <a:t>18/7/21</a:t>
+              <a:t>19/7/21</a:t>
             </a:fld>
             <a:endParaRPr lang="en-AU"/>
           </a:p>
@@ -630,7 +633,7 @@
     </p:spTree>
     <p:extLst>
       <p:ext uri="{BB962C8B-B14F-4D97-AF65-F5344CB8AC3E}">
-        <p14:creationId xmlns:p14="http://schemas.microsoft.com/office/powerpoint/2010/main" val="201148029"/>
+        <p14:creationId xmlns:p14="http://schemas.microsoft.com/office/powerpoint/2010/main" val="1400722849"/>
       </p:ext>
     </p:extLst>
   </p:cSld>
@@ -705,7 +708,259 @@
           <a:p>
             <a:fld id="{E1239F5A-3C28-4141-A6D5-2BDFAFBB3129}" type="slidenum">
               <a:rPr lang="en-AU" smtClean="0"/>
-              <a:t>8</a:t>
+              <a:t>4</a:t>
+            </a:fld>
+            <a:endParaRPr lang="en-AU"/>
+          </a:p>
+        </p:txBody>
+      </p:sp>
+    </p:spTree>
+    <p:extLst>
+      <p:ext uri="{BB962C8B-B14F-4D97-AF65-F5344CB8AC3E}">
+        <p14:creationId xmlns:p14="http://schemas.microsoft.com/office/powerpoint/2010/main" val="2725641439"/>
+      </p:ext>
+    </p:extLst>
+  </p:cSld>
+  <p:clrMapOvr>
+    <a:masterClrMapping/>
+  </p:clrMapOvr>
+</p:notes>
+</file>
+
+<file path=ppt/notesSlides/notesSlide4.xml><?xml version="1.0" encoding="utf-8"?>
+<p:notes xmlns:a="http://schemas.openxmlformats.org/drawingml/2006/main" xmlns:r="http://schemas.openxmlformats.org/officeDocument/2006/relationships" xmlns:p="http://schemas.openxmlformats.org/presentationml/2006/main">
+  <p:cSld>
+    <p:spTree>
+      <p:nvGrpSpPr>
+        <p:cNvPr id="1" name=""/>
+        <p:cNvGrpSpPr/>
+        <p:nvPr/>
+      </p:nvGrpSpPr>
+      <p:grpSpPr>
+        <a:xfrm>
+          <a:off x="0" y="0"/>
+          <a:ext cx="0" cy="0"/>
+          <a:chOff x="0" y="0"/>
+          <a:chExt cx="0" cy="0"/>
+        </a:xfrm>
+      </p:grpSpPr>
+      <p:sp>
+        <p:nvSpPr>
+          <p:cNvPr id="2" name="Slide Image Placeholder 1"/>
+          <p:cNvSpPr>
+            <a:spLocks noGrp="1" noRot="1" noChangeAspect="1"/>
+          </p:cNvSpPr>
+          <p:nvPr>
+            <p:ph type="sldImg"/>
+          </p:nvPr>
+        </p:nvSpPr>
+        <p:spPr/>
+      </p:sp>
+      <p:sp>
+        <p:nvSpPr>
+          <p:cNvPr id="3" name="Notes Placeholder 2"/>
+          <p:cNvSpPr>
+            <a:spLocks noGrp="1"/>
+          </p:cNvSpPr>
+          <p:nvPr>
+            <p:ph type="body" idx="1"/>
+          </p:nvPr>
+        </p:nvSpPr>
+        <p:spPr/>
+        <p:txBody>
+          <a:bodyPr/>
+          <a:lstStyle/>
+          <a:p>
+            <a:endParaRPr lang="en-AU" dirty="0"/>
+          </a:p>
+        </p:txBody>
+      </p:sp>
+      <p:sp>
+        <p:nvSpPr>
+          <p:cNvPr id="4" name="Slide Number Placeholder 3"/>
+          <p:cNvSpPr>
+            <a:spLocks noGrp="1"/>
+          </p:cNvSpPr>
+          <p:nvPr>
+            <p:ph type="sldNum" sz="quarter" idx="5"/>
+          </p:nvPr>
+        </p:nvSpPr>
+        <p:spPr/>
+        <p:txBody>
+          <a:bodyPr/>
+          <a:lstStyle/>
+          <a:p>
+            <a:fld id="{E1239F5A-3C28-4141-A6D5-2BDFAFBB3129}" type="slidenum">
+              <a:rPr lang="en-AU" smtClean="0"/>
+              <a:t>5</a:t>
+            </a:fld>
+            <a:endParaRPr lang="en-AU"/>
+          </a:p>
+        </p:txBody>
+      </p:sp>
+    </p:spTree>
+    <p:extLst>
+      <p:ext uri="{BB962C8B-B14F-4D97-AF65-F5344CB8AC3E}">
+        <p14:creationId xmlns:p14="http://schemas.microsoft.com/office/powerpoint/2010/main" val="2922765171"/>
+      </p:ext>
+    </p:extLst>
+  </p:cSld>
+  <p:clrMapOvr>
+    <a:masterClrMapping/>
+  </p:clrMapOvr>
+</p:notes>
+</file>
+
+<file path=ppt/notesSlides/notesSlide5.xml><?xml version="1.0" encoding="utf-8"?>
+<p:notes xmlns:a="http://schemas.openxmlformats.org/drawingml/2006/main" xmlns:r="http://schemas.openxmlformats.org/officeDocument/2006/relationships" xmlns:p="http://schemas.openxmlformats.org/presentationml/2006/main">
+  <p:cSld>
+    <p:spTree>
+      <p:nvGrpSpPr>
+        <p:cNvPr id="1" name=""/>
+        <p:cNvGrpSpPr/>
+        <p:nvPr/>
+      </p:nvGrpSpPr>
+      <p:grpSpPr>
+        <a:xfrm>
+          <a:off x="0" y="0"/>
+          <a:ext cx="0" cy="0"/>
+          <a:chOff x="0" y="0"/>
+          <a:chExt cx="0" cy="0"/>
+        </a:xfrm>
+      </p:grpSpPr>
+      <p:sp>
+        <p:nvSpPr>
+          <p:cNvPr id="2" name="Slide Image Placeholder 1"/>
+          <p:cNvSpPr>
+            <a:spLocks noGrp="1" noRot="1" noChangeAspect="1"/>
+          </p:cNvSpPr>
+          <p:nvPr>
+            <p:ph type="sldImg"/>
+          </p:nvPr>
+        </p:nvSpPr>
+        <p:spPr/>
+      </p:sp>
+      <p:sp>
+        <p:nvSpPr>
+          <p:cNvPr id="3" name="Notes Placeholder 2"/>
+          <p:cNvSpPr>
+            <a:spLocks noGrp="1"/>
+          </p:cNvSpPr>
+          <p:nvPr>
+            <p:ph type="body" idx="1"/>
+          </p:nvPr>
+        </p:nvSpPr>
+        <p:spPr/>
+        <p:txBody>
+          <a:bodyPr/>
+          <a:lstStyle/>
+          <a:p>
+            <a:endParaRPr lang="en-AU" dirty="0"/>
+          </a:p>
+        </p:txBody>
+      </p:sp>
+      <p:sp>
+        <p:nvSpPr>
+          <p:cNvPr id="4" name="Slide Number Placeholder 3"/>
+          <p:cNvSpPr>
+            <a:spLocks noGrp="1"/>
+          </p:cNvSpPr>
+          <p:nvPr>
+            <p:ph type="sldNum" sz="quarter" idx="5"/>
+          </p:nvPr>
+        </p:nvSpPr>
+        <p:spPr/>
+        <p:txBody>
+          <a:bodyPr/>
+          <a:lstStyle/>
+          <a:p>
+            <a:fld id="{E1239F5A-3C28-4141-A6D5-2BDFAFBB3129}" type="slidenum">
+              <a:rPr lang="en-AU" smtClean="0"/>
+              <a:t>6</a:t>
+            </a:fld>
+            <a:endParaRPr lang="en-AU"/>
+          </a:p>
+        </p:txBody>
+      </p:sp>
+    </p:spTree>
+    <p:extLst>
+      <p:ext uri="{BB962C8B-B14F-4D97-AF65-F5344CB8AC3E}">
+        <p14:creationId xmlns:p14="http://schemas.microsoft.com/office/powerpoint/2010/main" val="201148029"/>
+      </p:ext>
+    </p:extLst>
+  </p:cSld>
+  <p:clrMapOvr>
+    <a:masterClrMapping/>
+  </p:clrMapOvr>
+</p:notes>
+</file>
+
+<file path=ppt/notesSlides/notesSlide6.xml><?xml version="1.0" encoding="utf-8"?>
+<p:notes xmlns:a="http://schemas.openxmlformats.org/drawingml/2006/main" xmlns:r="http://schemas.openxmlformats.org/officeDocument/2006/relationships" xmlns:p="http://schemas.openxmlformats.org/presentationml/2006/main">
+  <p:cSld>
+    <p:spTree>
+      <p:nvGrpSpPr>
+        <p:cNvPr id="1" name=""/>
+        <p:cNvGrpSpPr/>
+        <p:nvPr/>
+      </p:nvGrpSpPr>
+      <p:grpSpPr>
+        <a:xfrm>
+          <a:off x="0" y="0"/>
+          <a:ext cx="0" cy="0"/>
+          <a:chOff x="0" y="0"/>
+          <a:chExt cx="0" cy="0"/>
+        </a:xfrm>
+      </p:grpSpPr>
+      <p:sp>
+        <p:nvSpPr>
+          <p:cNvPr id="2" name="Slide Image Placeholder 1"/>
+          <p:cNvSpPr>
+            <a:spLocks noGrp="1" noRot="1" noChangeAspect="1"/>
+          </p:cNvSpPr>
+          <p:nvPr>
+            <p:ph type="sldImg"/>
+          </p:nvPr>
+        </p:nvSpPr>
+        <p:spPr/>
+      </p:sp>
+      <p:sp>
+        <p:nvSpPr>
+          <p:cNvPr id="3" name="Notes Placeholder 2"/>
+          <p:cNvSpPr>
+            <a:spLocks noGrp="1"/>
+          </p:cNvSpPr>
+          <p:nvPr>
+            <p:ph type="body" idx="1"/>
+          </p:nvPr>
+        </p:nvSpPr>
+        <p:spPr/>
+        <p:txBody>
+          <a:bodyPr/>
+          <a:lstStyle/>
+          <a:p>
+            <a:endParaRPr lang="en-AU" dirty="0"/>
+          </a:p>
+        </p:txBody>
+      </p:sp>
+      <p:sp>
+        <p:nvSpPr>
+          <p:cNvPr id="4" name="Slide Number Placeholder 3"/>
+          <p:cNvSpPr>
+            <a:spLocks noGrp="1"/>
+          </p:cNvSpPr>
+          <p:nvPr>
+            <p:ph type="sldNum" sz="quarter" idx="5"/>
+          </p:nvPr>
+        </p:nvSpPr>
+        <p:spPr/>
+        <p:txBody>
+          <a:bodyPr/>
+          <a:lstStyle/>
+          <a:p>
+            <a:fld id="{E1239F5A-3C28-4141-A6D5-2BDFAFBB3129}" type="slidenum">
+              <a:rPr lang="en-AU" smtClean="0"/>
+              <a:t>11</a:t>
             </a:fld>
             <a:endParaRPr lang="en-AU"/>
           </a:p>
@@ -1469,7 +1724,7 @@
           <a:p>
             <a:fld id="{4F087987-FD11-614B-9E13-DEC68B3BF32D}" type="datetimeFigureOut">
               <a:rPr lang="en-AU" smtClean="0"/>
-              <a:t>18/7/21</a:t>
+              <a:t>19/7/21</a:t>
             </a:fld>
             <a:endParaRPr lang="en-AU"/>
           </a:p>
@@ -1720,7 +1975,7 @@
           <a:p>
             <a:fld id="{4F087987-FD11-614B-9E13-DEC68B3BF32D}" type="datetimeFigureOut">
               <a:rPr lang="en-AU" smtClean="0"/>
-              <a:t>18/7/21</a:t>
+              <a:t>19/7/21</a:t>
             </a:fld>
             <a:endParaRPr lang="en-AU"/>
           </a:p>
@@ -2034,7 +2289,7 @@
           <a:p>
             <a:fld id="{4F087987-FD11-614B-9E13-DEC68B3BF32D}" type="datetimeFigureOut">
               <a:rPr lang="en-AU" smtClean="0"/>
-              <a:t>18/7/21</a:t>
+              <a:t>19/7/21</a:t>
             </a:fld>
             <a:endParaRPr lang="en-AU"/>
           </a:p>
@@ -2367,7 +2622,7 @@
           <a:p>
             <a:fld id="{4F087987-FD11-614B-9E13-DEC68B3BF32D}" type="datetimeFigureOut">
               <a:rPr lang="en-AU" smtClean="0"/>
-              <a:t>18/7/21</a:t>
+              <a:t>19/7/21</a:t>
             </a:fld>
             <a:endParaRPr lang="en-AU"/>
           </a:p>
@@ -2681,7 +2936,7 @@
           <a:p>
             <a:fld id="{4F087987-FD11-614B-9E13-DEC68B3BF32D}" type="datetimeFigureOut">
               <a:rPr lang="en-AU" smtClean="0"/>
-              <a:t>18/7/21</a:t>
+              <a:t>19/7/21</a:t>
             </a:fld>
             <a:endParaRPr lang="en-AU"/>
           </a:p>
@@ -3074,7 +3329,7 @@
           <a:p>
             <a:fld id="{4F087987-FD11-614B-9E13-DEC68B3BF32D}" type="datetimeFigureOut">
               <a:rPr lang="en-AU" smtClean="0"/>
-              <a:t>18/7/21</a:t>
+              <a:t>19/7/21</a:t>
             </a:fld>
             <a:endParaRPr lang="en-AU"/>
           </a:p>
@@ -3244,7 +3499,7 @@
           <a:p>
             <a:fld id="{4F087987-FD11-614B-9E13-DEC68B3BF32D}" type="datetimeFigureOut">
               <a:rPr lang="en-AU" smtClean="0"/>
-              <a:t>18/7/21</a:t>
+              <a:t>19/7/21</a:t>
             </a:fld>
             <a:endParaRPr lang="en-AU"/>
           </a:p>
@@ -3424,7 +3679,7 @@
           <a:p>
             <a:fld id="{4F087987-FD11-614B-9E13-DEC68B3BF32D}" type="datetimeFigureOut">
               <a:rPr lang="en-AU" smtClean="0"/>
-              <a:t>18/7/21</a:t>
+              <a:t>19/7/21</a:t>
             </a:fld>
             <a:endParaRPr lang="en-AU"/>
           </a:p>
@@ -3594,7 +3849,7 @@
           <a:p>
             <a:fld id="{4F087987-FD11-614B-9E13-DEC68B3BF32D}" type="datetimeFigureOut">
               <a:rPr lang="en-AU" smtClean="0"/>
-              <a:t>18/7/21</a:t>
+              <a:t>19/7/21</a:t>
             </a:fld>
             <a:endParaRPr lang="en-AU"/>
           </a:p>
@@ -3841,7 +4096,7 @@
           <a:p>
             <a:fld id="{4F087987-FD11-614B-9E13-DEC68B3BF32D}" type="datetimeFigureOut">
               <a:rPr lang="en-AU" smtClean="0"/>
-              <a:t>18/7/21</a:t>
+              <a:t>19/7/21</a:t>
             </a:fld>
             <a:endParaRPr lang="en-AU"/>
           </a:p>
@@ -4073,7 +4328,7 @@
           <a:p>
             <a:fld id="{4F087987-FD11-614B-9E13-DEC68B3BF32D}" type="datetimeFigureOut">
               <a:rPr lang="en-AU" smtClean="0"/>
-              <a:t>18/7/21</a:t>
+              <a:t>19/7/21</a:t>
             </a:fld>
             <a:endParaRPr lang="en-AU"/>
           </a:p>
@@ -4447,7 +4702,7 @@
           <a:p>
             <a:fld id="{4F087987-FD11-614B-9E13-DEC68B3BF32D}" type="datetimeFigureOut">
               <a:rPr lang="en-AU" smtClean="0"/>
-              <a:t>18/7/21</a:t>
+              <a:t>19/7/21</a:t>
             </a:fld>
             <a:endParaRPr lang="en-AU"/>
           </a:p>
@@ -4570,7 +4825,7 @@
           <a:p>
             <a:fld id="{4F087987-FD11-614B-9E13-DEC68B3BF32D}" type="datetimeFigureOut">
               <a:rPr lang="en-AU" smtClean="0"/>
-              <a:t>18/7/21</a:t>
+              <a:t>19/7/21</a:t>
             </a:fld>
             <a:endParaRPr lang="en-AU"/>
           </a:p>
@@ -4665,7 +4920,7 @@
           <a:p>
             <a:fld id="{4F087987-FD11-614B-9E13-DEC68B3BF32D}" type="datetimeFigureOut">
               <a:rPr lang="en-AU" smtClean="0"/>
-              <a:t>18/7/21</a:t>
+              <a:t>19/7/21</a:t>
             </a:fld>
             <a:endParaRPr lang="en-AU"/>
           </a:p>
@@ -4920,7 +5175,7 @@
           <a:p>
             <a:fld id="{4F087987-FD11-614B-9E13-DEC68B3BF32D}" type="datetimeFigureOut">
               <a:rPr lang="en-AU" smtClean="0"/>
-              <a:t>18/7/21</a:t>
+              <a:t>19/7/21</a:t>
             </a:fld>
             <a:endParaRPr lang="en-AU"/>
           </a:p>
@@ -5225,7 +5480,7 @@
           <a:p>
             <a:fld id="{4F087987-FD11-614B-9E13-DEC68B3BF32D}" type="datetimeFigureOut">
               <a:rPr lang="en-AU" smtClean="0"/>
-              <a:t>18/7/21</a:t>
+              <a:t>19/7/21</a:t>
             </a:fld>
             <a:endParaRPr lang="en-AU"/>
           </a:p>
@@ -5927,7 +6182,7 @@
           <a:p>
             <a:fld id="{4F087987-FD11-614B-9E13-DEC68B3BF32D}" type="datetimeFigureOut">
               <a:rPr lang="en-AU" smtClean="0"/>
-              <a:t>18/7/21</a:t>
+              <a:t>19/7/21</a:t>
             </a:fld>
             <a:endParaRPr lang="en-AU"/>
           </a:p>
@@ -7299,6 +7554,176 @@
 </p:sld>
 </file>
 
+<file path=ppt/slides/slide10.xml><?xml version="1.0" encoding="utf-8"?>
+<p:sld xmlns:a="http://schemas.openxmlformats.org/drawingml/2006/main" xmlns:r="http://schemas.openxmlformats.org/officeDocument/2006/relationships" xmlns:p="http://schemas.openxmlformats.org/presentationml/2006/main">
+  <p:cSld>
+    <p:spTree>
+      <p:nvGrpSpPr>
+        <p:cNvPr id="1" name=""/>
+        <p:cNvGrpSpPr/>
+        <p:nvPr/>
+      </p:nvGrpSpPr>
+      <p:grpSpPr>
+        <a:xfrm>
+          <a:off x="0" y="0"/>
+          <a:ext cx="0" cy="0"/>
+          <a:chOff x="0" y="0"/>
+          <a:chExt cx="0" cy="0"/>
+        </a:xfrm>
+      </p:grpSpPr>
+      <p:sp>
+        <p:nvSpPr>
+          <p:cNvPr id="2" name="Title 1">
+            <a:extLst>
+              <a:ext uri="{FF2B5EF4-FFF2-40B4-BE49-F238E27FC236}">
+                <a16:creationId xmlns:a16="http://schemas.microsoft.com/office/drawing/2014/main" id="{3617D379-069D-9546-A3BE-C41231C65E27}"/>
+              </a:ext>
+            </a:extLst>
+          </p:cNvPr>
+          <p:cNvSpPr>
+            <a:spLocks noGrp="1"/>
+          </p:cNvSpPr>
+          <p:nvPr>
+            <p:ph type="title"/>
+          </p:nvPr>
+        </p:nvSpPr>
+        <p:spPr/>
+        <p:txBody>
+          <a:bodyPr/>
+          <a:lstStyle/>
+          <a:p>
+            <a:r>
+              <a:rPr lang="en-AU" dirty="0"/>
+              <a:t>Results and Potential Improvements</a:t>
+            </a:r>
+          </a:p>
+        </p:txBody>
+      </p:sp>
+      <p:sp>
+        <p:nvSpPr>
+          <p:cNvPr id="3" name="Content Placeholder 2">
+            <a:extLst>
+              <a:ext uri="{FF2B5EF4-FFF2-40B4-BE49-F238E27FC236}">
+                <a16:creationId xmlns:a16="http://schemas.microsoft.com/office/drawing/2014/main" id="{E65F183F-3FCB-B84E-8B28-A3728A0F0102}"/>
+              </a:ext>
+            </a:extLst>
+          </p:cNvPr>
+          <p:cNvSpPr>
+            <a:spLocks noGrp="1"/>
+          </p:cNvSpPr>
+          <p:nvPr>
+            <p:ph idx="1"/>
+          </p:nvPr>
+        </p:nvSpPr>
+        <p:spPr/>
+        <p:txBody>
+          <a:bodyPr/>
+          <a:lstStyle/>
+          <a:p>
+            <a:endParaRPr lang="en-AU"/>
+          </a:p>
+        </p:txBody>
+      </p:sp>
+    </p:spTree>
+    <p:extLst>
+      <p:ext uri="{BB962C8B-B14F-4D97-AF65-F5344CB8AC3E}">
+        <p14:creationId xmlns:p14="http://schemas.microsoft.com/office/powerpoint/2010/main" val="3907054753"/>
+      </p:ext>
+    </p:extLst>
+  </p:cSld>
+  <p:clrMapOvr>
+    <a:masterClrMapping/>
+  </p:clrMapOvr>
+</p:sld>
+</file>
+
+<file path=ppt/slides/slide11.xml><?xml version="1.0" encoding="utf-8"?>
+<p:sld xmlns:a="http://schemas.openxmlformats.org/drawingml/2006/main" xmlns:r="http://schemas.openxmlformats.org/officeDocument/2006/relationships" xmlns:p="http://schemas.openxmlformats.org/presentationml/2006/main">
+  <p:cSld>
+    <p:spTree>
+      <p:nvGrpSpPr>
+        <p:cNvPr id="1" name=""/>
+        <p:cNvGrpSpPr/>
+        <p:nvPr/>
+      </p:nvGrpSpPr>
+      <p:grpSpPr>
+        <a:xfrm>
+          <a:off x="0" y="0"/>
+          <a:ext cx="0" cy="0"/>
+          <a:chOff x="0" y="0"/>
+          <a:chExt cx="0" cy="0"/>
+        </a:xfrm>
+      </p:grpSpPr>
+      <p:sp>
+        <p:nvSpPr>
+          <p:cNvPr id="2" name="Title 1">
+            <a:extLst>
+              <a:ext uri="{FF2B5EF4-FFF2-40B4-BE49-F238E27FC236}">
+                <a16:creationId xmlns:a16="http://schemas.microsoft.com/office/drawing/2014/main" id="{7CAA7696-C54D-A64E-A6A3-36581E7FBBC8}"/>
+              </a:ext>
+            </a:extLst>
+          </p:cNvPr>
+          <p:cNvSpPr>
+            <a:spLocks noGrp="1"/>
+          </p:cNvSpPr>
+          <p:nvPr>
+            <p:ph type="title"/>
+          </p:nvPr>
+        </p:nvSpPr>
+        <p:spPr/>
+        <p:txBody>
+          <a:bodyPr/>
+          <a:lstStyle/>
+          <a:p>
+            <a:r>
+              <a:rPr lang="en-AU" dirty="0"/>
+              <a:t>Criteria </a:t>
+            </a:r>
+          </a:p>
+        </p:txBody>
+      </p:sp>
+      <p:pic>
+        <p:nvPicPr>
+          <p:cNvPr id="5" name="Content Placeholder 4" descr="Text, letter&#10;&#10;Description automatically generated">
+            <a:extLst>
+              <a:ext uri="{FF2B5EF4-FFF2-40B4-BE49-F238E27FC236}">
+                <a16:creationId xmlns:a16="http://schemas.microsoft.com/office/drawing/2014/main" id="{40C05237-42C1-D941-90AF-FF5C5E19EB09}"/>
+              </a:ext>
+            </a:extLst>
+          </p:cNvPr>
+          <p:cNvPicPr>
+            <a:picLocks noGrp="1" noChangeAspect="1"/>
+          </p:cNvPicPr>
+          <p:nvPr>
+            <p:ph idx="1"/>
+          </p:nvPr>
+        </p:nvPicPr>
+        <p:blipFill>
+          <a:blip r:embed="rId3"/>
+          <a:stretch>
+            <a:fillRect/>
+          </a:stretch>
+        </p:blipFill>
+        <p:spPr>
+          <a:xfrm>
+            <a:off x="677863" y="2368085"/>
+            <a:ext cx="8596312" cy="3466442"/>
+          </a:xfrm>
+        </p:spPr>
+      </p:pic>
+    </p:spTree>
+    <p:extLst>
+      <p:ext uri="{BB962C8B-B14F-4D97-AF65-F5344CB8AC3E}">
+        <p14:creationId xmlns:p14="http://schemas.microsoft.com/office/powerpoint/2010/main" val="3546353354"/>
+      </p:ext>
+    </p:extLst>
+  </p:cSld>
+  <p:clrMapOvr>
+    <a:masterClrMapping/>
+  </p:clrMapOvr>
+</p:sld>
+</file>
+
 <file path=ppt/slides/slide2.xml><?xml version="1.0" encoding="utf-8"?>
 <p:sld xmlns:a="http://schemas.openxmlformats.org/drawingml/2006/main" xmlns:r="http://schemas.openxmlformats.org/officeDocument/2006/relationships" xmlns:p="http://schemas.openxmlformats.org/presentationml/2006/main">
   <p:cSld>
@@ -8055,276 +8480,6 @@
           </a:extLst>
         </p:spPr>
       </p:pic>
-      <p:sp>
-        <p:nvSpPr>
-          <p:cNvPr id="13" name="Content Placeholder 2">
-            <a:extLst>
-              <a:ext uri="{FF2B5EF4-FFF2-40B4-BE49-F238E27FC236}">
-                <a16:creationId xmlns:a16="http://schemas.microsoft.com/office/drawing/2014/main" id="{0E7D97F1-5E79-4B4D-A5D8-632AA63C3DEC}"/>
-              </a:ext>
-            </a:extLst>
-          </p:cNvPr>
-          <p:cNvSpPr txBox="1">
-            <a:spLocks/>
-          </p:cNvSpPr>
-          <p:nvPr/>
-        </p:nvSpPr>
-        <p:spPr>
-          <a:xfrm>
-            <a:off x="3679426" y="5587146"/>
-            <a:ext cx="2416574" cy="1142755"/>
-          </a:xfrm>
-          <a:prstGeom prst="rect">
-            <a:avLst/>
-          </a:prstGeom>
-        </p:spPr>
-        <p:txBody>
-          <a:bodyPr vert="horz" lIns="91440" tIns="45720" rIns="91440" bIns="45720" rtlCol="0">
-            <a:normAutofit/>
-          </a:bodyPr>
-          <a:lstStyle>
-            <a:lvl1pPr marL="342900" indent="-342900" algn="l" defTabSz="457200" rtl="0" eaLnBrk="1" latinLnBrk="0" hangingPunct="1">
-              <a:spcBef>
-                <a:spcPts val="1000"/>
-              </a:spcBef>
-              <a:spcAft>
-                <a:spcPts val="0"/>
-              </a:spcAft>
-              <a:buClr>
-                <a:schemeClr val="accent1"/>
-              </a:buClr>
-              <a:buSzPct val="80000"/>
-              <a:buFont typeface="Wingdings 3" charset="2"/>
-              <a:buChar char=""/>
-              <a:defRPr sz="1800" kern="1200">
-                <a:solidFill>
-                  <a:schemeClr val="tx1">
-                    <a:lumMod val="75000"/>
-                    <a:lumOff val="25000"/>
-                  </a:schemeClr>
-                </a:solidFill>
-                <a:latin typeface="+mn-lt"/>
-                <a:ea typeface="+mn-ea"/>
-                <a:cs typeface="+mn-cs"/>
-              </a:defRPr>
-            </a:lvl1pPr>
-            <a:lvl2pPr marL="742950" indent="-285750" algn="l" defTabSz="457200" rtl="0" eaLnBrk="1" latinLnBrk="0" hangingPunct="1">
-              <a:spcBef>
-                <a:spcPts val="1000"/>
-              </a:spcBef>
-              <a:spcAft>
-                <a:spcPts val="0"/>
-              </a:spcAft>
-              <a:buClr>
-                <a:schemeClr val="accent1"/>
-              </a:buClr>
-              <a:buSzPct val="80000"/>
-              <a:buFont typeface="Wingdings 3" charset="2"/>
-              <a:buChar char=""/>
-              <a:defRPr sz="1600" kern="1200">
-                <a:solidFill>
-                  <a:schemeClr val="tx1">
-                    <a:lumMod val="75000"/>
-                    <a:lumOff val="25000"/>
-                  </a:schemeClr>
-                </a:solidFill>
-                <a:latin typeface="+mn-lt"/>
-                <a:ea typeface="+mn-ea"/>
-                <a:cs typeface="+mn-cs"/>
-              </a:defRPr>
-            </a:lvl2pPr>
-            <a:lvl3pPr marL="1143000" indent="-228600" algn="l" defTabSz="457200" rtl="0" eaLnBrk="1" latinLnBrk="0" hangingPunct="1">
-              <a:spcBef>
-                <a:spcPts val="1000"/>
-              </a:spcBef>
-              <a:spcAft>
-                <a:spcPts val="0"/>
-              </a:spcAft>
-              <a:buClr>
-                <a:schemeClr val="accent1"/>
-              </a:buClr>
-              <a:buSzPct val="80000"/>
-              <a:buFont typeface="Wingdings 3" charset="2"/>
-              <a:buChar char=""/>
-              <a:defRPr sz="1400" kern="1200">
-                <a:solidFill>
-                  <a:schemeClr val="tx1">
-                    <a:lumMod val="75000"/>
-                    <a:lumOff val="25000"/>
-                  </a:schemeClr>
-                </a:solidFill>
-                <a:latin typeface="+mn-lt"/>
-                <a:ea typeface="+mn-ea"/>
-                <a:cs typeface="+mn-cs"/>
-              </a:defRPr>
-            </a:lvl3pPr>
-            <a:lvl4pPr marL="1600200" indent="-228600" algn="l" defTabSz="457200" rtl="0" eaLnBrk="1" latinLnBrk="0" hangingPunct="1">
-              <a:spcBef>
-                <a:spcPts val="1000"/>
-              </a:spcBef>
-              <a:spcAft>
-                <a:spcPts val="0"/>
-              </a:spcAft>
-              <a:buClr>
-                <a:schemeClr val="accent1"/>
-              </a:buClr>
-              <a:buSzPct val="80000"/>
-              <a:buFont typeface="Wingdings 3" charset="2"/>
-              <a:buChar char=""/>
-              <a:defRPr sz="1200" kern="1200">
-                <a:solidFill>
-                  <a:schemeClr val="tx1">
-                    <a:lumMod val="75000"/>
-                    <a:lumOff val="25000"/>
-                  </a:schemeClr>
-                </a:solidFill>
-                <a:latin typeface="+mn-lt"/>
-                <a:ea typeface="+mn-ea"/>
-                <a:cs typeface="+mn-cs"/>
-              </a:defRPr>
-            </a:lvl4pPr>
-            <a:lvl5pPr marL="2057400" indent="-228600" algn="l" defTabSz="457200" rtl="0" eaLnBrk="1" latinLnBrk="0" hangingPunct="1">
-              <a:spcBef>
-                <a:spcPts val="1000"/>
-              </a:spcBef>
-              <a:spcAft>
-                <a:spcPts val="0"/>
-              </a:spcAft>
-              <a:buClr>
-                <a:schemeClr val="accent1"/>
-              </a:buClr>
-              <a:buSzPct val="80000"/>
-              <a:buFont typeface="Wingdings 3" charset="2"/>
-              <a:buChar char=""/>
-              <a:defRPr sz="1200" kern="1200">
-                <a:solidFill>
-                  <a:schemeClr val="tx1">
-                    <a:lumMod val="75000"/>
-                    <a:lumOff val="25000"/>
-                  </a:schemeClr>
-                </a:solidFill>
-                <a:latin typeface="+mn-lt"/>
-                <a:ea typeface="+mn-ea"/>
-                <a:cs typeface="+mn-cs"/>
-              </a:defRPr>
-            </a:lvl5pPr>
-            <a:lvl6pPr marL="2514600" indent="-228600" algn="l" defTabSz="457200" rtl="0" eaLnBrk="1" latinLnBrk="0" hangingPunct="1">
-              <a:spcBef>
-                <a:spcPts val="1000"/>
-              </a:spcBef>
-              <a:spcAft>
-                <a:spcPts val="0"/>
-              </a:spcAft>
-              <a:buClr>
-                <a:schemeClr val="accent1"/>
-              </a:buClr>
-              <a:buSzPct val="80000"/>
-              <a:buFont typeface="Wingdings 3" charset="2"/>
-              <a:buChar char=""/>
-              <a:defRPr sz="1200" kern="1200">
-                <a:solidFill>
-                  <a:schemeClr val="tx1">
-                    <a:lumMod val="75000"/>
-                    <a:lumOff val="25000"/>
-                  </a:schemeClr>
-                </a:solidFill>
-                <a:latin typeface="+mn-lt"/>
-                <a:ea typeface="+mn-ea"/>
-                <a:cs typeface="+mn-cs"/>
-              </a:defRPr>
-            </a:lvl6pPr>
-            <a:lvl7pPr marL="2971800" indent="-228600" algn="l" defTabSz="457200" rtl="0" eaLnBrk="1" latinLnBrk="0" hangingPunct="1">
-              <a:spcBef>
-                <a:spcPts val="1000"/>
-              </a:spcBef>
-              <a:spcAft>
-                <a:spcPts val="0"/>
-              </a:spcAft>
-              <a:buClr>
-                <a:schemeClr val="accent1"/>
-              </a:buClr>
-              <a:buSzPct val="80000"/>
-              <a:buFont typeface="Wingdings 3" charset="2"/>
-              <a:buChar char=""/>
-              <a:defRPr sz="1200" kern="1200">
-                <a:solidFill>
-                  <a:schemeClr val="tx1">
-                    <a:lumMod val="75000"/>
-                    <a:lumOff val="25000"/>
-                  </a:schemeClr>
-                </a:solidFill>
-                <a:latin typeface="+mn-lt"/>
-                <a:ea typeface="+mn-ea"/>
-                <a:cs typeface="+mn-cs"/>
-              </a:defRPr>
-            </a:lvl7pPr>
-            <a:lvl8pPr marL="3429000" indent="-228600" algn="l" defTabSz="457200" rtl="0" eaLnBrk="1" latinLnBrk="0" hangingPunct="1">
-              <a:spcBef>
-                <a:spcPts val="1000"/>
-              </a:spcBef>
-              <a:spcAft>
-                <a:spcPts val="0"/>
-              </a:spcAft>
-              <a:buClr>
-                <a:schemeClr val="accent1"/>
-              </a:buClr>
-              <a:buSzPct val="80000"/>
-              <a:buFont typeface="Wingdings 3" charset="2"/>
-              <a:buChar char=""/>
-              <a:defRPr sz="1200" kern="1200">
-                <a:solidFill>
-                  <a:schemeClr val="tx1">
-                    <a:lumMod val="75000"/>
-                    <a:lumOff val="25000"/>
-                  </a:schemeClr>
-                </a:solidFill>
-                <a:latin typeface="+mn-lt"/>
-                <a:ea typeface="+mn-ea"/>
-                <a:cs typeface="+mn-cs"/>
-              </a:defRPr>
-            </a:lvl8pPr>
-            <a:lvl9pPr marL="3886200" indent="-228600" algn="l" defTabSz="457200" rtl="0" eaLnBrk="1" latinLnBrk="0" hangingPunct="1">
-              <a:spcBef>
-                <a:spcPts val="1000"/>
-              </a:spcBef>
-              <a:spcAft>
-                <a:spcPts val="0"/>
-              </a:spcAft>
-              <a:buClr>
-                <a:schemeClr val="accent1"/>
-              </a:buClr>
-              <a:buSzPct val="80000"/>
-              <a:buFont typeface="Wingdings 3" charset="2"/>
-              <a:buChar char=""/>
-              <a:defRPr sz="1200" kern="1200">
-                <a:solidFill>
-                  <a:schemeClr val="tx1">
-                    <a:lumMod val="75000"/>
-                    <a:lumOff val="25000"/>
-                  </a:schemeClr>
-                </a:solidFill>
-                <a:latin typeface="+mn-lt"/>
-                <a:ea typeface="+mn-ea"/>
-                <a:cs typeface="+mn-cs"/>
-              </a:defRPr>
-            </a:lvl9pPr>
-          </a:lstStyle>
-          <a:p>
-            <a:pPr marL="0" indent="0" algn="ctr">
-              <a:buFont typeface="Wingdings 3" charset="2"/>
-              <a:buNone/>
-            </a:pPr>
-            <a:r>
-              <a:rPr lang="en-AU" dirty="0">
-                <a:solidFill>
-                  <a:srgbClr val="FF0000"/>
-                </a:solidFill>
-              </a:rPr>
-              <a:t>Add the histograms????</a:t>
-            </a:r>
-          </a:p>
-        </p:txBody>
-      </p:sp>
     </p:spTree>
     <p:extLst>
       <p:ext uri="{BB962C8B-B14F-4D97-AF65-F5344CB8AC3E}">
@@ -8363,6 +8518,2131 @@
           <a:chExt cx="0" cy="0"/>
         </a:xfrm>
       </p:grpSpPr>
+      <p:grpSp>
+        <p:nvGrpSpPr>
+          <p:cNvPr id="71" name="Group 70">
+            <a:extLst>
+              <a:ext uri="{FF2B5EF4-FFF2-40B4-BE49-F238E27FC236}">
+                <a16:creationId xmlns:a16="http://schemas.microsoft.com/office/drawing/2014/main" id="{4815A7B4-532E-48C9-AC24-D78ACF3339DB}"/>
+              </a:ext>
+              <a:ext uri="{C183D7F6-B498-43B3-948B-1728B52AA6E4}">
+                <adec:decorative xmlns:adec="http://schemas.microsoft.com/office/drawing/2017/decorative" val="1"/>
+              </a:ext>
+            </a:extLst>
+          </p:cNvPr>
+          <p:cNvGrpSpPr>
+            <a:grpSpLocks noGrp="1" noUngrp="1" noRot="1" noChangeAspect="1" noMove="1" noResize="1"/>
+          </p:cNvGrpSpPr>
+          <p:nvPr>
+            <p:extLst>
+              <p:ext uri="{386F3935-93C4-4BCD-93E2-E3B085C9AB24}">
+                <p16:designElem xmlns:p16="http://schemas.microsoft.com/office/powerpoint/2015/main" val="1"/>
+              </p:ext>
+            </p:extLst>
+          </p:nvPr>
+        </p:nvGrpSpPr>
+        <p:grpSpPr>
+          <a:xfrm>
+            <a:off x="0" y="-8467"/>
+            <a:ext cx="12192000" cy="6866467"/>
+            <a:chOff x="0" y="-8467"/>
+            <a:chExt cx="12192000" cy="6866467"/>
+          </a:xfrm>
+        </p:grpSpPr>
+        <p:sp>
+          <p:nvSpPr>
+            <p:cNvPr id="72" name="Freeform 14">
+              <a:extLst>
+                <a:ext uri="{FF2B5EF4-FFF2-40B4-BE49-F238E27FC236}">
+                  <a16:creationId xmlns:a16="http://schemas.microsoft.com/office/drawing/2014/main" id="{D40109F4-CE5C-45F4-856E-F3F69C9FD4E1}"/>
+                </a:ext>
+                <a:ext uri="{C183D7F6-B498-43B3-948B-1728B52AA6E4}">
+                  <adec:decorative xmlns:adec="http://schemas.microsoft.com/office/drawing/2017/decorative" val="1"/>
+                </a:ext>
+              </a:extLst>
+            </p:cNvPr>
+            <p:cNvSpPr/>
+            <p:nvPr>
+              <p:extLst>
+                <p:ext uri="{386F3935-93C4-4BCD-93E2-E3B085C9AB24}">
+                  <p16:designElem xmlns:p16="http://schemas.microsoft.com/office/powerpoint/2015/main" val="1"/>
+                </p:ext>
+              </p:extLst>
+            </p:nvPr>
+          </p:nvSpPr>
+          <p:spPr>
+            <a:xfrm>
+              <a:off x="0" y="-7862"/>
+              <a:ext cx="863600" cy="5698067"/>
+            </a:xfrm>
+            <a:custGeom>
+              <a:avLst/>
+              <a:gdLst/>
+              <a:ahLst/>
+              <a:cxnLst/>
+              <a:rect l="l" t="t" r="r" b="b"/>
+              <a:pathLst>
+                <a:path w="863600" h="5698067">
+                  <a:moveTo>
+                    <a:pt x="0" y="8467"/>
+                  </a:moveTo>
+                  <a:lnTo>
+                    <a:pt x="863600" y="0"/>
+                  </a:lnTo>
+                  <a:lnTo>
+                    <a:pt x="863600" y="16934"/>
+                  </a:lnTo>
+                  <a:lnTo>
+                    <a:pt x="0" y="5698067"/>
+                  </a:lnTo>
+                  <a:lnTo>
+                    <a:pt x="0" y="8467"/>
+                  </a:lnTo>
+                  <a:close/>
+                </a:path>
+              </a:pathLst>
+            </a:custGeom>
+            <a:solidFill>
+              <a:schemeClr val="accent1">
+                <a:alpha val="70000"/>
+              </a:schemeClr>
+            </a:solidFill>
+            <a:ln>
+              <a:noFill/>
+            </a:ln>
+            <a:effectLst/>
+          </p:spPr>
+          <p:style>
+            <a:lnRef idx="1">
+              <a:schemeClr val="accent1"/>
+            </a:lnRef>
+            <a:fillRef idx="3">
+              <a:schemeClr val="accent1"/>
+            </a:fillRef>
+            <a:effectRef idx="2">
+              <a:schemeClr val="accent1"/>
+            </a:effectRef>
+            <a:fontRef idx="minor">
+              <a:schemeClr val="lt1"/>
+            </a:fontRef>
+          </p:style>
+        </p:sp>
+        <p:cxnSp>
+          <p:nvCxnSpPr>
+            <p:cNvPr id="73" name="Straight Connector 72">
+              <a:extLst>
+                <a:ext uri="{FF2B5EF4-FFF2-40B4-BE49-F238E27FC236}">
+                  <a16:creationId xmlns:a16="http://schemas.microsoft.com/office/drawing/2014/main" id="{3CBAA4DE-3D7B-460B-AE98-D9F9990C0B62}"/>
+                </a:ext>
+                <a:ext uri="{C183D7F6-B498-43B3-948B-1728B52AA6E4}">
+                  <adec:decorative xmlns:adec="http://schemas.microsoft.com/office/drawing/2017/decorative" val="1"/>
+                </a:ext>
+              </a:extLst>
+            </p:cNvPr>
+            <p:cNvCxnSpPr/>
+            <p:nvPr>
+              <p:extLst>
+                <p:ext uri="{386F3935-93C4-4BCD-93E2-E3B085C9AB24}">
+                  <p16:designElem xmlns:p16="http://schemas.microsoft.com/office/powerpoint/2015/main" val="1"/>
+                </p:ext>
+              </p:extLst>
+            </p:nvPr>
+          </p:nvCxnSpPr>
+          <p:spPr>
+            <a:xfrm>
+              <a:off x="9371012" y="0"/>
+              <a:ext cx="1219200" cy="6858000"/>
+            </a:xfrm>
+            <a:prstGeom prst="line">
+              <a:avLst/>
+            </a:prstGeom>
+            <a:ln w="9525">
+              <a:solidFill>
+                <a:schemeClr val="accent1">
+                  <a:alpha val="70000"/>
+                </a:schemeClr>
+              </a:solidFill>
+            </a:ln>
+          </p:spPr>
+          <p:style>
+            <a:lnRef idx="2">
+              <a:schemeClr val="accent1"/>
+            </a:lnRef>
+            <a:fillRef idx="0">
+              <a:schemeClr val="accent1"/>
+            </a:fillRef>
+            <a:effectRef idx="1">
+              <a:schemeClr val="accent1"/>
+            </a:effectRef>
+            <a:fontRef idx="minor">
+              <a:schemeClr val="tx1"/>
+            </a:fontRef>
+          </p:style>
+        </p:cxnSp>
+        <p:cxnSp>
+          <p:nvCxnSpPr>
+            <p:cNvPr id="74" name="Straight Connector 73">
+              <a:extLst>
+                <a:ext uri="{FF2B5EF4-FFF2-40B4-BE49-F238E27FC236}">
+                  <a16:creationId xmlns:a16="http://schemas.microsoft.com/office/drawing/2014/main" id="{7BF1ED3E-4F80-4AF6-A41B-44F53DDE610D}"/>
+                </a:ext>
+                <a:ext uri="{C183D7F6-B498-43B3-948B-1728B52AA6E4}">
+                  <adec:decorative xmlns:adec="http://schemas.microsoft.com/office/drawing/2017/decorative" val="1"/>
+                </a:ext>
+              </a:extLst>
+            </p:cNvPr>
+            <p:cNvCxnSpPr/>
+            <p:nvPr>
+              <p:extLst>
+                <p:ext uri="{386F3935-93C4-4BCD-93E2-E3B085C9AB24}">
+                  <p16:designElem xmlns:p16="http://schemas.microsoft.com/office/powerpoint/2015/main" val="1"/>
+                </p:ext>
+              </p:extLst>
+            </p:nvPr>
+          </p:nvCxnSpPr>
+          <p:spPr>
+            <a:xfrm flipH="1">
+              <a:off x="7425267" y="3681413"/>
+              <a:ext cx="4763558" cy="3176587"/>
+            </a:xfrm>
+            <a:prstGeom prst="line">
+              <a:avLst/>
+            </a:prstGeom>
+            <a:ln w="9525">
+              <a:solidFill>
+                <a:schemeClr val="accent1">
+                  <a:alpha val="70000"/>
+                </a:schemeClr>
+              </a:solidFill>
+            </a:ln>
+          </p:spPr>
+          <p:style>
+            <a:lnRef idx="2">
+              <a:schemeClr val="accent1"/>
+            </a:lnRef>
+            <a:fillRef idx="0">
+              <a:schemeClr val="accent1"/>
+            </a:fillRef>
+            <a:effectRef idx="1">
+              <a:schemeClr val="accent1"/>
+            </a:effectRef>
+            <a:fontRef idx="minor">
+              <a:schemeClr val="tx1"/>
+            </a:fontRef>
+          </p:style>
+        </p:cxnSp>
+        <p:sp>
+          <p:nvSpPr>
+            <p:cNvPr id="75" name="Rectangle 23">
+              <a:extLst>
+                <a:ext uri="{FF2B5EF4-FFF2-40B4-BE49-F238E27FC236}">
+                  <a16:creationId xmlns:a16="http://schemas.microsoft.com/office/drawing/2014/main" id="{C0B2D747-3E31-45C5-9A98-A9710A585FBB}"/>
+                </a:ext>
+                <a:ext uri="{C183D7F6-B498-43B3-948B-1728B52AA6E4}">
+                  <adec:decorative xmlns:adec="http://schemas.microsoft.com/office/drawing/2017/decorative" val="1"/>
+                </a:ext>
+              </a:extLst>
+            </p:cNvPr>
+            <p:cNvSpPr/>
+            <p:nvPr>
+              <p:extLst>
+                <p:ext uri="{386F3935-93C4-4BCD-93E2-E3B085C9AB24}">
+                  <p16:designElem xmlns:p16="http://schemas.microsoft.com/office/powerpoint/2015/main" val="1"/>
+                </p:ext>
+              </p:extLst>
+            </p:nvPr>
+          </p:nvSpPr>
+          <p:spPr>
+            <a:xfrm>
+              <a:off x="9181476" y="-8467"/>
+              <a:ext cx="3007349" cy="6866467"/>
+            </a:xfrm>
+            <a:custGeom>
+              <a:avLst/>
+              <a:gdLst/>
+              <a:ahLst/>
+              <a:cxnLst/>
+              <a:rect l="l" t="t" r="r" b="b"/>
+              <a:pathLst>
+                <a:path w="3007349" h="6866467">
+                  <a:moveTo>
+                    <a:pt x="2045532" y="0"/>
+                  </a:moveTo>
+                  <a:lnTo>
+                    <a:pt x="3007349" y="0"/>
+                  </a:lnTo>
+                  <a:lnTo>
+                    <a:pt x="3007349" y="6866467"/>
+                  </a:lnTo>
+                  <a:lnTo>
+                    <a:pt x="0" y="6866467"/>
+                  </a:lnTo>
+                  <a:lnTo>
+                    <a:pt x="2045532" y="0"/>
+                  </a:lnTo>
+                  <a:close/>
+                </a:path>
+              </a:pathLst>
+            </a:custGeom>
+            <a:solidFill>
+              <a:schemeClr val="accent1">
+                <a:alpha val="36000"/>
+              </a:schemeClr>
+            </a:solidFill>
+            <a:ln>
+              <a:noFill/>
+            </a:ln>
+            <a:effectLst/>
+          </p:spPr>
+          <p:style>
+            <a:lnRef idx="1">
+              <a:schemeClr val="accent1"/>
+            </a:lnRef>
+            <a:fillRef idx="3">
+              <a:schemeClr val="accent1"/>
+            </a:fillRef>
+            <a:effectRef idx="2">
+              <a:schemeClr val="accent1"/>
+            </a:effectRef>
+            <a:fontRef idx="minor">
+              <a:schemeClr val="lt1"/>
+            </a:fontRef>
+          </p:style>
+        </p:sp>
+        <p:sp>
+          <p:nvSpPr>
+            <p:cNvPr id="76" name="Rectangle 25">
+              <a:extLst>
+                <a:ext uri="{FF2B5EF4-FFF2-40B4-BE49-F238E27FC236}">
+                  <a16:creationId xmlns:a16="http://schemas.microsoft.com/office/drawing/2014/main" id="{A15FD4BA-3020-462D-8BE8-B3A65B8E492A}"/>
+                </a:ext>
+                <a:ext uri="{C183D7F6-B498-43B3-948B-1728B52AA6E4}">
+                  <adec:decorative xmlns:adec="http://schemas.microsoft.com/office/drawing/2017/decorative" val="1"/>
+                </a:ext>
+              </a:extLst>
+            </p:cNvPr>
+            <p:cNvSpPr/>
+            <p:nvPr>
+              <p:extLst>
+                <p:ext uri="{386F3935-93C4-4BCD-93E2-E3B085C9AB24}">
+                  <p16:designElem xmlns:p16="http://schemas.microsoft.com/office/powerpoint/2015/main" val="1"/>
+                </p:ext>
+              </p:extLst>
+            </p:nvPr>
+          </p:nvSpPr>
+          <p:spPr>
+            <a:xfrm>
+              <a:off x="9603442" y="-8467"/>
+              <a:ext cx="2588558" cy="6866467"/>
+            </a:xfrm>
+            <a:custGeom>
+              <a:avLst/>
+              <a:gdLst/>
+              <a:ahLst/>
+              <a:cxnLst/>
+              <a:rect l="l" t="t" r="r" b="b"/>
+              <a:pathLst>
+                <a:path w="2573311" h="6866467">
+                  <a:moveTo>
+                    <a:pt x="0" y="0"/>
+                  </a:moveTo>
+                  <a:lnTo>
+                    <a:pt x="2573311" y="0"/>
+                  </a:lnTo>
+                  <a:lnTo>
+                    <a:pt x="2573311" y="6866467"/>
+                  </a:lnTo>
+                  <a:lnTo>
+                    <a:pt x="1202336" y="6866467"/>
+                  </a:lnTo>
+                  <a:lnTo>
+                    <a:pt x="0" y="0"/>
+                  </a:lnTo>
+                  <a:close/>
+                </a:path>
+              </a:pathLst>
+            </a:custGeom>
+            <a:solidFill>
+              <a:schemeClr val="accent1">
+                <a:alpha val="20000"/>
+              </a:schemeClr>
+            </a:solidFill>
+            <a:ln>
+              <a:noFill/>
+            </a:ln>
+            <a:effectLst/>
+          </p:spPr>
+          <p:style>
+            <a:lnRef idx="1">
+              <a:schemeClr val="accent1"/>
+            </a:lnRef>
+            <a:fillRef idx="3">
+              <a:schemeClr val="accent1"/>
+            </a:fillRef>
+            <a:effectRef idx="2">
+              <a:schemeClr val="accent1"/>
+            </a:effectRef>
+            <a:fontRef idx="minor">
+              <a:schemeClr val="lt1"/>
+            </a:fontRef>
+          </p:style>
+        </p:sp>
+        <p:sp>
+          <p:nvSpPr>
+            <p:cNvPr id="77" name="Isosceles Triangle 76">
+              <a:extLst>
+                <a:ext uri="{FF2B5EF4-FFF2-40B4-BE49-F238E27FC236}">
+                  <a16:creationId xmlns:a16="http://schemas.microsoft.com/office/drawing/2014/main" id="{A304284A-7318-4DD5-898C-2F6B23C778FA}"/>
+                </a:ext>
+                <a:ext uri="{C183D7F6-B498-43B3-948B-1728B52AA6E4}">
+                  <adec:decorative xmlns:adec="http://schemas.microsoft.com/office/drawing/2017/decorative" val="1"/>
+                </a:ext>
+              </a:extLst>
+            </p:cNvPr>
+            <p:cNvSpPr/>
+            <p:nvPr>
+              <p:extLst>
+                <p:ext uri="{386F3935-93C4-4BCD-93E2-E3B085C9AB24}">
+                  <p16:designElem xmlns:p16="http://schemas.microsoft.com/office/powerpoint/2015/main" val="1"/>
+                </p:ext>
+              </p:extLst>
+            </p:nvPr>
+          </p:nvSpPr>
+          <p:spPr>
+            <a:xfrm>
+              <a:off x="8932333" y="3048000"/>
+              <a:ext cx="3259667" cy="3810000"/>
+            </a:xfrm>
+            <a:prstGeom prst="triangle">
+              <a:avLst>
+                <a:gd name="adj" fmla="val 100000"/>
+              </a:avLst>
+            </a:prstGeom>
+            <a:solidFill>
+              <a:schemeClr val="accent1">
+                <a:lumMod val="75000"/>
+                <a:alpha val="66000"/>
+              </a:schemeClr>
+            </a:solidFill>
+            <a:ln>
+              <a:noFill/>
+            </a:ln>
+            <a:effectLst/>
+          </p:spPr>
+          <p:style>
+            <a:lnRef idx="1">
+              <a:schemeClr val="accent1"/>
+            </a:lnRef>
+            <a:fillRef idx="3">
+              <a:schemeClr val="accent1"/>
+            </a:fillRef>
+            <a:effectRef idx="2">
+              <a:schemeClr val="accent1"/>
+            </a:effectRef>
+            <a:fontRef idx="minor">
+              <a:schemeClr val="lt1"/>
+            </a:fontRef>
+          </p:style>
+        </p:sp>
+        <p:sp>
+          <p:nvSpPr>
+            <p:cNvPr id="78" name="Rectangle 27">
+              <a:extLst>
+                <a:ext uri="{FF2B5EF4-FFF2-40B4-BE49-F238E27FC236}">
+                  <a16:creationId xmlns:a16="http://schemas.microsoft.com/office/drawing/2014/main" id="{9DF48E66-B635-4509-B115-E0987C014EBC}"/>
+                </a:ext>
+                <a:ext uri="{C183D7F6-B498-43B3-948B-1728B52AA6E4}">
+                  <adec:decorative xmlns:adec="http://schemas.microsoft.com/office/drawing/2017/decorative" val="1"/>
+                </a:ext>
+              </a:extLst>
+            </p:cNvPr>
+            <p:cNvSpPr/>
+            <p:nvPr>
+              <p:extLst>
+                <p:ext uri="{386F3935-93C4-4BCD-93E2-E3B085C9AB24}">
+                  <p16:designElem xmlns:p16="http://schemas.microsoft.com/office/powerpoint/2015/main" val="1"/>
+                </p:ext>
+              </p:extLst>
+            </p:nvPr>
+          </p:nvSpPr>
+          <p:spPr>
+            <a:xfrm>
+              <a:off x="9334500" y="-8467"/>
+              <a:ext cx="2854326" cy="6866467"/>
+            </a:xfrm>
+            <a:custGeom>
+              <a:avLst/>
+              <a:gdLst/>
+              <a:ahLst/>
+              <a:cxnLst/>
+              <a:rect l="l" t="t" r="r" b="b"/>
+              <a:pathLst>
+                <a:path w="2858013" h="6866467">
+                  <a:moveTo>
+                    <a:pt x="0" y="0"/>
+                  </a:moveTo>
+                  <a:lnTo>
+                    <a:pt x="2858013" y="0"/>
+                  </a:lnTo>
+                  <a:lnTo>
+                    <a:pt x="2858013" y="6866467"/>
+                  </a:lnTo>
+                  <a:lnTo>
+                    <a:pt x="2473942" y="6866467"/>
+                  </a:lnTo>
+                  <a:lnTo>
+                    <a:pt x="0" y="0"/>
+                  </a:lnTo>
+                  <a:close/>
+                </a:path>
+              </a:pathLst>
+            </a:custGeom>
+            <a:solidFill>
+              <a:schemeClr val="accent1">
+                <a:lumMod val="75000"/>
+                <a:alpha val="50000"/>
+              </a:schemeClr>
+            </a:solidFill>
+            <a:ln>
+              <a:noFill/>
+            </a:ln>
+            <a:effectLst/>
+          </p:spPr>
+          <p:style>
+            <a:lnRef idx="1">
+              <a:schemeClr val="accent1"/>
+            </a:lnRef>
+            <a:fillRef idx="3">
+              <a:schemeClr val="accent1"/>
+            </a:fillRef>
+            <a:effectRef idx="2">
+              <a:schemeClr val="accent1"/>
+            </a:effectRef>
+            <a:fontRef idx="minor">
+              <a:schemeClr val="lt1"/>
+            </a:fontRef>
+          </p:style>
+        </p:sp>
+        <p:sp>
+          <p:nvSpPr>
+            <p:cNvPr id="79" name="Rectangle 28">
+              <a:extLst>
+                <a:ext uri="{FF2B5EF4-FFF2-40B4-BE49-F238E27FC236}">
+                  <a16:creationId xmlns:a16="http://schemas.microsoft.com/office/drawing/2014/main" id="{E3B96D94-5F5A-4F4C-810C-917BF4D266C3}"/>
+                </a:ext>
+                <a:ext uri="{C183D7F6-B498-43B3-948B-1728B52AA6E4}">
+                  <adec:decorative xmlns:adec="http://schemas.microsoft.com/office/drawing/2017/decorative" val="1"/>
+                </a:ext>
+              </a:extLst>
+            </p:cNvPr>
+            <p:cNvSpPr/>
+            <p:nvPr>
+              <p:extLst>
+                <p:ext uri="{386F3935-93C4-4BCD-93E2-E3B085C9AB24}">
+                  <p16:designElem xmlns:p16="http://schemas.microsoft.com/office/powerpoint/2015/main" val="1"/>
+                </p:ext>
+              </p:extLst>
+            </p:nvPr>
+          </p:nvSpPr>
+          <p:spPr>
+            <a:xfrm>
+              <a:off x="10898730" y="-8467"/>
+              <a:ext cx="1290094" cy="6866467"/>
+            </a:xfrm>
+            <a:custGeom>
+              <a:avLst/>
+              <a:gdLst/>
+              <a:ahLst/>
+              <a:cxnLst/>
+              <a:rect l="l" t="t" r="r" b="b"/>
+              <a:pathLst>
+                <a:path w="1290094" h="6858000">
+                  <a:moveTo>
+                    <a:pt x="1019735" y="0"/>
+                  </a:moveTo>
+                  <a:lnTo>
+                    <a:pt x="1290094" y="0"/>
+                  </a:lnTo>
+                  <a:lnTo>
+                    <a:pt x="1290094" y="6858000"/>
+                  </a:lnTo>
+                  <a:lnTo>
+                    <a:pt x="0" y="6858000"/>
+                  </a:lnTo>
+                  <a:lnTo>
+                    <a:pt x="1019735" y="0"/>
+                  </a:lnTo>
+                  <a:close/>
+                </a:path>
+              </a:pathLst>
+            </a:custGeom>
+            <a:solidFill>
+              <a:schemeClr val="accent2">
+                <a:alpha val="70000"/>
+              </a:schemeClr>
+            </a:solidFill>
+            <a:ln>
+              <a:noFill/>
+            </a:ln>
+            <a:effectLst/>
+          </p:spPr>
+          <p:style>
+            <a:lnRef idx="1">
+              <a:schemeClr val="accent1"/>
+            </a:lnRef>
+            <a:fillRef idx="3">
+              <a:schemeClr val="accent1"/>
+            </a:fillRef>
+            <a:effectRef idx="2">
+              <a:schemeClr val="accent1"/>
+            </a:effectRef>
+            <a:fontRef idx="minor">
+              <a:schemeClr val="lt1"/>
+            </a:fontRef>
+          </p:style>
+        </p:sp>
+        <p:sp>
+          <p:nvSpPr>
+            <p:cNvPr id="80" name="Rectangle 29">
+              <a:extLst>
+                <a:ext uri="{FF2B5EF4-FFF2-40B4-BE49-F238E27FC236}">
+                  <a16:creationId xmlns:a16="http://schemas.microsoft.com/office/drawing/2014/main" id="{7F3782D6-BFF8-4389-9D39-A023ADAA92C1}"/>
+                </a:ext>
+                <a:ext uri="{C183D7F6-B498-43B3-948B-1728B52AA6E4}">
+                  <adec:decorative xmlns:adec="http://schemas.microsoft.com/office/drawing/2017/decorative" val="1"/>
+                </a:ext>
+              </a:extLst>
+            </p:cNvPr>
+            <p:cNvSpPr/>
+            <p:nvPr>
+              <p:extLst>
+                <p:ext uri="{386F3935-93C4-4BCD-93E2-E3B085C9AB24}">
+                  <p16:designElem xmlns:p16="http://schemas.microsoft.com/office/powerpoint/2015/main" val="1"/>
+                </p:ext>
+              </p:extLst>
+            </p:nvPr>
+          </p:nvSpPr>
+          <p:spPr>
+            <a:xfrm>
+              <a:off x="10938999" y="-8467"/>
+              <a:ext cx="1249825" cy="6866467"/>
+            </a:xfrm>
+            <a:custGeom>
+              <a:avLst/>
+              <a:gdLst/>
+              <a:ahLst/>
+              <a:cxnLst/>
+              <a:rect l="l" t="t" r="r" b="b"/>
+              <a:pathLst>
+                <a:path w="1249825" h="6858000">
+                  <a:moveTo>
+                    <a:pt x="0" y="0"/>
+                  </a:moveTo>
+                  <a:lnTo>
+                    <a:pt x="1249825" y="0"/>
+                  </a:lnTo>
+                  <a:lnTo>
+                    <a:pt x="1249825" y="6858000"/>
+                  </a:lnTo>
+                  <a:lnTo>
+                    <a:pt x="1109382" y="6858000"/>
+                  </a:lnTo>
+                  <a:lnTo>
+                    <a:pt x="0" y="0"/>
+                  </a:lnTo>
+                  <a:close/>
+                </a:path>
+              </a:pathLst>
+            </a:custGeom>
+            <a:solidFill>
+              <a:schemeClr val="accent2">
+                <a:lumMod val="75000"/>
+                <a:alpha val="80000"/>
+              </a:schemeClr>
+            </a:solidFill>
+            <a:ln>
+              <a:noFill/>
+            </a:ln>
+            <a:effectLst/>
+          </p:spPr>
+          <p:style>
+            <a:lnRef idx="1">
+              <a:schemeClr val="accent1"/>
+            </a:lnRef>
+            <a:fillRef idx="3">
+              <a:schemeClr val="accent1"/>
+            </a:fillRef>
+            <a:effectRef idx="2">
+              <a:schemeClr val="accent1"/>
+            </a:effectRef>
+            <a:fontRef idx="minor">
+              <a:schemeClr val="lt1"/>
+            </a:fontRef>
+          </p:style>
+        </p:sp>
+        <p:sp>
+          <p:nvSpPr>
+            <p:cNvPr id="81" name="Isosceles Triangle 80">
+              <a:extLst>
+                <a:ext uri="{FF2B5EF4-FFF2-40B4-BE49-F238E27FC236}">
+                  <a16:creationId xmlns:a16="http://schemas.microsoft.com/office/drawing/2014/main" id="{ECE162D4-FCAE-441B-B5E9-C91DE62124EF}"/>
+                </a:ext>
+                <a:ext uri="{C183D7F6-B498-43B3-948B-1728B52AA6E4}">
+                  <adec:decorative xmlns:adec="http://schemas.microsoft.com/office/drawing/2017/decorative" val="1"/>
+                </a:ext>
+              </a:extLst>
+            </p:cNvPr>
+            <p:cNvSpPr/>
+            <p:nvPr>
+              <p:extLst>
+                <p:ext uri="{386F3935-93C4-4BCD-93E2-E3B085C9AB24}">
+                  <p16:designElem xmlns:p16="http://schemas.microsoft.com/office/powerpoint/2015/main" val="1"/>
+                </p:ext>
+              </p:extLst>
+            </p:nvPr>
+          </p:nvSpPr>
+          <p:spPr>
+            <a:xfrm>
+              <a:off x="10371666" y="3589867"/>
+              <a:ext cx="1817159" cy="3268133"/>
+            </a:xfrm>
+            <a:prstGeom prst="triangle">
+              <a:avLst>
+                <a:gd name="adj" fmla="val 100000"/>
+              </a:avLst>
+            </a:prstGeom>
+            <a:solidFill>
+              <a:schemeClr val="accent1">
+                <a:lumMod val="75000"/>
+                <a:alpha val="66000"/>
+              </a:schemeClr>
+            </a:solidFill>
+            <a:ln>
+              <a:noFill/>
+            </a:ln>
+            <a:effectLst/>
+          </p:spPr>
+          <p:style>
+            <a:lnRef idx="1">
+              <a:schemeClr val="accent1"/>
+            </a:lnRef>
+            <a:fillRef idx="3">
+              <a:schemeClr val="accent1"/>
+            </a:fillRef>
+            <a:effectRef idx="2">
+              <a:schemeClr val="accent1"/>
+            </a:effectRef>
+            <a:fontRef idx="minor">
+              <a:schemeClr val="lt1"/>
+            </a:fontRef>
+          </p:style>
+        </p:sp>
+      </p:grpSp>
+      <p:sp>
+        <p:nvSpPr>
+          <p:cNvPr id="14" name="Content Placeholder 2">
+            <a:extLst>
+              <a:ext uri="{FF2B5EF4-FFF2-40B4-BE49-F238E27FC236}">
+                <a16:creationId xmlns:a16="http://schemas.microsoft.com/office/drawing/2014/main" id="{076682F1-5A73-304E-A27A-8BC9403880BE}"/>
+              </a:ext>
+            </a:extLst>
+          </p:cNvPr>
+          <p:cNvSpPr>
+            <a:spLocks noGrp="1"/>
+          </p:cNvSpPr>
+          <p:nvPr>
+            <p:ph idx="1"/>
+          </p:nvPr>
+        </p:nvSpPr>
+        <p:spPr>
+          <a:xfrm>
+            <a:off x="3571423" y="637124"/>
+            <a:ext cx="5049153" cy="417027"/>
+          </a:xfrm>
+        </p:spPr>
+        <p:txBody>
+          <a:bodyPr vert="horz" lIns="91440" tIns="45720" rIns="91440" bIns="45720" rtlCol="0" anchor="t">
+            <a:normAutofit fontScale="92500"/>
+          </a:bodyPr>
+          <a:lstStyle/>
+          <a:p>
+            <a:pPr marL="0" indent="0">
+              <a:buNone/>
+            </a:pPr>
+            <a:r>
+              <a:rPr lang="en-US" b="1" dirty="0">
+                <a:solidFill>
+                  <a:schemeClr val="tx1">
+                    <a:lumMod val="50000"/>
+                    <a:lumOff val="50000"/>
+                  </a:schemeClr>
+                </a:solidFill>
+              </a:rPr>
+              <a:t>Volatility - Average Percentage Change Per Day</a:t>
+            </a:r>
+          </a:p>
+        </p:txBody>
+      </p:sp>
+      <p:pic>
+        <p:nvPicPr>
+          <p:cNvPr id="1026" name="Picture 2" descr="No description available.">
+            <a:extLst>
+              <a:ext uri="{FF2B5EF4-FFF2-40B4-BE49-F238E27FC236}">
+                <a16:creationId xmlns:a16="http://schemas.microsoft.com/office/drawing/2014/main" id="{EC9E1828-8AAD-4742-80CB-3A413A891784}"/>
+              </a:ext>
+            </a:extLst>
+          </p:cNvPr>
+          <p:cNvPicPr>
+            <a:picLocks noChangeAspect="1" noChangeArrowheads="1"/>
+          </p:cNvPicPr>
+          <p:nvPr/>
+        </p:nvPicPr>
+        <p:blipFill rotWithShape="1">
+          <a:blip r:embed="rId3">
+            <a:extLst>
+              <a:ext uri="{28A0092B-C50C-407E-A947-70E740481C1C}">
+                <a14:useLocalDpi xmlns:a14="http://schemas.microsoft.com/office/drawing/2010/main" val="0"/>
+              </a:ext>
+            </a:extLst>
+          </a:blip>
+          <a:srcRect l="8750" t="7401" r="7265" b="5732"/>
+          <a:stretch/>
+        </p:blipFill>
+        <p:spPr bwMode="auto">
+          <a:xfrm>
+            <a:off x="903869" y="1009321"/>
+            <a:ext cx="10155721" cy="5488455"/>
+          </a:xfrm>
+          <a:prstGeom prst="rect">
+            <a:avLst/>
+          </a:prstGeom>
+          <a:noFill/>
+          <a:extLst>
+            <a:ext uri="{909E8E84-426E-40DD-AFC4-6F175D3DCCD1}">
+              <a14:hiddenFill xmlns:a14="http://schemas.microsoft.com/office/drawing/2010/main">
+                <a:solidFill>
+                  <a:srgbClr val="FFFFFF"/>
+                </a:solidFill>
+              </a14:hiddenFill>
+            </a:ext>
+          </a:extLst>
+        </p:spPr>
+      </p:pic>
+      <p:cxnSp>
+        <p:nvCxnSpPr>
+          <p:cNvPr id="11" name="Straight Arrow Connector 10">
+            <a:extLst>
+              <a:ext uri="{FF2B5EF4-FFF2-40B4-BE49-F238E27FC236}">
+                <a16:creationId xmlns:a16="http://schemas.microsoft.com/office/drawing/2014/main" id="{2B053046-3633-8C40-9A5A-2C6B92893D6D}"/>
+              </a:ext>
+            </a:extLst>
+          </p:cNvPr>
+          <p:cNvCxnSpPr>
+            <a:cxnSpLocks/>
+          </p:cNvCxnSpPr>
+          <p:nvPr/>
+        </p:nvCxnSpPr>
+        <p:spPr>
+          <a:xfrm>
+            <a:off x="5981729" y="1434923"/>
+            <a:ext cx="4389937" cy="0"/>
+          </a:xfrm>
+          <a:prstGeom prst="straightConnector1">
+            <a:avLst/>
+          </a:prstGeom>
+          <a:ln w="25400">
+            <a:solidFill>
+              <a:srgbClr val="FF0000"/>
+            </a:solidFill>
+            <a:headEnd type="triangle"/>
+            <a:tailEnd type="triangle"/>
+          </a:ln>
+        </p:spPr>
+        <p:style>
+          <a:lnRef idx="1">
+            <a:schemeClr val="accent1"/>
+          </a:lnRef>
+          <a:fillRef idx="0">
+            <a:schemeClr val="accent1"/>
+          </a:fillRef>
+          <a:effectRef idx="0">
+            <a:schemeClr val="accent1"/>
+          </a:effectRef>
+          <a:fontRef idx="minor">
+            <a:schemeClr val="tx1"/>
+          </a:fontRef>
+        </p:style>
+      </p:cxnSp>
+      <p:sp>
+        <p:nvSpPr>
+          <p:cNvPr id="32" name="Content Placeholder 2">
+            <a:extLst>
+              <a:ext uri="{FF2B5EF4-FFF2-40B4-BE49-F238E27FC236}">
+                <a16:creationId xmlns:a16="http://schemas.microsoft.com/office/drawing/2014/main" id="{6B103436-DC1B-E840-B497-4C47597E146C}"/>
+              </a:ext>
+            </a:extLst>
+          </p:cNvPr>
+          <p:cNvSpPr txBox="1">
+            <a:spLocks/>
+          </p:cNvSpPr>
+          <p:nvPr/>
+        </p:nvSpPr>
+        <p:spPr>
+          <a:xfrm>
+            <a:off x="7420037" y="1470021"/>
+            <a:ext cx="1513320" cy="404691"/>
+          </a:xfrm>
+          <a:prstGeom prst="rect">
+            <a:avLst/>
+          </a:prstGeom>
+        </p:spPr>
+        <p:txBody>
+          <a:bodyPr vert="horz" lIns="91440" tIns="45720" rIns="91440" bIns="45720" rtlCol="0">
+            <a:normAutofit/>
+          </a:bodyPr>
+          <a:lstStyle>
+            <a:lvl1pPr marL="342900" indent="-342900" algn="l" defTabSz="457200" rtl="0" eaLnBrk="1" latinLnBrk="0" hangingPunct="1">
+              <a:spcBef>
+                <a:spcPts val="1000"/>
+              </a:spcBef>
+              <a:spcAft>
+                <a:spcPts val="0"/>
+              </a:spcAft>
+              <a:buClr>
+                <a:schemeClr val="accent1"/>
+              </a:buClr>
+              <a:buSzPct val="80000"/>
+              <a:buFont typeface="Wingdings 3" charset="2"/>
+              <a:buChar char=""/>
+              <a:defRPr sz="1800" kern="1200">
+                <a:solidFill>
+                  <a:schemeClr val="tx1">
+                    <a:lumMod val="75000"/>
+                    <a:lumOff val="25000"/>
+                  </a:schemeClr>
+                </a:solidFill>
+                <a:latin typeface="+mn-lt"/>
+                <a:ea typeface="+mn-ea"/>
+                <a:cs typeface="+mn-cs"/>
+              </a:defRPr>
+            </a:lvl1pPr>
+            <a:lvl2pPr marL="742950" indent="-285750" algn="l" defTabSz="457200" rtl="0" eaLnBrk="1" latinLnBrk="0" hangingPunct="1">
+              <a:spcBef>
+                <a:spcPts val="1000"/>
+              </a:spcBef>
+              <a:spcAft>
+                <a:spcPts val="0"/>
+              </a:spcAft>
+              <a:buClr>
+                <a:schemeClr val="accent1"/>
+              </a:buClr>
+              <a:buSzPct val="80000"/>
+              <a:buFont typeface="Wingdings 3" charset="2"/>
+              <a:buChar char=""/>
+              <a:defRPr sz="1600" kern="1200">
+                <a:solidFill>
+                  <a:schemeClr val="tx1">
+                    <a:lumMod val="75000"/>
+                    <a:lumOff val="25000"/>
+                  </a:schemeClr>
+                </a:solidFill>
+                <a:latin typeface="+mn-lt"/>
+                <a:ea typeface="+mn-ea"/>
+                <a:cs typeface="+mn-cs"/>
+              </a:defRPr>
+            </a:lvl2pPr>
+            <a:lvl3pPr marL="1143000" indent="-228600" algn="l" defTabSz="457200" rtl="0" eaLnBrk="1" latinLnBrk="0" hangingPunct="1">
+              <a:spcBef>
+                <a:spcPts val="1000"/>
+              </a:spcBef>
+              <a:spcAft>
+                <a:spcPts val="0"/>
+              </a:spcAft>
+              <a:buClr>
+                <a:schemeClr val="accent1"/>
+              </a:buClr>
+              <a:buSzPct val="80000"/>
+              <a:buFont typeface="Wingdings 3" charset="2"/>
+              <a:buChar char=""/>
+              <a:defRPr sz="1400" kern="1200">
+                <a:solidFill>
+                  <a:schemeClr val="tx1">
+                    <a:lumMod val="75000"/>
+                    <a:lumOff val="25000"/>
+                  </a:schemeClr>
+                </a:solidFill>
+                <a:latin typeface="+mn-lt"/>
+                <a:ea typeface="+mn-ea"/>
+                <a:cs typeface="+mn-cs"/>
+              </a:defRPr>
+            </a:lvl3pPr>
+            <a:lvl4pPr marL="1600200" indent="-228600" algn="l" defTabSz="457200" rtl="0" eaLnBrk="1" latinLnBrk="0" hangingPunct="1">
+              <a:spcBef>
+                <a:spcPts val="1000"/>
+              </a:spcBef>
+              <a:spcAft>
+                <a:spcPts val="0"/>
+              </a:spcAft>
+              <a:buClr>
+                <a:schemeClr val="accent1"/>
+              </a:buClr>
+              <a:buSzPct val="80000"/>
+              <a:buFont typeface="Wingdings 3" charset="2"/>
+              <a:buChar char=""/>
+              <a:defRPr sz="1200" kern="1200">
+                <a:solidFill>
+                  <a:schemeClr val="tx1">
+                    <a:lumMod val="75000"/>
+                    <a:lumOff val="25000"/>
+                  </a:schemeClr>
+                </a:solidFill>
+                <a:latin typeface="+mn-lt"/>
+                <a:ea typeface="+mn-ea"/>
+                <a:cs typeface="+mn-cs"/>
+              </a:defRPr>
+            </a:lvl4pPr>
+            <a:lvl5pPr marL="2057400" indent="-228600" algn="l" defTabSz="457200" rtl="0" eaLnBrk="1" latinLnBrk="0" hangingPunct="1">
+              <a:spcBef>
+                <a:spcPts val="1000"/>
+              </a:spcBef>
+              <a:spcAft>
+                <a:spcPts val="0"/>
+              </a:spcAft>
+              <a:buClr>
+                <a:schemeClr val="accent1"/>
+              </a:buClr>
+              <a:buSzPct val="80000"/>
+              <a:buFont typeface="Wingdings 3" charset="2"/>
+              <a:buChar char=""/>
+              <a:defRPr sz="1200" kern="1200">
+                <a:solidFill>
+                  <a:schemeClr val="tx1">
+                    <a:lumMod val="75000"/>
+                    <a:lumOff val="25000"/>
+                  </a:schemeClr>
+                </a:solidFill>
+                <a:latin typeface="+mn-lt"/>
+                <a:ea typeface="+mn-ea"/>
+                <a:cs typeface="+mn-cs"/>
+              </a:defRPr>
+            </a:lvl5pPr>
+            <a:lvl6pPr marL="2514600" indent="-228600" algn="l" defTabSz="457200" rtl="0" eaLnBrk="1" latinLnBrk="0" hangingPunct="1">
+              <a:spcBef>
+                <a:spcPts val="1000"/>
+              </a:spcBef>
+              <a:spcAft>
+                <a:spcPts val="0"/>
+              </a:spcAft>
+              <a:buClr>
+                <a:schemeClr val="accent1"/>
+              </a:buClr>
+              <a:buSzPct val="80000"/>
+              <a:buFont typeface="Wingdings 3" charset="2"/>
+              <a:buChar char=""/>
+              <a:defRPr sz="1200" kern="1200">
+                <a:solidFill>
+                  <a:schemeClr val="tx1">
+                    <a:lumMod val="75000"/>
+                    <a:lumOff val="25000"/>
+                  </a:schemeClr>
+                </a:solidFill>
+                <a:latin typeface="+mn-lt"/>
+                <a:ea typeface="+mn-ea"/>
+                <a:cs typeface="+mn-cs"/>
+              </a:defRPr>
+            </a:lvl6pPr>
+            <a:lvl7pPr marL="2971800" indent="-228600" algn="l" defTabSz="457200" rtl="0" eaLnBrk="1" latinLnBrk="0" hangingPunct="1">
+              <a:spcBef>
+                <a:spcPts val="1000"/>
+              </a:spcBef>
+              <a:spcAft>
+                <a:spcPts val="0"/>
+              </a:spcAft>
+              <a:buClr>
+                <a:schemeClr val="accent1"/>
+              </a:buClr>
+              <a:buSzPct val="80000"/>
+              <a:buFont typeface="Wingdings 3" charset="2"/>
+              <a:buChar char=""/>
+              <a:defRPr sz="1200" kern="1200">
+                <a:solidFill>
+                  <a:schemeClr val="tx1">
+                    <a:lumMod val="75000"/>
+                    <a:lumOff val="25000"/>
+                  </a:schemeClr>
+                </a:solidFill>
+                <a:latin typeface="+mn-lt"/>
+                <a:ea typeface="+mn-ea"/>
+                <a:cs typeface="+mn-cs"/>
+              </a:defRPr>
+            </a:lvl7pPr>
+            <a:lvl8pPr marL="3429000" indent="-228600" algn="l" defTabSz="457200" rtl="0" eaLnBrk="1" latinLnBrk="0" hangingPunct="1">
+              <a:spcBef>
+                <a:spcPts val="1000"/>
+              </a:spcBef>
+              <a:spcAft>
+                <a:spcPts val="0"/>
+              </a:spcAft>
+              <a:buClr>
+                <a:schemeClr val="accent1"/>
+              </a:buClr>
+              <a:buSzPct val="80000"/>
+              <a:buFont typeface="Wingdings 3" charset="2"/>
+              <a:buChar char=""/>
+              <a:defRPr sz="1200" kern="1200">
+                <a:solidFill>
+                  <a:schemeClr val="tx1">
+                    <a:lumMod val="75000"/>
+                    <a:lumOff val="25000"/>
+                  </a:schemeClr>
+                </a:solidFill>
+                <a:latin typeface="+mn-lt"/>
+                <a:ea typeface="+mn-ea"/>
+                <a:cs typeface="+mn-cs"/>
+              </a:defRPr>
+            </a:lvl8pPr>
+            <a:lvl9pPr marL="3886200" indent="-228600" algn="l" defTabSz="457200" rtl="0" eaLnBrk="1" latinLnBrk="0" hangingPunct="1">
+              <a:spcBef>
+                <a:spcPts val="1000"/>
+              </a:spcBef>
+              <a:spcAft>
+                <a:spcPts val="0"/>
+              </a:spcAft>
+              <a:buClr>
+                <a:schemeClr val="accent1"/>
+              </a:buClr>
+              <a:buSzPct val="80000"/>
+              <a:buFont typeface="Wingdings 3" charset="2"/>
+              <a:buChar char=""/>
+              <a:defRPr sz="1200" kern="1200">
+                <a:solidFill>
+                  <a:schemeClr val="tx1">
+                    <a:lumMod val="75000"/>
+                    <a:lumOff val="25000"/>
+                  </a:schemeClr>
+                </a:solidFill>
+                <a:latin typeface="+mn-lt"/>
+                <a:ea typeface="+mn-ea"/>
+                <a:cs typeface="+mn-cs"/>
+              </a:defRPr>
+            </a:lvl9pPr>
+          </a:lstStyle>
+          <a:p>
+            <a:pPr marL="0" indent="0">
+              <a:buFont typeface="Wingdings 3" charset="2"/>
+              <a:buNone/>
+            </a:pPr>
+            <a:r>
+              <a:rPr lang="en-AU" dirty="0">
+                <a:solidFill>
+                  <a:srgbClr val="FF0000"/>
+                </a:solidFill>
+              </a:rPr>
+              <a:t>Stock 50 - 99</a:t>
+            </a:r>
+          </a:p>
+        </p:txBody>
+      </p:sp>
+      <p:sp>
+        <p:nvSpPr>
+          <p:cNvPr id="33" name="Content Placeholder 2">
+            <a:extLst>
+              <a:ext uri="{FF2B5EF4-FFF2-40B4-BE49-F238E27FC236}">
+                <a16:creationId xmlns:a16="http://schemas.microsoft.com/office/drawing/2014/main" id="{00013556-8200-9542-9781-56EC2CC8DB29}"/>
+              </a:ext>
+            </a:extLst>
+          </p:cNvPr>
+          <p:cNvSpPr txBox="1">
+            <a:spLocks/>
+          </p:cNvSpPr>
+          <p:nvPr/>
+        </p:nvSpPr>
+        <p:spPr>
+          <a:xfrm rot="16200000">
+            <a:off x="177117" y="3387521"/>
+            <a:ext cx="1513320" cy="404691"/>
+          </a:xfrm>
+          <a:prstGeom prst="rect">
+            <a:avLst/>
+          </a:prstGeom>
+        </p:spPr>
+        <p:txBody>
+          <a:bodyPr vert="horz" lIns="91440" tIns="45720" rIns="91440" bIns="45720" rtlCol="0">
+            <a:normAutofit/>
+          </a:bodyPr>
+          <a:lstStyle>
+            <a:lvl1pPr marL="342900" indent="-342900" algn="l" defTabSz="457200" rtl="0" eaLnBrk="1" latinLnBrk="0" hangingPunct="1">
+              <a:spcBef>
+                <a:spcPts val="1000"/>
+              </a:spcBef>
+              <a:spcAft>
+                <a:spcPts val="0"/>
+              </a:spcAft>
+              <a:buClr>
+                <a:schemeClr val="accent1"/>
+              </a:buClr>
+              <a:buSzPct val="80000"/>
+              <a:buFont typeface="Wingdings 3" charset="2"/>
+              <a:buChar char=""/>
+              <a:defRPr sz="1800" kern="1200">
+                <a:solidFill>
+                  <a:schemeClr val="tx1">
+                    <a:lumMod val="75000"/>
+                    <a:lumOff val="25000"/>
+                  </a:schemeClr>
+                </a:solidFill>
+                <a:latin typeface="+mn-lt"/>
+                <a:ea typeface="+mn-ea"/>
+                <a:cs typeface="+mn-cs"/>
+              </a:defRPr>
+            </a:lvl1pPr>
+            <a:lvl2pPr marL="742950" indent="-285750" algn="l" defTabSz="457200" rtl="0" eaLnBrk="1" latinLnBrk="0" hangingPunct="1">
+              <a:spcBef>
+                <a:spcPts val="1000"/>
+              </a:spcBef>
+              <a:spcAft>
+                <a:spcPts val="0"/>
+              </a:spcAft>
+              <a:buClr>
+                <a:schemeClr val="accent1"/>
+              </a:buClr>
+              <a:buSzPct val="80000"/>
+              <a:buFont typeface="Wingdings 3" charset="2"/>
+              <a:buChar char=""/>
+              <a:defRPr sz="1600" kern="1200">
+                <a:solidFill>
+                  <a:schemeClr val="tx1">
+                    <a:lumMod val="75000"/>
+                    <a:lumOff val="25000"/>
+                  </a:schemeClr>
+                </a:solidFill>
+                <a:latin typeface="+mn-lt"/>
+                <a:ea typeface="+mn-ea"/>
+                <a:cs typeface="+mn-cs"/>
+              </a:defRPr>
+            </a:lvl2pPr>
+            <a:lvl3pPr marL="1143000" indent="-228600" algn="l" defTabSz="457200" rtl="0" eaLnBrk="1" latinLnBrk="0" hangingPunct="1">
+              <a:spcBef>
+                <a:spcPts val="1000"/>
+              </a:spcBef>
+              <a:spcAft>
+                <a:spcPts val="0"/>
+              </a:spcAft>
+              <a:buClr>
+                <a:schemeClr val="accent1"/>
+              </a:buClr>
+              <a:buSzPct val="80000"/>
+              <a:buFont typeface="Wingdings 3" charset="2"/>
+              <a:buChar char=""/>
+              <a:defRPr sz="1400" kern="1200">
+                <a:solidFill>
+                  <a:schemeClr val="tx1">
+                    <a:lumMod val="75000"/>
+                    <a:lumOff val="25000"/>
+                  </a:schemeClr>
+                </a:solidFill>
+                <a:latin typeface="+mn-lt"/>
+                <a:ea typeface="+mn-ea"/>
+                <a:cs typeface="+mn-cs"/>
+              </a:defRPr>
+            </a:lvl3pPr>
+            <a:lvl4pPr marL="1600200" indent="-228600" algn="l" defTabSz="457200" rtl="0" eaLnBrk="1" latinLnBrk="0" hangingPunct="1">
+              <a:spcBef>
+                <a:spcPts val="1000"/>
+              </a:spcBef>
+              <a:spcAft>
+                <a:spcPts val="0"/>
+              </a:spcAft>
+              <a:buClr>
+                <a:schemeClr val="accent1"/>
+              </a:buClr>
+              <a:buSzPct val="80000"/>
+              <a:buFont typeface="Wingdings 3" charset="2"/>
+              <a:buChar char=""/>
+              <a:defRPr sz="1200" kern="1200">
+                <a:solidFill>
+                  <a:schemeClr val="tx1">
+                    <a:lumMod val="75000"/>
+                    <a:lumOff val="25000"/>
+                  </a:schemeClr>
+                </a:solidFill>
+                <a:latin typeface="+mn-lt"/>
+                <a:ea typeface="+mn-ea"/>
+                <a:cs typeface="+mn-cs"/>
+              </a:defRPr>
+            </a:lvl4pPr>
+            <a:lvl5pPr marL="2057400" indent="-228600" algn="l" defTabSz="457200" rtl="0" eaLnBrk="1" latinLnBrk="0" hangingPunct="1">
+              <a:spcBef>
+                <a:spcPts val="1000"/>
+              </a:spcBef>
+              <a:spcAft>
+                <a:spcPts val="0"/>
+              </a:spcAft>
+              <a:buClr>
+                <a:schemeClr val="accent1"/>
+              </a:buClr>
+              <a:buSzPct val="80000"/>
+              <a:buFont typeface="Wingdings 3" charset="2"/>
+              <a:buChar char=""/>
+              <a:defRPr sz="1200" kern="1200">
+                <a:solidFill>
+                  <a:schemeClr val="tx1">
+                    <a:lumMod val="75000"/>
+                    <a:lumOff val="25000"/>
+                  </a:schemeClr>
+                </a:solidFill>
+                <a:latin typeface="+mn-lt"/>
+                <a:ea typeface="+mn-ea"/>
+                <a:cs typeface="+mn-cs"/>
+              </a:defRPr>
+            </a:lvl5pPr>
+            <a:lvl6pPr marL="2514600" indent="-228600" algn="l" defTabSz="457200" rtl="0" eaLnBrk="1" latinLnBrk="0" hangingPunct="1">
+              <a:spcBef>
+                <a:spcPts val="1000"/>
+              </a:spcBef>
+              <a:spcAft>
+                <a:spcPts val="0"/>
+              </a:spcAft>
+              <a:buClr>
+                <a:schemeClr val="accent1"/>
+              </a:buClr>
+              <a:buSzPct val="80000"/>
+              <a:buFont typeface="Wingdings 3" charset="2"/>
+              <a:buChar char=""/>
+              <a:defRPr sz="1200" kern="1200">
+                <a:solidFill>
+                  <a:schemeClr val="tx1">
+                    <a:lumMod val="75000"/>
+                    <a:lumOff val="25000"/>
+                  </a:schemeClr>
+                </a:solidFill>
+                <a:latin typeface="+mn-lt"/>
+                <a:ea typeface="+mn-ea"/>
+                <a:cs typeface="+mn-cs"/>
+              </a:defRPr>
+            </a:lvl6pPr>
+            <a:lvl7pPr marL="2971800" indent="-228600" algn="l" defTabSz="457200" rtl="0" eaLnBrk="1" latinLnBrk="0" hangingPunct="1">
+              <a:spcBef>
+                <a:spcPts val="1000"/>
+              </a:spcBef>
+              <a:spcAft>
+                <a:spcPts val="0"/>
+              </a:spcAft>
+              <a:buClr>
+                <a:schemeClr val="accent1"/>
+              </a:buClr>
+              <a:buSzPct val="80000"/>
+              <a:buFont typeface="Wingdings 3" charset="2"/>
+              <a:buChar char=""/>
+              <a:defRPr sz="1200" kern="1200">
+                <a:solidFill>
+                  <a:schemeClr val="tx1">
+                    <a:lumMod val="75000"/>
+                    <a:lumOff val="25000"/>
+                  </a:schemeClr>
+                </a:solidFill>
+                <a:latin typeface="+mn-lt"/>
+                <a:ea typeface="+mn-ea"/>
+                <a:cs typeface="+mn-cs"/>
+              </a:defRPr>
+            </a:lvl7pPr>
+            <a:lvl8pPr marL="3429000" indent="-228600" algn="l" defTabSz="457200" rtl="0" eaLnBrk="1" latinLnBrk="0" hangingPunct="1">
+              <a:spcBef>
+                <a:spcPts val="1000"/>
+              </a:spcBef>
+              <a:spcAft>
+                <a:spcPts val="0"/>
+              </a:spcAft>
+              <a:buClr>
+                <a:schemeClr val="accent1"/>
+              </a:buClr>
+              <a:buSzPct val="80000"/>
+              <a:buFont typeface="Wingdings 3" charset="2"/>
+              <a:buChar char=""/>
+              <a:defRPr sz="1200" kern="1200">
+                <a:solidFill>
+                  <a:schemeClr val="tx1">
+                    <a:lumMod val="75000"/>
+                    <a:lumOff val="25000"/>
+                  </a:schemeClr>
+                </a:solidFill>
+                <a:latin typeface="+mn-lt"/>
+                <a:ea typeface="+mn-ea"/>
+                <a:cs typeface="+mn-cs"/>
+              </a:defRPr>
+            </a:lvl8pPr>
+            <a:lvl9pPr marL="3886200" indent="-228600" algn="l" defTabSz="457200" rtl="0" eaLnBrk="1" latinLnBrk="0" hangingPunct="1">
+              <a:spcBef>
+                <a:spcPts val="1000"/>
+              </a:spcBef>
+              <a:spcAft>
+                <a:spcPts val="0"/>
+              </a:spcAft>
+              <a:buClr>
+                <a:schemeClr val="accent1"/>
+              </a:buClr>
+              <a:buSzPct val="80000"/>
+              <a:buFont typeface="Wingdings 3" charset="2"/>
+              <a:buChar char=""/>
+              <a:defRPr sz="1200" kern="1200">
+                <a:solidFill>
+                  <a:schemeClr val="tx1">
+                    <a:lumMod val="75000"/>
+                    <a:lumOff val="25000"/>
+                  </a:schemeClr>
+                </a:solidFill>
+                <a:latin typeface="+mn-lt"/>
+                <a:ea typeface="+mn-ea"/>
+                <a:cs typeface="+mn-cs"/>
+              </a:defRPr>
+            </a:lvl9pPr>
+          </a:lstStyle>
+          <a:p>
+            <a:pPr marL="0" indent="0">
+              <a:buFont typeface="Wingdings 3" charset="2"/>
+              <a:buNone/>
+            </a:pPr>
+            <a:r>
+              <a:rPr lang="en-AU" dirty="0">
+                <a:solidFill>
+                  <a:schemeClr val="bg2">
+                    <a:lumMod val="50000"/>
+                  </a:schemeClr>
+                </a:solidFill>
+              </a:rPr>
+              <a:t>Volatility</a:t>
+            </a:r>
+          </a:p>
+        </p:txBody>
+      </p:sp>
+    </p:spTree>
+    <p:extLst>
+      <p:ext uri="{BB962C8B-B14F-4D97-AF65-F5344CB8AC3E}">
+        <p14:creationId xmlns:p14="http://schemas.microsoft.com/office/powerpoint/2010/main" val="1942885391"/>
+      </p:ext>
+    </p:extLst>
+  </p:cSld>
+  <p:clrMapOvr>
+    <a:masterClrMapping/>
+  </p:clrMapOvr>
+</p:sld>
+</file>
+
+<file path=ppt/slides/slide4.xml><?xml version="1.0" encoding="utf-8"?>
+<p:sld xmlns:a="http://schemas.openxmlformats.org/drawingml/2006/main" xmlns:r="http://schemas.openxmlformats.org/officeDocument/2006/relationships" xmlns:p="http://schemas.openxmlformats.org/presentationml/2006/main">
+  <p:cSld>
+    <p:spTree>
+      <p:nvGrpSpPr>
+        <p:cNvPr id="1" name=""/>
+        <p:cNvGrpSpPr/>
+        <p:nvPr/>
+      </p:nvGrpSpPr>
+      <p:grpSpPr>
+        <a:xfrm>
+          <a:off x="0" y="0"/>
+          <a:ext cx="0" cy="0"/>
+          <a:chOff x="0" y="0"/>
+          <a:chExt cx="0" cy="0"/>
+        </a:xfrm>
+      </p:grpSpPr>
+      <p:sp>
+        <p:nvSpPr>
+          <p:cNvPr id="14" name="Content Placeholder 2">
+            <a:extLst>
+              <a:ext uri="{FF2B5EF4-FFF2-40B4-BE49-F238E27FC236}">
+                <a16:creationId xmlns:a16="http://schemas.microsoft.com/office/drawing/2014/main" id="{076682F1-5A73-304E-A27A-8BC9403880BE}"/>
+              </a:ext>
+            </a:extLst>
+          </p:cNvPr>
+          <p:cNvSpPr>
+            <a:spLocks noGrp="1"/>
+          </p:cNvSpPr>
+          <p:nvPr>
+            <p:ph idx="1"/>
+          </p:nvPr>
+        </p:nvSpPr>
+        <p:spPr>
+          <a:xfrm>
+            <a:off x="3571423" y="546521"/>
+            <a:ext cx="5049153" cy="417027"/>
+          </a:xfrm>
+        </p:spPr>
+        <p:txBody>
+          <a:bodyPr vert="horz" lIns="91440" tIns="45720" rIns="91440" bIns="45720" rtlCol="0" anchor="t">
+            <a:normAutofit/>
+          </a:bodyPr>
+          <a:lstStyle/>
+          <a:p>
+            <a:pPr marL="0" indent="0" algn="ctr">
+              <a:buNone/>
+            </a:pPr>
+            <a:r>
+              <a:rPr lang="en-US" b="1" dirty="0">
+                <a:solidFill>
+                  <a:schemeClr val="tx1">
+                    <a:lumMod val="50000"/>
+                    <a:lumOff val="50000"/>
+                  </a:schemeClr>
+                </a:solidFill>
+              </a:rPr>
+              <a:t>Day Trading Cost Evaluation</a:t>
+            </a:r>
+          </a:p>
+        </p:txBody>
+      </p:sp>
+      <p:sp>
+        <p:nvSpPr>
+          <p:cNvPr id="18" name="Content Placeholder 2">
+            <a:extLst>
+              <a:ext uri="{FF2B5EF4-FFF2-40B4-BE49-F238E27FC236}">
+                <a16:creationId xmlns:a16="http://schemas.microsoft.com/office/drawing/2014/main" id="{0EC6B565-4EA7-DC4A-BCEB-EFEA25C84B58}"/>
+              </a:ext>
+            </a:extLst>
+          </p:cNvPr>
+          <p:cNvSpPr txBox="1">
+            <a:spLocks/>
+          </p:cNvSpPr>
+          <p:nvPr/>
+        </p:nvSpPr>
+        <p:spPr>
+          <a:xfrm>
+            <a:off x="4887712" y="1826804"/>
+            <a:ext cx="2416574" cy="1142755"/>
+          </a:xfrm>
+          <a:prstGeom prst="rect">
+            <a:avLst/>
+          </a:prstGeom>
+        </p:spPr>
+        <p:txBody>
+          <a:bodyPr vert="horz" lIns="91440" tIns="45720" rIns="91440" bIns="45720" rtlCol="0">
+            <a:normAutofit/>
+          </a:bodyPr>
+          <a:lstStyle>
+            <a:lvl1pPr marL="342900" indent="-342900" algn="l" defTabSz="457200" rtl="0" eaLnBrk="1" latinLnBrk="0" hangingPunct="1">
+              <a:spcBef>
+                <a:spcPts val="1000"/>
+              </a:spcBef>
+              <a:spcAft>
+                <a:spcPts val="0"/>
+              </a:spcAft>
+              <a:buClr>
+                <a:schemeClr val="accent1"/>
+              </a:buClr>
+              <a:buSzPct val="80000"/>
+              <a:buFont typeface="Wingdings 3" charset="2"/>
+              <a:buChar char=""/>
+              <a:defRPr sz="1800" kern="1200">
+                <a:solidFill>
+                  <a:schemeClr val="tx1">
+                    <a:lumMod val="75000"/>
+                    <a:lumOff val="25000"/>
+                  </a:schemeClr>
+                </a:solidFill>
+                <a:latin typeface="+mn-lt"/>
+                <a:ea typeface="+mn-ea"/>
+                <a:cs typeface="+mn-cs"/>
+              </a:defRPr>
+            </a:lvl1pPr>
+            <a:lvl2pPr marL="742950" indent="-285750" algn="l" defTabSz="457200" rtl="0" eaLnBrk="1" latinLnBrk="0" hangingPunct="1">
+              <a:spcBef>
+                <a:spcPts val="1000"/>
+              </a:spcBef>
+              <a:spcAft>
+                <a:spcPts val="0"/>
+              </a:spcAft>
+              <a:buClr>
+                <a:schemeClr val="accent1"/>
+              </a:buClr>
+              <a:buSzPct val="80000"/>
+              <a:buFont typeface="Wingdings 3" charset="2"/>
+              <a:buChar char=""/>
+              <a:defRPr sz="1600" kern="1200">
+                <a:solidFill>
+                  <a:schemeClr val="tx1">
+                    <a:lumMod val="75000"/>
+                    <a:lumOff val="25000"/>
+                  </a:schemeClr>
+                </a:solidFill>
+                <a:latin typeface="+mn-lt"/>
+                <a:ea typeface="+mn-ea"/>
+                <a:cs typeface="+mn-cs"/>
+              </a:defRPr>
+            </a:lvl2pPr>
+            <a:lvl3pPr marL="1143000" indent="-228600" algn="l" defTabSz="457200" rtl="0" eaLnBrk="1" latinLnBrk="0" hangingPunct="1">
+              <a:spcBef>
+                <a:spcPts val="1000"/>
+              </a:spcBef>
+              <a:spcAft>
+                <a:spcPts val="0"/>
+              </a:spcAft>
+              <a:buClr>
+                <a:schemeClr val="accent1"/>
+              </a:buClr>
+              <a:buSzPct val="80000"/>
+              <a:buFont typeface="Wingdings 3" charset="2"/>
+              <a:buChar char=""/>
+              <a:defRPr sz="1400" kern="1200">
+                <a:solidFill>
+                  <a:schemeClr val="tx1">
+                    <a:lumMod val="75000"/>
+                    <a:lumOff val="25000"/>
+                  </a:schemeClr>
+                </a:solidFill>
+                <a:latin typeface="+mn-lt"/>
+                <a:ea typeface="+mn-ea"/>
+                <a:cs typeface="+mn-cs"/>
+              </a:defRPr>
+            </a:lvl3pPr>
+            <a:lvl4pPr marL="1600200" indent="-228600" algn="l" defTabSz="457200" rtl="0" eaLnBrk="1" latinLnBrk="0" hangingPunct="1">
+              <a:spcBef>
+                <a:spcPts val="1000"/>
+              </a:spcBef>
+              <a:spcAft>
+                <a:spcPts val="0"/>
+              </a:spcAft>
+              <a:buClr>
+                <a:schemeClr val="accent1"/>
+              </a:buClr>
+              <a:buSzPct val="80000"/>
+              <a:buFont typeface="Wingdings 3" charset="2"/>
+              <a:buChar char=""/>
+              <a:defRPr sz="1200" kern="1200">
+                <a:solidFill>
+                  <a:schemeClr val="tx1">
+                    <a:lumMod val="75000"/>
+                    <a:lumOff val="25000"/>
+                  </a:schemeClr>
+                </a:solidFill>
+                <a:latin typeface="+mn-lt"/>
+                <a:ea typeface="+mn-ea"/>
+                <a:cs typeface="+mn-cs"/>
+              </a:defRPr>
+            </a:lvl4pPr>
+            <a:lvl5pPr marL="2057400" indent="-228600" algn="l" defTabSz="457200" rtl="0" eaLnBrk="1" latinLnBrk="0" hangingPunct="1">
+              <a:spcBef>
+                <a:spcPts val="1000"/>
+              </a:spcBef>
+              <a:spcAft>
+                <a:spcPts val="0"/>
+              </a:spcAft>
+              <a:buClr>
+                <a:schemeClr val="accent1"/>
+              </a:buClr>
+              <a:buSzPct val="80000"/>
+              <a:buFont typeface="Wingdings 3" charset="2"/>
+              <a:buChar char=""/>
+              <a:defRPr sz="1200" kern="1200">
+                <a:solidFill>
+                  <a:schemeClr val="tx1">
+                    <a:lumMod val="75000"/>
+                    <a:lumOff val="25000"/>
+                  </a:schemeClr>
+                </a:solidFill>
+                <a:latin typeface="+mn-lt"/>
+                <a:ea typeface="+mn-ea"/>
+                <a:cs typeface="+mn-cs"/>
+              </a:defRPr>
+            </a:lvl5pPr>
+            <a:lvl6pPr marL="2514600" indent="-228600" algn="l" defTabSz="457200" rtl="0" eaLnBrk="1" latinLnBrk="0" hangingPunct="1">
+              <a:spcBef>
+                <a:spcPts val="1000"/>
+              </a:spcBef>
+              <a:spcAft>
+                <a:spcPts val="0"/>
+              </a:spcAft>
+              <a:buClr>
+                <a:schemeClr val="accent1"/>
+              </a:buClr>
+              <a:buSzPct val="80000"/>
+              <a:buFont typeface="Wingdings 3" charset="2"/>
+              <a:buChar char=""/>
+              <a:defRPr sz="1200" kern="1200">
+                <a:solidFill>
+                  <a:schemeClr val="tx1">
+                    <a:lumMod val="75000"/>
+                    <a:lumOff val="25000"/>
+                  </a:schemeClr>
+                </a:solidFill>
+                <a:latin typeface="+mn-lt"/>
+                <a:ea typeface="+mn-ea"/>
+                <a:cs typeface="+mn-cs"/>
+              </a:defRPr>
+            </a:lvl6pPr>
+            <a:lvl7pPr marL="2971800" indent="-228600" algn="l" defTabSz="457200" rtl="0" eaLnBrk="1" latinLnBrk="0" hangingPunct="1">
+              <a:spcBef>
+                <a:spcPts val="1000"/>
+              </a:spcBef>
+              <a:spcAft>
+                <a:spcPts val="0"/>
+              </a:spcAft>
+              <a:buClr>
+                <a:schemeClr val="accent1"/>
+              </a:buClr>
+              <a:buSzPct val="80000"/>
+              <a:buFont typeface="Wingdings 3" charset="2"/>
+              <a:buChar char=""/>
+              <a:defRPr sz="1200" kern="1200">
+                <a:solidFill>
+                  <a:schemeClr val="tx1">
+                    <a:lumMod val="75000"/>
+                    <a:lumOff val="25000"/>
+                  </a:schemeClr>
+                </a:solidFill>
+                <a:latin typeface="+mn-lt"/>
+                <a:ea typeface="+mn-ea"/>
+                <a:cs typeface="+mn-cs"/>
+              </a:defRPr>
+            </a:lvl7pPr>
+            <a:lvl8pPr marL="3429000" indent="-228600" algn="l" defTabSz="457200" rtl="0" eaLnBrk="1" latinLnBrk="0" hangingPunct="1">
+              <a:spcBef>
+                <a:spcPts val="1000"/>
+              </a:spcBef>
+              <a:spcAft>
+                <a:spcPts val="0"/>
+              </a:spcAft>
+              <a:buClr>
+                <a:schemeClr val="accent1"/>
+              </a:buClr>
+              <a:buSzPct val="80000"/>
+              <a:buFont typeface="Wingdings 3" charset="2"/>
+              <a:buChar char=""/>
+              <a:defRPr sz="1200" kern="1200">
+                <a:solidFill>
+                  <a:schemeClr val="tx1">
+                    <a:lumMod val="75000"/>
+                    <a:lumOff val="25000"/>
+                  </a:schemeClr>
+                </a:solidFill>
+                <a:latin typeface="+mn-lt"/>
+                <a:ea typeface="+mn-ea"/>
+                <a:cs typeface="+mn-cs"/>
+              </a:defRPr>
+            </a:lvl8pPr>
+            <a:lvl9pPr marL="3886200" indent="-228600" algn="l" defTabSz="457200" rtl="0" eaLnBrk="1" latinLnBrk="0" hangingPunct="1">
+              <a:spcBef>
+                <a:spcPts val="1000"/>
+              </a:spcBef>
+              <a:spcAft>
+                <a:spcPts val="0"/>
+              </a:spcAft>
+              <a:buClr>
+                <a:schemeClr val="accent1"/>
+              </a:buClr>
+              <a:buSzPct val="80000"/>
+              <a:buFont typeface="Wingdings 3" charset="2"/>
+              <a:buChar char=""/>
+              <a:defRPr sz="1200" kern="1200">
+                <a:solidFill>
+                  <a:schemeClr val="tx1">
+                    <a:lumMod val="75000"/>
+                    <a:lumOff val="25000"/>
+                  </a:schemeClr>
+                </a:solidFill>
+                <a:latin typeface="+mn-lt"/>
+                <a:ea typeface="+mn-ea"/>
+                <a:cs typeface="+mn-cs"/>
+              </a:defRPr>
+            </a:lvl9pPr>
+          </a:lstStyle>
+          <a:p>
+            <a:pPr marL="0" indent="0" algn="ctr">
+              <a:buFont typeface="Wingdings 3" charset="2"/>
+              <a:buNone/>
+            </a:pPr>
+            <a:r>
+              <a:rPr lang="en-AU" dirty="0">
+                <a:solidFill>
+                  <a:srgbClr val="FF0000"/>
+                </a:solidFill>
+              </a:rPr>
+              <a:t>Insert the excel spreadsheet of green and red things</a:t>
+            </a:r>
+          </a:p>
+        </p:txBody>
+      </p:sp>
+    </p:spTree>
+    <p:extLst>
+      <p:ext uri="{BB962C8B-B14F-4D97-AF65-F5344CB8AC3E}">
+        <p14:creationId xmlns:p14="http://schemas.microsoft.com/office/powerpoint/2010/main" val="2644761351"/>
+      </p:ext>
+    </p:extLst>
+  </p:cSld>
+  <p:clrMapOvr>
+    <a:masterClrMapping/>
+  </p:clrMapOvr>
+</p:sld>
+</file>
+
+<file path=ppt/slides/slide5.xml><?xml version="1.0" encoding="utf-8"?>
+<p:sld xmlns:a="http://schemas.openxmlformats.org/drawingml/2006/main" xmlns:r="http://schemas.openxmlformats.org/officeDocument/2006/relationships" xmlns:p="http://schemas.openxmlformats.org/presentationml/2006/main">
+  <p:cSld>
+    <p:spTree>
+      <p:nvGrpSpPr>
+        <p:cNvPr id="1" name=""/>
+        <p:cNvGrpSpPr/>
+        <p:nvPr/>
+      </p:nvGrpSpPr>
+      <p:grpSpPr>
+        <a:xfrm>
+          <a:off x="0" y="0"/>
+          <a:ext cx="0" cy="0"/>
+          <a:chOff x="0" y="0"/>
+          <a:chExt cx="0" cy="0"/>
+        </a:xfrm>
+      </p:grpSpPr>
+      <p:sp>
+        <p:nvSpPr>
+          <p:cNvPr id="14" name="Content Placeholder 2">
+            <a:extLst>
+              <a:ext uri="{FF2B5EF4-FFF2-40B4-BE49-F238E27FC236}">
+                <a16:creationId xmlns:a16="http://schemas.microsoft.com/office/drawing/2014/main" id="{076682F1-5A73-304E-A27A-8BC9403880BE}"/>
+              </a:ext>
+            </a:extLst>
+          </p:cNvPr>
+          <p:cNvSpPr>
+            <a:spLocks noGrp="1"/>
+          </p:cNvSpPr>
+          <p:nvPr>
+            <p:ph idx="1"/>
+          </p:nvPr>
+        </p:nvSpPr>
+        <p:spPr>
+          <a:xfrm>
+            <a:off x="3571423" y="546521"/>
+            <a:ext cx="5049153" cy="417027"/>
+          </a:xfrm>
+        </p:spPr>
+        <p:txBody>
+          <a:bodyPr vert="horz" lIns="91440" tIns="45720" rIns="91440" bIns="45720" rtlCol="0" anchor="t">
+            <a:normAutofit/>
+          </a:bodyPr>
+          <a:lstStyle/>
+          <a:p>
+            <a:pPr marL="0" indent="0" algn="ctr">
+              <a:buNone/>
+            </a:pPr>
+            <a:r>
+              <a:rPr lang="en-US" b="1" dirty="0">
+                <a:solidFill>
+                  <a:schemeClr val="tx1">
+                    <a:lumMod val="50000"/>
+                    <a:lumOff val="50000"/>
+                  </a:schemeClr>
+                </a:solidFill>
+              </a:rPr>
+              <a:t>Repetitive Triangular Pattern</a:t>
+            </a:r>
+          </a:p>
+        </p:txBody>
+      </p:sp>
+      <p:sp>
+        <p:nvSpPr>
+          <p:cNvPr id="18" name="Content Placeholder 2">
+            <a:extLst>
+              <a:ext uri="{FF2B5EF4-FFF2-40B4-BE49-F238E27FC236}">
+                <a16:creationId xmlns:a16="http://schemas.microsoft.com/office/drawing/2014/main" id="{0EC6B565-4EA7-DC4A-BCEB-EFEA25C84B58}"/>
+              </a:ext>
+            </a:extLst>
+          </p:cNvPr>
+          <p:cNvSpPr txBox="1">
+            <a:spLocks/>
+          </p:cNvSpPr>
+          <p:nvPr/>
+        </p:nvSpPr>
+        <p:spPr>
+          <a:xfrm>
+            <a:off x="4887712" y="1826804"/>
+            <a:ext cx="2416574" cy="1142755"/>
+          </a:xfrm>
+          <a:prstGeom prst="rect">
+            <a:avLst/>
+          </a:prstGeom>
+        </p:spPr>
+        <p:txBody>
+          <a:bodyPr vert="horz" lIns="91440" tIns="45720" rIns="91440" bIns="45720" rtlCol="0">
+            <a:normAutofit/>
+          </a:bodyPr>
+          <a:lstStyle>
+            <a:lvl1pPr marL="342900" indent="-342900" algn="l" defTabSz="457200" rtl="0" eaLnBrk="1" latinLnBrk="0" hangingPunct="1">
+              <a:spcBef>
+                <a:spcPts val="1000"/>
+              </a:spcBef>
+              <a:spcAft>
+                <a:spcPts val="0"/>
+              </a:spcAft>
+              <a:buClr>
+                <a:schemeClr val="accent1"/>
+              </a:buClr>
+              <a:buSzPct val="80000"/>
+              <a:buFont typeface="Wingdings 3" charset="2"/>
+              <a:buChar char=""/>
+              <a:defRPr sz="1800" kern="1200">
+                <a:solidFill>
+                  <a:schemeClr val="tx1">
+                    <a:lumMod val="75000"/>
+                    <a:lumOff val="25000"/>
+                  </a:schemeClr>
+                </a:solidFill>
+                <a:latin typeface="+mn-lt"/>
+                <a:ea typeface="+mn-ea"/>
+                <a:cs typeface="+mn-cs"/>
+              </a:defRPr>
+            </a:lvl1pPr>
+            <a:lvl2pPr marL="742950" indent="-285750" algn="l" defTabSz="457200" rtl="0" eaLnBrk="1" latinLnBrk="0" hangingPunct="1">
+              <a:spcBef>
+                <a:spcPts val="1000"/>
+              </a:spcBef>
+              <a:spcAft>
+                <a:spcPts val="0"/>
+              </a:spcAft>
+              <a:buClr>
+                <a:schemeClr val="accent1"/>
+              </a:buClr>
+              <a:buSzPct val="80000"/>
+              <a:buFont typeface="Wingdings 3" charset="2"/>
+              <a:buChar char=""/>
+              <a:defRPr sz="1600" kern="1200">
+                <a:solidFill>
+                  <a:schemeClr val="tx1">
+                    <a:lumMod val="75000"/>
+                    <a:lumOff val="25000"/>
+                  </a:schemeClr>
+                </a:solidFill>
+                <a:latin typeface="+mn-lt"/>
+                <a:ea typeface="+mn-ea"/>
+                <a:cs typeface="+mn-cs"/>
+              </a:defRPr>
+            </a:lvl2pPr>
+            <a:lvl3pPr marL="1143000" indent="-228600" algn="l" defTabSz="457200" rtl="0" eaLnBrk="1" latinLnBrk="0" hangingPunct="1">
+              <a:spcBef>
+                <a:spcPts val="1000"/>
+              </a:spcBef>
+              <a:spcAft>
+                <a:spcPts val="0"/>
+              </a:spcAft>
+              <a:buClr>
+                <a:schemeClr val="accent1"/>
+              </a:buClr>
+              <a:buSzPct val="80000"/>
+              <a:buFont typeface="Wingdings 3" charset="2"/>
+              <a:buChar char=""/>
+              <a:defRPr sz="1400" kern="1200">
+                <a:solidFill>
+                  <a:schemeClr val="tx1">
+                    <a:lumMod val="75000"/>
+                    <a:lumOff val="25000"/>
+                  </a:schemeClr>
+                </a:solidFill>
+                <a:latin typeface="+mn-lt"/>
+                <a:ea typeface="+mn-ea"/>
+                <a:cs typeface="+mn-cs"/>
+              </a:defRPr>
+            </a:lvl3pPr>
+            <a:lvl4pPr marL="1600200" indent="-228600" algn="l" defTabSz="457200" rtl="0" eaLnBrk="1" latinLnBrk="0" hangingPunct="1">
+              <a:spcBef>
+                <a:spcPts val="1000"/>
+              </a:spcBef>
+              <a:spcAft>
+                <a:spcPts val="0"/>
+              </a:spcAft>
+              <a:buClr>
+                <a:schemeClr val="accent1"/>
+              </a:buClr>
+              <a:buSzPct val="80000"/>
+              <a:buFont typeface="Wingdings 3" charset="2"/>
+              <a:buChar char=""/>
+              <a:defRPr sz="1200" kern="1200">
+                <a:solidFill>
+                  <a:schemeClr val="tx1">
+                    <a:lumMod val="75000"/>
+                    <a:lumOff val="25000"/>
+                  </a:schemeClr>
+                </a:solidFill>
+                <a:latin typeface="+mn-lt"/>
+                <a:ea typeface="+mn-ea"/>
+                <a:cs typeface="+mn-cs"/>
+              </a:defRPr>
+            </a:lvl4pPr>
+            <a:lvl5pPr marL="2057400" indent="-228600" algn="l" defTabSz="457200" rtl="0" eaLnBrk="1" latinLnBrk="0" hangingPunct="1">
+              <a:spcBef>
+                <a:spcPts val="1000"/>
+              </a:spcBef>
+              <a:spcAft>
+                <a:spcPts val="0"/>
+              </a:spcAft>
+              <a:buClr>
+                <a:schemeClr val="accent1"/>
+              </a:buClr>
+              <a:buSzPct val="80000"/>
+              <a:buFont typeface="Wingdings 3" charset="2"/>
+              <a:buChar char=""/>
+              <a:defRPr sz="1200" kern="1200">
+                <a:solidFill>
+                  <a:schemeClr val="tx1">
+                    <a:lumMod val="75000"/>
+                    <a:lumOff val="25000"/>
+                  </a:schemeClr>
+                </a:solidFill>
+                <a:latin typeface="+mn-lt"/>
+                <a:ea typeface="+mn-ea"/>
+                <a:cs typeface="+mn-cs"/>
+              </a:defRPr>
+            </a:lvl5pPr>
+            <a:lvl6pPr marL="2514600" indent="-228600" algn="l" defTabSz="457200" rtl="0" eaLnBrk="1" latinLnBrk="0" hangingPunct="1">
+              <a:spcBef>
+                <a:spcPts val="1000"/>
+              </a:spcBef>
+              <a:spcAft>
+                <a:spcPts val="0"/>
+              </a:spcAft>
+              <a:buClr>
+                <a:schemeClr val="accent1"/>
+              </a:buClr>
+              <a:buSzPct val="80000"/>
+              <a:buFont typeface="Wingdings 3" charset="2"/>
+              <a:buChar char=""/>
+              <a:defRPr sz="1200" kern="1200">
+                <a:solidFill>
+                  <a:schemeClr val="tx1">
+                    <a:lumMod val="75000"/>
+                    <a:lumOff val="25000"/>
+                  </a:schemeClr>
+                </a:solidFill>
+                <a:latin typeface="+mn-lt"/>
+                <a:ea typeface="+mn-ea"/>
+                <a:cs typeface="+mn-cs"/>
+              </a:defRPr>
+            </a:lvl6pPr>
+            <a:lvl7pPr marL="2971800" indent="-228600" algn="l" defTabSz="457200" rtl="0" eaLnBrk="1" latinLnBrk="0" hangingPunct="1">
+              <a:spcBef>
+                <a:spcPts val="1000"/>
+              </a:spcBef>
+              <a:spcAft>
+                <a:spcPts val="0"/>
+              </a:spcAft>
+              <a:buClr>
+                <a:schemeClr val="accent1"/>
+              </a:buClr>
+              <a:buSzPct val="80000"/>
+              <a:buFont typeface="Wingdings 3" charset="2"/>
+              <a:buChar char=""/>
+              <a:defRPr sz="1200" kern="1200">
+                <a:solidFill>
+                  <a:schemeClr val="tx1">
+                    <a:lumMod val="75000"/>
+                    <a:lumOff val="25000"/>
+                  </a:schemeClr>
+                </a:solidFill>
+                <a:latin typeface="+mn-lt"/>
+                <a:ea typeface="+mn-ea"/>
+                <a:cs typeface="+mn-cs"/>
+              </a:defRPr>
+            </a:lvl7pPr>
+            <a:lvl8pPr marL="3429000" indent="-228600" algn="l" defTabSz="457200" rtl="0" eaLnBrk="1" latinLnBrk="0" hangingPunct="1">
+              <a:spcBef>
+                <a:spcPts val="1000"/>
+              </a:spcBef>
+              <a:spcAft>
+                <a:spcPts val="0"/>
+              </a:spcAft>
+              <a:buClr>
+                <a:schemeClr val="accent1"/>
+              </a:buClr>
+              <a:buSzPct val="80000"/>
+              <a:buFont typeface="Wingdings 3" charset="2"/>
+              <a:buChar char=""/>
+              <a:defRPr sz="1200" kern="1200">
+                <a:solidFill>
+                  <a:schemeClr val="tx1">
+                    <a:lumMod val="75000"/>
+                    <a:lumOff val="25000"/>
+                  </a:schemeClr>
+                </a:solidFill>
+                <a:latin typeface="+mn-lt"/>
+                <a:ea typeface="+mn-ea"/>
+                <a:cs typeface="+mn-cs"/>
+              </a:defRPr>
+            </a:lvl8pPr>
+            <a:lvl9pPr marL="3886200" indent="-228600" algn="l" defTabSz="457200" rtl="0" eaLnBrk="1" latinLnBrk="0" hangingPunct="1">
+              <a:spcBef>
+                <a:spcPts val="1000"/>
+              </a:spcBef>
+              <a:spcAft>
+                <a:spcPts val="0"/>
+              </a:spcAft>
+              <a:buClr>
+                <a:schemeClr val="accent1"/>
+              </a:buClr>
+              <a:buSzPct val="80000"/>
+              <a:buFont typeface="Wingdings 3" charset="2"/>
+              <a:buChar char=""/>
+              <a:defRPr sz="1200" kern="1200">
+                <a:solidFill>
+                  <a:schemeClr val="tx1">
+                    <a:lumMod val="75000"/>
+                    <a:lumOff val="25000"/>
+                  </a:schemeClr>
+                </a:solidFill>
+                <a:latin typeface="+mn-lt"/>
+                <a:ea typeface="+mn-ea"/>
+                <a:cs typeface="+mn-cs"/>
+              </a:defRPr>
+            </a:lvl9pPr>
+          </a:lstStyle>
+          <a:p>
+            <a:pPr marL="0" indent="0" algn="ctr">
+              <a:buFont typeface="Wingdings 3" charset="2"/>
+              <a:buNone/>
+            </a:pPr>
+            <a:r>
+              <a:rPr lang="en-AU" dirty="0">
+                <a:solidFill>
+                  <a:srgbClr val="FF0000"/>
+                </a:solidFill>
+              </a:rPr>
+              <a:t>Insert the excel spreadsheet of green and red things</a:t>
+            </a:r>
+          </a:p>
+        </p:txBody>
+      </p:sp>
+    </p:spTree>
+    <p:extLst>
+      <p:ext uri="{BB962C8B-B14F-4D97-AF65-F5344CB8AC3E}">
+        <p14:creationId xmlns:p14="http://schemas.microsoft.com/office/powerpoint/2010/main" val="2594089556"/>
+      </p:ext>
+    </p:extLst>
+  </p:cSld>
+  <p:clrMapOvr>
+    <a:masterClrMapping/>
+  </p:clrMapOvr>
+</p:sld>
+</file>
+
+<file path=ppt/slides/slide6.xml><?xml version="1.0" encoding="utf-8"?>
+<p:sld xmlns:a="http://schemas.openxmlformats.org/drawingml/2006/main" xmlns:r="http://schemas.openxmlformats.org/officeDocument/2006/relationships" xmlns:p="http://schemas.openxmlformats.org/presentationml/2006/main">
+  <p:cSld>
+    <p:bg>
+      <p:bgPr>
+        <a:solidFill>
+          <a:schemeClr val="bg1"/>
+        </a:solidFill>
+        <a:effectLst/>
+      </p:bgPr>
+    </p:bg>
+    <p:spTree>
+      <p:nvGrpSpPr>
+        <p:cNvPr id="1" name=""/>
+        <p:cNvGrpSpPr/>
+        <p:nvPr/>
+      </p:nvGrpSpPr>
+      <p:grpSpPr>
+        <a:xfrm>
+          <a:off x="0" y="0"/>
+          <a:ext cx="0" cy="0"/>
+          <a:chOff x="0" y="0"/>
+          <a:chExt cx="0" cy="0"/>
+        </a:xfrm>
+      </p:grpSpPr>
       <p:sp useBgFill="1">
         <p:nvSpPr>
           <p:cNvPr id="47" name="Rectangle 46">
@@ -10451,258 +12731,6 @@
 </p:sld>
 </file>
 
-<file path=ppt/slides/slide4.xml><?xml version="1.0" encoding="utf-8"?>
-<p:sld xmlns:a="http://schemas.openxmlformats.org/drawingml/2006/main" xmlns:r="http://schemas.openxmlformats.org/officeDocument/2006/relationships" xmlns:p="http://schemas.openxmlformats.org/presentationml/2006/main">
-  <p:cSld>
-    <p:spTree>
-      <p:nvGrpSpPr>
-        <p:cNvPr id="1" name=""/>
-        <p:cNvGrpSpPr/>
-        <p:nvPr/>
-      </p:nvGrpSpPr>
-      <p:grpSpPr>
-        <a:xfrm>
-          <a:off x="0" y="0"/>
-          <a:ext cx="0" cy="0"/>
-          <a:chOff x="0" y="0"/>
-          <a:chExt cx="0" cy="0"/>
-        </a:xfrm>
-      </p:grpSpPr>
-      <p:sp>
-        <p:nvSpPr>
-          <p:cNvPr id="2" name="Title 1">
-            <a:extLst>
-              <a:ext uri="{FF2B5EF4-FFF2-40B4-BE49-F238E27FC236}">
-                <a16:creationId xmlns:a16="http://schemas.microsoft.com/office/drawing/2014/main" id="{3617D379-069D-9546-A3BE-C41231C65E27}"/>
-              </a:ext>
-            </a:extLst>
-          </p:cNvPr>
-          <p:cNvSpPr>
-            <a:spLocks noGrp="1"/>
-          </p:cNvSpPr>
-          <p:nvPr>
-            <p:ph type="title"/>
-          </p:nvPr>
-        </p:nvSpPr>
-        <p:spPr/>
-        <p:txBody>
-          <a:bodyPr/>
-          <a:lstStyle/>
-          <a:p>
-            <a:r>
-              <a:rPr lang="en-AU" dirty="0"/>
-              <a:t>Moving Average</a:t>
-            </a:r>
-          </a:p>
-        </p:txBody>
-      </p:sp>
-      <p:sp>
-        <p:nvSpPr>
-          <p:cNvPr id="3" name="Content Placeholder 2">
-            <a:extLst>
-              <a:ext uri="{FF2B5EF4-FFF2-40B4-BE49-F238E27FC236}">
-                <a16:creationId xmlns:a16="http://schemas.microsoft.com/office/drawing/2014/main" id="{E65F183F-3FCB-B84E-8B28-A3728A0F0102}"/>
-              </a:ext>
-            </a:extLst>
-          </p:cNvPr>
-          <p:cNvSpPr>
-            <a:spLocks noGrp="1"/>
-          </p:cNvSpPr>
-          <p:nvPr>
-            <p:ph idx="1"/>
-          </p:nvPr>
-        </p:nvSpPr>
-        <p:spPr/>
-        <p:txBody>
-          <a:bodyPr/>
-          <a:lstStyle/>
-          <a:p>
-            <a:r>
-              <a:rPr lang="en-AU" dirty="0"/>
-              <a:t>Strategy applied for stocks with high volatility</a:t>
-            </a:r>
-          </a:p>
-        </p:txBody>
-      </p:sp>
-    </p:spTree>
-    <p:extLst>
-      <p:ext uri="{BB962C8B-B14F-4D97-AF65-F5344CB8AC3E}">
-        <p14:creationId xmlns:p14="http://schemas.microsoft.com/office/powerpoint/2010/main" val="3508907949"/>
-      </p:ext>
-    </p:extLst>
-  </p:cSld>
-  <p:clrMapOvr>
-    <a:masterClrMapping/>
-  </p:clrMapOvr>
-</p:sld>
-</file>
-
-<file path=ppt/slides/slide5.xml><?xml version="1.0" encoding="utf-8"?>
-<p:sld xmlns:a="http://schemas.openxmlformats.org/drawingml/2006/main" xmlns:r="http://schemas.openxmlformats.org/officeDocument/2006/relationships" xmlns:p="http://schemas.openxmlformats.org/presentationml/2006/main">
-  <p:cSld>
-    <p:spTree>
-      <p:nvGrpSpPr>
-        <p:cNvPr id="1" name=""/>
-        <p:cNvGrpSpPr/>
-        <p:nvPr/>
-      </p:nvGrpSpPr>
-      <p:grpSpPr>
-        <a:xfrm>
-          <a:off x="0" y="0"/>
-          <a:ext cx="0" cy="0"/>
-          <a:chOff x="0" y="0"/>
-          <a:chExt cx="0" cy="0"/>
-        </a:xfrm>
-      </p:grpSpPr>
-      <p:sp>
-        <p:nvSpPr>
-          <p:cNvPr id="2" name="Title 1">
-            <a:extLst>
-              <a:ext uri="{FF2B5EF4-FFF2-40B4-BE49-F238E27FC236}">
-                <a16:creationId xmlns:a16="http://schemas.microsoft.com/office/drawing/2014/main" id="{3617D379-069D-9546-A3BE-C41231C65E27}"/>
-              </a:ext>
-            </a:extLst>
-          </p:cNvPr>
-          <p:cNvSpPr>
-            <a:spLocks noGrp="1"/>
-          </p:cNvSpPr>
-          <p:nvPr>
-            <p:ph type="title"/>
-          </p:nvPr>
-        </p:nvSpPr>
-        <p:spPr/>
-        <p:txBody>
-          <a:bodyPr/>
-          <a:lstStyle/>
-          <a:p>
-            <a:r>
-              <a:rPr lang="en-AU" dirty="0"/>
-              <a:t>Momentum</a:t>
-            </a:r>
-          </a:p>
-        </p:txBody>
-      </p:sp>
-      <p:sp>
-        <p:nvSpPr>
-          <p:cNvPr id="3" name="Content Placeholder 2">
-            <a:extLst>
-              <a:ext uri="{FF2B5EF4-FFF2-40B4-BE49-F238E27FC236}">
-                <a16:creationId xmlns:a16="http://schemas.microsoft.com/office/drawing/2014/main" id="{E65F183F-3FCB-B84E-8B28-A3728A0F0102}"/>
-              </a:ext>
-            </a:extLst>
-          </p:cNvPr>
-          <p:cNvSpPr>
-            <a:spLocks noGrp="1"/>
-          </p:cNvSpPr>
-          <p:nvPr>
-            <p:ph idx="1"/>
-          </p:nvPr>
-        </p:nvSpPr>
-        <p:spPr/>
-        <p:txBody>
-          <a:bodyPr/>
-          <a:lstStyle/>
-          <a:p>
-            <a:endParaRPr lang="en-AU" dirty="0"/>
-          </a:p>
-        </p:txBody>
-      </p:sp>
-    </p:spTree>
-    <p:extLst>
-      <p:ext uri="{BB962C8B-B14F-4D97-AF65-F5344CB8AC3E}">
-        <p14:creationId xmlns:p14="http://schemas.microsoft.com/office/powerpoint/2010/main" val="1292148940"/>
-      </p:ext>
-    </p:extLst>
-  </p:cSld>
-  <p:clrMapOvr>
-    <a:masterClrMapping/>
-  </p:clrMapOvr>
-</p:sld>
-</file>
-
-<file path=ppt/slides/slide6.xml><?xml version="1.0" encoding="utf-8"?>
-<p:sld xmlns:a="http://schemas.openxmlformats.org/drawingml/2006/main" xmlns:r="http://schemas.openxmlformats.org/officeDocument/2006/relationships" xmlns:p="http://schemas.openxmlformats.org/presentationml/2006/main">
-  <p:cSld>
-    <p:spTree>
-      <p:nvGrpSpPr>
-        <p:cNvPr id="1" name=""/>
-        <p:cNvGrpSpPr/>
-        <p:nvPr/>
-      </p:nvGrpSpPr>
-      <p:grpSpPr>
-        <a:xfrm>
-          <a:off x="0" y="0"/>
-          <a:ext cx="0" cy="0"/>
-          <a:chOff x="0" y="0"/>
-          <a:chExt cx="0" cy="0"/>
-        </a:xfrm>
-      </p:grpSpPr>
-      <p:sp>
-        <p:nvSpPr>
-          <p:cNvPr id="2" name="Title 1">
-            <a:extLst>
-              <a:ext uri="{FF2B5EF4-FFF2-40B4-BE49-F238E27FC236}">
-                <a16:creationId xmlns:a16="http://schemas.microsoft.com/office/drawing/2014/main" id="{3617D379-069D-9546-A3BE-C41231C65E27}"/>
-              </a:ext>
-            </a:extLst>
-          </p:cNvPr>
-          <p:cNvSpPr>
-            <a:spLocks noGrp="1"/>
-          </p:cNvSpPr>
-          <p:nvPr>
-            <p:ph type="title"/>
-          </p:nvPr>
-        </p:nvSpPr>
-        <p:spPr/>
-        <p:txBody>
-          <a:bodyPr/>
-          <a:lstStyle/>
-          <a:p>
-            <a:r>
-              <a:rPr lang="en-AU" dirty="0"/>
-              <a:t>Optimisation</a:t>
-            </a:r>
-          </a:p>
-        </p:txBody>
-      </p:sp>
-      <p:sp>
-        <p:nvSpPr>
-          <p:cNvPr id="3" name="Content Placeholder 2">
-            <a:extLst>
-              <a:ext uri="{FF2B5EF4-FFF2-40B4-BE49-F238E27FC236}">
-                <a16:creationId xmlns:a16="http://schemas.microsoft.com/office/drawing/2014/main" id="{E65F183F-3FCB-B84E-8B28-A3728A0F0102}"/>
-              </a:ext>
-            </a:extLst>
-          </p:cNvPr>
-          <p:cNvSpPr>
-            <a:spLocks noGrp="1"/>
-          </p:cNvSpPr>
-          <p:nvPr>
-            <p:ph idx="1"/>
-          </p:nvPr>
-        </p:nvSpPr>
-        <p:spPr/>
-        <p:txBody>
-          <a:bodyPr/>
-          <a:lstStyle/>
-          <a:p>
-            <a:endParaRPr lang="en-AU"/>
-          </a:p>
-        </p:txBody>
-      </p:sp>
-    </p:spTree>
-    <p:extLst>
-      <p:ext uri="{BB962C8B-B14F-4D97-AF65-F5344CB8AC3E}">
-        <p14:creationId xmlns:p14="http://schemas.microsoft.com/office/powerpoint/2010/main" val="2727758678"/>
-      </p:ext>
-    </p:extLst>
-  </p:cSld>
-  <p:clrMapOvr>
-    <a:masterClrMapping/>
-  </p:clrMapOvr>
-</p:sld>
-</file>
-
 <file path=ppt/slides/slide7.xml><?xml version="1.0" encoding="utf-8"?>
 <p:sld xmlns:a="http://schemas.openxmlformats.org/drawingml/2006/main" xmlns:r="http://schemas.openxmlformats.org/officeDocument/2006/relationships" xmlns:p="http://schemas.openxmlformats.org/presentationml/2006/main">
   <p:cSld>
@@ -10743,7 +12771,7 @@
           <a:p>
             <a:r>
               <a:rPr lang="en-AU" dirty="0"/>
-              <a:t>Results and Potential Improvements</a:t>
+              <a:t>Moving Average</a:t>
             </a:r>
           </a:p>
         </p:txBody>
@@ -10769,14 +12797,17 @@
           <a:bodyPr/>
           <a:lstStyle/>
           <a:p>
-            <a:endParaRPr lang="en-AU"/>
+            <a:r>
+              <a:rPr lang="en-AU" dirty="0"/>
+              <a:t>Strategy applied for stocks with high volatility</a:t>
+            </a:r>
           </a:p>
         </p:txBody>
       </p:sp>
     </p:spTree>
     <p:extLst>
       <p:ext uri="{BB962C8B-B14F-4D97-AF65-F5344CB8AC3E}">
-        <p14:creationId xmlns:p14="http://schemas.microsoft.com/office/powerpoint/2010/main" val="3907054753"/>
+        <p14:creationId xmlns:p14="http://schemas.microsoft.com/office/powerpoint/2010/main" val="3508907949"/>
       </p:ext>
     </p:extLst>
   </p:cSld>
@@ -10808,7 +12839,7 @@
           <p:cNvPr id="2" name="Title 1">
             <a:extLst>
               <a:ext uri="{FF2B5EF4-FFF2-40B4-BE49-F238E27FC236}">
-                <a16:creationId xmlns:a16="http://schemas.microsoft.com/office/drawing/2014/main" id="{7CAA7696-C54D-A64E-A6A3-36581E7FBBC8}"/>
+                <a16:creationId xmlns:a16="http://schemas.microsoft.com/office/drawing/2014/main" id="{3617D379-069D-9546-A3BE-C41231C65E27}"/>
               </a:ext>
             </a:extLst>
           </p:cNvPr>
@@ -10826,44 +12857,123 @@
           <a:p>
             <a:r>
               <a:rPr lang="en-AU" dirty="0"/>
-              <a:t>Criteria </a:t>
+              <a:t>Momentum</a:t>
             </a:r>
           </a:p>
         </p:txBody>
       </p:sp>
-      <p:pic>
-        <p:nvPicPr>
-          <p:cNvPr id="5" name="Content Placeholder 4" descr="Text, letter&#10;&#10;Description automatically generated">
+      <p:sp>
+        <p:nvSpPr>
+          <p:cNvPr id="3" name="Content Placeholder 2">
             <a:extLst>
               <a:ext uri="{FF2B5EF4-FFF2-40B4-BE49-F238E27FC236}">
-                <a16:creationId xmlns:a16="http://schemas.microsoft.com/office/drawing/2014/main" id="{40C05237-42C1-D941-90AF-FF5C5E19EB09}"/>
+                <a16:creationId xmlns:a16="http://schemas.microsoft.com/office/drawing/2014/main" id="{E65F183F-3FCB-B84E-8B28-A3728A0F0102}"/>
               </a:ext>
             </a:extLst>
           </p:cNvPr>
-          <p:cNvPicPr>
-            <a:picLocks noGrp="1" noChangeAspect="1"/>
-          </p:cNvPicPr>
+          <p:cNvSpPr>
+            <a:spLocks noGrp="1"/>
+          </p:cNvSpPr>
           <p:nvPr>
             <p:ph idx="1"/>
           </p:nvPr>
-        </p:nvPicPr>
-        <p:blipFill>
-          <a:blip r:embed="rId3"/>
-          <a:stretch>
-            <a:fillRect/>
-          </a:stretch>
-        </p:blipFill>
-        <p:spPr>
-          <a:xfrm>
-            <a:off x="677863" y="2368085"/>
-            <a:ext cx="8596312" cy="3466442"/>
-          </a:xfrm>
-        </p:spPr>
-      </p:pic>
+        </p:nvSpPr>
+        <p:spPr/>
+        <p:txBody>
+          <a:bodyPr/>
+          <a:lstStyle/>
+          <a:p>
+            <a:endParaRPr lang="en-AU" dirty="0"/>
+          </a:p>
+        </p:txBody>
+      </p:sp>
     </p:spTree>
     <p:extLst>
       <p:ext uri="{BB962C8B-B14F-4D97-AF65-F5344CB8AC3E}">
-        <p14:creationId xmlns:p14="http://schemas.microsoft.com/office/powerpoint/2010/main" val="3546353354"/>
+        <p14:creationId xmlns:p14="http://schemas.microsoft.com/office/powerpoint/2010/main" val="1292148940"/>
+      </p:ext>
+    </p:extLst>
+  </p:cSld>
+  <p:clrMapOvr>
+    <a:masterClrMapping/>
+  </p:clrMapOvr>
+</p:sld>
+</file>
+
+<file path=ppt/slides/slide9.xml><?xml version="1.0" encoding="utf-8"?>
+<p:sld xmlns:a="http://schemas.openxmlformats.org/drawingml/2006/main" xmlns:r="http://schemas.openxmlformats.org/officeDocument/2006/relationships" xmlns:p="http://schemas.openxmlformats.org/presentationml/2006/main">
+  <p:cSld>
+    <p:spTree>
+      <p:nvGrpSpPr>
+        <p:cNvPr id="1" name=""/>
+        <p:cNvGrpSpPr/>
+        <p:nvPr/>
+      </p:nvGrpSpPr>
+      <p:grpSpPr>
+        <a:xfrm>
+          <a:off x="0" y="0"/>
+          <a:ext cx="0" cy="0"/>
+          <a:chOff x="0" y="0"/>
+          <a:chExt cx="0" cy="0"/>
+        </a:xfrm>
+      </p:grpSpPr>
+      <p:sp>
+        <p:nvSpPr>
+          <p:cNvPr id="2" name="Title 1">
+            <a:extLst>
+              <a:ext uri="{FF2B5EF4-FFF2-40B4-BE49-F238E27FC236}">
+                <a16:creationId xmlns:a16="http://schemas.microsoft.com/office/drawing/2014/main" id="{3617D379-069D-9546-A3BE-C41231C65E27}"/>
+              </a:ext>
+            </a:extLst>
+          </p:cNvPr>
+          <p:cNvSpPr>
+            <a:spLocks noGrp="1"/>
+          </p:cNvSpPr>
+          <p:nvPr>
+            <p:ph type="title"/>
+          </p:nvPr>
+        </p:nvSpPr>
+        <p:spPr/>
+        <p:txBody>
+          <a:bodyPr/>
+          <a:lstStyle/>
+          <a:p>
+            <a:r>
+              <a:rPr lang="en-AU" dirty="0"/>
+              <a:t>Optimisation</a:t>
+            </a:r>
+          </a:p>
+        </p:txBody>
+      </p:sp>
+      <p:sp>
+        <p:nvSpPr>
+          <p:cNvPr id="3" name="Content Placeholder 2">
+            <a:extLst>
+              <a:ext uri="{FF2B5EF4-FFF2-40B4-BE49-F238E27FC236}">
+                <a16:creationId xmlns:a16="http://schemas.microsoft.com/office/drawing/2014/main" id="{E65F183F-3FCB-B84E-8B28-A3728A0F0102}"/>
+              </a:ext>
+            </a:extLst>
+          </p:cNvPr>
+          <p:cNvSpPr>
+            <a:spLocks noGrp="1"/>
+          </p:cNvSpPr>
+          <p:nvPr>
+            <p:ph idx="1"/>
+          </p:nvPr>
+        </p:nvSpPr>
+        <p:spPr/>
+        <p:txBody>
+          <a:bodyPr/>
+          <a:lstStyle/>
+          <a:p>
+            <a:endParaRPr lang="en-AU"/>
+          </a:p>
+        </p:txBody>
+      </p:sp>
+    </p:spTree>
+    <p:extLst>
+      <p:ext uri="{BB962C8B-B14F-4D97-AF65-F5344CB8AC3E}">
+        <p14:creationId xmlns:p14="http://schemas.microsoft.com/office/powerpoint/2010/main" val="2727758678"/>
       </p:ext>
     </p:extLst>
   </p:cSld>

--- a/Astronauts_sig.pptx
+++ b/Astronauts_sig.pptx
@@ -5,20 +5,17 @@
     <p:sldMasterId id="2147483677" r:id="rId1"/>
   </p:sldMasterIdLst>
   <p:notesMasterIdLst>
-    <p:notesMasterId r:id="rId13"/>
+    <p:notesMasterId r:id="rId10"/>
   </p:notesMasterIdLst>
   <p:sldIdLst>
     <p:sldId id="256" r:id="rId2"/>
     <p:sldId id="259" r:id="rId3"/>
-    <p:sldId id="266" r:id="rId4"/>
-    <p:sldId id="267" r:id="rId5"/>
-    <p:sldId id="268" r:id="rId6"/>
-    <p:sldId id="261" r:id="rId7"/>
-    <p:sldId id="262" r:id="rId8"/>
-    <p:sldId id="260" r:id="rId9"/>
-    <p:sldId id="263" r:id="rId10"/>
-    <p:sldId id="264" r:id="rId11"/>
-    <p:sldId id="265" r:id="rId12"/>
+    <p:sldId id="261" r:id="rId4"/>
+    <p:sldId id="262" r:id="rId5"/>
+    <p:sldId id="260" r:id="rId6"/>
+    <p:sldId id="263" r:id="rId7"/>
+    <p:sldId id="264" r:id="rId8"/>
+    <p:sldId id="265" r:id="rId9"/>
   </p:sldIdLst>
   <p:sldSz cx="12192000" cy="6858000"/>
   <p:notesSz cx="6858000" cy="9144000"/>
@@ -207,7 +204,7 @@
           <a:p>
             <a:fld id="{BAAB54B2-A3FF-DC48-B3B1-A5FA4DF29CFB}" type="datetimeFigureOut">
               <a:rPr lang="en-AU" smtClean="0"/>
-              <a:t>19/7/21</a:t>
+              <a:t>18/7/21</a:t>
             </a:fld>
             <a:endParaRPr lang="en-AU"/>
           </a:p>
@@ -633,7 +630,7 @@
     </p:spTree>
     <p:extLst>
       <p:ext uri="{BB962C8B-B14F-4D97-AF65-F5344CB8AC3E}">
-        <p14:creationId xmlns:p14="http://schemas.microsoft.com/office/powerpoint/2010/main" val="1400722849"/>
+        <p14:creationId xmlns:p14="http://schemas.microsoft.com/office/powerpoint/2010/main" val="201148029"/>
       </p:ext>
     </p:extLst>
   </p:cSld>
@@ -708,259 +705,7 @@
           <a:p>
             <a:fld id="{E1239F5A-3C28-4141-A6D5-2BDFAFBB3129}" type="slidenum">
               <a:rPr lang="en-AU" smtClean="0"/>
-              <a:t>4</a:t>
-            </a:fld>
-            <a:endParaRPr lang="en-AU"/>
-          </a:p>
-        </p:txBody>
-      </p:sp>
-    </p:spTree>
-    <p:extLst>
-      <p:ext uri="{BB962C8B-B14F-4D97-AF65-F5344CB8AC3E}">
-        <p14:creationId xmlns:p14="http://schemas.microsoft.com/office/powerpoint/2010/main" val="2725641439"/>
-      </p:ext>
-    </p:extLst>
-  </p:cSld>
-  <p:clrMapOvr>
-    <a:masterClrMapping/>
-  </p:clrMapOvr>
-</p:notes>
-</file>
-
-<file path=ppt/notesSlides/notesSlide4.xml><?xml version="1.0" encoding="utf-8"?>
-<p:notes xmlns:a="http://schemas.openxmlformats.org/drawingml/2006/main" xmlns:r="http://schemas.openxmlformats.org/officeDocument/2006/relationships" xmlns:p="http://schemas.openxmlformats.org/presentationml/2006/main">
-  <p:cSld>
-    <p:spTree>
-      <p:nvGrpSpPr>
-        <p:cNvPr id="1" name=""/>
-        <p:cNvGrpSpPr/>
-        <p:nvPr/>
-      </p:nvGrpSpPr>
-      <p:grpSpPr>
-        <a:xfrm>
-          <a:off x="0" y="0"/>
-          <a:ext cx="0" cy="0"/>
-          <a:chOff x="0" y="0"/>
-          <a:chExt cx="0" cy="0"/>
-        </a:xfrm>
-      </p:grpSpPr>
-      <p:sp>
-        <p:nvSpPr>
-          <p:cNvPr id="2" name="Slide Image Placeholder 1"/>
-          <p:cNvSpPr>
-            <a:spLocks noGrp="1" noRot="1" noChangeAspect="1"/>
-          </p:cNvSpPr>
-          <p:nvPr>
-            <p:ph type="sldImg"/>
-          </p:nvPr>
-        </p:nvSpPr>
-        <p:spPr/>
-      </p:sp>
-      <p:sp>
-        <p:nvSpPr>
-          <p:cNvPr id="3" name="Notes Placeholder 2"/>
-          <p:cNvSpPr>
-            <a:spLocks noGrp="1"/>
-          </p:cNvSpPr>
-          <p:nvPr>
-            <p:ph type="body" idx="1"/>
-          </p:nvPr>
-        </p:nvSpPr>
-        <p:spPr/>
-        <p:txBody>
-          <a:bodyPr/>
-          <a:lstStyle/>
-          <a:p>
-            <a:endParaRPr lang="en-AU" dirty="0"/>
-          </a:p>
-        </p:txBody>
-      </p:sp>
-      <p:sp>
-        <p:nvSpPr>
-          <p:cNvPr id="4" name="Slide Number Placeholder 3"/>
-          <p:cNvSpPr>
-            <a:spLocks noGrp="1"/>
-          </p:cNvSpPr>
-          <p:nvPr>
-            <p:ph type="sldNum" sz="quarter" idx="5"/>
-          </p:nvPr>
-        </p:nvSpPr>
-        <p:spPr/>
-        <p:txBody>
-          <a:bodyPr/>
-          <a:lstStyle/>
-          <a:p>
-            <a:fld id="{E1239F5A-3C28-4141-A6D5-2BDFAFBB3129}" type="slidenum">
-              <a:rPr lang="en-AU" smtClean="0"/>
-              <a:t>5</a:t>
-            </a:fld>
-            <a:endParaRPr lang="en-AU"/>
-          </a:p>
-        </p:txBody>
-      </p:sp>
-    </p:spTree>
-    <p:extLst>
-      <p:ext uri="{BB962C8B-B14F-4D97-AF65-F5344CB8AC3E}">
-        <p14:creationId xmlns:p14="http://schemas.microsoft.com/office/powerpoint/2010/main" val="2922765171"/>
-      </p:ext>
-    </p:extLst>
-  </p:cSld>
-  <p:clrMapOvr>
-    <a:masterClrMapping/>
-  </p:clrMapOvr>
-</p:notes>
-</file>
-
-<file path=ppt/notesSlides/notesSlide5.xml><?xml version="1.0" encoding="utf-8"?>
-<p:notes xmlns:a="http://schemas.openxmlformats.org/drawingml/2006/main" xmlns:r="http://schemas.openxmlformats.org/officeDocument/2006/relationships" xmlns:p="http://schemas.openxmlformats.org/presentationml/2006/main">
-  <p:cSld>
-    <p:spTree>
-      <p:nvGrpSpPr>
-        <p:cNvPr id="1" name=""/>
-        <p:cNvGrpSpPr/>
-        <p:nvPr/>
-      </p:nvGrpSpPr>
-      <p:grpSpPr>
-        <a:xfrm>
-          <a:off x="0" y="0"/>
-          <a:ext cx="0" cy="0"/>
-          <a:chOff x="0" y="0"/>
-          <a:chExt cx="0" cy="0"/>
-        </a:xfrm>
-      </p:grpSpPr>
-      <p:sp>
-        <p:nvSpPr>
-          <p:cNvPr id="2" name="Slide Image Placeholder 1"/>
-          <p:cNvSpPr>
-            <a:spLocks noGrp="1" noRot="1" noChangeAspect="1"/>
-          </p:cNvSpPr>
-          <p:nvPr>
-            <p:ph type="sldImg"/>
-          </p:nvPr>
-        </p:nvSpPr>
-        <p:spPr/>
-      </p:sp>
-      <p:sp>
-        <p:nvSpPr>
-          <p:cNvPr id="3" name="Notes Placeholder 2"/>
-          <p:cNvSpPr>
-            <a:spLocks noGrp="1"/>
-          </p:cNvSpPr>
-          <p:nvPr>
-            <p:ph type="body" idx="1"/>
-          </p:nvPr>
-        </p:nvSpPr>
-        <p:spPr/>
-        <p:txBody>
-          <a:bodyPr/>
-          <a:lstStyle/>
-          <a:p>
-            <a:endParaRPr lang="en-AU" dirty="0"/>
-          </a:p>
-        </p:txBody>
-      </p:sp>
-      <p:sp>
-        <p:nvSpPr>
-          <p:cNvPr id="4" name="Slide Number Placeholder 3"/>
-          <p:cNvSpPr>
-            <a:spLocks noGrp="1"/>
-          </p:cNvSpPr>
-          <p:nvPr>
-            <p:ph type="sldNum" sz="quarter" idx="5"/>
-          </p:nvPr>
-        </p:nvSpPr>
-        <p:spPr/>
-        <p:txBody>
-          <a:bodyPr/>
-          <a:lstStyle/>
-          <a:p>
-            <a:fld id="{E1239F5A-3C28-4141-A6D5-2BDFAFBB3129}" type="slidenum">
-              <a:rPr lang="en-AU" smtClean="0"/>
-              <a:t>6</a:t>
-            </a:fld>
-            <a:endParaRPr lang="en-AU"/>
-          </a:p>
-        </p:txBody>
-      </p:sp>
-    </p:spTree>
-    <p:extLst>
-      <p:ext uri="{BB962C8B-B14F-4D97-AF65-F5344CB8AC3E}">
-        <p14:creationId xmlns:p14="http://schemas.microsoft.com/office/powerpoint/2010/main" val="201148029"/>
-      </p:ext>
-    </p:extLst>
-  </p:cSld>
-  <p:clrMapOvr>
-    <a:masterClrMapping/>
-  </p:clrMapOvr>
-</p:notes>
-</file>
-
-<file path=ppt/notesSlides/notesSlide6.xml><?xml version="1.0" encoding="utf-8"?>
-<p:notes xmlns:a="http://schemas.openxmlformats.org/drawingml/2006/main" xmlns:r="http://schemas.openxmlformats.org/officeDocument/2006/relationships" xmlns:p="http://schemas.openxmlformats.org/presentationml/2006/main">
-  <p:cSld>
-    <p:spTree>
-      <p:nvGrpSpPr>
-        <p:cNvPr id="1" name=""/>
-        <p:cNvGrpSpPr/>
-        <p:nvPr/>
-      </p:nvGrpSpPr>
-      <p:grpSpPr>
-        <a:xfrm>
-          <a:off x="0" y="0"/>
-          <a:ext cx="0" cy="0"/>
-          <a:chOff x="0" y="0"/>
-          <a:chExt cx="0" cy="0"/>
-        </a:xfrm>
-      </p:grpSpPr>
-      <p:sp>
-        <p:nvSpPr>
-          <p:cNvPr id="2" name="Slide Image Placeholder 1"/>
-          <p:cNvSpPr>
-            <a:spLocks noGrp="1" noRot="1" noChangeAspect="1"/>
-          </p:cNvSpPr>
-          <p:nvPr>
-            <p:ph type="sldImg"/>
-          </p:nvPr>
-        </p:nvSpPr>
-        <p:spPr/>
-      </p:sp>
-      <p:sp>
-        <p:nvSpPr>
-          <p:cNvPr id="3" name="Notes Placeholder 2"/>
-          <p:cNvSpPr>
-            <a:spLocks noGrp="1"/>
-          </p:cNvSpPr>
-          <p:nvPr>
-            <p:ph type="body" idx="1"/>
-          </p:nvPr>
-        </p:nvSpPr>
-        <p:spPr/>
-        <p:txBody>
-          <a:bodyPr/>
-          <a:lstStyle/>
-          <a:p>
-            <a:endParaRPr lang="en-AU" dirty="0"/>
-          </a:p>
-        </p:txBody>
-      </p:sp>
-      <p:sp>
-        <p:nvSpPr>
-          <p:cNvPr id="4" name="Slide Number Placeholder 3"/>
-          <p:cNvSpPr>
-            <a:spLocks noGrp="1"/>
-          </p:cNvSpPr>
-          <p:nvPr>
-            <p:ph type="sldNum" sz="quarter" idx="5"/>
-          </p:nvPr>
-        </p:nvSpPr>
-        <p:spPr/>
-        <p:txBody>
-          <a:bodyPr/>
-          <a:lstStyle/>
-          <a:p>
-            <a:fld id="{E1239F5A-3C28-4141-A6D5-2BDFAFBB3129}" type="slidenum">
-              <a:rPr lang="en-AU" smtClean="0"/>
-              <a:t>11</a:t>
+              <a:t>8</a:t>
             </a:fld>
             <a:endParaRPr lang="en-AU"/>
           </a:p>
@@ -1724,7 +1469,7 @@
           <a:p>
             <a:fld id="{4F087987-FD11-614B-9E13-DEC68B3BF32D}" type="datetimeFigureOut">
               <a:rPr lang="en-AU" smtClean="0"/>
-              <a:t>19/7/21</a:t>
+              <a:t>18/7/21</a:t>
             </a:fld>
             <a:endParaRPr lang="en-AU"/>
           </a:p>
@@ -1975,7 +1720,7 @@
           <a:p>
             <a:fld id="{4F087987-FD11-614B-9E13-DEC68B3BF32D}" type="datetimeFigureOut">
               <a:rPr lang="en-AU" smtClean="0"/>
-              <a:t>19/7/21</a:t>
+              <a:t>18/7/21</a:t>
             </a:fld>
             <a:endParaRPr lang="en-AU"/>
           </a:p>
@@ -2289,7 +2034,7 @@
           <a:p>
             <a:fld id="{4F087987-FD11-614B-9E13-DEC68B3BF32D}" type="datetimeFigureOut">
               <a:rPr lang="en-AU" smtClean="0"/>
-              <a:t>19/7/21</a:t>
+              <a:t>18/7/21</a:t>
             </a:fld>
             <a:endParaRPr lang="en-AU"/>
           </a:p>
@@ -2622,7 +2367,7 @@
           <a:p>
             <a:fld id="{4F087987-FD11-614B-9E13-DEC68B3BF32D}" type="datetimeFigureOut">
               <a:rPr lang="en-AU" smtClean="0"/>
-              <a:t>19/7/21</a:t>
+              <a:t>18/7/21</a:t>
             </a:fld>
             <a:endParaRPr lang="en-AU"/>
           </a:p>
@@ -2936,7 +2681,7 @@
           <a:p>
             <a:fld id="{4F087987-FD11-614B-9E13-DEC68B3BF32D}" type="datetimeFigureOut">
               <a:rPr lang="en-AU" smtClean="0"/>
-              <a:t>19/7/21</a:t>
+              <a:t>18/7/21</a:t>
             </a:fld>
             <a:endParaRPr lang="en-AU"/>
           </a:p>
@@ -3329,7 +3074,7 @@
           <a:p>
             <a:fld id="{4F087987-FD11-614B-9E13-DEC68B3BF32D}" type="datetimeFigureOut">
               <a:rPr lang="en-AU" smtClean="0"/>
-              <a:t>19/7/21</a:t>
+              <a:t>18/7/21</a:t>
             </a:fld>
             <a:endParaRPr lang="en-AU"/>
           </a:p>
@@ -3499,7 +3244,7 @@
           <a:p>
             <a:fld id="{4F087987-FD11-614B-9E13-DEC68B3BF32D}" type="datetimeFigureOut">
               <a:rPr lang="en-AU" smtClean="0"/>
-              <a:t>19/7/21</a:t>
+              <a:t>18/7/21</a:t>
             </a:fld>
             <a:endParaRPr lang="en-AU"/>
           </a:p>
@@ -3679,7 +3424,7 @@
           <a:p>
             <a:fld id="{4F087987-FD11-614B-9E13-DEC68B3BF32D}" type="datetimeFigureOut">
               <a:rPr lang="en-AU" smtClean="0"/>
-              <a:t>19/7/21</a:t>
+              <a:t>18/7/21</a:t>
             </a:fld>
             <a:endParaRPr lang="en-AU"/>
           </a:p>
@@ -3849,7 +3594,7 @@
           <a:p>
             <a:fld id="{4F087987-FD11-614B-9E13-DEC68B3BF32D}" type="datetimeFigureOut">
               <a:rPr lang="en-AU" smtClean="0"/>
-              <a:t>19/7/21</a:t>
+              <a:t>18/7/21</a:t>
             </a:fld>
             <a:endParaRPr lang="en-AU"/>
           </a:p>
@@ -4096,7 +3841,7 @@
           <a:p>
             <a:fld id="{4F087987-FD11-614B-9E13-DEC68B3BF32D}" type="datetimeFigureOut">
               <a:rPr lang="en-AU" smtClean="0"/>
-              <a:t>19/7/21</a:t>
+              <a:t>18/7/21</a:t>
             </a:fld>
             <a:endParaRPr lang="en-AU"/>
           </a:p>
@@ -4328,7 +4073,7 @@
           <a:p>
             <a:fld id="{4F087987-FD11-614B-9E13-DEC68B3BF32D}" type="datetimeFigureOut">
               <a:rPr lang="en-AU" smtClean="0"/>
-              <a:t>19/7/21</a:t>
+              <a:t>18/7/21</a:t>
             </a:fld>
             <a:endParaRPr lang="en-AU"/>
           </a:p>
@@ -4702,7 +4447,7 @@
           <a:p>
             <a:fld id="{4F087987-FD11-614B-9E13-DEC68B3BF32D}" type="datetimeFigureOut">
               <a:rPr lang="en-AU" smtClean="0"/>
-              <a:t>19/7/21</a:t>
+              <a:t>18/7/21</a:t>
             </a:fld>
             <a:endParaRPr lang="en-AU"/>
           </a:p>
@@ -4825,7 +4570,7 @@
           <a:p>
             <a:fld id="{4F087987-FD11-614B-9E13-DEC68B3BF32D}" type="datetimeFigureOut">
               <a:rPr lang="en-AU" smtClean="0"/>
-              <a:t>19/7/21</a:t>
+              <a:t>18/7/21</a:t>
             </a:fld>
             <a:endParaRPr lang="en-AU"/>
           </a:p>
@@ -4920,7 +4665,7 @@
           <a:p>
             <a:fld id="{4F087987-FD11-614B-9E13-DEC68B3BF32D}" type="datetimeFigureOut">
               <a:rPr lang="en-AU" smtClean="0"/>
-              <a:t>19/7/21</a:t>
+              <a:t>18/7/21</a:t>
             </a:fld>
             <a:endParaRPr lang="en-AU"/>
           </a:p>
@@ -5175,7 +4920,7 @@
           <a:p>
             <a:fld id="{4F087987-FD11-614B-9E13-DEC68B3BF32D}" type="datetimeFigureOut">
               <a:rPr lang="en-AU" smtClean="0"/>
-              <a:t>19/7/21</a:t>
+              <a:t>18/7/21</a:t>
             </a:fld>
             <a:endParaRPr lang="en-AU"/>
           </a:p>
@@ -5480,7 +5225,7 @@
           <a:p>
             <a:fld id="{4F087987-FD11-614B-9E13-DEC68B3BF32D}" type="datetimeFigureOut">
               <a:rPr lang="en-AU" smtClean="0"/>
-              <a:t>19/7/21</a:t>
+              <a:t>18/7/21</a:t>
             </a:fld>
             <a:endParaRPr lang="en-AU"/>
           </a:p>
@@ -6182,7 +5927,7 @@
           <a:p>
             <a:fld id="{4F087987-FD11-614B-9E13-DEC68B3BF32D}" type="datetimeFigureOut">
               <a:rPr lang="en-AU" smtClean="0"/>
-              <a:t>19/7/21</a:t>
+              <a:t>18/7/21</a:t>
             </a:fld>
             <a:endParaRPr lang="en-AU"/>
           </a:p>
@@ -7554,176 +7299,6 @@
 </p:sld>
 </file>
 
-<file path=ppt/slides/slide10.xml><?xml version="1.0" encoding="utf-8"?>
-<p:sld xmlns:a="http://schemas.openxmlformats.org/drawingml/2006/main" xmlns:r="http://schemas.openxmlformats.org/officeDocument/2006/relationships" xmlns:p="http://schemas.openxmlformats.org/presentationml/2006/main">
-  <p:cSld>
-    <p:spTree>
-      <p:nvGrpSpPr>
-        <p:cNvPr id="1" name=""/>
-        <p:cNvGrpSpPr/>
-        <p:nvPr/>
-      </p:nvGrpSpPr>
-      <p:grpSpPr>
-        <a:xfrm>
-          <a:off x="0" y="0"/>
-          <a:ext cx="0" cy="0"/>
-          <a:chOff x="0" y="0"/>
-          <a:chExt cx="0" cy="0"/>
-        </a:xfrm>
-      </p:grpSpPr>
-      <p:sp>
-        <p:nvSpPr>
-          <p:cNvPr id="2" name="Title 1">
-            <a:extLst>
-              <a:ext uri="{FF2B5EF4-FFF2-40B4-BE49-F238E27FC236}">
-                <a16:creationId xmlns:a16="http://schemas.microsoft.com/office/drawing/2014/main" id="{3617D379-069D-9546-A3BE-C41231C65E27}"/>
-              </a:ext>
-            </a:extLst>
-          </p:cNvPr>
-          <p:cNvSpPr>
-            <a:spLocks noGrp="1"/>
-          </p:cNvSpPr>
-          <p:nvPr>
-            <p:ph type="title"/>
-          </p:nvPr>
-        </p:nvSpPr>
-        <p:spPr/>
-        <p:txBody>
-          <a:bodyPr/>
-          <a:lstStyle/>
-          <a:p>
-            <a:r>
-              <a:rPr lang="en-AU" dirty="0"/>
-              <a:t>Results and Potential Improvements</a:t>
-            </a:r>
-          </a:p>
-        </p:txBody>
-      </p:sp>
-      <p:sp>
-        <p:nvSpPr>
-          <p:cNvPr id="3" name="Content Placeholder 2">
-            <a:extLst>
-              <a:ext uri="{FF2B5EF4-FFF2-40B4-BE49-F238E27FC236}">
-                <a16:creationId xmlns:a16="http://schemas.microsoft.com/office/drawing/2014/main" id="{E65F183F-3FCB-B84E-8B28-A3728A0F0102}"/>
-              </a:ext>
-            </a:extLst>
-          </p:cNvPr>
-          <p:cNvSpPr>
-            <a:spLocks noGrp="1"/>
-          </p:cNvSpPr>
-          <p:nvPr>
-            <p:ph idx="1"/>
-          </p:nvPr>
-        </p:nvSpPr>
-        <p:spPr/>
-        <p:txBody>
-          <a:bodyPr/>
-          <a:lstStyle/>
-          <a:p>
-            <a:endParaRPr lang="en-AU"/>
-          </a:p>
-        </p:txBody>
-      </p:sp>
-    </p:spTree>
-    <p:extLst>
-      <p:ext uri="{BB962C8B-B14F-4D97-AF65-F5344CB8AC3E}">
-        <p14:creationId xmlns:p14="http://schemas.microsoft.com/office/powerpoint/2010/main" val="3907054753"/>
-      </p:ext>
-    </p:extLst>
-  </p:cSld>
-  <p:clrMapOvr>
-    <a:masterClrMapping/>
-  </p:clrMapOvr>
-</p:sld>
-</file>
-
-<file path=ppt/slides/slide11.xml><?xml version="1.0" encoding="utf-8"?>
-<p:sld xmlns:a="http://schemas.openxmlformats.org/drawingml/2006/main" xmlns:r="http://schemas.openxmlformats.org/officeDocument/2006/relationships" xmlns:p="http://schemas.openxmlformats.org/presentationml/2006/main">
-  <p:cSld>
-    <p:spTree>
-      <p:nvGrpSpPr>
-        <p:cNvPr id="1" name=""/>
-        <p:cNvGrpSpPr/>
-        <p:nvPr/>
-      </p:nvGrpSpPr>
-      <p:grpSpPr>
-        <a:xfrm>
-          <a:off x="0" y="0"/>
-          <a:ext cx="0" cy="0"/>
-          <a:chOff x="0" y="0"/>
-          <a:chExt cx="0" cy="0"/>
-        </a:xfrm>
-      </p:grpSpPr>
-      <p:sp>
-        <p:nvSpPr>
-          <p:cNvPr id="2" name="Title 1">
-            <a:extLst>
-              <a:ext uri="{FF2B5EF4-FFF2-40B4-BE49-F238E27FC236}">
-                <a16:creationId xmlns:a16="http://schemas.microsoft.com/office/drawing/2014/main" id="{7CAA7696-C54D-A64E-A6A3-36581E7FBBC8}"/>
-              </a:ext>
-            </a:extLst>
-          </p:cNvPr>
-          <p:cNvSpPr>
-            <a:spLocks noGrp="1"/>
-          </p:cNvSpPr>
-          <p:nvPr>
-            <p:ph type="title"/>
-          </p:nvPr>
-        </p:nvSpPr>
-        <p:spPr/>
-        <p:txBody>
-          <a:bodyPr/>
-          <a:lstStyle/>
-          <a:p>
-            <a:r>
-              <a:rPr lang="en-AU" dirty="0"/>
-              <a:t>Criteria </a:t>
-            </a:r>
-          </a:p>
-        </p:txBody>
-      </p:sp>
-      <p:pic>
-        <p:nvPicPr>
-          <p:cNvPr id="5" name="Content Placeholder 4" descr="Text, letter&#10;&#10;Description automatically generated">
-            <a:extLst>
-              <a:ext uri="{FF2B5EF4-FFF2-40B4-BE49-F238E27FC236}">
-                <a16:creationId xmlns:a16="http://schemas.microsoft.com/office/drawing/2014/main" id="{40C05237-42C1-D941-90AF-FF5C5E19EB09}"/>
-              </a:ext>
-            </a:extLst>
-          </p:cNvPr>
-          <p:cNvPicPr>
-            <a:picLocks noGrp="1" noChangeAspect="1"/>
-          </p:cNvPicPr>
-          <p:nvPr>
-            <p:ph idx="1"/>
-          </p:nvPr>
-        </p:nvPicPr>
-        <p:blipFill>
-          <a:blip r:embed="rId3"/>
-          <a:stretch>
-            <a:fillRect/>
-          </a:stretch>
-        </p:blipFill>
-        <p:spPr>
-          <a:xfrm>
-            <a:off x="677863" y="2368085"/>
-            <a:ext cx="8596312" cy="3466442"/>
-          </a:xfrm>
-        </p:spPr>
-      </p:pic>
-    </p:spTree>
-    <p:extLst>
-      <p:ext uri="{BB962C8B-B14F-4D97-AF65-F5344CB8AC3E}">
-        <p14:creationId xmlns:p14="http://schemas.microsoft.com/office/powerpoint/2010/main" val="3546353354"/>
-      </p:ext>
-    </p:extLst>
-  </p:cSld>
-  <p:clrMapOvr>
-    <a:masterClrMapping/>
-  </p:clrMapOvr>
-</p:sld>
-</file>
-
 <file path=ppt/slides/slide2.xml><?xml version="1.0" encoding="utf-8"?>
 <p:sld xmlns:a="http://schemas.openxmlformats.org/drawingml/2006/main" xmlns:r="http://schemas.openxmlformats.org/officeDocument/2006/relationships" xmlns:p="http://schemas.openxmlformats.org/presentationml/2006/main">
   <p:cSld>
@@ -8480,6 +8055,276 @@
           </a:extLst>
         </p:spPr>
       </p:pic>
+      <p:sp>
+        <p:nvSpPr>
+          <p:cNvPr id="13" name="Content Placeholder 2">
+            <a:extLst>
+              <a:ext uri="{FF2B5EF4-FFF2-40B4-BE49-F238E27FC236}">
+                <a16:creationId xmlns:a16="http://schemas.microsoft.com/office/drawing/2014/main" id="{0E7D97F1-5E79-4B4D-A5D8-632AA63C3DEC}"/>
+              </a:ext>
+            </a:extLst>
+          </p:cNvPr>
+          <p:cNvSpPr txBox="1">
+            <a:spLocks/>
+          </p:cNvSpPr>
+          <p:nvPr/>
+        </p:nvSpPr>
+        <p:spPr>
+          <a:xfrm>
+            <a:off x="3679426" y="5587146"/>
+            <a:ext cx="2416574" cy="1142755"/>
+          </a:xfrm>
+          <a:prstGeom prst="rect">
+            <a:avLst/>
+          </a:prstGeom>
+        </p:spPr>
+        <p:txBody>
+          <a:bodyPr vert="horz" lIns="91440" tIns="45720" rIns="91440" bIns="45720" rtlCol="0">
+            <a:normAutofit/>
+          </a:bodyPr>
+          <a:lstStyle>
+            <a:lvl1pPr marL="342900" indent="-342900" algn="l" defTabSz="457200" rtl="0" eaLnBrk="1" latinLnBrk="0" hangingPunct="1">
+              <a:spcBef>
+                <a:spcPts val="1000"/>
+              </a:spcBef>
+              <a:spcAft>
+                <a:spcPts val="0"/>
+              </a:spcAft>
+              <a:buClr>
+                <a:schemeClr val="accent1"/>
+              </a:buClr>
+              <a:buSzPct val="80000"/>
+              <a:buFont typeface="Wingdings 3" charset="2"/>
+              <a:buChar char=""/>
+              <a:defRPr sz="1800" kern="1200">
+                <a:solidFill>
+                  <a:schemeClr val="tx1">
+                    <a:lumMod val="75000"/>
+                    <a:lumOff val="25000"/>
+                  </a:schemeClr>
+                </a:solidFill>
+                <a:latin typeface="+mn-lt"/>
+                <a:ea typeface="+mn-ea"/>
+                <a:cs typeface="+mn-cs"/>
+              </a:defRPr>
+            </a:lvl1pPr>
+            <a:lvl2pPr marL="742950" indent="-285750" algn="l" defTabSz="457200" rtl="0" eaLnBrk="1" latinLnBrk="0" hangingPunct="1">
+              <a:spcBef>
+                <a:spcPts val="1000"/>
+              </a:spcBef>
+              <a:spcAft>
+                <a:spcPts val="0"/>
+              </a:spcAft>
+              <a:buClr>
+                <a:schemeClr val="accent1"/>
+              </a:buClr>
+              <a:buSzPct val="80000"/>
+              <a:buFont typeface="Wingdings 3" charset="2"/>
+              <a:buChar char=""/>
+              <a:defRPr sz="1600" kern="1200">
+                <a:solidFill>
+                  <a:schemeClr val="tx1">
+                    <a:lumMod val="75000"/>
+                    <a:lumOff val="25000"/>
+                  </a:schemeClr>
+                </a:solidFill>
+                <a:latin typeface="+mn-lt"/>
+                <a:ea typeface="+mn-ea"/>
+                <a:cs typeface="+mn-cs"/>
+              </a:defRPr>
+            </a:lvl2pPr>
+            <a:lvl3pPr marL="1143000" indent="-228600" algn="l" defTabSz="457200" rtl="0" eaLnBrk="1" latinLnBrk="0" hangingPunct="1">
+              <a:spcBef>
+                <a:spcPts val="1000"/>
+              </a:spcBef>
+              <a:spcAft>
+                <a:spcPts val="0"/>
+              </a:spcAft>
+              <a:buClr>
+                <a:schemeClr val="accent1"/>
+              </a:buClr>
+              <a:buSzPct val="80000"/>
+              <a:buFont typeface="Wingdings 3" charset="2"/>
+              <a:buChar char=""/>
+              <a:defRPr sz="1400" kern="1200">
+                <a:solidFill>
+                  <a:schemeClr val="tx1">
+                    <a:lumMod val="75000"/>
+                    <a:lumOff val="25000"/>
+                  </a:schemeClr>
+                </a:solidFill>
+                <a:latin typeface="+mn-lt"/>
+                <a:ea typeface="+mn-ea"/>
+                <a:cs typeface="+mn-cs"/>
+              </a:defRPr>
+            </a:lvl3pPr>
+            <a:lvl4pPr marL="1600200" indent="-228600" algn="l" defTabSz="457200" rtl="0" eaLnBrk="1" latinLnBrk="0" hangingPunct="1">
+              <a:spcBef>
+                <a:spcPts val="1000"/>
+              </a:spcBef>
+              <a:spcAft>
+                <a:spcPts val="0"/>
+              </a:spcAft>
+              <a:buClr>
+                <a:schemeClr val="accent1"/>
+              </a:buClr>
+              <a:buSzPct val="80000"/>
+              <a:buFont typeface="Wingdings 3" charset="2"/>
+              <a:buChar char=""/>
+              <a:defRPr sz="1200" kern="1200">
+                <a:solidFill>
+                  <a:schemeClr val="tx1">
+                    <a:lumMod val="75000"/>
+                    <a:lumOff val="25000"/>
+                  </a:schemeClr>
+                </a:solidFill>
+                <a:latin typeface="+mn-lt"/>
+                <a:ea typeface="+mn-ea"/>
+                <a:cs typeface="+mn-cs"/>
+              </a:defRPr>
+            </a:lvl4pPr>
+            <a:lvl5pPr marL="2057400" indent="-228600" algn="l" defTabSz="457200" rtl="0" eaLnBrk="1" latinLnBrk="0" hangingPunct="1">
+              <a:spcBef>
+                <a:spcPts val="1000"/>
+              </a:spcBef>
+              <a:spcAft>
+                <a:spcPts val="0"/>
+              </a:spcAft>
+              <a:buClr>
+                <a:schemeClr val="accent1"/>
+              </a:buClr>
+              <a:buSzPct val="80000"/>
+              <a:buFont typeface="Wingdings 3" charset="2"/>
+              <a:buChar char=""/>
+              <a:defRPr sz="1200" kern="1200">
+                <a:solidFill>
+                  <a:schemeClr val="tx1">
+                    <a:lumMod val="75000"/>
+                    <a:lumOff val="25000"/>
+                  </a:schemeClr>
+                </a:solidFill>
+                <a:latin typeface="+mn-lt"/>
+                <a:ea typeface="+mn-ea"/>
+                <a:cs typeface="+mn-cs"/>
+              </a:defRPr>
+            </a:lvl5pPr>
+            <a:lvl6pPr marL="2514600" indent="-228600" algn="l" defTabSz="457200" rtl="0" eaLnBrk="1" latinLnBrk="0" hangingPunct="1">
+              <a:spcBef>
+                <a:spcPts val="1000"/>
+              </a:spcBef>
+              <a:spcAft>
+                <a:spcPts val="0"/>
+              </a:spcAft>
+              <a:buClr>
+                <a:schemeClr val="accent1"/>
+              </a:buClr>
+              <a:buSzPct val="80000"/>
+              <a:buFont typeface="Wingdings 3" charset="2"/>
+              <a:buChar char=""/>
+              <a:defRPr sz="1200" kern="1200">
+                <a:solidFill>
+                  <a:schemeClr val="tx1">
+                    <a:lumMod val="75000"/>
+                    <a:lumOff val="25000"/>
+                  </a:schemeClr>
+                </a:solidFill>
+                <a:latin typeface="+mn-lt"/>
+                <a:ea typeface="+mn-ea"/>
+                <a:cs typeface="+mn-cs"/>
+              </a:defRPr>
+            </a:lvl6pPr>
+            <a:lvl7pPr marL="2971800" indent="-228600" algn="l" defTabSz="457200" rtl="0" eaLnBrk="1" latinLnBrk="0" hangingPunct="1">
+              <a:spcBef>
+                <a:spcPts val="1000"/>
+              </a:spcBef>
+              <a:spcAft>
+                <a:spcPts val="0"/>
+              </a:spcAft>
+              <a:buClr>
+                <a:schemeClr val="accent1"/>
+              </a:buClr>
+              <a:buSzPct val="80000"/>
+              <a:buFont typeface="Wingdings 3" charset="2"/>
+              <a:buChar char=""/>
+              <a:defRPr sz="1200" kern="1200">
+                <a:solidFill>
+                  <a:schemeClr val="tx1">
+                    <a:lumMod val="75000"/>
+                    <a:lumOff val="25000"/>
+                  </a:schemeClr>
+                </a:solidFill>
+                <a:latin typeface="+mn-lt"/>
+                <a:ea typeface="+mn-ea"/>
+                <a:cs typeface="+mn-cs"/>
+              </a:defRPr>
+            </a:lvl7pPr>
+            <a:lvl8pPr marL="3429000" indent="-228600" algn="l" defTabSz="457200" rtl="0" eaLnBrk="1" latinLnBrk="0" hangingPunct="1">
+              <a:spcBef>
+                <a:spcPts val="1000"/>
+              </a:spcBef>
+              <a:spcAft>
+                <a:spcPts val="0"/>
+              </a:spcAft>
+              <a:buClr>
+                <a:schemeClr val="accent1"/>
+              </a:buClr>
+              <a:buSzPct val="80000"/>
+              <a:buFont typeface="Wingdings 3" charset="2"/>
+              <a:buChar char=""/>
+              <a:defRPr sz="1200" kern="1200">
+                <a:solidFill>
+                  <a:schemeClr val="tx1">
+                    <a:lumMod val="75000"/>
+                    <a:lumOff val="25000"/>
+                  </a:schemeClr>
+                </a:solidFill>
+                <a:latin typeface="+mn-lt"/>
+                <a:ea typeface="+mn-ea"/>
+                <a:cs typeface="+mn-cs"/>
+              </a:defRPr>
+            </a:lvl8pPr>
+            <a:lvl9pPr marL="3886200" indent="-228600" algn="l" defTabSz="457200" rtl="0" eaLnBrk="1" latinLnBrk="0" hangingPunct="1">
+              <a:spcBef>
+                <a:spcPts val="1000"/>
+              </a:spcBef>
+              <a:spcAft>
+                <a:spcPts val="0"/>
+              </a:spcAft>
+              <a:buClr>
+                <a:schemeClr val="accent1"/>
+              </a:buClr>
+              <a:buSzPct val="80000"/>
+              <a:buFont typeface="Wingdings 3" charset="2"/>
+              <a:buChar char=""/>
+              <a:defRPr sz="1200" kern="1200">
+                <a:solidFill>
+                  <a:schemeClr val="tx1">
+                    <a:lumMod val="75000"/>
+                    <a:lumOff val="25000"/>
+                  </a:schemeClr>
+                </a:solidFill>
+                <a:latin typeface="+mn-lt"/>
+                <a:ea typeface="+mn-ea"/>
+                <a:cs typeface="+mn-cs"/>
+              </a:defRPr>
+            </a:lvl9pPr>
+          </a:lstStyle>
+          <a:p>
+            <a:pPr marL="0" indent="0" algn="ctr">
+              <a:buFont typeface="Wingdings 3" charset="2"/>
+              <a:buNone/>
+            </a:pPr>
+            <a:r>
+              <a:rPr lang="en-AU" dirty="0">
+                <a:solidFill>
+                  <a:srgbClr val="FF0000"/>
+                </a:solidFill>
+              </a:rPr>
+              <a:t>Add the histograms????</a:t>
+            </a:r>
+          </a:p>
+        </p:txBody>
+      </p:sp>
     </p:spTree>
     <p:extLst>
       <p:ext uri="{BB962C8B-B14F-4D97-AF65-F5344CB8AC3E}">
@@ -8518,2131 +8363,6 @@
           <a:chExt cx="0" cy="0"/>
         </a:xfrm>
       </p:grpSpPr>
-      <p:grpSp>
-        <p:nvGrpSpPr>
-          <p:cNvPr id="71" name="Group 70">
-            <a:extLst>
-              <a:ext uri="{FF2B5EF4-FFF2-40B4-BE49-F238E27FC236}">
-                <a16:creationId xmlns:a16="http://schemas.microsoft.com/office/drawing/2014/main" id="{4815A7B4-532E-48C9-AC24-D78ACF3339DB}"/>
-              </a:ext>
-              <a:ext uri="{C183D7F6-B498-43B3-948B-1728B52AA6E4}">
-                <adec:decorative xmlns:adec="http://schemas.microsoft.com/office/drawing/2017/decorative" val="1"/>
-              </a:ext>
-            </a:extLst>
-          </p:cNvPr>
-          <p:cNvGrpSpPr>
-            <a:grpSpLocks noGrp="1" noUngrp="1" noRot="1" noChangeAspect="1" noMove="1" noResize="1"/>
-          </p:cNvGrpSpPr>
-          <p:nvPr>
-            <p:extLst>
-              <p:ext uri="{386F3935-93C4-4BCD-93E2-E3B085C9AB24}">
-                <p16:designElem xmlns:p16="http://schemas.microsoft.com/office/powerpoint/2015/main" val="1"/>
-              </p:ext>
-            </p:extLst>
-          </p:nvPr>
-        </p:nvGrpSpPr>
-        <p:grpSpPr>
-          <a:xfrm>
-            <a:off x="0" y="-8467"/>
-            <a:ext cx="12192000" cy="6866467"/>
-            <a:chOff x="0" y="-8467"/>
-            <a:chExt cx="12192000" cy="6866467"/>
-          </a:xfrm>
-        </p:grpSpPr>
-        <p:sp>
-          <p:nvSpPr>
-            <p:cNvPr id="72" name="Freeform 14">
-              <a:extLst>
-                <a:ext uri="{FF2B5EF4-FFF2-40B4-BE49-F238E27FC236}">
-                  <a16:creationId xmlns:a16="http://schemas.microsoft.com/office/drawing/2014/main" id="{D40109F4-CE5C-45F4-856E-F3F69C9FD4E1}"/>
-                </a:ext>
-                <a:ext uri="{C183D7F6-B498-43B3-948B-1728B52AA6E4}">
-                  <adec:decorative xmlns:adec="http://schemas.microsoft.com/office/drawing/2017/decorative" val="1"/>
-                </a:ext>
-              </a:extLst>
-            </p:cNvPr>
-            <p:cNvSpPr/>
-            <p:nvPr>
-              <p:extLst>
-                <p:ext uri="{386F3935-93C4-4BCD-93E2-E3B085C9AB24}">
-                  <p16:designElem xmlns:p16="http://schemas.microsoft.com/office/powerpoint/2015/main" val="1"/>
-                </p:ext>
-              </p:extLst>
-            </p:nvPr>
-          </p:nvSpPr>
-          <p:spPr>
-            <a:xfrm>
-              <a:off x="0" y="-7862"/>
-              <a:ext cx="863600" cy="5698067"/>
-            </a:xfrm>
-            <a:custGeom>
-              <a:avLst/>
-              <a:gdLst/>
-              <a:ahLst/>
-              <a:cxnLst/>
-              <a:rect l="l" t="t" r="r" b="b"/>
-              <a:pathLst>
-                <a:path w="863600" h="5698067">
-                  <a:moveTo>
-                    <a:pt x="0" y="8467"/>
-                  </a:moveTo>
-                  <a:lnTo>
-                    <a:pt x="863600" y="0"/>
-                  </a:lnTo>
-                  <a:lnTo>
-                    <a:pt x="863600" y="16934"/>
-                  </a:lnTo>
-                  <a:lnTo>
-                    <a:pt x="0" y="5698067"/>
-                  </a:lnTo>
-                  <a:lnTo>
-                    <a:pt x="0" y="8467"/>
-                  </a:lnTo>
-                  <a:close/>
-                </a:path>
-              </a:pathLst>
-            </a:custGeom>
-            <a:solidFill>
-              <a:schemeClr val="accent1">
-                <a:alpha val="70000"/>
-              </a:schemeClr>
-            </a:solidFill>
-            <a:ln>
-              <a:noFill/>
-            </a:ln>
-            <a:effectLst/>
-          </p:spPr>
-          <p:style>
-            <a:lnRef idx="1">
-              <a:schemeClr val="accent1"/>
-            </a:lnRef>
-            <a:fillRef idx="3">
-              <a:schemeClr val="accent1"/>
-            </a:fillRef>
-            <a:effectRef idx="2">
-              <a:schemeClr val="accent1"/>
-            </a:effectRef>
-            <a:fontRef idx="minor">
-              <a:schemeClr val="lt1"/>
-            </a:fontRef>
-          </p:style>
-        </p:sp>
-        <p:cxnSp>
-          <p:nvCxnSpPr>
-            <p:cNvPr id="73" name="Straight Connector 72">
-              <a:extLst>
-                <a:ext uri="{FF2B5EF4-FFF2-40B4-BE49-F238E27FC236}">
-                  <a16:creationId xmlns:a16="http://schemas.microsoft.com/office/drawing/2014/main" id="{3CBAA4DE-3D7B-460B-AE98-D9F9990C0B62}"/>
-                </a:ext>
-                <a:ext uri="{C183D7F6-B498-43B3-948B-1728B52AA6E4}">
-                  <adec:decorative xmlns:adec="http://schemas.microsoft.com/office/drawing/2017/decorative" val="1"/>
-                </a:ext>
-              </a:extLst>
-            </p:cNvPr>
-            <p:cNvCxnSpPr/>
-            <p:nvPr>
-              <p:extLst>
-                <p:ext uri="{386F3935-93C4-4BCD-93E2-E3B085C9AB24}">
-                  <p16:designElem xmlns:p16="http://schemas.microsoft.com/office/powerpoint/2015/main" val="1"/>
-                </p:ext>
-              </p:extLst>
-            </p:nvPr>
-          </p:nvCxnSpPr>
-          <p:spPr>
-            <a:xfrm>
-              <a:off x="9371012" y="0"/>
-              <a:ext cx="1219200" cy="6858000"/>
-            </a:xfrm>
-            <a:prstGeom prst="line">
-              <a:avLst/>
-            </a:prstGeom>
-            <a:ln w="9525">
-              <a:solidFill>
-                <a:schemeClr val="accent1">
-                  <a:alpha val="70000"/>
-                </a:schemeClr>
-              </a:solidFill>
-            </a:ln>
-          </p:spPr>
-          <p:style>
-            <a:lnRef idx="2">
-              <a:schemeClr val="accent1"/>
-            </a:lnRef>
-            <a:fillRef idx="0">
-              <a:schemeClr val="accent1"/>
-            </a:fillRef>
-            <a:effectRef idx="1">
-              <a:schemeClr val="accent1"/>
-            </a:effectRef>
-            <a:fontRef idx="minor">
-              <a:schemeClr val="tx1"/>
-            </a:fontRef>
-          </p:style>
-        </p:cxnSp>
-        <p:cxnSp>
-          <p:nvCxnSpPr>
-            <p:cNvPr id="74" name="Straight Connector 73">
-              <a:extLst>
-                <a:ext uri="{FF2B5EF4-FFF2-40B4-BE49-F238E27FC236}">
-                  <a16:creationId xmlns:a16="http://schemas.microsoft.com/office/drawing/2014/main" id="{7BF1ED3E-4F80-4AF6-A41B-44F53DDE610D}"/>
-                </a:ext>
-                <a:ext uri="{C183D7F6-B498-43B3-948B-1728B52AA6E4}">
-                  <adec:decorative xmlns:adec="http://schemas.microsoft.com/office/drawing/2017/decorative" val="1"/>
-                </a:ext>
-              </a:extLst>
-            </p:cNvPr>
-            <p:cNvCxnSpPr/>
-            <p:nvPr>
-              <p:extLst>
-                <p:ext uri="{386F3935-93C4-4BCD-93E2-E3B085C9AB24}">
-                  <p16:designElem xmlns:p16="http://schemas.microsoft.com/office/powerpoint/2015/main" val="1"/>
-                </p:ext>
-              </p:extLst>
-            </p:nvPr>
-          </p:nvCxnSpPr>
-          <p:spPr>
-            <a:xfrm flipH="1">
-              <a:off x="7425267" y="3681413"/>
-              <a:ext cx="4763558" cy="3176587"/>
-            </a:xfrm>
-            <a:prstGeom prst="line">
-              <a:avLst/>
-            </a:prstGeom>
-            <a:ln w="9525">
-              <a:solidFill>
-                <a:schemeClr val="accent1">
-                  <a:alpha val="70000"/>
-                </a:schemeClr>
-              </a:solidFill>
-            </a:ln>
-          </p:spPr>
-          <p:style>
-            <a:lnRef idx="2">
-              <a:schemeClr val="accent1"/>
-            </a:lnRef>
-            <a:fillRef idx="0">
-              <a:schemeClr val="accent1"/>
-            </a:fillRef>
-            <a:effectRef idx="1">
-              <a:schemeClr val="accent1"/>
-            </a:effectRef>
-            <a:fontRef idx="minor">
-              <a:schemeClr val="tx1"/>
-            </a:fontRef>
-          </p:style>
-        </p:cxnSp>
-        <p:sp>
-          <p:nvSpPr>
-            <p:cNvPr id="75" name="Rectangle 23">
-              <a:extLst>
-                <a:ext uri="{FF2B5EF4-FFF2-40B4-BE49-F238E27FC236}">
-                  <a16:creationId xmlns:a16="http://schemas.microsoft.com/office/drawing/2014/main" id="{C0B2D747-3E31-45C5-9A98-A9710A585FBB}"/>
-                </a:ext>
-                <a:ext uri="{C183D7F6-B498-43B3-948B-1728B52AA6E4}">
-                  <adec:decorative xmlns:adec="http://schemas.microsoft.com/office/drawing/2017/decorative" val="1"/>
-                </a:ext>
-              </a:extLst>
-            </p:cNvPr>
-            <p:cNvSpPr/>
-            <p:nvPr>
-              <p:extLst>
-                <p:ext uri="{386F3935-93C4-4BCD-93E2-E3B085C9AB24}">
-                  <p16:designElem xmlns:p16="http://schemas.microsoft.com/office/powerpoint/2015/main" val="1"/>
-                </p:ext>
-              </p:extLst>
-            </p:nvPr>
-          </p:nvSpPr>
-          <p:spPr>
-            <a:xfrm>
-              <a:off x="9181476" y="-8467"/>
-              <a:ext cx="3007349" cy="6866467"/>
-            </a:xfrm>
-            <a:custGeom>
-              <a:avLst/>
-              <a:gdLst/>
-              <a:ahLst/>
-              <a:cxnLst/>
-              <a:rect l="l" t="t" r="r" b="b"/>
-              <a:pathLst>
-                <a:path w="3007349" h="6866467">
-                  <a:moveTo>
-                    <a:pt x="2045532" y="0"/>
-                  </a:moveTo>
-                  <a:lnTo>
-                    <a:pt x="3007349" y="0"/>
-                  </a:lnTo>
-                  <a:lnTo>
-                    <a:pt x="3007349" y="6866467"/>
-                  </a:lnTo>
-                  <a:lnTo>
-                    <a:pt x="0" y="6866467"/>
-                  </a:lnTo>
-                  <a:lnTo>
-                    <a:pt x="2045532" y="0"/>
-                  </a:lnTo>
-                  <a:close/>
-                </a:path>
-              </a:pathLst>
-            </a:custGeom>
-            <a:solidFill>
-              <a:schemeClr val="accent1">
-                <a:alpha val="36000"/>
-              </a:schemeClr>
-            </a:solidFill>
-            <a:ln>
-              <a:noFill/>
-            </a:ln>
-            <a:effectLst/>
-          </p:spPr>
-          <p:style>
-            <a:lnRef idx="1">
-              <a:schemeClr val="accent1"/>
-            </a:lnRef>
-            <a:fillRef idx="3">
-              <a:schemeClr val="accent1"/>
-            </a:fillRef>
-            <a:effectRef idx="2">
-              <a:schemeClr val="accent1"/>
-            </a:effectRef>
-            <a:fontRef idx="minor">
-              <a:schemeClr val="lt1"/>
-            </a:fontRef>
-          </p:style>
-        </p:sp>
-        <p:sp>
-          <p:nvSpPr>
-            <p:cNvPr id="76" name="Rectangle 25">
-              <a:extLst>
-                <a:ext uri="{FF2B5EF4-FFF2-40B4-BE49-F238E27FC236}">
-                  <a16:creationId xmlns:a16="http://schemas.microsoft.com/office/drawing/2014/main" id="{A15FD4BA-3020-462D-8BE8-B3A65B8E492A}"/>
-                </a:ext>
-                <a:ext uri="{C183D7F6-B498-43B3-948B-1728B52AA6E4}">
-                  <adec:decorative xmlns:adec="http://schemas.microsoft.com/office/drawing/2017/decorative" val="1"/>
-                </a:ext>
-              </a:extLst>
-            </p:cNvPr>
-            <p:cNvSpPr/>
-            <p:nvPr>
-              <p:extLst>
-                <p:ext uri="{386F3935-93C4-4BCD-93E2-E3B085C9AB24}">
-                  <p16:designElem xmlns:p16="http://schemas.microsoft.com/office/powerpoint/2015/main" val="1"/>
-                </p:ext>
-              </p:extLst>
-            </p:nvPr>
-          </p:nvSpPr>
-          <p:spPr>
-            <a:xfrm>
-              <a:off x="9603442" y="-8467"/>
-              <a:ext cx="2588558" cy="6866467"/>
-            </a:xfrm>
-            <a:custGeom>
-              <a:avLst/>
-              <a:gdLst/>
-              <a:ahLst/>
-              <a:cxnLst/>
-              <a:rect l="l" t="t" r="r" b="b"/>
-              <a:pathLst>
-                <a:path w="2573311" h="6866467">
-                  <a:moveTo>
-                    <a:pt x="0" y="0"/>
-                  </a:moveTo>
-                  <a:lnTo>
-                    <a:pt x="2573311" y="0"/>
-                  </a:lnTo>
-                  <a:lnTo>
-                    <a:pt x="2573311" y="6866467"/>
-                  </a:lnTo>
-                  <a:lnTo>
-                    <a:pt x="1202336" y="6866467"/>
-                  </a:lnTo>
-                  <a:lnTo>
-                    <a:pt x="0" y="0"/>
-                  </a:lnTo>
-                  <a:close/>
-                </a:path>
-              </a:pathLst>
-            </a:custGeom>
-            <a:solidFill>
-              <a:schemeClr val="accent1">
-                <a:alpha val="20000"/>
-              </a:schemeClr>
-            </a:solidFill>
-            <a:ln>
-              <a:noFill/>
-            </a:ln>
-            <a:effectLst/>
-          </p:spPr>
-          <p:style>
-            <a:lnRef idx="1">
-              <a:schemeClr val="accent1"/>
-            </a:lnRef>
-            <a:fillRef idx="3">
-              <a:schemeClr val="accent1"/>
-            </a:fillRef>
-            <a:effectRef idx="2">
-              <a:schemeClr val="accent1"/>
-            </a:effectRef>
-            <a:fontRef idx="minor">
-              <a:schemeClr val="lt1"/>
-            </a:fontRef>
-          </p:style>
-        </p:sp>
-        <p:sp>
-          <p:nvSpPr>
-            <p:cNvPr id="77" name="Isosceles Triangle 76">
-              <a:extLst>
-                <a:ext uri="{FF2B5EF4-FFF2-40B4-BE49-F238E27FC236}">
-                  <a16:creationId xmlns:a16="http://schemas.microsoft.com/office/drawing/2014/main" id="{A304284A-7318-4DD5-898C-2F6B23C778FA}"/>
-                </a:ext>
-                <a:ext uri="{C183D7F6-B498-43B3-948B-1728B52AA6E4}">
-                  <adec:decorative xmlns:adec="http://schemas.microsoft.com/office/drawing/2017/decorative" val="1"/>
-                </a:ext>
-              </a:extLst>
-            </p:cNvPr>
-            <p:cNvSpPr/>
-            <p:nvPr>
-              <p:extLst>
-                <p:ext uri="{386F3935-93C4-4BCD-93E2-E3B085C9AB24}">
-                  <p16:designElem xmlns:p16="http://schemas.microsoft.com/office/powerpoint/2015/main" val="1"/>
-                </p:ext>
-              </p:extLst>
-            </p:nvPr>
-          </p:nvSpPr>
-          <p:spPr>
-            <a:xfrm>
-              <a:off x="8932333" y="3048000"/>
-              <a:ext cx="3259667" cy="3810000"/>
-            </a:xfrm>
-            <a:prstGeom prst="triangle">
-              <a:avLst>
-                <a:gd name="adj" fmla="val 100000"/>
-              </a:avLst>
-            </a:prstGeom>
-            <a:solidFill>
-              <a:schemeClr val="accent1">
-                <a:lumMod val="75000"/>
-                <a:alpha val="66000"/>
-              </a:schemeClr>
-            </a:solidFill>
-            <a:ln>
-              <a:noFill/>
-            </a:ln>
-            <a:effectLst/>
-          </p:spPr>
-          <p:style>
-            <a:lnRef idx="1">
-              <a:schemeClr val="accent1"/>
-            </a:lnRef>
-            <a:fillRef idx="3">
-              <a:schemeClr val="accent1"/>
-            </a:fillRef>
-            <a:effectRef idx="2">
-              <a:schemeClr val="accent1"/>
-            </a:effectRef>
-            <a:fontRef idx="minor">
-              <a:schemeClr val="lt1"/>
-            </a:fontRef>
-          </p:style>
-        </p:sp>
-        <p:sp>
-          <p:nvSpPr>
-            <p:cNvPr id="78" name="Rectangle 27">
-              <a:extLst>
-                <a:ext uri="{FF2B5EF4-FFF2-40B4-BE49-F238E27FC236}">
-                  <a16:creationId xmlns:a16="http://schemas.microsoft.com/office/drawing/2014/main" id="{9DF48E66-B635-4509-B115-E0987C014EBC}"/>
-                </a:ext>
-                <a:ext uri="{C183D7F6-B498-43B3-948B-1728B52AA6E4}">
-                  <adec:decorative xmlns:adec="http://schemas.microsoft.com/office/drawing/2017/decorative" val="1"/>
-                </a:ext>
-              </a:extLst>
-            </p:cNvPr>
-            <p:cNvSpPr/>
-            <p:nvPr>
-              <p:extLst>
-                <p:ext uri="{386F3935-93C4-4BCD-93E2-E3B085C9AB24}">
-                  <p16:designElem xmlns:p16="http://schemas.microsoft.com/office/powerpoint/2015/main" val="1"/>
-                </p:ext>
-              </p:extLst>
-            </p:nvPr>
-          </p:nvSpPr>
-          <p:spPr>
-            <a:xfrm>
-              <a:off x="9334500" y="-8467"/>
-              <a:ext cx="2854326" cy="6866467"/>
-            </a:xfrm>
-            <a:custGeom>
-              <a:avLst/>
-              <a:gdLst/>
-              <a:ahLst/>
-              <a:cxnLst/>
-              <a:rect l="l" t="t" r="r" b="b"/>
-              <a:pathLst>
-                <a:path w="2858013" h="6866467">
-                  <a:moveTo>
-                    <a:pt x="0" y="0"/>
-                  </a:moveTo>
-                  <a:lnTo>
-                    <a:pt x="2858013" y="0"/>
-                  </a:lnTo>
-                  <a:lnTo>
-                    <a:pt x="2858013" y="6866467"/>
-                  </a:lnTo>
-                  <a:lnTo>
-                    <a:pt x="2473942" y="6866467"/>
-                  </a:lnTo>
-                  <a:lnTo>
-                    <a:pt x="0" y="0"/>
-                  </a:lnTo>
-                  <a:close/>
-                </a:path>
-              </a:pathLst>
-            </a:custGeom>
-            <a:solidFill>
-              <a:schemeClr val="accent1">
-                <a:lumMod val="75000"/>
-                <a:alpha val="50000"/>
-              </a:schemeClr>
-            </a:solidFill>
-            <a:ln>
-              <a:noFill/>
-            </a:ln>
-            <a:effectLst/>
-          </p:spPr>
-          <p:style>
-            <a:lnRef idx="1">
-              <a:schemeClr val="accent1"/>
-            </a:lnRef>
-            <a:fillRef idx="3">
-              <a:schemeClr val="accent1"/>
-            </a:fillRef>
-            <a:effectRef idx="2">
-              <a:schemeClr val="accent1"/>
-            </a:effectRef>
-            <a:fontRef idx="minor">
-              <a:schemeClr val="lt1"/>
-            </a:fontRef>
-          </p:style>
-        </p:sp>
-        <p:sp>
-          <p:nvSpPr>
-            <p:cNvPr id="79" name="Rectangle 28">
-              <a:extLst>
-                <a:ext uri="{FF2B5EF4-FFF2-40B4-BE49-F238E27FC236}">
-                  <a16:creationId xmlns:a16="http://schemas.microsoft.com/office/drawing/2014/main" id="{E3B96D94-5F5A-4F4C-810C-917BF4D266C3}"/>
-                </a:ext>
-                <a:ext uri="{C183D7F6-B498-43B3-948B-1728B52AA6E4}">
-                  <adec:decorative xmlns:adec="http://schemas.microsoft.com/office/drawing/2017/decorative" val="1"/>
-                </a:ext>
-              </a:extLst>
-            </p:cNvPr>
-            <p:cNvSpPr/>
-            <p:nvPr>
-              <p:extLst>
-                <p:ext uri="{386F3935-93C4-4BCD-93E2-E3B085C9AB24}">
-                  <p16:designElem xmlns:p16="http://schemas.microsoft.com/office/powerpoint/2015/main" val="1"/>
-                </p:ext>
-              </p:extLst>
-            </p:nvPr>
-          </p:nvSpPr>
-          <p:spPr>
-            <a:xfrm>
-              <a:off x="10898730" y="-8467"/>
-              <a:ext cx="1290094" cy="6866467"/>
-            </a:xfrm>
-            <a:custGeom>
-              <a:avLst/>
-              <a:gdLst/>
-              <a:ahLst/>
-              <a:cxnLst/>
-              <a:rect l="l" t="t" r="r" b="b"/>
-              <a:pathLst>
-                <a:path w="1290094" h="6858000">
-                  <a:moveTo>
-                    <a:pt x="1019735" y="0"/>
-                  </a:moveTo>
-                  <a:lnTo>
-                    <a:pt x="1290094" y="0"/>
-                  </a:lnTo>
-                  <a:lnTo>
-                    <a:pt x="1290094" y="6858000"/>
-                  </a:lnTo>
-                  <a:lnTo>
-                    <a:pt x="0" y="6858000"/>
-                  </a:lnTo>
-                  <a:lnTo>
-                    <a:pt x="1019735" y="0"/>
-                  </a:lnTo>
-                  <a:close/>
-                </a:path>
-              </a:pathLst>
-            </a:custGeom>
-            <a:solidFill>
-              <a:schemeClr val="accent2">
-                <a:alpha val="70000"/>
-              </a:schemeClr>
-            </a:solidFill>
-            <a:ln>
-              <a:noFill/>
-            </a:ln>
-            <a:effectLst/>
-          </p:spPr>
-          <p:style>
-            <a:lnRef idx="1">
-              <a:schemeClr val="accent1"/>
-            </a:lnRef>
-            <a:fillRef idx="3">
-              <a:schemeClr val="accent1"/>
-            </a:fillRef>
-            <a:effectRef idx="2">
-              <a:schemeClr val="accent1"/>
-            </a:effectRef>
-            <a:fontRef idx="minor">
-              <a:schemeClr val="lt1"/>
-            </a:fontRef>
-          </p:style>
-        </p:sp>
-        <p:sp>
-          <p:nvSpPr>
-            <p:cNvPr id="80" name="Rectangle 29">
-              <a:extLst>
-                <a:ext uri="{FF2B5EF4-FFF2-40B4-BE49-F238E27FC236}">
-                  <a16:creationId xmlns:a16="http://schemas.microsoft.com/office/drawing/2014/main" id="{7F3782D6-BFF8-4389-9D39-A023ADAA92C1}"/>
-                </a:ext>
-                <a:ext uri="{C183D7F6-B498-43B3-948B-1728B52AA6E4}">
-                  <adec:decorative xmlns:adec="http://schemas.microsoft.com/office/drawing/2017/decorative" val="1"/>
-                </a:ext>
-              </a:extLst>
-            </p:cNvPr>
-            <p:cNvSpPr/>
-            <p:nvPr>
-              <p:extLst>
-                <p:ext uri="{386F3935-93C4-4BCD-93E2-E3B085C9AB24}">
-                  <p16:designElem xmlns:p16="http://schemas.microsoft.com/office/powerpoint/2015/main" val="1"/>
-                </p:ext>
-              </p:extLst>
-            </p:nvPr>
-          </p:nvSpPr>
-          <p:spPr>
-            <a:xfrm>
-              <a:off x="10938999" y="-8467"/>
-              <a:ext cx="1249825" cy="6866467"/>
-            </a:xfrm>
-            <a:custGeom>
-              <a:avLst/>
-              <a:gdLst/>
-              <a:ahLst/>
-              <a:cxnLst/>
-              <a:rect l="l" t="t" r="r" b="b"/>
-              <a:pathLst>
-                <a:path w="1249825" h="6858000">
-                  <a:moveTo>
-                    <a:pt x="0" y="0"/>
-                  </a:moveTo>
-                  <a:lnTo>
-                    <a:pt x="1249825" y="0"/>
-                  </a:lnTo>
-                  <a:lnTo>
-                    <a:pt x="1249825" y="6858000"/>
-                  </a:lnTo>
-                  <a:lnTo>
-                    <a:pt x="1109382" y="6858000"/>
-                  </a:lnTo>
-                  <a:lnTo>
-                    <a:pt x="0" y="0"/>
-                  </a:lnTo>
-                  <a:close/>
-                </a:path>
-              </a:pathLst>
-            </a:custGeom>
-            <a:solidFill>
-              <a:schemeClr val="accent2">
-                <a:lumMod val="75000"/>
-                <a:alpha val="80000"/>
-              </a:schemeClr>
-            </a:solidFill>
-            <a:ln>
-              <a:noFill/>
-            </a:ln>
-            <a:effectLst/>
-          </p:spPr>
-          <p:style>
-            <a:lnRef idx="1">
-              <a:schemeClr val="accent1"/>
-            </a:lnRef>
-            <a:fillRef idx="3">
-              <a:schemeClr val="accent1"/>
-            </a:fillRef>
-            <a:effectRef idx="2">
-              <a:schemeClr val="accent1"/>
-            </a:effectRef>
-            <a:fontRef idx="minor">
-              <a:schemeClr val="lt1"/>
-            </a:fontRef>
-          </p:style>
-        </p:sp>
-        <p:sp>
-          <p:nvSpPr>
-            <p:cNvPr id="81" name="Isosceles Triangle 80">
-              <a:extLst>
-                <a:ext uri="{FF2B5EF4-FFF2-40B4-BE49-F238E27FC236}">
-                  <a16:creationId xmlns:a16="http://schemas.microsoft.com/office/drawing/2014/main" id="{ECE162D4-FCAE-441B-B5E9-C91DE62124EF}"/>
-                </a:ext>
-                <a:ext uri="{C183D7F6-B498-43B3-948B-1728B52AA6E4}">
-                  <adec:decorative xmlns:adec="http://schemas.microsoft.com/office/drawing/2017/decorative" val="1"/>
-                </a:ext>
-              </a:extLst>
-            </p:cNvPr>
-            <p:cNvSpPr/>
-            <p:nvPr>
-              <p:extLst>
-                <p:ext uri="{386F3935-93C4-4BCD-93E2-E3B085C9AB24}">
-                  <p16:designElem xmlns:p16="http://schemas.microsoft.com/office/powerpoint/2015/main" val="1"/>
-                </p:ext>
-              </p:extLst>
-            </p:nvPr>
-          </p:nvSpPr>
-          <p:spPr>
-            <a:xfrm>
-              <a:off x="10371666" y="3589867"/>
-              <a:ext cx="1817159" cy="3268133"/>
-            </a:xfrm>
-            <a:prstGeom prst="triangle">
-              <a:avLst>
-                <a:gd name="adj" fmla="val 100000"/>
-              </a:avLst>
-            </a:prstGeom>
-            <a:solidFill>
-              <a:schemeClr val="accent1">
-                <a:lumMod val="75000"/>
-                <a:alpha val="66000"/>
-              </a:schemeClr>
-            </a:solidFill>
-            <a:ln>
-              <a:noFill/>
-            </a:ln>
-            <a:effectLst/>
-          </p:spPr>
-          <p:style>
-            <a:lnRef idx="1">
-              <a:schemeClr val="accent1"/>
-            </a:lnRef>
-            <a:fillRef idx="3">
-              <a:schemeClr val="accent1"/>
-            </a:fillRef>
-            <a:effectRef idx="2">
-              <a:schemeClr val="accent1"/>
-            </a:effectRef>
-            <a:fontRef idx="minor">
-              <a:schemeClr val="lt1"/>
-            </a:fontRef>
-          </p:style>
-        </p:sp>
-      </p:grpSp>
-      <p:sp>
-        <p:nvSpPr>
-          <p:cNvPr id="14" name="Content Placeholder 2">
-            <a:extLst>
-              <a:ext uri="{FF2B5EF4-FFF2-40B4-BE49-F238E27FC236}">
-                <a16:creationId xmlns:a16="http://schemas.microsoft.com/office/drawing/2014/main" id="{076682F1-5A73-304E-A27A-8BC9403880BE}"/>
-              </a:ext>
-            </a:extLst>
-          </p:cNvPr>
-          <p:cNvSpPr>
-            <a:spLocks noGrp="1"/>
-          </p:cNvSpPr>
-          <p:nvPr>
-            <p:ph idx="1"/>
-          </p:nvPr>
-        </p:nvSpPr>
-        <p:spPr>
-          <a:xfrm>
-            <a:off x="3571423" y="637124"/>
-            <a:ext cx="5049153" cy="417027"/>
-          </a:xfrm>
-        </p:spPr>
-        <p:txBody>
-          <a:bodyPr vert="horz" lIns="91440" tIns="45720" rIns="91440" bIns="45720" rtlCol="0" anchor="t">
-            <a:normAutofit fontScale="92500"/>
-          </a:bodyPr>
-          <a:lstStyle/>
-          <a:p>
-            <a:pPr marL="0" indent="0">
-              <a:buNone/>
-            </a:pPr>
-            <a:r>
-              <a:rPr lang="en-US" b="1" dirty="0">
-                <a:solidFill>
-                  <a:schemeClr val="tx1">
-                    <a:lumMod val="50000"/>
-                    <a:lumOff val="50000"/>
-                  </a:schemeClr>
-                </a:solidFill>
-              </a:rPr>
-              <a:t>Volatility - Average Percentage Change Per Day</a:t>
-            </a:r>
-          </a:p>
-        </p:txBody>
-      </p:sp>
-      <p:pic>
-        <p:nvPicPr>
-          <p:cNvPr id="1026" name="Picture 2" descr="No description available.">
-            <a:extLst>
-              <a:ext uri="{FF2B5EF4-FFF2-40B4-BE49-F238E27FC236}">
-                <a16:creationId xmlns:a16="http://schemas.microsoft.com/office/drawing/2014/main" id="{EC9E1828-8AAD-4742-80CB-3A413A891784}"/>
-              </a:ext>
-            </a:extLst>
-          </p:cNvPr>
-          <p:cNvPicPr>
-            <a:picLocks noChangeAspect="1" noChangeArrowheads="1"/>
-          </p:cNvPicPr>
-          <p:nvPr/>
-        </p:nvPicPr>
-        <p:blipFill rotWithShape="1">
-          <a:blip r:embed="rId3">
-            <a:extLst>
-              <a:ext uri="{28A0092B-C50C-407E-A947-70E740481C1C}">
-                <a14:useLocalDpi xmlns:a14="http://schemas.microsoft.com/office/drawing/2010/main" val="0"/>
-              </a:ext>
-            </a:extLst>
-          </a:blip>
-          <a:srcRect l="8750" t="7401" r="7265" b="5732"/>
-          <a:stretch/>
-        </p:blipFill>
-        <p:spPr bwMode="auto">
-          <a:xfrm>
-            <a:off x="903869" y="1009321"/>
-            <a:ext cx="10155721" cy="5488455"/>
-          </a:xfrm>
-          <a:prstGeom prst="rect">
-            <a:avLst/>
-          </a:prstGeom>
-          <a:noFill/>
-          <a:extLst>
-            <a:ext uri="{909E8E84-426E-40DD-AFC4-6F175D3DCCD1}">
-              <a14:hiddenFill xmlns:a14="http://schemas.microsoft.com/office/drawing/2010/main">
-                <a:solidFill>
-                  <a:srgbClr val="FFFFFF"/>
-                </a:solidFill>
-              </a14:hiddenFill>
-            </a:ext>
-          </a:extLst>
-        </p:spPr>
-      </p:pic>
-      <p:cxnSp>
-        <p:nvCxnSpPr>
-          <p:cNvPr id="11" name="Straight Arrow Connector 10">
-            <a:extLst>
-              <a:ext uri="{FF2B5EF4-FFF2-40B4-BE49-F238E27FC236}">
-                <a16:creationId xmlns:a16="http://schemas.microsoft.com/office/drawing/2014/main" id="{2B053046-3633-8C40-9A5A-2C6B92893D6D}"/>
-              </a:ext>
-            </a:extLst>
-          </p:cNvPr>
-          <p:cNvCxnSpPr>
-            <a:cxnSpLocks/>
-          </p:cNvCxnSpPr>
-          <p:nvPr/>
-        </p:nvCxnSpPr>
-        <p:spPr>
-          <a:xfrm>
-            <a:off x="5981729" y="1434923"/>
-            <a:ext cx="4389937" cy="0"/>
-          </a:xfrm>
-          <a:prstGeom prst="straightConnector1">
-            <a:avLst/>
-          </a:prstGeom>
-          <a:ln w="25400">
-            <a:solidFill>
-              <a:srgbClr val="FF0000"/>
-            </a:solidFill>
-            <a:headEnd type="triangle"/>
-            <a:tailEnd type="triangle"/>
-          </a:ln>
-        </p:spPr>
-        <p:style>
-          <a:lnRef idx="1">
-            <a:schemeClr val="accent1"/>
-          </a:lnRef>
-          <a:fillRef idx="0">
-            <a:schemeClr val="accent1"/>
-          </a:fillRef>
-          <a:effectRef idx="0">
-            <a:schemeClr val="accent1"/>
-          </a:effectRef>
-          <a:fontRef idx="minor">
-            <a:schemeClr val="tx1"/>
-          </a:fontRef>
-        </p:style>
-      </p:cxnSp>
-      <p:sp>
-        <p:nvSpPr>
-          <p:cNvPr id="32" name="Content Placeholder 2">
-            <a:extLst>
-              <a:ext uri="{FF2B5EF4-FFF2-40B4-BE49-F238E27FC236}">
-                <a16:creationId xmlns:a16="http://schemas.microsoft.com/office/drawing/2014/main" id="{6B103436-DC1B-E840-B497-4C47597E146C}"/>
-              </a:ext>
-            </a:extLst>
-          </p:cNvPr>
-          <p:cNvSpPr txBox="1">
-            <a:spLocks/>
-          </p:cNvSpPr>
-          <p:nvPr/>
-        </p:nvSpPr>
-        <p:spPr>
-          <a:xfrm>
-            <a:off x="7420037" y="1470021"/>
-            <a:ext cx="1513320" cy="404691"/>
-          </a:xfrm>
-          <a:prstGeom prst="rect">
-            <a:avLst/>
-          </a:prstGeom>
-        </p:spPr>
-        <p:txBody>
-          <a:bodyPr vert="horz" lIns="91440" tIns="45720" rIns="91440" bIns="45720" rtlCol="0">
-            <a:normAutofit/>
-          </a:bodyPr>
-          <a:lstStyle>
-            <a:lvl1pPr marL="342900" indent="-342900" algn="l" defTabSz="457200" rtl="0" eaLnBrk="1" latinLnBrk="0" hangingPunct="1">
-              <a:spcBef>
-                <a:spcPts val="1000"/>
-              </a:spcBef>
-              <a:spcAft>
-                <a:spcPts val="0"/>
-              </a:spcAft>
-              <a:buClr>
-                <a:schemeClr val="accent1"/>
-              </a:buClr>
-              <a:buSzPct val="80000"/>
-              <a:buFont typeface="Wingdings 3" charset="2"/>
-              <a:buChar char=""/>
-              <a:defRPr sz="1800" kern="1200">
-                <a:solidFill>
-                  <a:schemeClr val="tx1">
-                    <a:lumMod val="75000"/>
-                    <a:lumOff val="25000"/>
-                  </a:schemeClr>
-                </a:solidFill>
-                <a:latin typeface="+mn-lt"/>
-                <a:ea typeface="+mn-ea"/>
-                <a:cs typeface="+mn-cs"/>
-              </a:defRPr>
-            </a:lvl1pPr>
-            <a:lvl2pPr marL="742950" indent="-285750" algn="l" defTabSz="457200" rtl="0" eaLnBrk="1" latinLnBrk="0" hangingPunct="1">
-              <a:spcBef>
-                <a:spcPts val="1000"/>
-              </a:spcBef>
-              <a:spcAft>
-                <a:spcPts val="0"/>
-              </a:spcAft>
-              <a:buClr>
-                <a:schemeClr val="accent1"/>
-              </a:buClr>
-              <a:buSzPct val="80000"/>
-              <a:buFont typeface="Wingdings 3" charset="2"/>
-              <a:buChar char=""/>
-              <a:defRPr sz="1600" kern="1200">
-                <a:solidFill>
-                  <a:schemeClr val="tx1">
-                    <a:lumMod val="75000"/>
-                    <a:lumOff val="25000"/>
-                  </a:schemeClr>
-                </a:solidFill>
-                <a:latin typeface="+mn-lt"/>
-                <a:ea typeface="+mn-ea"/>
-                <a:cs typeface="+mn-cs"/>
-              </a:defRPr>
-            </a:lvl2pPr>
-            <a:lvl3pPr marL="1143000" indent="-228600" algn="l" defTabSz="457200" rtl="0" eaLnBrk="1" latinLnBrk="0" hangingPunct="1">
-              <a:spcBef>
-                <a:spcPts val="1000"/>
-              </a:spcBef>
-              <a:spcAft>
-                <a:spcPts val="0"/>
-              </a:spcAft>
-              <a:buClr>
-                <a:schemeClr val="accent1"/>
-              </a:buClr>
-              <a:buSzPct val="80000"/>
-              <a:buFont typeface="Wingdings 3" charset="2"/>
-              <a:buChar char=""/>
-              <a:defRPr sz="1400" kern="1200">
-                <a:solidFill>
-                  <a:schemeClr val="tx1">
-                    <a:lumMod val="75000"/>
-                    <a:lumOff val="25000"/>
-                  </a:schemeClr>
-                </a:solidFill>
-                <a:latin typeface="+mn-lt"/>
-                <a:ea typeface="+mn-ea"/>
-                <a:cs typeface="+mn-cs"/>
-              </a:defRPr>
-            </a:lvl3pPr>
-            <a:lvl4pPr marL="1600200" indent="-228600" algn="l" defTabSz="457200" rtl="0" eaLnBrk="1" latinLnBrk="0" hangingPunct="1">
-              <a:spcBef>
-                <a:spcPts val="1000"/>
-              </a:spcBef>
-              <a:spcAft>
-                <a:spcPts val="0"/>
-              </a:spcAft>
-              <a:buClr>
-                <a:schemeClr val="accent1"/>
-              </a:buClr>
-              <a:buSzPct val="80000"/>
-              <a:buFont typeface="Wingdings 3" charset="2"/>
-              <a:buChar char=""/>
-              <a:defRPr sz="1200" kern="1200">
-                <a:solidFill>
-                  <a:schemeClr val="tx1">
-                    <a:lumMod val="75000"/>
-                    <a:lumOff val="25000"/>
-                  </a:schemeClr>
-                </a:solidFill>
-                <a:latin typeface="+mn-lt"/>
-                <a:ea typeface="+mn-ea"/>
-                <a:cs typeface="+mn-cs"/>
-              </a:defRPr>
-            </a:lvl4pPr>
-            <a:lvl5pPr marL="2057400" indent="-228600" algn="l" defTabSz="457200" rtl="0" eaLnBrk="1" latinLnBrk="0" hangingPunct="1">
-              <a:spcBef>
-                <a:spcPts val="1000"/>
-              </a:spcBef>
-              <a:spcAft>
-                <a:spcPts val="0"/>
-              </a:spcAft>
-              <a:buClr>
-                <a:schemeClr val="accent1"/>
-              </a:buClr>
-              <a:buSzPct val="80000"/>
-              <a:buFont typeface="Wingdings 3" charset="2"/>
-              <a:buChar char=""/>
-              <a:defRPr sz="1200" kern="1200">
-                <a:solidFill>
-                  <a:schemeClr val="tx1">
-                    <a:lumMod val="75000"/>
-                    <a:lumOff val="25000"/>
-                  </a:schemeClr>
-                </a:solidFill>
-                <a:latin typeface="+mn-lt"/>
-                <a:ea typeface="+mn-ea"/>
-                <a:cs typeface="+mn-cs"/>
-              </a:defRPr>
-            </a:lvl5pPr>
-            <a:lvl6pPr marL="2514600" indent="-228600" algn="l" defTabSz="457200" rtl="0" eaLnBrk="1" latinLnBrk="0" hangingPunct="1">
-              <a:spcBef>
-                <a:spcPts val="1000"/>
-              </a:spcBef>
-              <a:spcAft>
-                <a:spcPts val="0"/>
-              </a:spcAft>
-              <a:buClr>
-                <a:schemeClr val="accent1"/>
-              </a:buClr>
-              <a:buSzPct val="80000"/>
-              <a:buFont typeface="Wingdings 3" charset="2"/>
-              <a:buChar char=""/>
-              <a:defRPr sz="1200" kern="1200">
-                <a:solidFill>
-                  <a:schemeClr val="tx1">
-                    <a:lumMod val="75000"/>
-                    <a:lumOff val="25000"/>
-                  </a:schemeClr>
-                </a:solidFill>
-                <a:latin typeface="+mn-lt"/>
-                <a:ea typeface="+mn-ea"/>
-                <a:cs typeface="+mn-cs"/>
-              </a:defRPr>
-            </a:lvl6pPr>
-            <a:lvl7pPr marL="2971800" indent="-228600" algn="l" defTabSz="457200" rtl="0" eaLnBrk="1" latinLnBrk="0" hangingPunct="1">
-              <a:spcBef>
-                <a:spcPts val="1000"/>
-              </a:spcBef>
-              <a:spcAft>
-                <a:spcPts val="0"/>
-              </a:spcAft>
-              <a:buClr>
-                <a:schemeClr val="accent1"/>
-              </a:buClr>
-              <a:buSzPct val="80000"/>
-              <a:buFont typeface="Wingdings 3" charset="2"/>
-              <a:buChar char=""/>
-              <a:defRPr sz="1200" kern="1200">
-                <a:solidFill>
-                  <a:schemeClr val="tx1">
-                    <a:lumMod val="75000"/>
-                    <a:lumOff val="25000"/>
-                  </a:schemeClr>
-                </a:solidFill>
-                <a:latin typeface="+mn-lt"/>
-                <a:ea typeface="+mn-ea"/>
-                <a:cs typeface="+mn-cs"/>
-              </a:defRPr>
-            </a:lvl7pPr>
-            <a:lvl8pPr marL="3429000" indent="-228600" algn="l" defTabSz="457200" rtl="0" eaLnBrk="1" latinLnBrk="0" hangingPunct="1">
-              <a:spcBef>
-                <a:spcPts val="1000"/>
-              </a:spcBef>
-              <a:spcAft>
-                <a:spcPts val="0"/>
-              </a:spcAft>
-              <a:buClr>
-                <a:schemeClr val="accent1"/>
-              </a:buClr>
-              <a:buSzPct val="80000"/>
-              <a:buFont typeface="Wingdings 3" charset="2"/>
-              <a:buChar char=""/>
-              <a:defRPr sz="1200" kern="1200">
-                <a:solidFill>
-                  <a:schemeClr val="tx1">
-                    <a:lumMod val="75000"/>
-                    <a:lumOff val="25000"/>
-                  </a:schemeClr>
-                </a:solidFill>
-                <a:latin typeface="+mn-lt"/>
-                <a:ea typeface="+mn-ea"/>
-                <a:cs typeface="+mn-cs"/>
-              </a:defRPr>
-            </a:lvl8pPr>
-            <a:lvl9pPr marL="3886200" indent="-228600" algn="l" defTabSz="457200" rtl="0" eaLnBrk="1" latinLnBrk="0" hangingPunct="1">
-              <a:spcBef>
-                <a:spcPts val="1000"/>
-              </a:spcBef>
-              <a:spcAft>
-                <a:spcPts val="0"/>
-              </a:spcAft>
-              <a:buClr>
-                <a:schemeClr val="accent1"/>
-              </a:buClr>
-              <a:buSzPct val="80000"/>
-              <a:buFont typeface="Wingdings 3" charset="2"/>
-              <a:buChar char=""/>
-              <a:defRPr sz="1200" kern="1200">
-                <a:solidFill>
-                  <a:schemeClr val="tx1">
-                    <a:lumMod val="75000"/>
-                    <a:lumOff val="25000"/>
-                  </a:schemeClr>
-                </a:solidFill>
-                <a:latin typeface="+mn-lt"/>
-                <a:ea typeface="+mn-ea"/>
-                <a:cs typeface="+mn-cs"/>
-              </a:defRPr>
-            </a:lvl9pPr>
-          </a:lstStyle>
-          <a:p>
-            <a:pPr marL="0" indent="0">
-              <a:buFont typeface="Wingdings 3" charset="2"/>
-              <a:buNone/>
-            </a:pPr>
-            <a:r>
-              <a:rPr lang="en-AU" dirty="0">
-                <a:solidFill>
-                  <a:srgbClr val="FF0000"/>
-                </a:solidFill>
-              </a:rPr>
-              <a:t>Stock 50 - 99</a:t>
-            </a:r>
-          </a:p>
-        </p:txBody>
-      </p:sp>
-      <p:sp>
-        <p:nvSpPr>
-          <p:cNvPr id="33" name="Content Placeholder 2">
-            <a:extLst>
-              <a:ext uri="{FF2B5EF4-FFF2-40B4-BE49-F238E27FC236}">
-                <a16:creationId xmlns:a16="http://schemas.microsoft.com/office/drawing/2014/main" id="{00013556-8200-9542-9781-56EC2CC8DB29}"/>
-              </a:ext>
-            </a:extLst>
-          </p:cNvPr>
-          <p:cNvSpPr txBox="1">
-            <a:spLocks/>
-          </p:cNvSpPr>
-          <p:nvPr/>
-        </p:nvSpPr>
-        <p:spPr>
-          <a:xfrm rot="16200000">
-            <a:off x="177117" y="3387521"/>
-            <a:ext cx="1513320" cy="404691"/>
-          </a:xfrm>
-          <a:prstGeom prst="rect">
-            <a:avLst/>
-          </a:prstGeom>
-        </p:spPr>
-        <p:txBody>
-          <a:bodyPr vert="horz" lIns="91440" tIns="45720" rIns="91440" bIns="45720" rtlCol="0">
-            <a:normAutofit/>
-          </a:bodyPr>
-          <a:lstStyle>
-            <a:lvl1pPr marL="342900" indent="-342900" algn="l" defTabSz="457200" rtl="0" eaLnBrk="1" latinLnBrk="0" hangingPunct="1">
-              <a:spcBef>
-                <a:spcPts val="1000"/>
-              </a:spcBef>
-              <a:spcAft>
-                <a:spcPts val="0"/>
-              </a:spcAft>
-              <a:buClr>
-                <a:schemeClr val="accent1"/>
-              </a:buClr>
-              <a:buSzPct val="80000"/>
-              <a:buFont typeface="Wingdings 3" charset="2"/>
-              <a:buChar char=""/>
-              <a:defRPr sz="1800" kern="1200">
-                <a:solidFill>
-                  <a:schemeClr val="tx1">
-                    <a:lumMod val="75000"/>
-                    <a:lumOff val="25000"/>
-                  </a:schemeClr>
-                </a:solidFill>
-                <a:latin typeface="+mn-lt"/>
-                <a:ea typeface="+mn-ea"/>
-                <a:cs typeface="+mn-cs"/>
-              </a:defRPr>
-            </a:lvl1pPr>
-            <a:lvl2pPr marL="742950" indent="-285750" algn="l" defTabSz="457200" rtl="0" eaLnBrk="1" latinLnBrk="0" hangingPunct="1">
-              <a:spcBef>
-                <a:spcPts val="1000"/>
-              </a:spcBef>
-              <a:spcAft>
-                <a:spcPts val="0"/>
-              </a:spcAft>
-              <a:buClr>
-                <a:schemeClr val="accent1"/>
-              </a:buClr>
-              <a:buSzPct val="80000"/>
-              <a:buFont typeface="Wingdings 3" charset="2"/>
-              <a:buChar char=""/>
-              <a:defRPr sz="1600" kern="1200">
-                <a:solidFill>
-                  <a:schemeClr val="tx1">
-                    <a:lumMod val="75000"/>
-                    <a:lumOff val="25000"/>
-                  </a:schemeClr>
-                </a:solidFill>
-                <a:latin typeface="+mn-lt"/>
-                <a:ea typeface="+mn-ea"/>
-                <a:cs typeface="+mn-cs"/>
-              </a:defRPr>
-            </a:lvl2pPr>
-            <a:lvl3pPr marL="1143000" indent="-228600" algn="l" defTabSz="457200" rtl="0" eaLnBrk="1" latinLnBrk="0" hangingPunct="1">
-              <a:spcBef>
-                <a:spcPts val="1000"/>
-              </a:spcBef>
-              <a:spcAft>
-                <a:spcPts val="0"/>
-              </a:spcAft>
-              <a:buClr>
-                <a:schemeClr val="accent1"/>
-              </a:buClr>
-              <a:buSzPct val="80000"/>
-              <a:buFont typeface="Wingdings 3" charset="2"/>
-              <a:buChar char=""/>
-              <a:defRPr sz="1400" kern="1200">
-                <a:solidFill>
-                  <a:schemeClr val="tx1">
-                    <a:lumMod val="75000"/>
-                    <a:lumOff val="25000"/>
-                  </a:schemeClr>
-                </a:solidFill>
-                <a:latin typeface="+mn-lt"/>
-                <a:ea typeface="+mn-ea"/>
-                <a:cs typeface="+mn-cs"/>
-              </a:defRPr>
-            </a:lvl3pPr>
-            <a:lvl4pPr marL="1600200" indent="-228600" algn="l" defTabSz="457200" rtl="0" eaLnBrk="1" latinLnBrk="0" hangingPunct="1">
-              <a:spcBef>
-                <a:spcPts val="1000"/>
-              </a:spcBef>
-              <a:spcAft>
-                <a:spcPts val="0"/>
-              </a:spcAft>
-              <a:buClr>
-                <a:schemeClr val="accent1"/>
-              </a:buClr>
-              <a:buSzPct val="80000"/>
-              <a:buFont typeface="Wingdings 3" charset="2"/>
-              <a:buChar char=""/>
-              <a:defRPr sz="1200" kern="1200">
-                <a:solidFill>
-                  <a:schemeClr val="tx1">
-                    <a:lumMod val="75000"/>
-                    <a:lumOff val="25000"/>
-                  </a:schemeClr>
-                </a:solidFill>
-                <a:latin typeface="+mn-lt"/>
-                <a:ea typeface="+mn-ea"/>
-                <a:cs typeface="+mn-cs"/>
-              </a:defRPr>
-            </a:lvl4pPr>
-            <a:lvl5pPr marL="2057400" indent="-228600" algn="l" defTabSz="457200" rtl="0" eaLnBrk="1" latinLnBrk="0" hangingPunct="1">
-              <a:spcBef>
-                <a:spcPts val="1000"/>
-              </a:spcBef>
-              <a:spcAft>
-                <a:spcPts val="0"/>
-              </a:spcAft>
-              <a:buClr>
-                <a:schemeClr val="accent1"/>
-              </a:buClr>
-              <a:buSzPct val="80000"/>
-              <a:buFont typeface="Wingdings 3" charset="2"/>
-              <a:buChar char=""/>
-              <a:defRPr sz="1200" kern="1200">
-                <a:solidFill>
-                  <a:schemeClr val="tx1">
-                    <a:lumMod val="75000"/>
-                    <a:lumOff val="25000"/>
-                  </a:schemeClr>
-                </a:solidFill>
-                <a:latin typeface="+mn-lt"/>
-                <a:ea typeface="+mn-ea"/>
-                <a:cs typeface="+mn-cs"/>
-              </a:defRPr>
-            </a:lvl5pPr>
-            <a:lvl6pPr marL="2514600" indent="-228600" algn="l" defTabSz="457200" rtl="0" eaLnBrk="1" latinLnBrk="0" hangingPunct="1">
-              <a:spcBef>
-                <a:spcPts val="1000"/>
-              </a:spcBef>
-              <a:spcAft>
-                <a:spcPts val="0"/>
-              </a:spcAft>
-              <a:buClr>
-                <a:schemeClr val="accent1"/>
-              </a:buClr>
-              <a:buSzPct val="80000"/>
-              <a:buFont typeface="Wingdings 3" charset="2"/>
-              <a:buChar char=""/>
-              <a:defRPr sz="1200" kern="1200">
-                <a:solidFill>
-                  <a:schemeClr val="tx1">
-                    <a:lumMod val="75000"/>
-                    <a:lumOff val="25000"/>
-                  </a:schemeClr>
-                </a:solidFill>
-                <a:latin typeface="+mn-lt"/>
-                <a:ea typeface="+mn-ea"/>
-                <a:cs typeface="+mn-cs"/>
-              </a:defRPr>
-            </a:lvl6pPr>
-            <a:lvl7pPr marL="2971800" indent="-228600" algn="l" defTabSz="457200" rtl="0" eaLnBrk="1" latinLnBrk="0" hangingPunct="1">
-              <a:spcBef>
-                <a:spcPts val="1000"/>
-              </a:spcBef>
-              <a:spcAft>
-                <a:spcPts val="0"/>
-              </a:spcAft>
-              <a:buClr>
-                <a:schemeClr val="accent1"/>
-              </a:buClr>
-              <a:buSzPct val="80000"/>
-              <a:buFont typeface="Wingdings 3" charset="2"/>
-              <a:buChar char=""/>
-              <a:defRPr sz="1200" kern="1200">
-                <a:solidFill>
-                  <a:schemeClr val="tx1">
-                    <a:lumMod val="75000"/>
-                    <a:lumOff val="25000"/>
-                  </a:schemeClr>
-                </a:solidFill>
-                <a:latin typeface="+mn-lt"/>
-                <a:ea typeface="+mn-ea"/>
-                <a:cs typeface="+mn-cs"/>
-              </a:defRPr>
-            </a:lvl7pPr>
-            <a:lvl8pPr marL="3429000" indent="-228600" algn="l" defTabSz="457200" rtl="0" eaLnBrk="1" latinLnBrk="0" hangingPunct="1">
-              <a:spcBef>
-                <a:spcPts val="1000"/>
-              </a:spcBef>
-              <a:spcAft>
-                <a:spcPts val="0"/>
-              </a:spcAft>
-              <a:buClr>
-                <a:schemeClr val="accent1"/>
-              </a:buClr>
-              <a:buSzPct val="80000"/>
-              <a:buFont typeface="Wingdings 3" charset="2"/>
-              <a:buChar char=""/>
-              <a:defRPr sz="1200" kern="1200">
-                <a:solidFill>
-                  <a:schemeClr val="tx1">
-                    <a:lumMod val="75000"/>
-                    <a:lumOff val="25000"/>
-                  </a:schemeClr>
-                </a:solidFill>
-                <a:latin typeface="+mn-lt"/>
-                <a:ea typeface="+mn-ea"/>
-                <a:cs typeface="+mn-cs"/>
-              </a:defRPr>
-            </a:lvl8pPr>
-            <a:lvl9pPr marL="3886200" indent="-228600" algn="l" defTabSz="457200" rtl="0" eaLnBrk="1" latinLnBrk="0" hangingPunct="1">
-              <a:spcBef>
-                <a:spcPts val="1000"/>
-              </a:spcBef>
-              <a:spcAft>
-                <a:spcPts val="0"/>
-              </a:spcAft>
-              <a:buClr>
-                <a:schemeClr val="accent1"/>
-              </a:buClr>
-              <a:buSzPct val="80000"/>
-              <a:buFont typeface="Wingdings 3" charset="2"/>
-              <a:buChar char=""/>
-              <a:defRPr sz="1200" kern="1200">
-                <a:solidFill>
-                  <a:schemeClr val="tx1">
-                    <a:lumMod val="75000"/>
-                    <a:lumOff val="25000"/>
-                  </a:schemeClr>
-                </a:solidFill>
-                <a:latin typeface="+mn-lt"/>
-                <a:ea typeface="+mn-ea"/>
-                <a:cs typeface="+mn-cs"/>
-              </a:defRPr>
-            </a:lvl9pPr>
-          </a:lstStyle>
-          <a:p>
-            <a:pPr marL="0" indent="0">
-              <a:buFont typeface="Wingdings 3" charset="2"/>
-              <a:buNone/>
-            </a:pPr>
-            <a:r>
-              <a:rPr lang="en-AU" dirty="0">
-                <a:solidFill>
-                  <a:schemeClr val="bg2">
-                    <a:lumMod val="50000"/>
-                  </a:schemeClr>
-                </a:solidFill>
-              </a:rPr>
-              <a:t>Volatility</a:t>
-            </a:r>
-          </a:p>
-        </p:txBody>
-      </p:sp>
-    </p:spTree>
-    <p:extLst>
-      <p:ext uri="{BB962C8B-B14F-4D97-AF65-F5344CB8AC3E}">
-        <p14:creationId xmlns:p14="http://schemas.microsoft.com/office/powerpoint/2010/main" val="1942885391"/>
-      </p:ext>
-    </p:extLst>
-  </p:cSld>
-  <p:clrMapOvr>
-    <a:masterClrMapping/>
-  </p:clrMapOvr>
-</p:sld>
-</file>
-
-<file path=ppt/slides/slide4.xml><?xml version="1.0" encoding="utf-8"?>
-<p:sld xmlns:a="http://schemas.openxmlformats.org/drawingml/2006/main" xmlns:r="http://schemas.openxmlformats.org/officeDocument/2006/relationships" xmlns:p="http://schemas.openxmlformats.org/presentationml/2006/main">
-  <p:cSld>
-    <p:spTree>
-      <p:nvGrpSpPr>
-        <p:cNvPr id="1" name=""/>
-        <p:cNvGrpSpPr/>
-        <p:nvPr/>
-      </p:nvGrpSpPr>
-      <p:grpSpPr>
-        <a:xfrm>
-          <a:off x="0" y="0"/>
-          <a:ext cx="0" cy="0"/>
-          <a:chOff x="0" y="0"/>
-          <a:chExt cx="0" cy="0"/>
-        </a:xfrm>
-      </p:grpSpPr>
-      <p:sp>
-        <p:nvSpPr>
-          <p:cNvPr id="14" name="Content Placeholder 2">
-            <a:extLst>
-              <a:ext uri="{FF2B5EF4-FFF2-40B4-BE49-F238E27FC236}">
-                <a16:creationId xmlns:a16="http://schemas.microsoft.com/office/drawing/2014/main" id="{076682F1-5A73-304E-A27A-8BC9403880BE}"/>
-              </a:ext>
-            </a:extLst>
-          </p:cNvPr>
-          <p:cNvSpPr>
-            <a:spLocks noGrp="1"/>
-          </p:cNvSpPr>
-          <p:nvPr>
-            <p:ph idx="1"/>
-          </p:nvPr>
-        </p:nvSpPr>
-        <p:spPr>
-          <a:xfrm>
-            <a:off x="3571423" y="546521"/>
-            <a:ext cx="5049153" cy="417027"/>
-          </a:xfrm>
-        </p:spPr>
-        <p:txBody>
-          <a:bodyPr vert="horz" lIns="91440" tIns="45720" rIns="91440" bIns="45720" rtlCol="0" anchor="t">
-            <a:normAutofit/>
-          </a:bodyPr>
-          <a:lstStyle/>
-          <a:p>
-            <a:pPr marL="0" indent="0" algn="ctr">
-              <a:buNone/>
-            </a:pPr>
-            <a:r>
-              <a:rPr lang="en-US" b="1" dirty="0">
-                <a:solidFill>
-                  <a:schemeClr val="tx1">
-                    <a:lumMod val="50000"/>
-                    <a:lumOff val="50000"/>
-                  </a:schemeClr>
-                </a:solidFill>
-              </a:rPr>
-              <a:t>Day Trading Cost Evaluation</a:t>
-            </a:r>
-          </a:p>
-        </p:txBody>
-      </p:sp>
-      <p:sp>
-        <p:nvSpPr>
-          <p:cNvPr id="18" name="Content Placeholder 2">
-            <a:extLst>
-              <a:ext uri="{FF2B5EF4-FFF2-40B4-BE49-F238E27FC236}">
-                <a16:creationId xmlns:a16="http://schemas.microsoft.com/office/drawing/2014/main" id="{0EC6B565-4EA7-DC4A-BCEB-EFEA25C84B58}"/>
-              </a:ext>
-            </a:extLst>
-          </p:cNvPr>
-          <p:cNvSpPr txBox="1">
-            <a:spLocks/>
-          </p:cNvSpPr>
-          <p:nvPr/>
-        </p:nvSpPr>
-        <p:spPr>
-          <a:xfrm>
-            <a:off x="4887712" y="1826804"/>
-            <a:ext cx="2416574" cy="1142755"/>
-          </a:xfrm>
-          <a:prstGeom prst="rect">
-            <a:avLst/>
-          </a:prstGeom>
-        </p:spPr>
-        <p:txBody>
-          <a:bodyPr vert="horz" lIns="91440" tIns="45720" rIns="91440" bIns="45720" rtlCol="0">
-            <a:normAutofit/>
-          </a:bodyPr>
-          <a:lstStyle>
-            <a:lvl1pPr marL="342900" indent="-342900" algn="l" defTabSz="457200" rtl="0" eaLnBrk="1" latinLnBrk="0" hangingPunct="1">
-              <a:spcBef>
-                <a:spcPts val="1000"/>
-              </a:spcBef>
-              <a:spcAft>
-                <a:spcPts val="0"/>
-              </a:spcAft>
-              <a:buClr>
-                <a:schemeClr val="accent1"/>
-              </a:buClr>
-              <a:buSzPct val="80000"/>
-              <a:buFont typeface="Wingdings 3" charset="2"/>
-              <a:buChar char=""/>
-              <a:defRPr sz="1800" kern="1200">
-                <a:solidFill>
-                  <a:schemeClr val="tx1">
-                    <a:lumMod val="75000"/>
-                    <a:lumOff val="25000"/>
-                  </a:schemeClr>
-                </a:solidFill>
-                <a:latin typeface="+mn-lt"/>
-                <a:ea typeface="+mn-ea"/>
-                <a:cs typeface="+mn-cs"/>
-              </a:defRPr>
-            </a:lvl1pPr>
-            <a:lvl2pPr marL="742950" indent="-285750" algn="l" defTabSz="457200" rtl="0" eaLnBrk="1" latinLnBrk="0" hangingPunct="1">
-              <a:spcBef>
-                <a:spcPts val="1000"/>
-              </a:spcBef>
-              <a:spcAft>
-                <a:spcPts val="0"/>
-              </a:spcAft>
-              <a:buClr>
-                <a:schemeClr val="accent1"/>
-              </a:buClr>
-              <a:buSzPct val="80000"/>
-              <a:buFont typeface="Wingdings 3" charset="2"/>
-              <a:buChar char=""/>
-              <a:defRPr sz="1600" kern="1200">
-                <a:solidFill>
-                  <a:schemeClr val="tx1">
-                    <a:lumMod val="75000"/>
-                    <a:lumOff val="25000"/>
-                  </a:schemeClr>
-                </a:solidFill>
-                <a:latin typeface="+mn-lt"/>
-                <a:ea typeface="+mn-ea"/>
-                <a:cs typeface="+mn-cs"/>
-              </a:defRPr>
-            </a:lvl2pPr>
-            <a:lvl3pPr marL="1143000" indent="-228600" algn="l" defTabSz="457200" rtl="0" eaLnBrk="1" latinLnBrk="0" hangingPunct="1">
-              <a:spcBef>
-                <a:spcPts val="1000"/>
-              </a:spcBef>
-              <a:spcAft>
-                <a:spcPts val="0"/>
-              </a:spcAft>
-              <a:buClr>
-                <a:schemeClr val="accent1"/>
-              </a:buClr>
-              <a:buSzPct val="80000"/>
-              <a:buFont typeface="Wingdings 3" charset="2"/>
-              <a:buChar char=""/>
-              <a:defRPr sz="1400" kern="1200">
-                <a:solidFill>
-                  <a:schemeClr val="tx1">
-                    <a:lumMod val="75000"/>
-                    <a:lumOff val="25000"/>
-                  </a:schemeClr>
-                </a:solidFill>
-                <a:latin typeface="+mn-lt"/>
-                <a:ea typeface="+mn-ea"/>
-                <a:cs typeface="+mn-cs"/>
-              </a:defRPr>
-            </a:lvl3pPr>
-            <a:lvl4pPr marL="1600200" indent="-228600" algn="l" defTabSz="457200" rtl="0" eaLnBrk="1" latinLnBrk="0" hangingPunct="1">
-              <a:spcBef>
-                <a:spcPts val="1000"/>
-              </a:spcBef>
-              <a:spcAft>
-                <a:spcPts val="0"/>
-              </a:spcAft>
-              <a:buClr>
-                <a:schemeClr val="accent1"/>
-              </a:buClr>
-              <a:buSzPct val="80000"/>
-              <a:buFont typeface="Wingdings 3" charset="2"/>
-              <a:buChar char=""/>
-              <a:defRPr sz="1200" kern="1200">
-                <a:solidFill>
-                  <a:schemeClr val="tx1">
-                    <a:lumMod val="75000"/>
-                    <a:lumOff val="25000"/>
-                  </a:schemeClr>
-                </a:solidFill>
-                <a:latin typeface="+mn-lt"/>
-                <a:ea typeface="+mn-ea"/>
-                <a:cs typeface="+mn-cs"/>
-              </a:defRPr>
-            </a:lvl4pPr>
-            <a:lvl5pPr marL="2057400" indent="-228600" algn="l" defTabSz="457200" rtl="0" eaLnBrk="1" latinLnBrk="0" hangingPunct="1">
-              <a:spcBef>
-                <a:spcPts val="1000"/>
-              </a:spcBef>
-              <a:spcAft>
-                <a:spcPts val="0"/>
-              </a:spcAft>
-              <a:buClr>
-                <a:schemeClr val="accent1"/>
-              </a:buClr>
-              <a:buSzPct val="80000"/>
-              <a:buFont typeface="Wingdings 3" charset="2"/>
-              <a:buChar char=""/>
-              <a:defRPr sz="1200" kern="1200">
-                <a:solidFill>
-                  <a:schemeClr val="tx1">
-                    <a:lumMod val="75000"/>
-                    <a:lumOff val="25000"/>
-                  </a:schemeClr>
-                </a:solidFill>
-                <a:latin typeface="+mn-lt"/>
-                <a:ea typeface="+mn-ea"/>
-                <a:cs typeface="+mn-cs"/>
-              </a:defRPr>
-            </a:lvl5pPr>
-            <a:lvl6pPr marL="2514600" indent="-228600" algn="l" defTabSz="457200" rtl="0" eaLnBrk="1" latinLnBrk="0" hangingPunct="1">
-              <a:spcBef>
-                <a:spcPts val="1000"/>
-              </a:spcBef>
-              <a:spcAft>
-                <a:spcPts val="0"/>
-              </a:spcAft>
-              <a:buClr>
-                <a:schemeClr val="accent1"/>
-              </a:buClr>
-              <a:buSzPct val="80000"/>
-              <a:buFont typeface="Wingdings 3" charset="2"/>
-              <a:buChar char=""/>
-              <a:defRPr sz="1200" kern="1200">
-                <a:solidFill>
-                  <a:schemeClr val="tx1">
-                    <a:lumMod val="75000"/>
-                    <a:lumOff val="25000"/>
-                  </a:schemeClr>
-                </a:solidFill>
-                <a:latin typeface="+mn-lt"/>
-                <a:ea typeface="+mn-ea"/>
-                <a:cs typeface="+mn-cs"/>
-              </a:defRPr>
-            </a:lvl6pPr>
-            <a:lvl7pPr marL="2971800" indent="-228600" algn="l" defTabSz="457200" rtl="0" eaLnBrk="1" latinLnBrk="0" hangingPunct="1">
-              <a:spcBef>
-                <a:spcPts val="1000"/>
-              </a:spcBef>
-              <a:spcAft>
-                <a:spcPts val="0"/>
-              </a:spcAft>
-              <a:buClr>
-                <a:schemeClr val="accent1"/>
-              </a:buClr>
-              <a:buSzPct val="80000"/>
-              <a:buFont typeface="Wingdings 3" charset="2"/>
-              <a:buChar char=""/>
-              <a:defRPr sz="1200" kern="1200">
-                <a:solidFill>
-                  <a:schemeClr val="tx1">
-                    <a:lumMod val="75000"/>
-                    <a:lumOff val="25000"/>
-                  </a:schemeClr>
-                </a:solidFill>
-                <a:latin typeface="+mn-lt"/>
-                <a:ea typeface="+mn-ea"/>
-                <a:cs typeface="+mn-cs"/>
-              </a:defRPr>
-            </a:lvl7pPr>
-            <a:lvl8pPr marL="3429000" indent="-228600" algn="l" defTabSz="457200" rtl="0" eaLnBrk="1" latinLnBrk="0" hangingPunct="1">
-              <a:spcBef>
-                <a:spcPts val="1000"/>
-              </a:spcBef>
-              <a:spcAft>
-                <a:spcPts val="0"/>
-              </a:spcAft>
-              <a:buClr>
-                <a:schemeClr val="accent1"/>
-              </a:buClr>
-              <a:buSzPct val="80000"/>
-              <a:buFont typeface="Wingdings 3" charset="2"/>
-              <a:buChar char=""/>
-              <a:defRPr sz="1200" kern="1200">
-                <a:solidFill>
-                  <a:schemeClr val="tx1">
-                    <a:lumMod val="75000"/>
-                    <a:lumOff val="25000"/>
-                  </a:schemeClr>
-                </a:solidFill>
-                <a:latin typeface="+mn-lt"/>
-                <a:ea typeface="+mn-ea"/>
-                <a:cs typeface="+mn-cs"/>
-              </a:defRPr>
-            </a:lvl8pPr>
-            <a:lvl9pPr marL="3886200" indent="-228600" algn="l" defTabSz="457200" rtl="0" eaLnBrk="1" latinLnBrk="0" hangingPunct="1">
-              <a:spcBef>
-                <a:spcPts val="1000"/>
-              </a:spcBef>
-              <a:spcAft>
-                <a:spcPts val="0"/>
-              </a:spcAft>
-              <a:buClr>
-                <a:schemeClr val="accent1"/>
-              </a:buClr>
-              <a:buSzPct val="80000"/>
-              <a:buFont typeface="Wingdings 3" charset="2"/>
-              <a:buChar char=""/>
-              <a:defRPr sz="1200" kern="1200">
-                <a:solidFill>
-                  <a:schemeClr val="tx1">
-                    <a:lumMod val="75000"/>
-                    <a:lumOff val="25000"/>
-                  </a:schemeClr>
-                </a:solidFill>
-                <a:latin typeface="+mn-lt"/>
-                <a:ea typeface="+mn-ea"/>
-                <a:cs typeface="+mn-cs"/>
-              </a:defRPr>
-            </a:lvl9pPr>
-          </a:lstStyle>
-          <a:p>
-            <a:pPr marL="0" indent="0" algn="ctr">
-              <a:buFont typeface="Wingdings 3" charset="2"/>
-              <a:buNone/>
-            </a:pPr>
-            <a:r>
-              <a:rPr lang="en-AU" dirty="0">
-                <a:solidFill>
-                  <a:srgbClr val="FF0000"/>
-                </a:solidFill>
-              </a:rPr>
-              <a:t>Insert the excel spreadsheet of green and red things</a:t>
-            </a:r>
-          </a:p>
-        </p:txBody>
-      </p:sp>
-    </p:spTree>
-    <p:extLst>
-      <p:ext uri="{BB962C8B-B14F-4D97-AF65-F5344CB8AC3E}">
-        <p14:creationId xmlns:p14="http://schemas.microsoft.com/office/powerpoint/2010/main" val="2644761351"/>
-      </p:ext>
-    </p:extLst>
-  </p:cSld>
-  <p:clrMapOvr>
-    <a:masterClrMapping/>
-  </p:clrMapOvr>
-</p:sld>
-</file>
-
-<file path=ppt/slides/slide5.xml><?xml version="1.0" encoding="utf-8"?>
-<p:sld xmlns:a="http://schemas.openxmlformats.org/drawingml/2006/main" xmlns:r="http://schemas.openxmlformats.org/officeDocument/2006/relationships" xmlns:p="http://schemas.openxmlformats.org/presentationml/2006/main">
-  <p:cSld>
-    <p:spTree>
-      <p:nvGrpSpPr>
-        <p:cNvPr id="1" name=""/>
-        <p:cNvGrpSpPr/>
-        <p:nvPr/>
-      </p:nvGrpSpPr>
-      <p:grpSpPr>
-        <a:xfrm>
-          <a:off x="0" y="0"/>
-          <a:ext cx="0" cy="0"/>
-          <a:chOff x="0" y="0"/>
-          <a:chExt cx="0" cy="0"/>
-        </a:xfrm>
-      </p:grpSpPr>
-      <p:sp>
-        <p:nvSpPr>
-          <p:cNvPr id="14" name="Content Placeholder 2">
-            <a:extLst>
-              <a:ext uri="{FF2B5EF4-FFF2-40B4-BE49-F238E27FC236}">
-                <a16:creationId xmlns:a16="http://schemas.microsoft.com/office/drawing/2014/main" id="{076682F1-5A73-304E-A27A-8BC9403880BE}"/>
-              </a:ext>
-            </a:extLst>
-          </p:cNvPr>
-          <p:cNvSpPr>
-            <a:spLocks noGrp="1"/>
-          </p:cNvSpPr>
-          <p:nvPr>
-            <p:ph idx="1"/>
-          </p:nvPr>
-        </p:nvSpPr>
-        <p:spPr>
-          <a:xfrm>
-            <a:off x="3571423" y="546521"/>
-            <a:ext cx="5049153" cy="417027"/>
-          </a:xfrm>
-        </p:spPr>
-        <p:txBody>
-          <a:bodyPr vert="horz" lIns="91440" tIns="45720" rIns="91440" bIns="45720" rtlCol="0" anchor="t">
-            <a:normAutofit/>
-          </a:bodyPr>
-          <a:lstStyle/>
-          <a:p>
-            <a:pPr marL="0" indent="0" algn="ctr">
-              <a:buNone/>
-            </a:pPr>
-            <a:r>
-              <a:rPr lang="en-US" b="1" dirty="0">
-                <a:solidFill>
-                  <a:schemeClr val="tx1">
-                    <a:lumMod val="50000"/>
-                    <a:lumOff val="50000"/>
-                  </a:schemeClr>
-                </a:solidFill>
-              </a:rPr>
-              <a:t>Repetitive Triangular Pattern</a:t>
-            </a:r>
-          </a:p>
-        </p:txBody>
-      </p:sp>
-      <p:sp>
-        <p:nvSpPr>
-          <p:cNvPr id="18" name="Content Placeholder 2">
-            <a:extLst>
-              <a:ext uri="{FF2B5EF4-FFF2-40B4-BE49-F238E27FC236}">
-                <a16:creationId xmlns:a16="http://schemas.microsoft.com/office/drawing/2014/main" id="{0EC6B565-4EA7-DC4A-BCEB-EFEA25C84B58}"/>
-              </a:ext>
-            </a:extLst>
-          </p:cNvPr>
-          <p:cNvSpPr txBox="1">
-            <a:spLocks/>
-          </p:cNvSpPr>
-          <p:nvPr/>
-        </p:nvSpPr>
-        <p:spPr>
-          <a:xfrm>
-            <a:off x="4887712" y="1826804"/>
-            <a:ext cx="2416574" cy="1142755"/>
-          </a:xfrm>
-          <a:prstGeom prst="rect">
-            <a:avLst/>
-          </a:prstGeom>
-        </p:spPr>
-        <p:txBody>
-          <a:bodyPr vert="horz" lIns="91440" tIns="45720" rIns="91440" bIns="45720" rtlCol="0">
-            <a:normAutofit/>
-          </a:bodyPr>
-          <a:lstStyle>
-            <a:lvl1pPr marL="342900" indent="-342900" algn="l" defTabSz="457200" rtl="0" eaLnBrk="1" latinLnBrk="0" hangingPunct="1">
-              <a:spcBef>
-                <a:spcPts val="1000"/>
-              </a:spcBef>
-              <a:spcAft>
-                <a:spcPts val="0"/>
-              </a:spcAft>
-              <a:buClr>
-                <a:schemeClr val="accent1"/>
-              </a:buClr>
-              <a:buSzPct val="80000"/>
-              <a:buFont typeface="Wingdings 3" charset="2"/>
-              <a:buChar char=""/>
-              <a:defRPr sz="1800" kern="1200">
-                <a:solidFill>
-                  <a:schemeClr val="tx1">
-                    <a:lumMod val="75000"/>
-                    <a:lumOff val="25000"/>
-                  </a:schemeClr>
-                </a:solidFill>
-                <a:latin typeface="+mn-lt"/>
-                <a:ea typeface="+mn-ea"/>
-                <a:cs typeface="+mn-cs"/>
-              </a:defRPr>
-            </a:lvl1pPr>
-            <a:lvl2pPr marL="742950" indent="-285750" algn="l" defTabSz="457200" rtl="0" eaLnBrk="1" latinLnBrk="0" hangingPunct="1">
-              <a:spcBef>
-                <a:spcPts val="1000"/>
-              </a:spcBef>
-              <a:spcAft>
-                <a:spcPts val="0"/>
-              </a:spcAft>
-              <a:buClr>
-                <a:schemeClr val="accent1"/>
-              </a:buClr>
-              <a:buSzPct val="80000"/>
-              <a:buFont typeface="Wingdings 3" charset="2"/>
-              <a:buChar char=""/>
-              <a:defRPr sz="1600" kern="1200">
-                <a:solidFill>
-                  <a:schemeClr val="tx1">
-                    <a:lumMod val="75000"/>
-                    <a:lumOff val="25000"/>
-                  </a:schemeClr>
-                </a:solidFill>
-                <a:latin typeface="+mn-lt"/>
-                <a:ea typeface="+mn-ea"/>
-                <a:cs typeface="+mn-cs"/>
-              </a:defRPr>
-            </a:lvl2pPr>
-            <a:lvl3pPr marL="1143000" indent="-228600" algn="l" defTabSz="457200" rtl="0" eaLnBrk="1" latinLnBrk="0" hangingPunct="1">
-              <a:spcBef>
-                <a:spcPts val="1000"/>
-              </a:spcBef>
-              <a:spcAft>
-                <a:spcPts val="0"/>
-              </a:spcAft>
-              <a:buClr>
-                <a:schemeClr val="accent1"/>
-              </a:buClr>
-              <a:buSzPct val="80000"/>
-              <a:buFont typeface="Wingdings 3" charset="2"/>
-              <a:buChar char=""/>
-              <a:defRPr sz="1400" kern="1200">
-                <a:solidFill>
-                  <a:schemeClr val="tx1">
-                    <a:lumMod val="75000"/>
-                    <a:lumOff val="25000"/>
-                  </a:schemeClr>
-                </a:solidFill>
-                <a:latin typeface="+mn-lt"/>
-                <a:ea typeface="+mn-ea"/>
-                <a:cs typeface="+mn-cs"/>
-              </a:defRPr>
-            </a:lvl3pPr>
-            <a:lvl4pPr marL="1600200" indent="-228600" algn="l" defTabSz="457200" rtl="0" eaLnBrk="1" latinLnBrk="0" hangingPunct="1">
-              <a:spcBef>
-                <a:spcPts val="1000"/>
-              </a:spcBef>
-              <a:spcAft>
-                <a:spcPts val="0"/>
-              </a:spcAft>
-              <a:buClr>
-                <a:schemeClr val="accent1"/>
-              </a:buClr>
-              <a:buSzPct val="80000"/>
-              <a:buFont typeface="Wingdings 3" charset="2"/>
-              <a:buChar char=""/>
-              <a:defRPr sz="1200" kern="1200">
-                <a:solidFill>
-                  <a:schemeClr val="tx1">
-                    <a:lumMod val="75000"/>
-                    <a:lumOff val="25000"/>
-                  </a:schemeClr>
-                </a:solidFill>
-                <a:latin typeface="+mn-lt"/>
-                <a:ea typeface="+mn-ea"/>
-                <a:cs typeface="+mn-cs"/>
-              </a:defRPr>
-            </a:lvl4pPr>
-            <a:lvl5pPr marL="2057400" indent="-228600" algn="l" defTabSz="457200" rtl="0" eaLnBrk="1" latinLnBrk="0" hangingPunct="1">
-              <a:spcBef>
-                <a:spcPts val="1000"/>
-              </a:spcBef>
-              <a:spcAft>
-                <a:spcPts val="0"/>
-              </a:spcAft>
-              <a:buClr>
-                <a:schemeClr val="accent1"/>
-              </a:buClr>
-              <a:buSzPct val="80000"/>
-              <a:buFont typeface="Wingdings 3" charset="2"/>
-              <a:buChar char=""/>
-              <a:defRPr sz="1200" kern="1200">
-                <a:solidFill>
-                  <a:schemeClr val="tx1">
-                    <a:lumMod val="75000"/>
-                    <a:lumOff val="25000"/>
-                  </a:schemeClr>
-                </a:solidFill>
-                <a:latin typeface="+mn-lt"/>
-                <a:ea typeface="+mn-ea"/>
-                <a:cs typeface="+mn-cs"/>
-              </a:defRPr>
-            </a:lvl5pPr>
-            <a:lvl6pPr marL="2514600" indent="-228600" algn="l" defTabSz="457200" rtl="0" eaLnBrk="1" latinLnBrk="0" hangingPunct="1">
-              <a:spcBef>
-                <a:spcPts val="1000"/>
-              </a:spcBef>
-              <a:spcAft>
-                <a:spcPts val="0"/>
-              </a:spcAft>
-              <a:buClr>
-                <a:schemeClr val="accent1"/>
-              </a:buClr>
-              <a:buSzPct val="80000"/>
-              <a:buFont typeface="Wingdings 3" charset="2"/>
-              <a:buChar char=""/>
-              <a:defRPr sz="1200" kern="1200">
-                <a:solidFill>
-                  <a:schemeClr val="tx1">
-                    <a:lumMod val="75000"/>
-                    <a:lumOff val="25000"/>
-                  </a:schemeClr>
-                </a:solidFill>
-                <a:latin typeface="+mn-lt"/>
-                <a:ea typeface="+mn-ea"/>
-                <a:cs typeface="+mn-cs"/>
-              </a:defRPr>
-            </a:lvl6pPr>
-            <a:lvl7pPr marL="2971800" indent="-228600" algn="l" defTabSz="457200" rtl="0" eaLnBrk="1" latinLnBrk="0" hangingPunct="1">
-              <a:spcBef>
-                <a:spcPts val="1000"/>
-              </a:spcBef>
-              <a:spcAft>
-                <a:spcPts val="0"/>
-              </a:spcAft>
-              <a:buClr>
-                <a:schemeClr val="accent1"/>
-              </a:buClr>
-              <a:buSzPct val="80000"/>
-              <a:buFont typeface="Wingdings 3" charset="2"/>
-              <a:buChar char=""/>
-              <a:defRPr sz="1200" kern="1200">
-                <a:solidFill>
-                  <a:schemeClr val="tx1">
-                    <a:lumMod val="75000"/>
-                    <a:lumOff val="25000"/>
-                  </a:schemeClr>
-                </a:solidFill>
-                <a:latin typeface="+mn-lt"/>
-                <a:ea typeface="+mn-ea"/>
-                <a:cs typeface="+mn-cs"/>
-              </a:defRPr>
-            </a:lvl7pPr>
-            <a:lvl8pPr marL="3429000" indent="-228600" algn="l" defTabSz="457200" rtl="0" eaLnBrk="1" latinLnBrk="0" hangingPunct="1">
-              <a:spcBef>
-                <a:spcPts val="1000"/>
-              </a:spcBef>
-              <a:spcAft>
-                <a:spcPts val="0"/>
-              </a:spcAft>
-              <a:buClr>
-                <a:schemeClr val="accent1"/>
-              </a:buClr>
-              <a:buSzPct val="80000"/>
-              <a:buFont typeface="Wingdings 3" charset="2"/>
-              <a:buChar char=""/>
-              <a:defRPr sz="1200" kern="1200">
-                <a:solidFill>
-                  <a:schemeClr val="tx1">
-                    <a:lumMod val="75000"/>
-                    <a:lumOff val="25000"/>
-                  </a:schemeClr>
-                </a:solidFill>
-                <a:latin typeface="+mn-lt"/>
-                <a:ea typeface="+mn-ea"/>
-                <a:cs typeface="+mn-cs"/>
-              </a:defRPr>
-            </a:lvl8pPr>
-            <a:lvl9pPr marL="3886200" indent="-228600" algn="l" defTabSz="457200" rtl="0" eaLnBrk="1" latinLnBrk="0" hangingPunct="1">
-              <a:spcBef>
-                <a:spcPts val="1000"/>
-              </a:spcBef>
-              <a:spcAft>
-                <a:spcPts val="0"/>
-              </a:spcAft>
-              <a:buClr>
-                <a:schemeClr val="accent1"/>
-              </a:buClr>
-              <a:buSzPct val="80000"/>
-              <a:buFont typeface="Wingdings 3" charset="2"/>
-              <a:buChar char=""/>
-              <a:defRPr sz="1200" kern="1200">
-                <a:solidFill>
-                  <a:schemeClr val="tx1">
-                    <a:lumMod val="75000"/>
-                    <a:lumOff val="25000"/>
-                  </a:schemeClr>
-                </a:solidFill>
-                <a:latin typeface="+mn-lt"/>
-                <a:ea typeface="+mn-ea"/>
-                <a:cs typeface="+mn-cs"/>
-              </a:defRPr>
-            </a:lvl9pPr>
-          </a:lstStyle>
-          <a:p>
-            <a:pPr marL="0" indent="0" algn="ctr">
-              <a:buFont typeface="Wingdings 3" charset="2"/>
-              <a:buNone/>
-            </a:pPr>
-            <a:r>
-              <a:rPr lang="en-AU" dirty="0">
-                <a:solidFill>
-                  <a:srgbClr val="FF0000"/>
-                </a:solidFill>
-              </a:rPr>
-              <a:t>Insert the excel spreadsheet of green and red things</a:t>
-            </a:r>
-          </a:p>
-        </p:txBody>
-      </p:sp>
-    </p:spTree>
-    <p:extLst>
-      <p:ext uri="{BB962C8B-B14F-4D97-AF65-F5344CB8AC3E}">
-        <p14:creationId xmlns:p14="http://schemas.microsoft.com/office/powerpoint/2010/main" val="2594089556"/>
-      </p:ext>
-    </p:extLst>
-  </p:cSld>
-  <p:clrMapOvr>
-    <a:masterClrMapping/>
-  </p:clrMapOvr>
-</p:sld>
-</file>
-
-<file path=ppt/slides/slide6.xml><?xml version="1.0" encoding="utf-8"?>
-<p:sld xmlns:a="http://schemas.openxmlformats.org/drawingml/2006/main" xmlns:r="http://schemas.openxmlformats.org/officeDocument/2006/relationships" xmlns:p="http://schemas.openxmlformats.org/presentationml/2006/main">
-  <p:cSld>
-    <p:bg>
-      <p:bgPr>
-        <a:solidFill>
-          <a:schemeClr val="bg1"/>
-        </a:solidFill>
-        <a:effectLst/>
-      </p:bgPr>
-    </p:bg>
-    <p:spTree>
-      <p:nvGrpSpPr>
-        <p:cNvPr id="1" name=""/>
-        <p:cNvGrpSpPr/>
-        <p:nvPr/>
-      </p:nvGrpSpPr>
-      <p:grpSpPr>
-        <a:xfrm>
-          <a:off x="0" y="0"/>
-          <a:ext cx="0" cy="0"/>
-          <a:chOff x="0" y="0"/>
-          <a:chExt cx="0" cy="0"/>
-        </a:xfrm>
-      </p:grpSpPr>
       <p:sp useBgFill="1">
         <p:nvSpPr>
           <p:cNvPr id="47" name="Rectangle 46">
@@ -12731,6 +10451,258 @@
 </p:sld>
 </file>
 
+<file path=ppt/slides/slide4.xml><?xml version="1.0" encoding="utf-8"?>
+<p:sld xmlns:a="http://schemas.openxmlformats.org/drawingml/2006/main" xmlns:r="http://schemas.openxmlformats.org/officeDocument/2006/relationships" xmlns:p="http://schemas.openxmlformats.org/presentationml/2006/main">
+  <p:cSld>
+    <p:spTree>
+      <p:nvGrpSpPr>
+        <p:cNvPr id="1" name=""/>
+        <p:cNvGrpSpPr/>
+        <p:nvPr/>
+      </p:nvGrpSpPr>
+      <p:grpSpPr>
+        <a:xfrm>
+          <a:off x="0" y="0"/>
+          <a:ext cx="0" cy="0"/>
+          <a:chOff x="0" y="0"/>
+          <a:chExt cx="0" cy="0"/>
+        </a:xfrm>
+      </p:grpSpPr>
+      <p:sp>
+        <p:nvSpPr>
+          <p:cNvPr id="2" name="Title 1">
+            <a:extLst>
+              <a:ext uri="{FF2B5EF4-FFF2-40B4-BE49-F238E27FC236}">
+                <a16:creationId xmlns:a16="http://schemas.microsoft.com/office/drawing/2014/main" id="{3617D379-069D-9546-A3BE-C41231C65E27}"/>
+              </a:ext>
+            </a:extLst>
+          </p:cNvPr>
+          <p:cNvSpPr>
+            <a:spLocks noGrp="1"/>
+          </p:cNvSpPr>
+          <p:nvPr>
+            <p:ph type="title"/>
+          </p:nvPr>
+        </p:nvSpPr>
+        <p:spPr/>
+        <p:txBody>
+          <a:bodyPr/>
+          <a:lstStyle/>
+          <a:p>
+            <a:r>
+              <a:rPr lang="en-AU" dirty="0"/>
+              <a:t>Moving Average</a:t>
+            </a:r>
+          </a:p>
+        </p:txBody>
+      </p:sp>
+      <p:sp>
+        <p:nvSpPr>
+          <p:cNvPr id="3" name="Content Placeholder 2">
+            <a:extLst>
+              <a:ext uri="{FF2B5EF4-FFF2-40B4-BE49-F238E27FC236}">
+                <a16:creationId xmlns:a16="http://schemas.microsoft.com/office/drawing/2014/main" id="{E65F183F-3FCB-B84E-8B28-A3728A0F0102}"/>
+              </a:ext>
+            </a:extLst>
+          </p:cNvPr>
+          <p:cNvSpPr>
+            <a:spLocks noGrp="1"/>
+          </p:cNvSpPr>
+          <p:nvPr>
+            <p:ph idx="1"/>
+          </p:nvPr>
+        </p:nvSpPr>
+        <p:spPr/>
+        <p:txBody>
+          <a:bodyPr/>
+          <a:lstStyle/>
+          <a:p>
+            <a:r>
+              <a:rPr lang="en-AU" dirty="0"/>
+              <a:t>Strategy applied for stocks with high volatility</a:t>
+            </a:r>
+          </a:p>
+        </p:txBody>
+      </p:sp>
+    </p:spTree>
+    <p:extLst>
+      <p:ext uri="{BB962C8B-B14F-4D97-AF65-F5344CB8AC3E}">
+        <p14:creationId xmlns:p14="http://schemas.microsoft.com/office/powerpoint/2010/main" val="3508907949"/>
+      </p:ext>
+    </p:extLst>
+  </p:cSld>
+  <p:clrMapOvr>
+    <a:masterClrMapping/>
+  </p:clrMapOvr>
+</p:sld>
+</file>
+
+<file path=ppt/slides/slide5.xml><?xml version="1.0" encoding="utf-8"?>
+<p:sld xmlns:a="http://schemas.openxmlformats.org/drawingml/2006/main" xmlns:r="http://schemas.openxmlformats.org/officeDocument/2006/relationships" xmlns:p="http://schemas.openxmlformats.org/presentationml/2006/main">
+  <p:cSld>
+    <p:spTree>
+      <p:nvGrpSpPr>
+        <p:cNvPr id="1" name=""/>
+        <p:cNvGrpSpPr/>
+        <p:nvPr/>
+      </p:nvGrpSpPr>
+      <p:grpSpPr>
+        <a:xfrm>
+          <a:off x="0" y="0"/>
+          <a:ext cx="0" cy="0"/>
+          <a:chOff x="0" y="0"/>
+          <a:chExt cx="0" cy="0"/>
+        </a:xfrm>
+      </p:grpSpPr>
+      <p:sp>
+        <p:nvSpPr>
+          <p:cNvPr id="2" name="Title 1">
+            <a:extLst>
+              <a:ext uri="{FF2B5EF4-FFF2-40B4-BE49-F238E27FC236}">
+                <a16:creationId xmlns:a16="http://schemas.microsoft.com/office/drawing/2014/main" id="{3617D379-069D-9546-A3BE-C41231C65E27}"/>
+              </a:ext>
+            </a:extLst>
+          </p:cNvPr>
+          <p:cNvSpPr>
+            <a:spLocks noGrp="1"/>
+          </p:cNvSpPr>
+          <p:nvPr>
+            <p:ph type="title"/>
+          </p:nvPr>
+        </p:nvSpPr>
+        <p:spPr/>
+        <p:txBody>
+          <a:bodyPr/>
+          <a:lstStyle/>
+          <a:p>
+            <a:r>
+              <a:rPr lang="en-AU" dirty="0"/>
+              <a:t>Momentum</a:t>
+            </a:r>
+          </a:p>
+        </p:txBody>
+      </p:sp>
+      <p:sp>
+        <p:nvSpPr>
+          <p:cNvPr id="3" name="Content Placeholder 2">
+            <a:extLst>
+              <a:ext uri="{FF2B5EF4-FFF2-40B4-BE49-F238E27FC236}">
+                <a16:creationId xmlns:a16="http://schemas.microsoft.com/office/drawing/2014/main" id="{E65F183F-3FCB-B84E-8B28-A3728A0F0102}"/>
+              </a:ext>
+            </a:extLst>
+          </p:cNvPr>
+          <p:cNvSpPr>
+            <a:spLocks noGrp="1"/>
+          </p:cNvSpPr>
+          <p:nvPr>
+            <p:ph idx="1"/>
+          </p:nvPr>
+        </p:nvSpPr>
+        <p:spPr/>
+        <p:txBody>
+          <a:bodyPr/>
+          <a:lstStyle/>
+          <a:p>
+            <a:endParaRPr lang="en-AU" dirty="0"/>
+          </a:p>
+        </p:txBody>
+      </p:sp>
+    </p:spTree>
+    <p:extLst>
+      <p:ext uri="{BB962C8B-B14F-4D97-AF65-F5344CB8AC3E}">
+        <p14:creationId xmlns:p14="http://schemas.microsoft.com/office/powerpoint/2010/main" val="1292148940"/>
+      </p:ext>
+    </p:extLst>
+  </p:cSld>
+  <p:clrMapOvr>
+    <a:masterClrMapping/>
+  </p:clrMapOvr>
+</p:sld>
+</file>
+
+<file path=ppt/slides/slide6.xml><?xml version="1.0" encoding="utf-8"?>
+<p:sld xmlns:a="http://schemas.openxmlformats.org/drawingml/2006/main" xmlns:r="http://schemas.openxmlformats.org/officeDocument/2006/relationships" xmlns:p="http://schemas.openxmlformats.org/presentationml/2006/main">
+  <p:cSld>
+    <p:spTree>
+      <p:nvGrpSpPr>
+        <p:cNvPr id="1" name=""/>
+        <p:cNvGrpSpPr/>
+        <p:nvPr/>
+      </p:nvGrpSpPr>
+      <p:grpSpPr>
+        <a:xfrm>
+          <a:off x="0" y="0"/>
+          <a:ext cx="0" cy="0"/>
+          <a:chOff x="0" y="0"/>
+          <a:chExt cx="0" cy="0"/>
+        </a:xfrm>
+      </p:grpSpPr>
+      <p:sp>
+        <p:nvSpPr>
+          <p:cNvPr id="2" name="Title 1">
+            <a:extLst>
+              <a:ext uri="{FF2B5EF4-FFF2-40B4-BE49-F238E27FC236}">
+                <a16:creationId xmlns:a16="http://schemas.microsoft.com/office/drawing/2014/main" id="{3617D379-069D-9546-A3BE-C41231C65E27}"/>
+              </a:ext>
+            </a:extLst>
+          </p:cNvPr>
+          <p:cNvSpPr>
+            <a:spLocks noGrp="1"/>
+          </p:cNvSpPr>
+          <p:nvPr>
+            <p:ph type="title"/>
+          </p:nvPr>
+        </p:nvSpPr>
+        <p:spPr/>
+        <p:txBody>
+          <a:bodyPr/>
+          <a:lstStyle/>
+          <a:p>
+            <a:r>
+              <a:rPr lang="en-AU" dirty="0"/>
+              <a:t>Optimisation</a:t>
+            </a:r>
+          </a:p>
+        </p:txBody>
+      </p:sp>
+      <p:sp>
+        <p:nvSpPr>
+          <p:cNvPr id="3" name="Content Placeholder 2">
+            <a:extLst>
+              <a:ext uri="{FF2B5EF4-FFF2-40B4-BE49-F238E27FC236}">
+                <a16:creationId xmlns:a16="http://schemas.microsoft.com/office/drawing/2014/main" id="{E65F183F-3FCB-B84E-8B28-A3728A0F0102}"/>
+              </a:ext>
+            </a:extLst>
+          </p:cNvPr>
+          <p:cNvSpPr>
+            <a:spLocks noGrp="1"/>
+          </p:cNvSpPr>
+          <p:nvPr>
+            <p:ph idx="1"/>
+          </p:nvPr>
+        </p:nvSpPr>
+        <p:spPr/>
+        <p:txBody>
+          <a:bodyPr/>
+          <a:lstStyle/>
+          <a:p>
+            <a:endParaRPr lang="en-AU"/>
+          </a:p>
+        </p:txBody>
+      </p:sp>
+    </p:spTree>
+    <p:extLst>
+      <p:ext uri="{BB962C8B-B14F-4D97-AF65-F5344CB8AC3E}">
+        <p14:creationId xmlns:p14="http://schemas.microsoft.com/office/powerpoint/2010/main" val="2727758678"/>
+      </p:ext>
+    </p:extLst>
+  </p:cSld>
+  <p:clrMapOvr>
+    <a:masterClrMapping/>
+  </p:clrMapOvr>
+</p:sld>
+</file>
+
 <file path=ppt/slides/slide7.xml><?xml version="1.0" encoding="utf-8"?>
 <p:sld xmlns:a="http://schemas.openxmlformats.org/drawingml/2006/main" xmlns:r="http://schemas.openxmlformats.org/officeDocument/2006/relationships" xmlns:p="http://schemas.openxmlformats.org/presentationml/2006/main">
   <p:cSld>
@@ -12771,7 +10743,7 @@
           <a:p>
             <a:r>
               <a:rPr lang="en-AU" dirty="0"/>
-              <a:t>Moving Average</a:t>
+              <a:t>Results and Potential Improvements</a:t>
             </a:r>
           </a:p>
         </p:txBody>
@@ -12797,17 +10769,14 @@
           <a:bodyPr/>
           <a:lstStyle/>
           <a:p>
-            <a:r>
-              <a:rPr lang="en-AU" dirty="0"/>
-              <a:t>Strategy applied for stocks with high volatility</a:t>
-            </a:r>
+            <a:endParaRPr lang="en-AU"/>
           </a:p>
         </p:txBody>
       </p:sp>
     </p:spTree>
     <p:extLst>
       <p:ext uri="{BB962C8B-B14F-4D97-AF65-F5344CB8AC3E}">
-        <p14:creationId xmlns:p14="http://schemas.microsoft.com/office/powerpoint/2010/main" val="3508907949"/>
+        <p14:creationId xmlns:p14="http://schemas.microsoft.com/office/powerpoint/2010/main" val="3907054753"/>
       </p:ext>
     </p:extLst>
   </p:cSld>
@@ -12839,7 +10808,7 @@
           <p:cNvPr id="2" name="Title 1">
             <a:extLst>
               <a:ext uri="{FF2B5EF4-FFF2-40B4-BE49-F238E27FC236}">
-                <a16:creationId xmlns:a16="http://schemas.microsoft.com/office/drawing/2014/main" id="{3617D379-069D-9546-A3BE-C41231C65E27}"/>
+                <a16:creationId xmlns:a16="http://schemas.microsoft.com/office/drawing/2014/main" id="{7CAA7696-C54D-A64E-A6A3-36581E7FBBC8}"/>
               </a:ext>
             </a:extLst>
           </p:cNvPr>
@@ -12857,123 +10826,44 @@
           <a:p>
             <a:r>
               <a:rPr lang="en-AU" dirty="0"/>
-              <a:t>Momentum</a:t>
+              <a:t>Criteria </a:t>
             </a:r>
           </a:p>
         </p:txBody>
       </p:sp>
-      <p:sp>
-        <p:nvSpPr>
-          <p:cNvPr id="3" name="Content Placeholder 2">
+      <p:pic>
+        <p:nvPicPr>
+          <p:cNvPr id="5" name="Content Placeholder 4" descr="Text, letter&#10;&#10;Description automatically generated">
             <a:extLst>
               <a:ext uri="{FF2B5EF4-FFF2-40B4-BE49-F238E27FC236}">
-                <a16:creationId xmlns:a16="http://schemas.microsoft.com/office/drawing/2014/main" id="{E65F183F-3FCB-B84E-8B28-A3728A0F0102}"/>
+                <a16:creationId xmlns:a16="http://schemas.microsoft.com/office/drawing/2014/main" id="{40C05237-42C1-D941-90AF-FF5C5E19EB09}"/>
               </a:ext>
             </a:extLst>
           </p:cNvPr>
-          <p:cNvSpPr>
-            <a:spLocks noGrp="1"/>
-          </p:cNvSpPr>
+          <p:cNvPicPr>
+            <a:picLocks noGrp="1" noChangeAspect="1"/>
+          </p:cNvPicPr>
           <p:nvPr>
             <p:ph idx="1"/>
           </p:nvPr>
-        </p:nvSpPr>
-        <p:spPr/>
-        <p:txBody>
-          <a:bodyPr/>
-          <a:lstStyle/>
-          <a:p>
-            <a:endParaRPr lang="en-AU" dirty="0"/>
-          </a:p>
-        </p:txBody>
-      </p:sp>
+        </p:nvPicPr>
+        <p:blipFill>
+          <a:blip r:embed="rId3"/>
+          <a:stretch>
+            <a:fillRect/>
+          </a:stretch>
+        </p:blipFill>
+        <p:spPr>
+          <a:xfrm>
+            <a:off x="677863" y="2368085"/>
+            <a:ext cx="8596312" cy="3466442"/>
+          </a:xfrm>
+        </p:spPr>
+      </p:pic>
     </p:spTree>
     <p:extLst>
       <p:ext uri="{BB962C8B-B14F-4D97-AF65-F5344CB8AC3E}">
-        <p14:creationId xmlns:p14="http://schemas.microsoft.com/office/powerpoint/2010/main" val="1292148940"/>
-      </p:ext>
-    </p:extLst>
-  </p:cSld>
-  <p:clrMapOvr>
-    <a:masterClrMapping/>
-  </p:clrMapOvr>
-</p:sld>
-</file>
-
-<file path=ppt/slides/slide9.xml><?xml version="1.0" encoding="utf-8"?>
-<p:sld xmlns:a="http://schemas.openxmlformats.org/drawingml/2006/main" xmlns:r="http://schemas.openxmlformats.org/officeDocument/2006/relationships" xmlns:p="http://schemas.openxmlformats.org/presentationml/2006/main">
-  <p:cSld>
-    <p:spTree>
-      <p:nvGrpSpPr>
-        <p:cNvPr id="1" name=""/>
-        <p:cNvGrpSpPr/>
-        <p:nvPr/>
-      </p:nvGrpSpPr>
-      <p:grpSpPr>
-        <a:xfrm>
-          <a:off x="0" y="0"/>
-          <a:ext cx="0" cy="0"/>
-          <a:chOff x="0" y="0"/>
-          <a:chExt cx="0" cy="0"/>
-        </a:xfrm>
-      </p:grpSpPr>
-      <p:sp>
-        <p:nvSpPr>
-          <p:cNvPr id="2" name="Title 1">
-            <a:extLst>
-              <a:ext uri="{FF2B5EF4-FFF2-40B4-BE49-F238E27FC236}">
-                <a16:creationId xmlns:a16="http://schemas.microsoft.com/office/drawing/2014/main" id="{3617D379-069D-9546-A3BE-C41231C65E27}"/>
-              </a:ext>
-            </a:extLst>
-          </p:cNvPr>
-          <p:cNvSpPr>
-            <a:spLocks noGrp="1"/>
-          </p:cNvSpPr>
-          <p:nvPr>
-            <p:ph type="title"/>
-          </p:nvPr>
-        </p:nvSpPr>
-        <p:spPr/>
-        <p:txBody>
-          <a:bodyPr/>
-          <a:lstStyle/>
-          <a:p>
-            <a:r>
-              <a:rPr lang="en-AU" dirty="0"/>
-              <a:t>Optimisation</a:t>
-            </a:r>
-          </a:p>
-        </p:txBody>
-      </p:sp>
-      <p:sp>
-        <p:nvSpPr>
-          <p:cNvPr id="3" name="Content Placeholder 2">
-            <a:extLst>
-              <a:ext uri="{FF2B5EF4-FFF2-40B4-BE49-F238E27FC236}">
-                <a16:creationId xmlns:a16="http://schemas.microsoft.com/office/drawing/2014/main" id="{E65F183F-3FCB-B84E-8B28-A3728A0F0102}"/>
-              </a:ext>
-            </a:extLst>
-          </p:cNvPr>
-          <p:cNvSpPr>
-            <a:spLocks noGrp="1"/>
-          </p:cNvSpPr>
-          <p:nvPr>
-            <p:ph idx="1"/>
-          </p:nvPr>
-        </p:nvSpPr>
-        <p:spPr/>
-        <p:txBody>
-          <a:bodyPr/>
-          <a:lstStyle/>
-          <a:p>
-            <a:endParaRPr lang="en-AU"/>
-          </a:p>
-        </p:txBody>
-      </p:sp>
-    </p:spTree>
-    <p:extLst>
-      <p:ext uri="{BB962C8B-B14F-4D97-AF65-F5344CB8AC3E}">
-        <p14:creationId xmlns:p14="http://schemas.microsoft.com/office/powerpoint/2010/main" val="2727758678"/>
+        <p14:creationId xmlns:p14="http://schemas.microsoft.com/office/powerpoint/2010/main" val="3546353354"/>
       </p:ext>
     </p:extLst>
   </p:cSld>
